--- a/非受控文档/04-苏雨豪/PRD2018-G11-项目计划PPT.pptx
+++ b/非受控文档/04-苏雨豪/PRD2018-G11-项目计划PPT.pptx
@@ -5,35 +5,35 @@
     <p:sldMasterId id="2147483648" r:id="rId1"/>
   </p:sldMasterIdLst>
   <p:notesMasterIdLst>
-    <p:notesMasterId r:id="rId23"/>
+    <p:notesMasterId r:id="rId4"/>
   </p:notesMasterIdLst>
   <p:handoutMasterIdLst>
-    <p:handoutMasterId r:id="rId24"/>
+    <p:handoutMasterId r:id="rId25"/>
   </p:handoutMasterIdLst>
   <p:sldIdLst>
-    <p:sldId id="370" r:id="rId2"/>
-    <p:sldId id="418" r:id="rId3"/>
-    <p:sldId id="419" r:id="rId4"/>
-    <p:sldId id="420" r:id="rId5"/>
-    <p:sldId id="411" r:id="rId6"/>
-    <p:sldId id="439" r:id="rId7"/>
-    <p:sldId id="450" r:id="rId8"/>
-    <p:sldId id="437" r:id="rId9"/>
-    <p:sldId id="456" r:id="rId10"/>
-    <p:sldId id="458" r:id="rId11"/>
-    <p:sldId id="457" r:id="rId12"/>
-    <p:sldId id="459" r:id="rId13"/>
-    <p:sldId id="460" r:id="rId14"/>
-    <p:sldId id="461" r:id="rId15"/>
-    <p:sldId id="462" r:id="rId16"/>
-    <p:sldId id="463" r:id="rId17"/>
-    <p:sldId id="464" r:id="rId18"/>
-    <p:sldId id="465" r:id="rId19"/>
-    <p:sldId id="455" r:id="rId20"/>
-    <p:sldId id="451" r:id="rId21"/>
-    <p:sldId id="436" r:id="rId22"/>
+    <p:sldId id="370" r:id="rId3"/>
+    <p:sldId id="418" r:id="rId5"/>
+    <p:sldId id="419" r:id="rId6"/>
+    <p:sldId id="420" r:id="rId7"/>
+    <p:sldId id="411" r:id="rId8"/>
+    <p:sldId id="439" r:id="rId9"/>
+    <p:sldId id="450" r:id="rId10"/>
+    <p:sldId id="437" r:id="rId11"/>
+    <p:sldId id="456" r:id="rId12"/>
+    <p:sldId id="458" r:id="rId13"/>
+    <p:sldId id="457" r:id="rId14"/>
+    <p:sldId id="459" r:id="rId15"/>
+    <p:sldId id="460" r:id="rId16"/>
+    <p:sldId id="461" r:id="rId17"/>
+    <p:sldId id="462" r:id="rId18"/>
+    <p:sldId id="463" r:id="rId19"/>
+    <p:sldId id="464" r:id="rId20"/>
+    <p:sldId id="465" r:id="rId21"/>
+    <p:sldId id="455" r:id="rId22"/>
+    <p:sldId id="451" r:id="rId23"/>
+    <p:sldId id="436" r:id="rId24"/>
   </p:sldIdLst>
-  <p:sldSz cx="12190413" cy="6859588"/>
+  <p:sldSz cx="12190095" cy="6859270"/>
   <p:notesSz cx="6858000" cy="9144000"/>
   <p:defaultTextStyle>
     <a:defPPr>
@@ -215,7 +215,6 @@
           <a:p>
             <a:fld id="{5D1C15E6-6BD2-4E4B-B1D4-218C26E1B228}" type="datetimeFigureOut">
               <a:rPr lang="zh-CN" altLang="en-US" smtClean="0"/>
-              <a:t>2018/9/30</a:t>
             </a:fld>
             <a:endParaRPr lang="zh-CN" altLang="en-US"/>
           </a:p>
@@ -281,18 +280,12 @@
           <a:p>
             <a:fld id="{E655EDCA-2189-4435-B38B-6F3C2C044356}" type="slidenum">
               <a:rPr lang="zh-CN" altLang="en-US" smtClean="0"/>
-              <a:t>‹#›</a:t>
             </a:fld>
             <a:endParaRPr lang="zh-CN" altLang="en-US"/>
           </a:p>
         </p:txBody>
       </p:sp>
     </p:spTree>
-    <p:extLst>
-      <p:ext uri="{BB962C8B-B14F-4D97-AF65-F5344CB8AC3E}">
-        <p14:creationId xmlns:p14="http://schemas.microsoft.com/office/powerpoint/2010/main" val="326599140"/>
-      </p:ext>
-    </p:extLst>
   </p:cSld>
   <p:clrMap bg1="lt1" tx1="dk1" bg2="lt2" tx2="dk2" accent1="accent1" accent2="accent2" accent3="accent3" accent4="accent4" accent5="accent5" accent6="accent6" hlink="hlink" folHlink="folHlink"/>
 </p:handoutMaster>
@@ -380,7 +373,6 @@
           <a:p>
             <a:fld id="{0B17430C-5A66-4BD0-A971-34190B6C6019}" type="datetimeFigureOut">
               <a:rPr lang="zh-CN" altLang="en-US" smtClean="0"/>
-              <a:t>2018/9/30</a:t>
             </a:fld>
             <a:endParaRPr lang="zh-CN" altLang="en-US"/>
           </a:p>
@@ -447,6 +439,7 @@
               <a:rPr lang="zh-CN" altLang="en-US" smtClean="0"/>
               <a:t>单击此处编辑母版文本样式</a:t>
             </a:r>
+            <a:endParaRPr lang="zh-CN" altLang="en-US" smtClean="0"/>
           </a:p>
           <a:p>
             <a:pPr lvl="1"/>
@@ -454,6 +447,7 @@
               <a:rPr lang="zh-CN" altLang="en-US" smtClean="0"/>
               <a:t>第二级</a:t>
             </a:r>
+            <a:endParaRPr lang="zh-CN" altLang="en-US" smtClean="0"/>
           </a:p>
           <a:p>
             <a:pPr lvl="2"/>
@@ -461,6 +455,7 @@
               <a:rPr lang="zh-CN" altLang="en-US" smtClean="0"/>
               <a:t>第三级</a:t>
             </a:r>
+            <a:endParaRPr lang="zh-CN" altLang="en-US" smtClean="0"/>
           </a:p>
           <a:p>
             <a:pPr lvl="3"/>
@@ -468,6 +463,7 @@
               <a:rPr lang="zh-CN" altLang="en-US" smtClean="0"/>
               <a:t>第四级</a:t>
             </a:r>
+            <a:endParaRPr lang="zh-CN" altLang="en-US" smtClean="0"/>
           </a:p>
           <a:p>
             <a:pPr lvl="4"/>
@@ -539,18 +535,12 @@
           <a:p>
             <a:fld id="{74AC173A-3DA8-4893-B28A-1E15F55C330A}" type="slidenum">
               <a:rPr lang="zh-CN" altLang="en-US" smtClean="0"/>
-              <a:t>‹#›</a:t>
             </a:fld>
             <a:endParaRPr lang="zh-CN" altLang="en-US"/>
           </a:p>
         </p:txBody>
       </p:sp>
     </p:spTree>
-    <p:extLst>
-      <p:ext uri="{BB962C8B-B14F-4D97-AF65-F5344CB8AC3E}">
-        <p14:creationId xmlns:p14="http://schemas.microsoft.com/office/powerpoint/2010/main" val="3896411634"/>
-      </p:ext>
-    </p:extLst>
   </p:cSld>
   <p:clrMap bg1="lt1" tx1="dk1" bg2="lt2" tx2="dk2" accent1="accent1" accent2="accent2" accent3="accent3" accent4="accent4" accent5="accent5" accent6="accent6" hlink="hlink" folHlink="folHlink"/>
   <p:notesStyle>
@@ -713,7 +703,6 @@
           <a:p>
             <a:fld id="{74AC173A-3DA8-4893-B28A-1E15F55C330A}" type="slidenum">
               <a:rPr lang="zh-CN" altLang="en-US" smtClean="0"/>
-              <a:t>1</a:t>
             </a:fld>
             <a:endParaRPr lang="zh-CN" altLang="en-US"/>
           </a:p>
@@ -792,7 +781,6 @@
           <a:p>
             <a:fld id="{74AC173A-3DA8-4893-B28A-1E15F55C330A}" type="slidenum">
               <a:rPr lang="zh-CN" altLang="en-US" smtClean="0"/>
-              <a:t>2</a:t>
             </a:fld>
             <a:endParaRPr lang="zh-CN" altLang="en-US"/>
           </a:p>
@@ -871,7 +859,6 @@
           <a:p>
             <a:fld id="{74AC173A-3DA8-4893-B28A-1E15F55C330A}" type="slidenum">
               <a:rPr lang="zh-CN" altLang="en-US" smtClean="0"/>
-              <a:t>3</a:t>
             </a:fld>
             <a:endParaRPr lang="zh-CN" altLang="en-US"/>
           </a:p>
@@ -950,7 +937,6 @@
           <a:p>
             <a:fld id="{74AC173A-3DA8-4893-B28A-1E15F55C330A}" type="slidenum">
               <a:rPr lang="zh-CN" altLang="en-US" smtClean="0"/>
-              <a:t>4</a:t>
             </a:fld>
             <a:endParaRPr lang="zh-CN" altLang="en-US"/>
           </a:p>
@@ -1029,7 +1015,6 @@
           <a:p>
             <a:fld id="{74AC173A-3DA8-4893-B28A-1E15F55C330A}" type="slidenum">
               <a:rPr lang="zh-CN" altLang="en-US" smtClean="0"/>
-              <a:t>5</a:t>
             </a:fld>
             <a:endParaRPr lang="zh-CN" altLang="en-US"/>
           </a:p>
@@ -1108,7 +1093,6 @@
           <a:p>
             <a:fld id="{74AC173A-3DA8-4893-B28A-1E15F55C330A}" type="slidenum">
               <a:rPr lang="zh-CN" altLang="en-US" smtClean="0"/>
-              <a:t>19</a:t>
             </a:fld>
             <a:endParaRPr lang="zh-CN" altLang="en-US"/>
           </a:p>
@@ -1187,7 +1171,6 @@
           <a:p>
             <a:fld id="{74AC173A-3DA8-4893-B28A-1E15F55C330A}" type="slidenum">
               <a:rPr lang="zh-CN" altLang="en-US" smtClean="0"/>
-              <a:t>20</a:t>
             </a:fld>
             <a:endParaRPr lang="zh-CN" altLang="en-US"/>
           </a:p>
@@ -1266,7 +1249,6 @@
           <a:p>
             <a:fld id="{74AC173A-3DA8-4893-B28A-1E15F55C330A}" type="slidenum">
               <a:rPr lang="zh-CN" altLang="en-US" smtClean="0"/>
-              <a:t>21</a:t>
             </a:fld>
             <a:endParaRPr lang="zh-CN" altLang="en-US"/>
           </a:p>
@@ -1478,7 +1460,6 @@
                 <a:latin typeface="微软雅黑" panose="020B0503020204020204" pitchFamily="34" charset="-122"/>
                 <a:ea typeface="微软雅黑" panose="020B0503020204020204" pitchFamily="34" charset="-122"/>
               </a:rPr>
-              <a:t>‹#›</a:t>
             </a:fld>
             <a:r>
               <a:rPr lang="zh-CN" altLang="en-US" sz="1800" dirty="0" smtClean="0">
@@ -2408,7 +2389,6 @@
           <a:p>
             <a:fld id="{530820CF-B880-4189-942D-D702A7CBA730}" type="datetimeFigureOut">
               <a:rPr lang="zh-CN" altLang="en-US" smtClean="0"/>
-              <a:t>2018/9/30</a:t>
             </a:fld>
             <a:endParaRPr lang="zh-CN" altLang="en-US"/>
           </a:p>
@@ -2466,7 +2446,6 @@
           <a:p>
             <a:fld id="{0C913308-F349-4B6D-A68A-DD1791B4A57B}" type="slidenum">
               <a:rPr lang="zh-CN" altLang="en-US" smtClean="0"/>
-              <a:t>‹#›</a:t>
             </a:fld>
             <a:endParaRPr lang="zh-CN" altLang="en-US"/>
           </a:p>
@@ -2525,7 +2504,6 @@
           <a:p>
             <a:fld id="{530820CF-B880-4189-942D-D702A7CBA730}" type="datetimeFigureOut">
               <a:rPr lang="zh-CN" altLang="en-US" smtClean="0"/>
-              <a:t>2018/9/30</a:t>
             </a:fld>
             <a:endParaRPr lang="zh-CN" altLang="en-US"/>
           </a:p>
@@ -2583,7 +2561,6 @@
           <a:p>
             <a:fld id="{0C913308-F349-4B6D-A68A-DD1791B4A57B}" type="slidenum">
               <a:rPr lang="zh-CN" altLang="en-US" smtClean="0"/>
-              <a:t>‹#›</a:t>
             </a:fld>
             <a:endParaRPr lang="zh-CN" altLang="en-US"/>
           </a:p>
@@ -3488,6 +3465,16 @@
               </a:rPr>
               <a:t>小组</a:t>
             </a:r>
+            <a:endParaRPr lang="zh-CN" altLang="en-US" sz="1900" dirty="0">
+              <a:solidFill>
+                <a:schemeClr val="tx1">
+                  <a:lumMod val="85000"/>
+                  <a:lumOff val="15000"/>
+                </a:schemeClr>
+              </a:solidFill>
+              <a:latin typeface="微软雅黑" panose="020B0503020204020204" pitchFamily="34" charset="-122"/>
+              <a:ea typeface="微软雅黑" panose="020B0503020204020204" pitchFamily="34" charset="-122"/>
+            </a:endParaRPr>
           </a:p>
         </p:txBody>
       </p:sp>
@@ -3649,16 +3636,16 @@
             <a:picLocks noChangeAspect="1"/>
           </p:cNvPicPr>
           <p:nvPr>
-            <a:audioFile r:link="rId2"/>
+            <a:audioFile r:link="rId1"/>
             <p:extLst>
               <p:ext uri="{DAA4B4D4-6D71-4841-9C94-3DE7FCFB9230}">
-                <p14:media xmlns:p14="http://schemas.microsoft.com/office/powerpoint/2010/main" r:embed="rId1"/>
+                <p14:media xmlns:p14="http://schemas.microsoft.com/office/powerpoint/2010/main" r:embed="rId2"/>
               </p:ext>
             </p:extLst>
           </p:nvPr>
         </p:nvPicPr>
         <p:blipFill>
-          <a:blip r:embed="rId5"/>
+          <a:blip r:embed="rId3"/>
           <a:stretch>
             <a:fillRect/>
           </a:stretch>
@@ -3706,6 +3693,14 @@
               </a:rPr>
               <a:t>浙江大学城市学院</a:t>
             </a:r>
+            <a:endParaRPr lang="zh-CN" altLang="en-US" kern="300" spc="2000">
+              <a:solidFill>
+                <a:schemeClr val="tx1"/>
+              </a:solidFill>
+              <a:uFillTx/>
+              <a:latin typeface="+中文标题" charset="0"/>
+              <a:ea typeface="+mj-ea"/>
+            </a:endParaRPr>
           </a:p>
         </p:txBody>
       </p:sp>
@@ -3714,13 +3709,13 @@
   <p:clrMapOvr>
     <a:masterClrMapping/>
   </p:clrMapOvr>
-  <mc:AlternateContent xmlns:mc="http://schemas.openxmlformats.org/markup-compatibility/2006" xmlns:p14="http://schemas.microsoft.com/office/powerpoint/2010/main">
-    <mc:Choice Requires="p14">
+  <mc:AlternateContent xmlns:mc="http://schemas.openxmlformats.org/markup-compatibility/2006">
+    <mc:Choice xmlns:p14="http://schemas.microsoft.com/office/powerpoint/2010/main" Requires="p14">
       <p:transition spd="slow" p14:dur="1600" advClick="0" advTm="0">
         <p:blinds dir="vert"/>
       </p:transition>
     </mc:Choice>
-    <mc:Fallback xmlns="">
+    <mc:Fallback>
       <p:transition spd="slow" advClick="0" advTm="0">
         <p:blinds dir="vert"/>
       </p:transition>
@@ -4324,7 +4319,7 @@
                         <p:par>
                           <p:cTn id="47" fill="hold">
                             <p:stCondLst>
-                              <p:cond delay="1200"/>
+                              <p:cond delay="1500"/>
                             </p:stCondLst>
                             <p:childTnLst>
                               <p:par>
@@ -4368,7 +4363,7 @@
                         <p:par>
                           <p:cTn id="51" fill="hold">
                             <p:stCondLst>
-                              <p:cond delay="1700"/>
+                              <p:cond delay="2000"/>
                             </p:stCondLst>
                             <p:childTnLst>
                               <p:par>
@@ -4435,7 +4430,7 @@
                         <p:par>
                           <p:cTn id="56" fill="hold">
                             <p:stCondLst>
-                              <p:cond delay="2200"/>
+                              <p:cond delay="2500"/>
                             </p:stCondLst>
                             <p:childTnLst>
                               <p:par>
@@ -4704,6 +4699,13 @@
               </a:rPr>
               <a:t>人力资源管理计划</a:t>
             </a:r>
+            <a:endParaRPr lang="zh-CN" altLang="en-US" sz="2665" dirty="0">
+              <a:solidFill>
+                <a:srgbClr val="183A5D"/>
+              </a:solidFill>
+              <a:latin typeface="微软雅黑" panose="020B0503020204020204" pitchFamily="34" charset="-122"/>
+              <a:ea typeface="微软雅黑" panose="020B0503020204020204" pitchFamily="34" charset="-122"/>
+            </a:endParaRPr>
           </a:p>
         </p:txBody>
       </p:sp>
@@ -4741,6 +4743,7 @@
               <a:rPr lang="zh-CN" altLang="zh-CN" sz="2400" b="1" dirty="0"/>
               <a:t>）</a:t>
             </a:r>
+            <a:endParaRPr lang="zh-CN" altLang="zh-CN" sz="2400" b="1" dirty="0"/>
           </a:p>
         </p:txBody>
       </p:sp>
@@ -4753,7 +4756,7 @@
           <p:nvPr/>
         </p:nvPicPr>
         <p:blipFill>
-          <a:blip r:embed="rId2">
+          <a:blip r:embed="rId1">
             <a:extLst>
               <a:ext uri="{28A0092B-C50C-407E-A947-70E740481C1C}">
                 <a14:useLocalDpi xmlns:a14="http://schemas.microsoft.com/office/drawing/2010/main" val="0"/>
@@ -4799,11 +4802,6 @@
         </p:spPr>
       </p:pic>
     </p:spTree>
-    <p:extLst>
-      <p:ext uri="{BB962C8B-B14F-4D97-AF65-F5344CB8AC3E}">
-        <p14:creationId xmlns:p14="http://schemas.microsoft.com/office/powerpoint/2010/main" val="2251549332"/>
-      </p:ext>
-    </p:extLst>
   </p:cSld>
   <p:clrMapOvr>
     <a:masterClrMapping/>
@@ -4930,6 +4928,7 @@
               <a:rPr lang="en-US" sz="2400" dirty="0"/>
               <a:t>4</a:t>
             </a:r>
+            <a:endParaRPr lang="en-US" sz="2400" dirty="0"/>
           </a:p>
         </p:txBody>
       </p:sp>
@@ -5011,6 +5010,7 @@
               <a:rPr lang="zh-CN" altLang="zh-CN" sz="2400" b="1" dirty="0"/>
               <a:t>干系人手册</a:t>
             </a:r>
+            <a:endParaRPr lang="zh-CN" altLang="zh-CN" sz="2400" b="1" dirty="0"/>
           </a:p>
         </p:txBody>
       </p:sp>
@@ -5020,13 +5020,7 @@
           <p:cNvGraphicFramePr>
             <a:graphicFrameLocks noGrp="1"/>
           </p:cNvGraphicFramePr>
-          <p:nvPr>
-            <p:extLst>
-              <p:ext uri="{D42A27DB-BD31-4B8C-83A1-F6EECF244321}">
-                <p14:modId xmlns:p14="http://schemas.microsoft.com/office/powerpoint/2010/main" val="6971616"/>
-              </p:ext>
-            </p:extLst>
-          </p:nvPr>
+          <p:nvPr/>
         </p:nvGraphicFramePr>
         <p:xfrm>
           <a:off x="1990750" y="1701602"/>
@@ -5064,9 +5058,9 @@
                       </a:r>
                       <a:endParaRPr lang="zh-CN" sz="1050" kern="100">
                         <a:effectLst/>
-                        <a:latin typeface="Calibri"/>
-                        <a:ea typeface="宋体"/>
-                        <a:cs typeface="Times New Roman"/>
+                        <a:latin typeface="Calibri" panose="020F0502020204030204"/>
+                        <a:ea typeface="宋体" panose="02010600030101010101" pitchFamily="2" charset="-122"/>
+                        <a:cs typeface="Times New Roman" panose="02020603050405020304"/>
                       </a:endParaRPr>
                     </a:p>
                   </a:txBody>
@@ -5090,9 +5084,9 @@
                       </a:r>
                       <a:endParaRPr lang="zh-CN" sz="1050" kern="100">
                         <a:effectLst/>
-                        <a:latin typeface="Calibri"/>
-                        <a:ea typeface="宋体"/>
-                        <a:cs typeface="Times New Roman"/>
+                        <a:latin typeface="Calibri" panose="020F0502020204030204"/>
+                        <a:ea typeface="宋体" panose="02010600030101010101" pitchFamily="2" charset="-122"/>
+                        <a:cs typeface="Times New Roman" panose="02020603050405020304"/>
                       </a:endParaRPr>
                     </a:p>
                   </a:txBody>
@@ -5116,9 +5110,9 @@
                       </a:r>
                       <a:endParaRPr lang="zh-CN" sz="1050" kern="100">
                         <a:effectLst/>
-                        <a:latin typeface="Calibri"/>
-                        <a:ea typeface="宋体"/>
-                        <a:cs typeface="Times New Roman"/>
+                        <a:latin typeface="Calibri" panose="020F0502020204030204"/>
+                        <a:ea typeface="宋体" panose="02010600030101010101" pitchFamily="2" charset="-122"/>
+                        <a:cs typeface="Times New Roman" panose="02020603050405020304"/>
                       </a:endParaRPr>
                     </a:p>
                   </a:txBody>
@@ -5142,9 +5136,9 @@
                       </a:r>
                       <a:endParaRPr lang="zh-CN" sz="1050" kern="100">
                         <a:effectLst/>
-                        <a:latin typeface="Calibri"/>
-                        <a:ea typeface="宋体"/>
-                        <a:cs typeface="Times New Roman"/>
+                        <a:latin typeface="Calibri" panose="020F0502020204030204"/>
+                        <a:ea typeface="宋体" panose="02010600030101010101" pitchFamily="2" charset="-122"/>
+                        <a:cs typeface="Times New Roman" panose="02020603050405020304"/>
                       </a:endParaRPr>
                     </a:p>
                   </a:txBody>
@@ -5168,9 +5162,9 @@
                       </a:r>
                       <a:endParaRPr lang="zh-CN" sz="1050" kern="100">
                         <a:effectLst/>
-                        <a:latin typeface="Calibri"/>
-                        <a:ea typeface="宋体"/>
-                        <a:cs typeface="Times New Roman"/>
+                        <a:latin typeface="Calibri" panose="020F0502020204030204"/>
+                        <a:ea typeface="宋体" panose="02010600030101010101" pitchFamily="2" charset="-122"/>
+                        <a:cs typeface="Times New Roman" panose="02020603050405020304"/>
                       </a:endParaRPr>
                     </a:p>
                   </a:txBody>
@@ -5196,9 +5190,9 @@
                       </a:r>
                       <a:endParaRPr lang="zh-CN" sz="1050" kern="100">
                         <a:effectLst/>
-                        <a:latin typeface="Calibri"/>
-                        <a:ea typeface="宋体"/>
-                        <a:cs typeface="Times New Roman"/>
+                        <a:latin typeface="Calibri" panose="020F0502020204030204"/>
+                        <a:ea typeface="宋体" panose="02010600030101010101" pitchFamily="2" charset="-122"/>
+                        <a:cs typeface="Times New Roman" panose="02020603050405020304"/>
                       </a:endParaRPr>
                     </a:p>
                   </a:txBody>
@@ -5222,9 +5216,9 @@
                       </a:r>
                       <a:endParaRPr lang="zh-CN" sz="1050" kern="100">
                         <a:effectLst/>
-                        <a:latin typeface="Calibri"/>
-                        <a:ea typeface="宋体"/>
-                        <a:cs typeface="Times New Roman"/>
+                        <a:latin typeface="Calibri" panose="020F0502020204030204"/>
+                        <a:ea typeface="宋体" panose="02010600030101010101" pitchFamily="2" charset="-122"/>
+                        <a:cs typeface="Times New Roman" panose="02020603050405020304"/>
                       </a:endParaRPr>
                     </a:p>
                   </a:txBody>
@@ -5248,9 +5242,9 @@
                       </a:r>
                       <a:endParaRPr lang="zh-CN" sz="1050" kern="100">
                         <a:effectLst/>
-                        <a:latin typeface="Calibri"/>
-                        <a:ea typeface="宋体"/>
-                        <a:cs typeface="Times New Roman"/>
+                        <a:latin typeface="Calibri" panose="020F0502020204030204"/>
+                        <a:ea typeface="宋体" panose="02010600030101010101" pitchFamily="2" charset="-122"/>
+                        <a:cs typeface="Times New Roman" panose="02020603050405020304"/>
                       </a:endParaRPr>
                     </a:p>
                   </a:txBody>
@@ -5280,9 +5274,9 @@
                       </a:r>
                       <a:endParaRPr lang="zh-CN" sz="1050" kern="100">
                         <a:effectLst/>
-                        <a:latin typeface="Calibri"/>
-                        <a:ea typeface="宋体"/>
-                        <a:cs typeface="Times New Roman"/>
+                        <a:latin typeface="Calibri" panose="020F0502020204030204"/>
+                        <a:ea typeface="宋体" panose="02010600030101010101" pitchFamily="2" charset="-122"/>
+                        <a:cs typeface="Times New Roman" panose="02020603050405020304"/>
                       </a:endParaRPr>
                     </a:p>
                   </a:txBody>
@@ -5306,9 +5300,9 @@
                       </a:r>
                       <a:endParaRPr lang="zh-CN" sz="1050" kern="100">
                         <a:effectLst/>
-                        <a:latin typeface="Calibri"/>
-                        <a:ea typeface="宋体"/>
-                        <a:cs typeface="Times New Roman"/>
+                        <a:latin typeface="Calibri" panose="020F0502020204030204"/>
+                        <a:ea typeface="宋体" panose="02010600030101010101" pitchFamily="2" charset="-122"/>
+                        <a:cs typeface="Times New Roman" panose="02020603050405020304"/>
                       </a:endParaRPr>
                     </a:p>
                   </a:txBody>
@@ -5334,9 +5328,9 @@
                       </a:r>
                       <a:endParaRPr lang="zh-CN" sz="1050" kern="100">
                         <a:effectLst/>
-                        <a:latin typeface="Calibri"/>
-                        <a:ea typeface="宋体"/>
-                        <a:cs typeface="Times New Roman"/>
+                        <a:latin typeface="Calibri" panose="020F0502020204030204"/>
+                        <a:ea typeface="宋体" panose="02010600030101010101" pitchFamily="2" charset="-122"/>
+                        <a:cs typeface="Times New Roman" panose="02020603050405020304"/>
                       </a:endParaRPr>
                     </a:p>
                   </a:txBody>
@@ -5360,9 +5354,9 @@
                       </a:r>
                       <a:endParaRPr lang="zh-CN" sz="1050" kern="100">
                         <a:effectLst/>
-                        <a:latin typeface="Calibri"/>
-                        <a:ea typeface="宋体"/>
-                        <a:cs typeface="Times New Roman"/>
+                        <a:latin typeface="Calibri" panose="020F0502020204030204"/>
+                        <a:ea typeface="宋体" panose="02010600030101010101" pitchFamily="2" charset="-122"/>
+                        <a:cs typeface="Times New Roman" panose="02020603050405020304"/>
                       </a:endParaRPr>
                     </a:p>
                   </a:txBody>
@@ -5386,9 +5380,9 @@
                       </a:r>
                       <a:endParaRPr lang="zh-CN" sz="1050" kern="100">
                         <a:effectLst/>
-                        <a:latin typeface="Calibri"/>
-                        <a:ea typeface="宋体"/>
-                        <a:cs typeface="Times New Roman"/>
+                        <a:latin typeface="Calibri" panose="020F0502020204030204"/>
+                        <a:ea typeface="宋体" panose="02010600030101010101" pitchFamily="2" charset="-122"/>
+                        <a:cs typeface="Times New Roman" panose="02020603050405020304"/>
                       </a:endParaRPr>
                     </a:p>
                   </a:txBody>
@@ -5418,9 +5412,9 @@
                       </a:r>
                       <a:endParaRPr lang="zh-CN" sz="1050" kern="100">
                         <a:effectLst/>
-                        <a:latin typeface="Calibri"/>
-                        <a:ea typeface="宋体"/>
-                        <a:cs typeface="Times New Roman"/>
+                        <a:latin typeface="Calibri" panose="020F0502020204030204"/>
+                        <a:ea typeface="宋体" panose="02010600030101010101" pitchFamily="2" charset="-122"/>
+                        <a:cs typeface="Times New Roman" panose="02020603050405020304"/>
                       </a:endParaRPr>
                     </a:p>
                   </a:txBody>
@@ -5462,9 +5456,9 @@
                       </a:r>
                       <a:endParaRPr lang="zh-CN" sz="1050" kern="100">
                         <a:effectLst/>
-                        <a:latin typeface="Calibri"/>
-                        <a:ea typeface="宋体"/>
-                        <a:cs typeface="Times New Roman"/>
+                        <a:latin typeface="Calibri" panose="020F0502020204030204"/>
+                        <a:ea typeface="宋体" panose="02010600030101010101" pitchFamily="2" charset="-122"/>
+                        <a:cs typeface="Times New Roman" panose="02020603050405020304"/>
                       </a:endParaRPr>
                     </a:p>
                   </a:txBody>
@@ -5490,9 +5484,9 @@
                       </a:r>
                       <a:endParaRPr lang="zh-CN" sz="1050" kern="100">
                         <a:effectLst/>
-                        <a:latin typeface="Calibri"/>
-                        <a:ea typeface="宋体"/>
-                        <a:cs typeface="Times New Roman"/>
+                        <a:latin typeface="Calibri" panose="020F0502020204030204"/>
+                        <a:ea typeface="宋体" panose="02010600030101010101" pitchFamily="2" charset="-122"/>
+                        <a:cs typeface="Times New Roman" panose="02020603050405020304"/>
                       </a:endParaRPr>
                     </a:p>
                   </a:txBody>
@@ -5516,9 +5510,9 @@
                       </a:r>
                       <a:endParaRPr lang="zh-CN" sz="1050" kern="100">
                         <a:effectLst/>
-                        <a:latin typeface="Calibri"/>
-                        <a:ea typeface="宋体"/>
-                        <a:cs typeface="Times New Roman"/>
+                        <a:latin typeface="Calibri" panose="020F0502020204030204"/>
+                        <a:ea typeface="宋体" panose="02010600030101010101" pitchFamily="2" charset="-122"/>
+                        <a:cs typeface="Times New Roman" panose="02020603050405020304"/>
                       </a:endParaRPr>
                     </a:p>
                   </a:txBody>
@@ -5542,9 +5536,9 @@
                       </a:r>
                       <a:endParaRPr lang="zh-CN" sz="1050" kern="100">
                         <a:effectLst/>
-                        <a:latin typeface="Calibri"/>
-                        <a:ea typeface="宋体"/>
-                        <a:cs typeface="Times New Roman"/>
+                        <a:latin typeface="Calibri" panose="020F0502020204030204"/>
+                        <a:ea typeface="宋体" panose="02010600030101010101" pitchFamily="2" charset="-122"/>
+                        <a:cs typeface="Times New Roman" panose="02020603050405020304"/>
                       </a:endParaRPr>
                     </a:p>
                   </a:txBody>
@@ -5574,9 +5568,9 @@
                       </a:r>
                       <a:endParaRPr lang="zh-CN" sz="1050" kern="100">
                         <a:effectLst/>
-                        <a:latin typeface="Calibri"/>
-                        <a:ea typeface="宋体"/>
-                        <a:cs typeface="Times New Roman"/>
+                        <a:latin typeface="Calibri" panose="020F0502020204030204"/>
+                        <a:ea typeface="宋体" panose="02010600030101010101" pitchFamily="2" charset="-122"/>
+                        <a:cs typeface="Times New Roman" panose="02020603050405020304"/>
                       </a:endParaRPr>
                     </a:p>
                   </a:txBody>
@@ -5600,9 +5594,9 @@
                       </a:r>
                       <a:endParaRPr lang="zh-CN" sz="1050" kern="100">
                         <a:effectLst/>
-                        <a:latin typeface="Calibri"/>
-                        <a:ea typeface="宋体"/>
-                        <a:cs typeface="Times New Roman"/>
+                        <a:latin typeface="Calibri" panose="020F0502020204030204"/>
+                        <a:ea typeface="宋体" panose="02010600030101010101" pitchFamily="2" charset="-122"/>
+                        <a:cs typeface="Times New Roman" panose="02020603050405020304"/>
                       </a:endParaRPr>
                     </a:p>
                   </a:txBody>
@@ -5628,9 +5622,9 @@
                       </a:r>
                       <a:endParaRPr lang="zh-CN" sz="1050" kern="100">
                         <a:effectLst/>
-                        <a:latin typeface="Calibri"/>
-                        <a:ea typeface="宋体"/>
-                        <a:cs typeface="Times New Roman"/>
+                        <a:latin typeface="Calibri" panose="020F0502020204030204"/>
+                        <a:ea typeface="宋体" panose="02010600030101010101" pitchFamily="2" charset="-122"/>
+                        <a:cs typeface="Times New Roman" panose="02020603050405020304"/>
                       </a:endParaRPr>
                     </a:p>
                   </a:txBody>
@@ -5654,9 +5648,9 @@
                       </a:r>
                       <a:endParaRPr lang="zh-CN" sz="1050" kern="100">
                         <a:effectLst/>
-                        <a:latin typeface="Calibri"/>
-                        <a:ea typeface="宋体"/>
-                        <a:cs typeface="Times New Roman"/>
+                        <a:latin typeface="Calibri" panose="020F0502020204030204"/>
+                        <a:ea typeface="宋体" panose="02010600030101010101" pitchFamily="2" charset="-122"/>
+                        <a:cs typeface="Times New Roman" panose="02020603050405020304"/>
                       </a:endParaRPr>
                     </a:p>
                   </a:txBody>
@@ -5680,9 +5674,9 @@
                       </a:r>
                       <a:endParaRPr lang="zh-CN" sz="1050" kern="100">
                         <a:effectLst/>
-                        <a:latin typeface="Calibri"/>
-                        <a:ea typeface="宋体"/>
-                        <a:cs typeface="Times New Roman"/>
+                        <a:latin typeface="Calibri" panose="020F0502020204030204"/>
+                        <a:ea typeface="宋体" panose="02010600030101010101" pitchFamily="2" charset="-122"/>
+                        <a:cs typeface="Times New Roman" panose="02020603050405020304"/>
                       </a:endParaRPr>
                     </a:p>
                   </a:txBody>
@@ -5712,9 +5706,9 @@
                       </a:r>
                       <a:endParaRPr lang="zh-CN" sz="1050" kern="100">
                         <a:effectLst/>
-                        <a:latin typeface="Calibri"/>
-                        <a:ea typeface="宋体"/>
-                        <a:cs typeface="Times New Roman"/>
+                        <a:latin typeface="Calibri" panose="020F0502020204030204"/>
+                        <a:ea typeface="宋体" panose="02010600030101010101" pitchFamily="2" charset="-122"/>
+                        <a:cs typeface="Times New Roman" panose="02020603050405020304"/>
                       </a:endParaRPr>
                     </a:p>
                   </a:txBody>
@@ -5738,9 +5732,9 @@
                       </a:r>
                       <a:endParaRPr lang="zh-CN" sz="1050" kern="100">
                         <a:effectLst/>
-                        <a:latin typeface="Calibri"/>
-                        <a:ea typeface="宋体"/>
-                        <a:cs typeface="Times New Roman"/>
+                        <a:latin typeface="Calibri" panose="020F0502020204030204"/>
+                        <a:ea typeface="宋体" panose="02010600030101010101" pitchFamily="2" charset="-122"/>
+                        <a:cs typeface="Times New Roman" panose="02020603050405020304"/>
                       </a:endParaRPr>
                     </a:p>
                   </a:txBody>
@@ -5766,9 +5760,9 @@
                       </a:r>
                       <a:endParaRPr lang="zh-CN" sz="1050" kern="100">
                         <a:effectLst/>
-                        <a:latin typeface="Calibri"/>
-                        <a:ea typeface="宋体"/>
-                        <a:cs typeface="Times New Roman"/>
+                        <a:latin typeface="Calibri" panose="020F0502020204030204"/>
+                        <a:ea typeface="宋体" panose="02010600030101010101" pitchFamily="2" charset="-122"/>
+                        <a:cs typeface="Times New Roman" panose="02020603050405020304"/>
                       </a:endParaRPr>
                     </a:p>
                   </a:txBody>
@@ -5792,9 +5786,9 @@
                       </a:r>
                       <a:endParaRPr lang="zh-CN" sz="1050" kern="100">
                         <a:effectLst/>
-                        <a:latin typeface="Calibri"/>
-                        <a:ea typeface="宋体"/>
-                        <a:cs typeface="Times New Roman"/>
+                        <a:latin typeface="Calibri" panose="020F0502020204030204"/>
+                        <a:ea typeface="宋体" panose="02010600030101010101" pitchFamily="2" charset="-122"/>
+                        <a:cs typeface="Times New Roman" panose="02020603050405020304"/>
                       </a:endParaRPr>
                     </a:p>
                   </a:txBody>
@@ -5818,9 +5812,9 @@
                       </a:r>
                       <a:endParaRPr lang="zh-CN" sz="1050" kern="100">
                         <a:effectLst/>
-                        <a:latin typeface="Calibri"/>
-                        <a:ea typeface="宋体"/>
-                        <a:cs typeface="Times New Roman"/>
+                        <a:latin typeface="Calibri" panose="020F0502020204030204"/>
+                        <a:ea typeface="宋体" panose="02010600030101010101" pitchFamily="2" charset="-122"/>
+                        <a:cs typeface="Times New Roman" panose="02020603050405020304"/>
                       </a:endParaRPr>
                     </a:p>
                   </a:txBody>
@@ -5856,9 +5850,9 @@
                       </a:r>
                       <a:endParaRPr lang="zh-CN" sz="1050" kern="100">
                         <a:effectLst/>
-                        <a:latin typeface="Calibri"/>
-                        <a:ea typeface="宋体"/>
-                        <a:cs typeface="Times New Roman"/>
+                        <a:latin typeface="Calibri" panose="020F0502020204030204"/>
+                        <a:ea typeface="宋体" panose="02010600030101010101" pitchFamily="2" charset="-122"/>
+                        <a:cs typeface="Times New Roman" panose="02020603050405020304"/>
                       </a:endParaRPr>
                     </a:p>
                   </a:txBody>
@@ -5882,9 +5876,9 @@
                       </a:r>
                       <a:endParaRPr lang="zh-CN" sz="1050" kern="100">
                         <a:effectLst/>
-                        <a:latin typeface="Calibri"/>
-                        <a:ea typeface="宋体"/>
-                        <a:cs typeface="Times New Roman"/>
+                        <a:latin typeface="Calibri" panose="020F0502020204030204"/>
+                        <a:ea typeface="宋体" panose="02010600030101010101" pitchFamily="2" charset="-122"/>
+                        <a:cs typeface="Times New Roman" panose="02020603050405020304"/>
                       </a:endParaRPr>
                     </a:p>
                   </a:txBody>
@@ -5910,9 +5904,9 @@
                       </a:r>
                       <a:endParaRPr lang="zh-CN" sz="1050" kern="100">
                         <a:effectLst/>
-                        <a:latin typeface="Calibri"/>
-                        <a:ea typeface="宋体"/>
-                        <a:cs typeface="Times New Roman"/>
+                        <a:latin typeface="Calibri" panose="020F0502020204030204"/>
+                        <a:ea typeface="宋体" panose="02010600030101010101" pitchFamily="2" charset="-122"/>
+                        <a:cs typeface="Times New Roman" panose="02020603050405020304"/>
                       </a:endParaRPr>
                     </a:p>
                   </a:txBody>
@@ -5936,9 +5930,9 @@
                       </a:r>
                       <a:endParaRPr lang="zh-CN" sz="1050" kern="100">
                         <a:effectLst/>
-                        <a:latin typeface="Calibri"/>
-                        <a:ea typeface="宋体"/>
-                        <a:cs typeface="Times New Roman"/>
+                        <a:latin typeface="Calibri" panose="020F0502020204030204"/>
+                        <a:ea typeface="宋体" panose="02010600030101010101" pitchFamily="2" charset="-122"/>
+                        <a:cs typeface="Times New Roman" panose="02020603050405020304"/>
                       </a:endParaRPr>
                     </a:p>
                   </a:txBody>
@@ -5962,9 +5956,9 @@
                       </a:r>
                       <a:endParaRPr lang="zh-CN" sz="1050" kern="100">
                         <a:effectLst/>
-                        <a:latin typeface="Calibri"/>
-                        <a:ea typeface="宋体"/>
-                        <a:cs typeface="Times New Roman"/>
+                        <a:latin typeface="Calibri" panose="020F0502020204030204"/>
+                        <a:ea typeface="宋体" panose="02010600030101010101" pitchFamily="2" charset="-122"/>
+                        <a:cs typeface="Times New Roman" panose="02020603050405020304"/>
                       </a:endParaRPr>
                     </a:p>
                   </a:txBody>
@@ -5994,9 +5988,9 @@
                       </a:r>
                       <a:endParaRPr lang="zh-CN" sz="1050" kern="100">
                         <a:effectLst/>
-                        <a:latin typeface="Calibri"/>
-                        <a:ea typeface="宋体"/>
-                        <a:cs typeface="Times New Roman"/>
+                        <a:latin typeface="Calibri" panose="020F0502020204030204"/>
+                        <a:ea typeface="宋体" panose="02010600030101010101" pitchFamily="2" charset="-122"/>
+                        <a:cs typeface="Times New Roman" panose="02020603050405020304"/>
                       </a:endParaRPr>
                     </a:p>
                   </a:txBody>
@@ -6020,9 +6014,9 @@
                       </a:r>
                       <a:endParaRPr lang="zh-CN" sz="1050" kern="100">
                         <a:effectLst/>
-                        <a:latin typeface="Calibri"/>
-                        <a:ea typeface="宋体"/>
-                        <a:cs typeface="Times New Roman"/>
+                        <a:latin typeface="Calibri" panose="020F0502020204030204"/>
+                        <a:ea typeface="宋体" panose="02010600030101010101" pitchFamily="2" charset="-122"/>
+                        <a:cs typeface="Times New Roman" panose="02020603050405020304"/>
                       </a:endParaRPr>
                     </a:p>
                   </a:txBody>
@@ -6048,9 +6042,9 @@
                       </a:r>
                       <a:endParaRPr lang="zh-CN" sz="1050" kern="100">
                         <a:effectLst/>
-                        <a:latin typeface="Calibri"/>
-                        <a:ea typeface="宋体"/>
-                        <a:cs typeface="Times New Roman"/>
+                        <a:latin typeface="Calibri" panose="020F0502020204030204"/>
+                        <a:ea typeface="宋体" panose="02010600030101010101" pitchFamily="2" charset="-122"/>
+                        <a:cs typeface="Times New Roman" panose="02020603050405020304"/>
                       </a:endParaRPr>
                     </a:p>
                   </a:txBody>
@@ -6074,9 +6068,9 @@
                       </a:r>
                       <a:endParaRPr lang="zh-CN" sz="1050" kern="100">
                         <a:effectLst/>
-                        <a:latin typeface="Calibri"/>
-                        <a:ea typeface="宋体"/>
-                        <a:cs typeface="Times New Roman"/>
+                        <a:latin typeface="Calibri" panose="020F0502020204030204"/>
+                        <a:ea typeface="宋体" panose="02010600030101010101" pitchFamily="2" charset="-122"/>
+                        <a:cs typeface="Times New Roman" panose="02020603050405020304"/>
                       </a:endParaRPr>
                     </a:p>
                   </a:txBody>
@@ -6100,9 +6094,9 @@
                       </a:r>
                       <a:endParaRPr lang="zh-CN" sz="1050" kern="100">
                         <a:effectLst/>
-                        <a:latin typeface="Calibri"/>
-                        <a:ea typeface="宋体"/>
-                        <a:cs typeface="Times New Roman"/>
+                        <a:latin typeface="Calibri" panose="020F0502020204030204"/>
+                        <a:ea typeface="宋体" panose="02010600030101010101" pitchFamily="2" charset="-122"/>
+                        <a:cs typeface="Times New Roman" panose="02020603050405020304"/>
                       </a:endParaRPr>
                     </a:p>
                   </a:txBody>
@@ -6132,9 +6126,9 @@
                       </a:r>
                       <a:endParaRPr lang="zh-CN" sz="1050" kern="100">
                         <a:effectLst/>
-                        <a:latin typeface="Calibri"/>
-                        <a:ea typeface="宋体"/>
-                        <a:cs typeface="Times New Roman"/>
+                        <a:latin typeface="Calibri" panose="020F0502020204030204"/>
+                        <a:ea typeface="宋体" panose="02010600030101010101" pitchFamily="2" charset="-122"/>
+                        <a:cs typeface="Times New Roman" panose="02020603050405020304"/>
                       </a:endParaRPr>
                     </a:p>
                   </a:txBody>
@@ -6158,9 +6152,9 @@
                       </a:r>
                       <a:endParaRPr lang="zh-CN" sz="1050" kern="100">
                         <a:effectLst/>
-                        <a:latin typeface="Calibri"/>
-                        <a:ea typeface="宋体"/>
-                        <a:cs typeface="Times New Roman"/>
+                        <a:latin typeface="Calibri" panose="020F0502020204030204"/>
+                        <a:ea typeface="宋体" panose="02010600030101010101" pitchFamily="2" charset="-122"/>
+                        <a:cs typeface="Times New Roman" panose="02020603050405020304"/>
                       </a:endParaRPr>
                     </a:p>
                   </a:txBody>
@@ -6186,9 +6180,9 @@
                       </a:r>
                       <a:endParaRPr lang="zh-CN" sz="1050" kern="100">
                         <a:effectLst/>
-                        <a:latin typeface="Calibri"/>
-                        <a:ea typeface="宋体"/>
-                        <a:cs typeface="Times New Roman"/>
+                        <a:latin typeface="Calibri" panose="020F0502020204030204"/>
+                        <a:ea typeface="宋体" panose="02010600030101010101" pitchFamily="2" charset="-122"/>
+                        <a:cs typeface="Times New Roman" panose="02020603050405020304"/>
                       </a:endParaRPr>
                     </a:p>
                   </a:txBody>
@@ -6212,9 +6206,9 @@
                       </a:r>
                       <a:endParaRPr lang="zh-CN" sz="1050" kern="100">
                         <a:effectLst/>
-                        <a:latin typeface="Calibri"/>
-                        <a:ea typeface="宋体"/>
-                        <a:cs typeface="Times New Roman"/>
+                        <a:latin typeface="Calibri" panose="020F0502020204030204"/>
+                        <a:ea typeface="宋体" panose="02010600030101010101" pitchFamily="2" charset="-122"/>
+                        <a:cs typeface="Times New Roman" panose="02020603050405020304"/>
                       </a:endParaRPr>
                     </a:p>
                   </a:txBody>
@@ -6233,15 +6227,15 @@
                       <a:r>
                         <a:rPr lang="en-US" sz="1050" u="none" strike="noStrike" kern="100">
                           <a:effectLst/>
-                          <a:hlinkClick r:id="rId2"/>
+                          <a:hlinkClick r:id="rId1"/>
                         </a:rPr>
                         <a:t>31601390@stu.zucc.edu.cn</a:t>
                       </a:r>
                       <a:endParaRPr lang="zh-CN" sz="1050" kern="100">
                         <a:effectLst/>
-                        <a:latin typeface="Calibri"/>
-                        <a:ea typeface="宋体"/>
-                        <a:cs typeface="Times New Roman"/>
+                        <a:latin typeface="Calibri" panose="020F0502020204030204"/>
+                        <a:ea typeface="宋体" panose="02010600030101010101" pitchFamily="2" charset="-122"/>
+                        <a:cs typeface="Times New Roman" panose="02020603050405020304"/>
                       </a:endParaRPr>
                     </a:p>
                   </a:txBody>
@@ -6271,9 +6265,9 @@
                       </a:r>
                       <a:endParaRPr lang="zh-CN" sz="1050" kern="100">
                         <a:effectLst/>
-                        <a:latin typeface="Calibri"/>
-                        <a:ea typeface="宋体"/>
-                        <a:cs typeface="Times New Roman"/>
+                        <a:latin typeface="Calibri" panose="020F0502020204030204"/>
+                        <a:ea typeface="宋体" panose="02010600030101010101" pitchFamily="2" charset="-122"/>
+                        <a:cs typeface="Times New Roman" panose="02020603050405020304"/>
                       </a:endParaRPr>
                     </a:p>
                   </a:txBody>
@@ -6297,9 +6291,9 @@
                       </a:r>
                       <a:endParaRPr lang="zh-CN" sz="1050" kern="100">
                         <a:effectLst/>
-                        <a:latin typeface="Calibri"/>
-                        <a:ea typeface="宋体"/>
-                        <a:cs typeface="Times New Roman"/>
+                        <a:latin typeface="Calibri" panose="020F0502020204030204"/>
+                        <a:ea typeface="宋体" panose="02010600030101010101" pitchFamily="2" charset="-122"/>
+                        <a:cs typeface="Times New Roman" panose="02020603050405020304"/>
                       </a:endParaRPr>
                     </a:p>
                   </a:txBody>
@@ -6325,9 +6319,9 @@
                       </a:r>
                       <a:endParaRPr lang="zh-CN" sz="1050" kern="100">
                         <a:effectLst/>
-                        <a:latin typeface="Calibri"/>
-                        <a:ea typeface="宋体"/>
-                        <a:cs typeface="Times New Roman"/>
+                        <a:latin typeface="Calibri" panose="020F0502020204030204"/>
+                        <a:ea typeface="宋体" panose="02010600030101010101" pitchFamily="2" charset="-122"/>
+                        <a:cs typeface="Times New Roman" panose="02020603050405020304"/>
                       </a:endParaRPr>
                     </a:p>
                   </a:txBody>
@@ -6351,9 +6345,9 @@
                       </a:r>
                       <a:endParaRPr lang="zh-CN" sz="1050" kern="100">
                         <a:effectLst/>
-                        <a:latin typeface="Calibri"/>
-                        <a:ea typeface="宋体"/>
-                        <a:cs typeface="Times New Roman"/>
+                        <a:latin typeface="Calibri" panose="020F0502020204030204"/>
+                        <a:ea typeface="宋体" panose="02010600030101010101" pitchFamily="2" charset="-122"/>
+                        <a:cs typeface="Times New Roman" panose="02020603050405020304"/>
                       </a:endParaRPr>
                     </a:p>
                   </a:txBody>
@@ -6377,9 +6371,9 @@
                       </a:r>
                       <a:endParaRPr lang="zh-CN" sz="1050" kern="100">
                         <a:effectLst/>
-                        <a:latin typeface="Calibri"/>
-                        <a:ea typeface="宋体"/>
-                        <a:cs typeface="Times New Roman"/>
+                        <a:latin typeface="Calibri" panose="020F0502020204030204"/>
+                        <a:ea typeface="宋体" panose="02010600030101010101" pitchFamily="2" charset="-122"/>
+                        <a:cs typeface="Times New Roman" panose="02020603050405020304"/>
                       </a:endParaRPr>
                     </a:p>
                   </a:txBody>
@@ -6409,9 +6403,9 @@
                       </a:r>
                       <a:endParaRPr lang="zh-CN" sz="1050" kern="100">
                         <a:effectLst/>
-                        <a:latin typeface="Calibri"/>
-                        <a:ea typeface="宋体"/>
-                        <a:cs typeface="Times New Roman"/>
+                        <a:latin typeface="Calibri" panose="020F0502020204030204"/>
+                        <a:ea typeface="宋体" panose="02010600030101010101" pitchFamily="2" charset="-122"/>
+                        <a:cs typeface="Times New Roman" panose="02020603050405020304"/>
                       </a:endParaRPr>
                     </a:p>
                   </a:txBody>
@@ -6435,9 +6429,9 @@
                       </a:r>
                       <a:endParaRPr lang="zh-CN" sz="1050" kern="100" dirty="0">
                         <a:effectLst/>
-                        <a:latin typeface="Calibri"/>
-                        <a:ea typeface="宋体"/>
-                        <a:cs typeface="Times New Roman"/>
+                        <a:latin typeface="Calibri" panose="020F0502020204030204"/>
+                        <a:ea typeface="宋体" panose="02010600030101010101" pitchFamily="2" charset="-122"/>
+                        <a:cs typeface="Times New Roman" panose="02020603050405020304"/>
                       </a:endParaRPr>
                     </a:p>
                   </a:txBody>
@@ -6449,11 +6443,6 @@
         </a:graphic>
       </p:graphicFrame>
     </p:spTree>
-    <p:extLst>
-      <p:ext uri="{BB962C8B-B14F-4D97-AF65-F5344CB8AC3E}">
-        <p14:creationId xmlns:p14="http://schemas.microsoft.com/office/powerpoint/2010/main" val="3426993273"/>
-      </p:ext>
-    </p:extLst>
   </p:cSld>
   <p:clrMapOvr>
     <a:masterClrMapping/>
@@ -6580,6 +6569,7 @@
               <a:rPr lang="en-US" sz="2400" dirty="0"/>
               <a:t>4</a:t>
             </a:r>
+            <a:endParaRPr lang="en-US" sz="2400" dirty="0"/>
           </a:p>
         </p:txBody>
       </p:sp>
@@ -6661,6 +6651,7 @@
               <a:rPr lang="zh-CN" altLang="zh-CN" sz="2400" b="1" dirty="0"/>
               <a:t>正式沟通计划</a:t>
             </a:r>
+            <a:endParaRPr lang="zh-CN" altLang="zh-CN" sz="2400" b="1" dirty="0"/>
           </a:p>
         </p:txBody>
       </p:sp>
@@ -6670,13 +6661,7 @@
           <p:cNvGraphicFramePr>
             <a:graphicFrameLocks noGrp="1"/>
           </p:cNvGraphicFramePr>
-          <p:nvPr>
-            <p:extLst>
-              <p:ext uri="{D42A27DB-BD31-4B8C-83A1-F6EECF244321}">
-                <p14:modId xmlns:p14="http://schemas.microsoft.com/office/powerpoint/2010/main" val="1392684807"/>
-              </p:ext>
-            </p:extLst>
-          </p:nvPr>
+          <p:nvPr/>
         </p:nvGraphicFramePr>
         <p:xfrm>
           <a:off x="1845445" y="1476047"/>
@@ -6715,9 +6700,9 @@
                       </a:r>
                       <a:endParaRPr lang="zh-CN" sz="1050" kern="100" dirty="0">
                         <a:effectLst/>
-                        <a:latin typeface="Calibri"/>
-                        <a:ea typeface="宋体"/>
-                        <a:cs typeface="Times New Roman"/>
+                        <a:latin typeface="Calibri" panose="020F0502020204030204"/>
+                        <a:ea typeface="宋体" panose="02010600030101010101" pitchFamily="2" charset="-122"/>
+                        <a:cs typeface="Times New Roman" panose="02020603050405020304"/>
                       </a:endParaRPr>
                     </a:p>
                   </a:txBody>
@@ -6741,9 +6726,9 @@
                       </a:r>
                       <a:endParaRPr lang="zh-CN" sz="1050" kern="100">
                         <a:effectLst/>
-                        <a:latin typeface="Calibri"/>
-                        <a:ea typeface="宋体"/>
-                        <a:cs typeface="Times New Roman"/>
+                        <a:latin typeface="Calibri" panose="020F0502020204030204"/>
+                        <a:ea typeface="宋体" panose="02010600030101010101" pitchFamily="2" charset="-122"/>
+                        <a:cs typeface="Times New Roman" panose="02020603050405020304"/>
                       </a:endParaRPr>
                     </a:p>
                   </a:txBody>
@@ -6767,9 +6752,9 @@
                       </a:r>
                       <a:endParaRPr lang="zh-CN" sz="1050" kern="100">
                         <a:effectLst/>
-                        <a:latin typeface="Calibri"/>
-                        <a:ea typeface="宋体"/>
-                        <a:cs typeface="Times New Roman"/>
+                        <a:latin typeface="Calibri" panose="020F0502020204030204"/>
+                        <a:ea typeface="宋体" panose="02010600030101010101" pitchFamily="2" charset="-122"/>
+                        <a:cs typeface="Times New Roman" panose="02020603050405020304"/>
                       </a:endParaRPr>
                     </a:p>
                   </a:txBody>
@@ -6793,9 +6778,9 @@
                       </a:r>
                       <a:endParaRPr lang="zh-CN" sz="1050" kern="100">
                         <a:effectLst/>
-                        <a:latin typeface="Calibri"/>
-                        <a:ea typeface="宋体"/>
-                        <a:cs typeface="Times New Roman"/>
+                        <a:latin typeface="Calibri" panose="020F0502020204030204"/>
+                        <a:ea typeface="宋体" panose="02010600030101010101" pitchFamily="2" charset="-122"/>
+                        <a:cs typeface="Times New Roman" panose="02020603050405020304"/>
                       </a:endParaRPr>
                     </a:p>
                   </a:txBody>
@@ -6819,9 +6804,9 @@
                       </a:r>
                       <a:endParaRPr lang="zh-CN" sz="1050" kern="100">
                         <a:effectLst/>
-                        <a:latin typeface="Calibri"/>
-                        <a:ea typeface="宋体"/>
-                        <a:cs typeface="Times New Roman"/>
+                        <a:latin typeface="Calibri" panose="020F0502020204030204"/>
+                        <a:ea typeface="宋体" panose="02010600030101010101" pitchFamily="2" charset="-122"/>
+                        <a:cs typeface="Times New Roman" panose="02020603050405020304"/>
                       </a:endParaRPr>
                     </a:p>
                   </a:txBody>
@@ -6845,9 +6830,9 @@
                       </a:r>
                       <a:endParaRPr lang="zh-CN" sz="1050" kern="100">
                         <a:effectLst/>
-                        <a:latin typeface="Calibri"/>
-                        <a:ea typeface="宋体"/>
-                        <a:cs typeface="Times New Roman"/>
+                        <a:latin typeface="Calibri" panose="020F0502020204030204"/>
+                        <a:ea typeface="宋体" panose="02010600030101010101" pitchFamily="2" charset="-122"/>
+                        <a:cs typeface="Times New Roman" panose="02020603050405020304"/>
                       </a:endParaRPr>
                     </a:p>
                   </a:txBody>
@@ -6873,9 +6858,9 @@
                       </a:r>
                       <a:endParaRPr lang="zh-CN" sz="1050" kern="100" dirty="0">
                         <a:effectLst/>
-                        <a:latin typeface="Calibri"/>
-                        <a:ea typeface="宋体"/>
-                        <a:cs typeface="Times New Roman"/>
+                        <a:latin typeface="Calibri" panose="020F0502020204030204"/>
+                        <a:ea typeface="宋体" panose="02010600030101010101" pitchFamily="2" charset="-122"/>
+                        <a:cs typeface="Times New Roman" panose="02020603050405020304"/>
                       </a:endParaRPr>
                     </a:p>
                   </a:txBody>
@@ -6899,9 +6884,9 @@
                       </a:r>
                       <a:endParaRPr lang="zh-CN" sz="1050" kern="100">
                         <a:effectLst/>
-                        <a:latin typeface="Calibri"/>
-                        <a:ea typeface="宋体"/>
-                        <a:cs typeface="Times New Roman"/>
+                        <a:latin typeface="Calibri" panose="020F0502020204030204"/>
+                        <a:ea typeface="宋体" panose="02010600030101010101" pitchFamily="2" charset="-122"/>
+                        <a:cs typeface="Times New Roman" panose="02020603050405020304"/>
                       </a:endParaRPr>
                     </a:p>
                   </a:txBody>
@@ -6931,9 +6916,9 @@
                       </a:r>
                       <a:endParaRPr lang="zh-CN" sz="1050" kern="100">
                         <a:effectLst/>
-                        <a:latin typeface="Calibri"/>
-                        <a:ea typeface="宋体"/>
-                        <a:cs typeface="Times New Roman"/>
+                        <a:latin typeface="Calibri" panose="020F0502020204030204"/>
+                        <a:ea typeface="宋体" panose="02010600030101010101" pitchFamily="2" charset="-122"/>
+                        <a:cs typeface="Times New Roman" panose="02020603050405020304"/>
                       </a:endParaRPr>
                     </a:p>
                   </a:txBody>
@@ -6957,9 +6942,9 @@
                       </a:r>
                       <a:endParaRPr lang="zh-CN" sz="1050" kern="100">
                         <a:effectLst/>
-                        <a:latin typeface="Calibri"/>
-                        <a:ea typeface="宋体"/>
-                        <a:cs typeface="Times New Roman"/>
+                        <a:latin typeface="Calibri" panose="020F0502020204030204"/>
+                        <a:ea typeface="宋体" panose="02010600030101010101" pitchFamily="2" charset="-122"/>
+                        <a:cs typeface="Times New Roman" panose="02020603050405020304"/>
                       </a:endParaRPr>
                     </a:p>
                   </a:txBody>
@@ -6983,9 +6968,9 @@
                       </a:r>
                       <a:endParaRPr lang="zh-CN" sz="1050" kern="100">
                         <a:effectLst/>
-                        <a:latin typeface="Calibri"/>
-                        <a:ea typeface="宋体"/>
-                        <a:cs typeface="Times New Roman"/>
+                        <a:latin typeface="Calibri" panose="020F0502020204030204"/>
+                        <a:ea typeface="宋体" panose="02010600030101010101" pitchFamily="2" charset="-122"/>
+                        <a:cs typeface="Times New Roman" panose="02020603050405020304"/>
                       </a:endParaRPr>
                     </a:p>
                   </a:txBody>
@@ -7021,9 +7006,9 @@
                       </a:r>
                       <a:endParaRPr lang="zh-CN" sz="1050" kern="100">
                         <a:effectLst/>
-                        <a:latin typeface="Calibri"/>
-                        <a:ea typeface="宋体"/>
-                        <a:cs typeface="Times New Roman"/>
+                        <a:latin typeface="Calibri" panose="020F0502020204030204"/>
+                        <a:ea typeface="宋体" panose="02010600030101010101" pitchFamily="2" charset="-122"/>
+                        <a:cs typeface="Times New Roman" panose="02020603050405020304"/>
                       </a:endParaRPr>
                     </a:p>
                   </a:txBody>
@@ -7049,9 +7034,9 @@
                       </a:r>
                       <a:endParaRPr lang="zh-CN" sz="1050" kern="100">
                         <a:effectLst/>
-                        <a:latin typeface="Calibri"/>
-                        <a:ea typeface="宋体"/>
-                        <a:cs typeface="Times New Roman"/>
+                        <a:latin typeface="Calibri" panose="020F0502020204030204"/>
+                        <a:ea typeface="宋体" panose="02010600030101010101" pitchFamily="2" charset="-122"/>
+                        <a:cs typeface="Times New Roman" panose="02020603050405020304"/>
                       </a:endParaRPr>
                     </a:p>
                   </a:txBody>
@@ -7081,9 +7066,9 @@
                       </a:r>
                       <a:endParaRPr lang="zh-CN" sz="1050" kern="100">
                         <a:effectLst/>
-                        <a:latin typeface="Calibri"/>
-                        <a:ea typeface="宋体"/>
-                        <a:cs typeface="Times New Roman"/>
+                        <a:latin typeface="Calibri" panose="020F0502020204030204"/>
+                        <a:ea typeface="宋体" panose="02010600030101010101" pitchFamily="2" charset="-122"/>
+                        <a:cs typeface="Times New Roman" panose="02020603050405020304"/>
                       </a:endParaRPr>
                     </a:p>
                   </a:txBody>
@@ -7107,9 +7092,9 @@
                       </a:r>
                       <a:endParaRPr lang="zh-CN" sz="1050" kern="100">
                         <a:effectLst/>
-                        <a:latin typeface="Calibri"/>
-                        <a:ea typeface="宋体"/>
-                        <a:cs typeface="Times New Roman"/>
+                        <a:latin typeface="Calibri" panose="020F0502020204030204"/>
+                        <a:ea typeface="宋体" panose="02010600030101010101" pitchFamily="2" charset="-122"/>
+                        <a:cs typeface="Times New Roman" panose="02020603050405020304"/>
                       </a:endParaRPr>
                     </a:p>
                   </a:txBody>
@@ -7139,9 +7124,9 @@
                       </a:r>
                       <a:endParaRPr lang="zh-CN" sz="1050" kern="100">
                         <a:effectLst/>
-                        <a:latin typeface="Calibri"/>
-                        <a:ea typeface="宋体"/>
-                        <a:cs typeface="Times New Roman"/>
+                        <a:latin typeface="Calibri" panose="020F0502020204030204"/>
+                        <a:ea typeface="宋体" panose="02010600030101010101" pitchFamily="2" charset="-122"/>
+                        <a:cs typeface="Times New Roman" panose="02020603050405020304"/>
                       </a:endParaRPr>
                     </a:p>
                   </a:txBody>
@@ -7165,9 +7150,9 @@
                       </a:r>
                       <a:endParaRPr lang="zh-CN" sz="1050" kern="100">
                         <a:effectLst/>
-                        <a:latin typeface="Calibri"/>
-                        <a:ea typeface="宋体"/>
-                        <a:cs typeface="Times New Roman"/>
+                        <a:latin typeface="Calibri" panose="020F0502020204030204"/>
+                        <a:ea typeface="宋体" panose="02010600030101010101" pitchFamily="2" charset="-122"/>
+                        <a:cs typeface="Times New Roman" panose="02020603050405020304"/>
                       </a:endParaRPr>
                     </a:p>
                   </a:txBody>
@@ -7191,9 +7176,9 @@
                       </a:r>
                       <a:endParaRPr lang="zh-CN" sz="1050" kern="100">
                         <a:effectLst/>
-                        <a:latin typeface="Calibri"/>
-                        <a:ea typeface="宋体"/>
-                        <a:cs typeface="Times New Roman"/>
+                        <a:latin typeface="Calibri" panose="020F0502020204030204"/>
+                        <a:ea typeface="宋体" panose="02010600030101010101" pitchFamily="2" charset="-122"/>
+                        <a:cs typeface="Times New Roman" panose="02020603050405020304"/>
                       </a:endParaRPr>
                     </a:p>
                   </a:txBody>
@@ -7219,9 +7204,9 @@
                       </a:r>
                       <a:endParaRPr lang="zh-CN" sz="1050" kern="100">
                         <a:effectLst/>
-                        <a:latin typeface="Calibri"/>
-                        <a:ea typeface="宋体"/>
-                        <a:cs typeface="Times New Roman"/>
+                        <a:latin typeface="Calibri" panose="020F0502020204030204"/>
+                        <a:ea typeface="宋体" panose="02010600030101010101" pitchFamily="2" charset="-122"/>
+                        <a:cs typeface="Times New Roman" panose="02020603050405020304"/>
                       </a:endParaRPr>
                     </a:p>
                   </a:txBody>
@@ -7245,9 +7230,9 @@
                       </a:r>
                       <a:endParaRPr lang="zh-CN" sz="1050" kern="100">
                         <a:effectLst/>
-                        <a:latin typeface="Calibri"/>
-                        <a:ea typeface="宋体"/>
-                        <a:cs typeface="Times New Roman"/>
+                        <a:latin typeface="Calibri" panose="020F0502020204030204"/>
+                        <a:ea typeface="宋体" panose="02010600030101010101" pitchFamily="2" charset="-122"/>
+                        <a:cs typeface="Times New Roman" panose="02020603050405020304"/>
                       </a:endParaRPr>
                     </a:p>
                   </a:txBody>
@@ -7271,9 +7256,9 @@
                       </a:r>
                       <a:endParaRPr lang="zh-CN" sz="1050" kern="100">
                         <a:effectLst/>
-                        <a:latin typeface="Calibri"/>
-                        <a:ea typeface="宋体"/>
-                        <a:cs typeface="Times New Roman"/>
+                        <a:latin typeface="Calibri" panose="020F0502020204030204"/>
+                        <a:ea typeface="宋体" panose="02010600030101010101" pitchFamily="2" charset="-122"/>
+                        <a:cs typeface="Times New Roman" panose="02020603050405020304"/>
                       </a:endParaRPr>
                     </a:p>
                   </a:txBody>
@@ -7297,9 +7282,9 @@
                       </a:r>
                       <a:endParaRPr lang="zh-CN" sz="1050" kern="100">
                         <a:effectLst/>
-                        <a:latin typeface="Calibri"/>
-                        <a:ea typeface="宋体"/>
-                        <a:cs typeface="Times New Roman"/>
+                        <a:latin typeface="Calibri" panose="020F0502020204030204"/>
+                        <a:ea typeface="宋体" panose="02010600030101010101" pitchFamily="2" charset="-122"/>
+                        <a:cs typeface="Times New Roman" panose="02020603050405020304"/>
                       </a:endParaRPr>
                     </a:p>
                   </a:txBody>
@@ -7323,9 +7308,9 @@
                       </a:r>
                       <a:endParaRPr lang="zh-CN" sz="1050" kern="100">
                         <a:effectLst/>
-                        <a:latin typeface="Calibri"/>
-                        <a:ea typeface="宋体"/>
-                        <a:cs typeface="Times New Roman"/>
+                        <a:latin typeface="Calibri" panose="020F0502020204030204"/>
+                        <a:ea typeface="宋体" panose="02010600030101010101" pitchFamily="2" charset="-122"/>
+                        <a:cs typeface="Times New Roman" panose="02020603050405020304"/>
                       </a:endParaRPr>
                     </a:p>
                   </a:txBody>
@@ -7361,9 +7346,9 @@
                       </a:r>
                       <a:endParaRPr lang="zh-CN" sz="1050" kern="100" dirty="0">
                         <a:effectLst/>
-                        <a:latin typeface="Calibri"/>
-                        <a:ea typeface="宋体"/>
-                        <a:cs typeface="Times New Roman"/>
+                        <a:latin typeface="Calibri" panose="020F0502020204030204"/>
+                        <a:ea typeface="宋体" panose="02010600030101010101" pitchFamily="2" charset="-122"/>
+                        <a:cs typeface="Times New Roman" panose="02020603050405020304"/>
                       </a:endParaRPr>
                     </a:p>
                   </a:txBody>
@@ -7400,6 +7385,7 @@
               <a:rPr lang="zh-CN" altLang="zh-CN" sz="2400" b="1" dirty="0"/>
               <a:t>非正式沟通计划</a:t>
             </a:r>
+            <a:endParaRPr lang="zh-CN" altLang="zh-CN" sz="2400" b="1" dirty="0"/>
           </a:p>
         </p:txBody>
       </p:sp>
@@ -7409,13 +7395,7 @@
           <p:cNvGraphicFramePr>
             <a:graphicFrameLocks noGrp="1"/>
           </p:cNvGraphicFramePr>
-          <p:nvPr>
-            <p:extLst>
-              <p:ext uri="{D42A27DB-BD31-4B8C-83A1-F6EECF244321}">
-                <p14:modId xmlns:p14="http://schemas.microsoft.com/office/powerpoint/2010/main" val="2437875274"/>
-              </p:ext>
-            </p:extLst>
-          </p:nvPr>
+          <p:nvPr/>
         </p:nvGraphicFramePr>
         <p:xfrm>
           <a:off x="1811442" y="4725937"/>
@@ -7454,9 +7434,9 @@
                       </a:r>
                       <a:endParaRPr lang="zh-CN" sz="1050" kern="100">
                         <a:effectLst/>
-                        <a:latin typeface="Calibri"/>
-                        <a:ea typeface="宋体"/>
-                        <a:cs typeface="Times New Roman"/>
+                        <a:latin typeface="Calibri" panose="020F0502020204030204"/>
+                        <a:ea typeface="宋体" panose="02010600030101010101" pitchFamily="2" charset="-122"/>
+                        <a:cs typeface="Times New Roman" panose="02020603050405020304"/>
                       </a:endParaRPr>
                     </a:p>
                   </a:txBody>
@@ -7480,9 +7460,9 @@
                       </a:r>
                       <a:endParaRPr lang="zh-CN" sz="1050" kern="100">
                         <a:effectLst/>
-                        <a:latin typeface="Calibri"/>
-                        <a:ea typeface="宋体"/>
-                        <a:cs typeface="Times New Roman"/>
+                        <a:latin typeface="Calibri" panose="020F0502020204030204"/>
+                        <a:ea typeface="宋体" panose="02010600030101010101" pitchFamily="2" charset="-122"/>
+                        <a:cs typeface="Times New Roman" panose="02020603050405020304"/>
                       </a:endParaRPr>
                     </a:p>
                   </a:txBody>
@@ -7506,9 +7486,9 @@
                       </a:r>
                       <a:endParaRPr lang="zh-CN" sz="1050" kern="100">
                         <a:effectLst/>
-                        <a:latin typeface="Calibri"/>
-                        <a:ea typeface="宋体"/>
-                        <a:cs typeface="Times New Roman"/>
+                        <a:latin typeface="Calibri" panose="020F0502020204030204"/>
+                        <a:ea typeface="宋体" panose="02010600030101010101" pitchFamily="2" charset="-122"/>
+                        <a:cs typeface="Times New Roman" panose="02020603050405020304"/>
                       </a:endParaRPr>
                     </a:p>
                   </a:txBody>
@@ -7532,9 +7512,9 @@
                       </a:r>
                       <a:endParaRPr lang="zh-CN" sz="1050" kern="100">
                         <a:effectLst/>
-                        <a:latin typeface="Calibri"/>
-                        <a:ea typeface="宋体"/>
-                        <a:cs typeface="Times New Roman"/>
+                        <a:latin typeface="Calibri" panose="020F0502020204030204"/>
+                        <a:ea typeface="宋体" panose="02010600030101010101" pitchFamily="2" charset="-122"/>
+                        <a:cs typeface="Times New Roman" panose="02020603050405020304"/>
                       </a:endParaRPr>
                     </a:p>
                   </a:txBody>
@@ -7558,9 +7538,9 @@
                       </a:r>
                       <a:endParaRPr lang="zh-CN" sz="1050" kern="100">
                         <a:effectLst/>
-                        <a:latin typeface="Calibri"/>
-                        <a:ea typeface="宋体"/>
-                        <a:cs typeface="Times New Roman"/>
+                        <a:latin typeface="Calibri" panose="020F0502020204030204"/>
+                        <a:ea typeface="宋体" panose="02010600030101010101" pitchFamily="2" charset="-122"/>
+                        <a:cs typeface="Times New Roman" panose="02020603050405020304"/>
                       </a:endParaRPr>
                     </a:p>
                   </a:txBody>
@@ -7584,9 +7564,9 @@
                       </a:r>
                       <a:endParaRPr lang="zh-CN" sz="1050" kern="100">
                         <a:effectLst/>
-                        <a:latin typeface="Calibri"/>
-                        <a:ea typeface="宋体"/>
-                        <a:cs typeface="Times New Roman"/>
+                        <a:latin typeface="Calibri" panose="020F0502020204030204"/>
+                        <a:ea typeface="宋体" panose="02010600030101010101" pitchFamily="2" charset="-122"/>
+                        <a:cs typeface="Times New Roman" panose="02020603050405020304"/>
                       </a:endParaRPr>
                     </a:p>
                   </a:txBody>
@@ -7612,9 +7592,9 @@
                       </a:r>
                       <a:endParaRPr lang="zh-CN" sz="1050" kern="100">
                         <a:effectLst/>
-                        <a:latin typeface="Calibri"/>
-                        <a:ea typeface="宋体"/>
-                        <a:cs typeface="Times New Roman"/>
+                        <a:latin typeface="Calibri" panose="020F0502020204030204"/>
+                        <a:ea typeface="宋体" panose="02010600030101010101" pitchFamily="2" charset="-122"/>
+                        <a:cs typeface="Times New Roman" panose="02020603050405020304"/>
                       </a:endParaRPr>
                     </a:p>
                   </a:txBody>
@@ -7638,9 +7618,9 @@
                       </a:r>
                       <a:endParaRPr lang="zh-CN" sz="1050" kern="100">
                         <a:effectLst/>
-                        <a:latin typeface="Calibri"/>
-                        <a:ea typeface="宋体"/>
-                        <a:cs typeface="Times New Roman"/>
+                        <a:latin typeface="Calibri" panose="020F0502020204030204"/>
+                        <a:ea typeface="宋体" panose="02010600030101010101" pitchFamily="2" charset="-122"/>
+                        <a:cs typeface="Times New Roman" panose="02020603050405020304"/>
                       </a:endParaRPr>
                     </a:p>
                   </a:txBody>
@@ -7664,9 +7644,9 @@
                       </a:r>
                       <a:endParaRPr lang="zh-CN" sz="1050" kern="100">
                         <a:effectLst/>
-                        <a:latin typeface="Calibri"/>
-                        <a:ea typeface="宋体"/>
-                        <a:cs typeface="Times New Roman"/>
+                        <a:latin typeface="Calibri" panose="020F0502020204030204"/>
+                        <a:ea typeface="宋体" panose="02010600030101010101" pitchFamily="2" charset="-122"/>
+                        <a:cs typeface="Times New Roman" panose="02020603050405020304"/>
                       </a:endParaRPr>
                     </a:p>
                   </a:txBody>
@@ -7690,9 +7670,9 @@
                       </a:r>
                       <a:endParaRPr lang="zh-CN" sz="1050" kern="100">
                         <a:effectLst/>
-                        <a:latin typeface="Calibri"/>
-                        <a:ea typeface="宋体"/>
-                        <a:cs typeface="Times New Roman"/>
+                        <a:latin typeface="Calibri" panose="020F0502020204030204"/>
+                        <a:ea typeface="宋体" panose="02010600030101010101" pitchFamily="2" charset="-122"/>
+                        <a:cs typeface="Times New Roman" panose="02020603050405020304"/>
                       </a:endParaRPr>
                     </a:p>
                   </a:txBody>
@@ -7716,9 +7696,9 @@
                       </a:r>
                       <a:endParaRPr lang="zh-CN" sz="1050" kern="100">
                         <a:effectLst/>
-                        <a:latin typeface="Calibri"/>
-                        <a:ea typeface="宋体"/>
-                        <a:cs typeface="Times New Roman"/>
+                        <a:latin typeface="Calibri" panose="020F0502020204030204"/>
+                        <a:ea typeface="宋体" panose="02010600030101010101" pitchFamily="2" charset="-122"/>
+                        <a:cs typeface="Times New Roman" panose="02020603050405020304"/>
                       </a:endParaRPr>
                     </a:p>
                   </a:txBody>
@@ -7742,9 +7722,9 @@
                       </a:r>
                       <a:endParaRPr lang="zh-CN" sz="1050" kern="100">
                         <a:effectLst/>
-                        <a:latin typeface="Calibri"/>
-                        <a:ea typeface="宋体"/>
-                        <a:cs typeface="Times New Roman"/>
+                        <a:latin typeface="Calibri" panose="020F0502020204030204"/>
+                        <a:ea typeface="宋体" panose="02010600030101010101" pitchFamily="2" charset="-122"/>
+                        <a:cs typeface="Times New Roman" panose="02020603050405020304"/>
                       </a:endParaRPr>
                     </a:p>
                   </a:txBody>
@@ -7770,9 +7750,9 @@
                       </a:r>
                       <a:endParaRPr lang="zh-CN" sz="1050" kern="100">
                         <a:effectLst/>
-                        <a:latin typeface="Calibri"/>
-                        <a:ea typeface="宋体"/>
-                        <a:cs typeface="Times New Roman"/>
+                        <a:latin typeface="Calibri" panose="020F0502020204030204"/>
+                        <a:ea typeface="宋体" panose="02010600030101010101" pitchFamily="2" charset="-122"/>
+                        <a:cs typeface="Times New Roman" panose="02020603050405020304"/>
                       </a:endParaRPr>
                     </a:p>
                   </a:txBody>
@@ -7796,9 +7776,9 @@
                       </a:r>
                       <a:endParaRPr lang="zh-CN" sz="1050" kern="100">
                         <a:effectLst/>
-                        <a:latin typeface="Calibri"/>
-                        <a:ea typeface="宋体"/>
-                        <a:cs typeface="Times New Roman"/>
+                        <a:latin typeface="Calibri" panose="020F0502020204030204"/>
+                        <a:ea typeface="宋体" panose="02010600030101010101" pitchFamily="2" charset="-122"/>
+                        <a:cs typeface="Times New Roman" panose="02020603050405020304"/>
                       </a:endParaRPr>
                     </a:p>
                   </a:txBody>
@@ -7822,9 +7802,9 @@
                       </a:r>
                       <a:endParaRPr lang="zh-CN" sz="1050" kern="100">
                         <a:effectLst/>
-                        <a:latin typeface="Calibri"/>
-                        <a:ea typeface="宋体"/>
-                        <a:cs typeface="Times New Roman"/>
+                        <a:latin typeface="Calibri" panose="020F0502020204030204"/>
+                        <a:ea typeface="宋体" panose="02010600030101010101" pitchFamily="2" charset="-122"/>
+                        <a:cs typeface="Times New Roman" panose="02020603050405020304"/>
                       </a:endParaRPr>
                     </a:p>
                   </a:txBody>
@@ -7848,9 +7828,9 @@
                       </a:r>
                       <a:endParaRPr lang="zh-CN" sz="1050" kern="100">
                         <a:effectLst/>
-                        <a:latin typeface="Calibri"/>
-                        <a:ea typeface="宋体"/>
-                        <a:cs typeface="Times New Roman"/>
+                        <a:latin typeface="Calibri" panose="020F0502020204030204"/>
+                        <a:ea typeface="宋体" panose="02010600030101010101" pitchFamily="2" charset="-122"/>
+                        <a:cs typeface="Times New Roman" panose="02020603050405020304"/>
                       </a:endParaRPr>
                     </a:p>
                   </a:txBody>
@@ -7874,9 +7854,9 @@
                       </a:r>
                       <a:endParaRPr lang="zh-CN" sz="1050" kern="100">
                         <a:effectLst/>
-                        <a:latin typeface="Calibri"/>
-                        <a:ea typeface="宋体"/>
-                        <a:cs typeface="Times New Roman"/>
+                        <a:latin typeface="Calibri" panose="020F0502020204030204"/>
+                        <a:ea typeface="宋体" panose="02010600030101010101" pitchFamily="2" charset="-122"/>
+                        <a:cs typeface="Times New Roman" panose="02020603050405020304"/>
                       </a:endParaRPr>
                     </a:p>
                   </a:txBody>
@@ -7900,9 +7880,9 @@
                       </a:r>
                       <a:endParaRPr lang="zh-CN" sz="1050" kern="100">
                         <a:effectLst/>
-                        <a:latin typeface="Calibri"/>
-                        <a:ea typeface="宋体"/>
-                        <a:cs typeface="Times New Roman"/>
+                        <a:latin typeface="Calibri" panose="020F0502020204030204"/>
+                        <a:ea typeface="宋体" panose="02010600030101010101" pitchFamily="2" charset="-122"/>
+                        <a:cs typeface="Times New Roman" panose="02020603050405020304"/>
                       </a:endParaRPr>
                     </a:p>
                   </a:txBody>
@@ -7928,9 +7908,9 @@
                       </a:r>
                       <a:endParaRPr lang="zh-CN" sz="1050" kern="100">
                         <a:effectLst/>
-                        <a:latin typeface="Calibri"/>
-                        <a:ea typeface="宋体"/>
-                        <a:cs typeface="Times New Roman"/>
+                        <a:latin typeface="Calibri" panose="020F0502020204030204"/>
+                        <a:ea typeface="宋体" panose="02010600030101010101" pitchFamily="2" charset="-122"/>
+                        <a:cs typeface="Times New Roman" panose="02020603050405020304"/>
                       </a:endParaRPr>
                     </a:p>
                   </a:txBody>
@@ -7954,9 +7934,9 @@
                       </a:r>
                       <a:endParaRPr lang="zh-CN" sz="1050" kern="100">
                         <a:effectLst/>
-                        <a:latin typeface="Calibri"/>
-                        <a:ea typeface="宋体"/>
-                        <a:cs typeface="Times New Roman"/>
+                        <a:latin typeface="Calibri" panose="020F0502020204030204"/>
+                        <a:ea typeface="宋体" panose="02010600030101010101" pitchFamily="2" charset="-122"/>
+                        <a:cs typeface="Times New Roman" panose="02020603050405020304"/>
                       </a:endParaRPr>
                     </a:p>
                   </a:txBody>
@@ -7986,9 +7966,9 @@
                       </a:r>
                       <a:endParaRPr lang="zh-CN" sz="1050" kern="100">
                         <a:effectLst/>
-                        <a:latin typeface="Calibri"/>
-                        <a:ea typeface="宋体"/>
-                        <a:cs typeface="Times New Roman"/>
+                        <a:latin typeface="Calibri" panose="020F0502020204030204"/>
+                        <a:ea typeface="宋体" panose="02010600030101010101" pitchFamily="2" charset="-122"/>
+                        <a:cs typeface="Times New Roman" panose="02020603050405020304"/>
                       </a:endParaRPr>
                     </a:p>
                   </a:txBody>
@@ -8018,9 +7998,9 @@
                       </a:r>
                       <a:endParaRPr lang="zh-CN" sz="1050" kern="100">
                         <a:effectLst/>
-                        <a:latin typeface="Calibri"/>
-                        <a:ea typeface="宋体"/>
-                        <a:cs typeface="Times New Roman"/>
+                        <a:latin typeface="Calibri" panose="020F0502020204030204"/>
+                        <a:ea typeface="宋体" panose="02010600030101010101" pitchFamily="2" charset="-122"/>
+                        <a:cs typeface="Times New Roman" panose="02020603050405020304"/>
                       </a:endParaRPr>
                     </a:p>
                   </a:txBody>
@@ -8044,9 +8024,9 @@
                       </a:r>
                       <a:endParaRPr lang="zh-CN" sz="1050" kern="100">
                         <a:effectLst/>
-                        <a:latin typeface="Calibri"/>
-                        <a:ea typeface="宋体"/>
-                        <a:cs typeface="Times New Roman"/>
+                        <a:latin typeface="Calibri" panose="020F0502020204030204"/>
+                        <a:ea typeface="宋体" panose="02010600030101010101" pitchFamily="2" charset="-122"/>
+                        <a:cs typeface="Times New Roman" panose="02020603050405020304"/>
                       </a:endParaRPr>
                     </a:p>
                   </a:txBody>
@@ -8082,9 +8062,9 @@
                       </a:r>
                       <a:endParaRPr lang="zh-CN" sz="1050" kern="100" dirty="0">
                         <a:effectLst/>
-                        <a:latin typeface="Calibri"/>
-                        <a:ea typeface="宋体"/>
-                        <a:cs typeface="Times New Roman"/>
+                        <a:latin typeface="Calibri" panose="020F0502020204030204"/>
+                        <a:ea typeface="宋体" panose="02010600030101010101" pitchFamily="2" charset="-122"/>
+                        <a:cs typeface="Times New Roman" panose="02020603050405020304"/>
                       </a:endParaRPr>
                     </a:p>
                   </a:txBody>
@@ -8096,11 +8076,6 @@
         </a:graphic>
       </p:graphicFrame>
     </p:spTree>
-    <p:extLst>
-      <p:ext uri="{BB962C8B-B14F-4D97-AF65-F5344CB8AC3E}">
-        <p14:creationId xmlns:p14="http://schemas.microsoft.com/office/powerpoint/2010/main" val="2309155805"/>
-      </p:ext>
-    </p:extLst>
   </p:cSld>
   <p:clrMapOvr>
     <a:masterClrMapping/>
@@ -8289,13 +8264,7 @@
           <p:cNvGraphicFramePr>
             <a:graphicFrameLocks noGrp="1"/>
           </p:cNvGraphicFramePr>
-          <p:nvPr>
-            <p:extLst>
-              <p:ext uri="{D42A27DB-BD31-4B8C-83A1-F6EECF244321}">
-                <p14:modId xmlns:p14="http://schemas.microsoft.com/office/powerpoint/2010/main" val="1894361875"/>
-              </p:ext>
-            </p:extLst>
-          </p:nvPr>
+          <p:nvPr/>
         </p:nvGraphicFramePr>
         <p:xfrm>
           <a:off x="1879639" y="1394385"/>
@@ -8311,7 +8280,7 @@
                 <a:gridCol w="1058545"/>
                 <a:gridCol w="4105275"/>
               </a:tblGrid>
-              <a:tr h="114098">
+              <a:tr h="0">
                 <a:tc>
                   <a:txBody>
                     <a:bodyPr/>
@@ -8330,9 +8299,9 @@
                       </a:r>
                       <a:endParaRPr lang="zh-CN" sz="1050" kern="100" dirty="0">
                         <a:effectLst/>
-                        <a:latin typeface="Calibri"/>
-                        <a:ea typeface="宋体"/>
-                        <a:cs typeface="Times New Roman"/>
+                        <a:latin typeface="Calibri" panose="020F0502020204030204"/>
+                        <a:ea typeface="宋体" panose="02010600030101010101" pitchFamily="2" charset="-122"/>
+                        <a:cs typeface="Times New Roman" panose="02020603050405020304"/>
                       </a:endParaRPr>
                     </a:p>
                   </a:txBody>
@@ -8356,9 +8325,9 @@
                       </a:r>
                       <a:endParaRPr lang="zh-CN" sz="1050" kern="100">
                         <a:effectLst/>
-                        <a:latin typeface="Calibri"/>
-                        <a:ea typeface="宋体"/>
-                        <a:cs typeface="Times New Roman"/>
+                        <a:latin typeface="Calibri" panose="020F0502020204030204"/>
+                        <a:ea typeface="宋体" panose="02010600030101010101" pitchFamily="2" charset="-122"/>
+                        <a:cs typeface="Times New Roman" panose="02020603050405020304"/>
                       </a:endParaRPr>
                     </a:p>
                   </a:txBody>
@@ -8384,9 +8353,9 @@
                       </a:r>
                       <a:endParaRPr lang="zh-CN" sz="1050" kern="100">
                         <a:effectLst/>
-                        <a:latin typeface="Calibri"/>
-                        <a:ea typeface="宋体"/>
-                        <a:cs typeface="Times New Roman"/>
+                        <a:latin typeface="Calibri" panose="020F0502020204030204"/>
+                        <a:ea typeface="宋体" panose="02010600030101010101" pitchFamily="2" charset="-122"/>
+                        <a:cs typeface="Times New Roman" panose="02020603050405020304"/>
                       </a:endParaRPr>
                     </a:p>
                   </a:txBody>
@@ -8410,9 +8379,9 @@
                       </a:r>
                       <a:endParaRPr lang="zh-CN" sz="1050" kern="100">
                         <a:effectLst/>
-                        <a:latin typeface="Calibri"/>
-                        <a:ea typeface="宋体"/>
-                        <a:cs typeface="Times New Roman"/>
+                        <a:latin typeface="Calibri" panose="020F0502020204030204"/>
+                        <a:ea typeface="宋体" panose="02010600030101010101" pitchFamily="2" charset="-122"/>
+                        <a:cs typeface="Times New Roman" panose="02020603050405020304"/>
                       </a:endParaRPr>
                     </a:p>
                   </a:txBody>
@@ -8438,9 +8407,9 @@
                       </a:r>
                       <a:endParaRPr lang="zh-CN" sz="1050" kern="100">
                         <a:effectLst/>
-                        <a:latin typeface="Calibri"/>
-                        <a:ea typeface="宋体"/>
-                        <a:cs typeface="Times New Roman"/>
+                        <a:latin typeface="Calibri" panose="020F0502020204030204"/>
+                        <a:ea typeface="宋体" panose="02010600030101010101" pitchFamily="2" charset="-122"/>
+                        <a:cs typeface="Times New Roman" panose="02020603050405020304"/>
                       </a:endParaRPr>
                     </a:p>
                   </a:txBody>
@@ -8464,9 +8433,9 @@
                       </a:r>
                       <a:endParaRPr lang="zh-CN" sz="1050" kern="100" dirty="0">
                         <a:effectLst/>
-                        <a:latin typeface="Calibri"/>
-                        <a:ea typeface="宋体"/>
-                        <a:cs typeface="Times New Roman"/>
+                        <a:latin typeface="Calibri" panose="020F0502020204030204"/>
+                        <a:ea typeface="宋体" panose="02010600030101010101" pitchFamily="2" charset="-122"/>
+                        <a:cs typeface="Times New Roman" panose="02020603050405020304"/>
                       </a:endParaRPr>
                     </a:p>
                   </a:txBody>
@@ -8492,9 +8461,9 @@
                       </a:r>
                       <a:endParaRPr lang="zh-CN" sz="1050" kern="100">
                         <a:effectLst/>
-                        <a:latin typeface="Calibri"/>
-                        <a:ea typeface="宋体"/>
-                        <a:cs typeface="Times New Roman"/>
+                        <a:latin typeface="Calibri" panose="020F0502020204030204"/>
+                        <a:ea typeface="宋体" panose="02010600030101010101" pitchFamily="2" charset="-122"/>
+                        <a:cs typeface="Times New Roman" panose="02020603050405020304"/>
                       </a:endParaRPr>
                     </a:p>
                   </a:txBody>
@@ -8518,9 +8487,9 @@
                       </a:r>
                       <a:endParaRPr lang="zh-CN" sz="1050" kern="100">
                         <a:effectLst/>
-                        <a:latin typeface="Calibri"/>
-                        <a:ea typeface="宋体"/>
-                        <a:cs typeface="Times New Roman"/>
+                        <a:latin typeface="Calibri" panose="020F0502020204030204"/>
+                        <a:ea typeface="宋体" panose="02010600030101010101" pitchFamily="2" charset="-122"/>
+                        <a:cs typeface="Times New Roman" panose="02020603050405020304"/>
                       </a:endParaRPr>
                     </a:p>
                   </a:txBody>
@@ -8546,9 +8515,9 @@
                       </a:r>
                       <a:endParaRPr lang="zh-CN" sz="1050" kern="100">
                         <a:effectLst/>
-                        <a:latin typeface="Calibri"/>
-                        <a:ea typeface="宋体"/>
-                        <a:cs typeface="Times New Roman"/>
+                        <a:latin typeface="Calibri" panose="020F0502020204030204"/>
+                        <a:ea typeface="宋体" panose="02010600030101010101" pitchFamily="2" charset="-122"/>
+                        <a:cs typeface="Times New Roman" panose="02020603050405020304"/>
                       </a:endParaRPr>
                     </a:p>
                   </a:txBody>
@@ -8572,9 +8541,9 @@
                       </a:r>
                       <a:endParaRPr lang="zh-CN" sz="1050" kern="100">
                         <a:effectLst/>
-                        <a:latin typeface="Calibri"/>
-                        <a:ea typeface="宋体"/>
-                        <a:cs typeface="Times New Roman"/>
+                        <a:latin typeface="Calibri" panose="020F0502020204030204"/>
+                        <a:ea typeface="宋体" panose="02010600030101010101" pitchFamily="2" charset="-122"/>
+                        <a:cs typeface="Times New Roman" panose="02020603050405020304"/>
                       </a:endParaRPr>
                     </a:p>
                   </a:txBody>
@@ -8600,9 +8569,9 @@
                       </a:r>
                       <a:endParaRPr lang="zh-CN" sz="1050" kern="100">
                         <a:effectLst/>
-                        <a:latin typeface="Calibri"/>
-                        <a:ea typeface="宋体"/>
-                        <a:cs typeface="Times New Roman"/>
+                        <a:latin typeface="Calibri" panose="020F0502020204030204"/>
+                        <a:ea typeface="宋体" panose="02010600030101010101" pitchFamily="2" charset="-122"/>
+                        <a:cs typeface="Times New Roman" panose="02020603050405020304"/>
                       </a:endParaRPr>
                     </a:p>
                   </a:txBody>
@@ -8626,9 +8595,9 @@
                       </a:r>
                       <a:endParaRPr lang="zh-CN" sz="1050" kern="100" dirty="0">
                         <a:effectLst/>
-                        <a:latin typeface="Calibri"/>
-                        <a:ea typeface="宋体"/>
-                        <a:cs typeface="Times New Roman"/>
+                        <a:latin typeface="Calibri" panose="020F0502020204030204"/>
+                        <a:ea typeface="宋体" panose="02010600030101010101" pitchFamily="2" charset="-122"/>
+                        <a:cs typeface="Times New Roman" panose="02020603050405020304"/>
                       </a:endParaRPr>
                     </a:p>
                   </a:txBody>
@@ -8665,6 +8634,7 @@
               <a:rPr lang="zh-CN" altLang="zh-CN" sz="2400" b="1" dirty="0"/>
               <a:t>项目风险类别定义</a:t>
             </a:r>
+            <a:endParaRPr lang="zh-CN" altLang="zh-CN" sz="2400" b="1" dirty="0"/>
           </a:p>
         </p:txBody>
       </p:sp>
@@ -8694,6 +8664,7 @@
               <a:rPr lang="zh-CN" altLang="zh-CN" sz="2400" b="1" dirty="0"/>
               <a:t>项目风险等级和影响定义</a:t>
             </a:r>
+            <a:endParaRPr lang="zh-CN" altLang="zh-CN" sz="2400" b="1" dirty="0"/>
           </a:p>
         </p:txBody>
       </p:sp>
@@ -8703,13 +8674,7 @@
           <p:cNvGraphicFramePr>
             <a:graphicFrameLocks noGrp="1"/>
           </p:cNvGraphicFramePr>
-          <p:nvPr>
-            <p:extLst>
-              <p:ext uri="{D42A27DB-BD31-4B8C-83A1-F6EECF244321}">
-                <p14:modId xmlns:p14="http://schemas.microsoft.com/office/powerpoint/2010/main" val="1405491679"/>
-              </p:ext>
-            </p:extLst>
-          </p:nvPr>
+          <p:nvPr/>
         </p:nvGraphicFramePr>
         <p:xfrm>
           <a:off x="1845445" y="4293890"/>
@@ -8748,9 +8713,9 @@
                       </a:r>
                       <a:endParaRPr lang="zh-CN" sz="1050" kern="100">
                         <a:effectLst/>
-                        <a:latin typeface="Calibri"/>
-                        <a:ea typeface="宋体"/>
-                        <a:cs typeface="Times New Roman"/>
+                        <a:latin typeface="Calibri" panose="020F0502020204030204"/>
+                        <a:ea typeface="宋体" panose="02010600030101010101" pitchFamily="2" charset="-122"/>
+                        <a:cs typeface="Times New Roman" panose="02020603050405020304"/>
                       </a:endParaRPr>
                     </a:p>
                   </a:txBody>
@@ -8774,9 +8739,9 @@
                       </a:r>
                       <a:endParaRPr lang="zh-CN" sz="1050" kern="100">
                         <a:effectLst/>
-                        <a:latin typeface="Calibri"/>
-                        <a:ea typeface="宋体"/>
-                        <a:cs typeface="Times New Roman"/>
+                        <a:latin typeface="Calibri" panose="020F0502020204030204"/>
+                        <a:ea typeface="宋体" panose="02010600030101010101" pitchFamily="2" charset="-122"/>
+                        <a:cs typeface="Times New Roman" panose="02020603050405020304"/>
                       </a:endParaRPr>
                     </a:p>
                   </a:txBody>
@@ -8800,9 +8765,9 @@
                       </a:r>
                       <a:endParaRPr lang="zh-CN" sz="1050" kern="100">
                         <a:effectLst/>
-                        <a:latin typeface="Calibri"/>
-                        <a:ea typeface="宋体"/>
-                        <a:cs typeface="Times New Roman"/>
+                        <a:latin typeface="Calibri" panose="020F0502020204030204"/>
+                        <a:ea typeface="宋体" panose="02010600030101010101" pitchFamily="2" charset="-122"/>
+                        <a:cs typeface="Times New Roman" panose="02020603050405020304"/>
                       </a:endParaRPr>
                     </a:p>
                   </a:txBody>
@@ -8826,9 +8791,9 @@
                       </a:r>
                       <a:endParaRPr lang="zh-CN" sz="1050" kern="100">
                         <a:effectLst/>
-                        <a:latin typeface="Calibri"/>
-                        <a:ea typeface="宋体"/>
-                        <a:cs typeface="Times New Roman"/>
+                        <a:latin typeface="Calibri" panose="020F0502020204030204"/>
+                        <a:ea typeface="宋体" panose="02010600030101010101" pitchFamily="2" charset="-122"/>
+                        <a:cs typeface="Times New Roman" panose="02020603050405020304"/>
                       </a:endParaRPr>
                     </a:p>
                   </a:txBody>
@@ -8852,9 +8817,9 @@
                       </a:r>
                       <a:endParaRPr lang="zh-CN" sz="1050" kern="100">
                         <a:effectLst/>
-                        <a:latin typeface="Calibri"/>
-                        <a:ea typeface="宋体"/>
-                        <a:cs typeface="Times New Roman"/>
+                        <a:latin typeface="Calibri" panose="020F0502020204030204"/>
+                        <a:ea typeface="宋体" panose="02010600030101010101" pitchFamily="2" charset="-122"/>
+                        <a:cs typeface="Times New Roman" panose="02020603050405020304"/>
                       </a:endParaRPr>
                     </a:p>
                   </a:txBody>
@@ -8878,9 +8843,9 @@
                       </a:r>
                       <a:endParaRPr lang="zh-CN" sz="1050" kern="100">
                         <a:effectLst/>
-                        <a:latin typeface="Calibri"/>
-                        <a:ea typeface="宋体"/>
-                        <a:cs typeface="Times New Roman"/>
+                        <a:latin typeface="Calibri" panose="020F0502020204030204"/>
+                        <a:ea typeface="宋体" panose="02010600030101010101" pitchFamily="2" charset="-122"/>
+                        <a:cs typeface="Times New Roman" panose="02020603050405020304"/>
                       </a:endParaRPr>
                     </a:p>
                   </a:txBody>
@@ -8906,9 +8871,9 @@
                       </a:r>
                       <a:endParaRPr lang="zh-CN" sz="1050" kern="100">
                         <a:effectLst/>
-                        <a:latin typeface="Calibri"/>
-                        <a:ea typeface="宋体"/>
-                        <a:cs typeface="Times New Roman"/>
+                        <a:latin typeface="Calibri" panose="020F0502020204030204"/>
+                        <a:ea typeface="宋体" panose="02010600030101010101" pitchFamily="2" charset="-122"/>
+                        <a:cs typeface="Times New Roman" panose="02020603050405020304"/>
                       </a:endParaRPr>
                     </a:p>
                   </a:txBody>
@@ -8932,9 +8897,9 @@
                       </a:r>
                       <a:endParaRPr lang="zh-CN" sz="1050" kern="100">
                         <a:effectLst/>
-                        <a:latin typeface="Calibri"/>
-                        <a:ea typeface="宋体"/>
-                        <a:cs typeface="Times New Roman"/>
+                        <a:latin typeface="Calibri" panose="020F0502020204030204"/>
+                        <a:ea typeface="宋体" panose="02010600030101010101" pitchFamily="2" charset="-122"/>
+                        <a:cs typeface="Times New Roman" panose="02020603050405020304"/>
                       </a:endParaRPr>
                     </a:p>
                   </a:txBody>
@@ -8958,54 +8923,26 @@
                       </a:r>
                       <a:endParaRPr lang="zh-CN" sz="1050" kern="100">
                         <a:effectLst/>
-                        <a:latin typeface="Calibri"/>
-                        <a:ea typeface="宋体"/>
-                        <a:cs typeface="Times New Roman"/>
+                        <a:latin typeface="Calibri" panose="020F0502020204030204"/>
+                        <a:ea typeface="宋体" panose="02010600030101010101" pitchFamily="2" charset="-122"/>
+                        <a:cs typeface="Times New Roman" panose="02020603050405020304"/>
                       </a:endParaRPr>
                     </a:p>
                   </a:txBody>
                   <a:tcPr marL="68580" marR="68580" marT="0" marB="0" anchor="ctr"/>
                 </a:tc>
                 <a:tc rowSpan="3" hMerge="1">
-                  <a:txBody>
-                    <a:bodyPr/>
-                    <a:lstStyle/>
-                    <a:p>
-                      <a:endParaRPr lang="zh-CN" altLang="en-US"/>
-                    </a:p>
-                  </a:txBody>
                   <a:tcPr/>
                 </a:tc>
                 <a:tc rowSpan="3" hMerge="1">
-                  <a:txBody>
-                    <a:bodyPr/>
-                    <a:lstStyle/>
-                    <a:p>
-                      <a:endParaRPr lang="zh-CN" altLang="en-US"/>
-                    </a:p>
-                  </a:txBody>
                   <a:tcPr/>
                 </a:tc>
                 <a:tc rowSpan="3" hMerge="1">
-                  <a:txBody>
-                    <a:bodyPr/>
-                    <a:lstStyle/>
-                    <a:p>
-                      <a:endParaRPr lang="zh-CN" altLang="en-US"/>
-                    </a:p>
-                  </a:txBody>
                   <a:tcPr/>
                 </a:tc>
               </a:tr>
               <a:tr h="180975">
                 <a:tc vMerge="1">
-                  <a:txBody>
-                    <a:bodyPr/>
-                    <a:lstStyle/>
-                    <a:p>
-                      <a:endParaRPr lang="zh-CN" altLang="en-US"/>
-                    </a:p>
-                  </a:txBody>
                   <a:tcPr/>
                 </a:tc>
                 <a:tc>
@@ -9026,64 +8963,29 @@
                       </a:r>
                       <a:endParaRPr lang="zh-CN" sz="1050" kern="100">
                         <a:effectLst/>
-                        <a:latin typeface="Calibri"/>
-                        <a:ea typeface="宋体"/>
-                        <a:cs typeface="Times New Roman"/>
+                        <a:latin typeface="Calibri" panose="020F0502020204030204"/>
+                        <a:ea typeface="宋体" panose="02010600030101010101" pitchFamily="2" charset="-122"/>
+                        <a:cs typeface="Times New Roman" panose="02020603050405020304"/>
                       </a:endParaRPr>
                     </a:p>
                   </a:txBody>
                   <a:tcPr marL="68580" marR="68580" marT="0" marB="0" anchor="ctr"/>
                 </a:tc>
-                <a:tc gridSpan="4" vMerge="1">
-                  <a:txBody>
-                    <a:bodyPr/>
-                    <a:lstStyle/>
-                    <a:p>
-                      <a:endParaRPr lang="zh-CN" altLang="en-US"/>
-                    </a:p>
-                  </a:txBody>
+                <a:tc vMerge="1" gridSpan="4">
                   <a:tcPr/>
                 </a:tc>
-                <a:tc hMerge="1" vMerge="1">
-                  <a:txBody>
-                    <a:bodyPr/>
-                    <a:lstStyle/>
-                    <a:p>
-                      <a:endParaRPr lang="zh-CN" altLang="en-US"/>
-                    </a:p>
-                  </a:txBody>
+                <a:tc vMerge="1" hMerge="1">
                   <a:tcPr/>
                 </a:tc>
-                <a:tc hMerge="1" vMerge="1">
-                  <a:txBody>
-                    <a:bodyPr/>
-                    <a:lstStyle/>
-                    <a:p>
-                      <a:endParaRPr lang="zh-CN" altLang="en-US"/>
-                    </a:p>
-                  </a:txBody>
+                <a:tc vMerge="1" hMerge="1">
                   <a:tcPr/>
                 </a:tc>
-                <a:tc hMerge="1" vMerge="1">
-                  <a:txBody>
-                    <a:bodyPr/>
-                    <a:lstStyle/>
-                    <a:p>
-                      <a:endParaRPr lang="zh-CN" altLang="en-US"/>
-                    </a:p>
-                  </a:txBody>
+                <a:tc vMerge="1" hMerge="1">
                   <a:tcPr/>
                 </a:tc>
               </a:tr>
               <a:tr h="180975">
                 <a:tc vMerge="1">
-                  <a:txBody>
-                    <a:bodyPr/>
-                    <a:lstStyle/>
-                    <a:p>
-                      <a:endParaRPr lang="zh-CN" altLang="en-US"/>
-                    </a:p>
-                  </a:txBody>
                   <a:tcPr/>
                 </a:tc>
                 <a:tc>
@@ -9104,52 +9006,24 @@
                       </a:r>
                       <a:endParaRPr lang="zh-CN" sz="1050" kern="100">
                         <a:effectLst/>
-                        <a:latin typeface="Calibri"/>
-                        <a:ea typeface="宋体"/>
-                        <a:cs typeface="Times New Roman"/>
+                        <a:latin typeface="Calibri" panose="020F0502020204030204"/>
+                        <a:ea typeface="宋体" panose="02010600030101010101" pitchFamily="2" charset="-122"/>
+                        <a:cs typeface="Times New Roman" panose="02020603050405020304"/>
                       </a:endParaRPr>
                     </a:p>
                   </a:txBody>
                   <a:tcPr marL="68580" marR="68580" marT="0" marB="0" anchor="ctr"/>
                 </a:tc>
-                <a:tc gridSpan="4" vMerge="1">
-                  <a:txBody>
-                    <a:bodyPr/>
-                    <a:lstStyle/>
-                    <a:p>
-                      <a:endParaRPr lang="zh-CN" altLang="en-US"/>
-                    </a:p>
-                  </a:txBody>
+                <a:tc vMerge="1" gridSpan="4">
                   <a:tcPr/>
                 </a:tc>
-                <a:tc hMerge="1" vMerge="1">
-                  <a:txBody>
-                    <a:bodyPr/>
-                    <a:lstStyle/>
-                    <a:p>
-                      <a:endParaRPr lang="zh-CN" altLang="en-US"/>
-                    </a:p>
-                  </a:txBody>
+                <a:tc vMerge="1" hMerge="1">
                   <a:tcPr/>
                 </a:tc>
-                <a:tc hMerge="1" vMerge="1">
-                  <a:txBody>
-                    <a:bodyPr/>
-                    <a:lstStyle/>
-                    <a:p>
-                      <a:endParaRPr lang="zh-CN" altLang="en-US"/>
-                    </a:p>
-                  </a:txBody>
+                <a:tc vMerge="1" hMerge="1">
                   <a:tcPr/>
                 </a:tc>
-                <a:tc hMerge="1" vMerge="1">
-                  <a:txBody>
-                    <a:bodyPr/>
-                    <a:lstStyle/>
-                    <a:p>
-                      <a:endParaRPr lang="zh-CN" altLang="en-US"/>
-                    </a:p>
-                  </a:txBody>
+                <a:tc vMerge="1" hMerge="1">
                   <a:tcPr/>
                 </a:tc>
               </a:tr>
@@ -9172,9 +9046,9 @@
                       </a:r>
                       <a:endParaRPr lang="zh-CN" sz="1050" kern="100">
                         <a:effectLst/>
-                        <a:latin typeface="Calibri"/>
-                        <a:ea typeface="宋体"/>
-                        <a:cs typeface="Times New Roman"/>
+                        <a:latin typeface="Calibri" panose="020F0502020204030204"/>
+                        <a:ea typeface="宋体" panose="02010600030101010101" pitchFamily="2" charset="-122"/>
+                        <a:cs typeface="Times New Roman" panose="02020603050405020304"/>
                       </a:endParaRPr>
                     </a:p>
                   </a:txBody>
@@ -9198,9 +9072,9 @@
                       </a:r>
                       <a:endParaRPr lang="zh-CN" sz="1050" kern="100">
                         <a:effectLst/>
-                        <a:latin typeface="Calibri"/>
-                        <a:ea typeface="宋体"/>
-                        <a:cs typeface="Times New Roman"/>
+                        <a:latin typeface="Calibri" panose="020F0502020204030204"/>
+                        <a:ea typeface="宋体" panose="02010600030101010101" pitchFamily="2" charset="-122"/>
+                        <a:cs typeface="Times New Roman" panose="02020603050405020304"/>
                       </a:endParaRPr>
                     </a:p>
                   </a:txBody>
@@ -9224,9 +9098,9 @@
                       </a:r>
                       <a:endParaRPr lang="zh-CN" sz="1050" kern="100">
                         <a:effectLst/>
-                        <a:latin typeface="Calibri"/>
-                        <a:ea typeface="宋体"/>
-                        <a:cs typeface="Times New Roman"/>
+                        <a:latin typeface="Calibri" panose="020F0502020204030204"/>
+                        <a:ea typeface="宋体" panose="02010600030101010101" pitchFamily="2" charset="-122"/>
+                        <a:cs typeface="Times New Roman" panose="02020603050405020304"/>
                       </a:endParaRPr>
                     </a:p>
                   </a:txBody>
@@ -9256,9 +9130,9 @@
                       </a:r>
                       <a:endParaRPr lang="zh-CN" sz="1050" kern="100">
                         <a:effectLst/>
-                        <a:latin typeface="Calibri"/>
-                        <a:ea typeface="宋体"/>
-                        <a:cs typeface="Times New Roman"/>
+                        <a:latin typeface="Calibri" panose="020F0502020204030204"/>
+                        <a:ea typeface="宋体" panose="02010600030101010101" pitchFamily="2" charset="-122"/>
+                        <a:cs typeface="Times New Roman" panose="02020603050405020304"/>
                       </a:endParaRPr>
                     </a:p>
                   </a:txBody>
@@ -9282,9 +9156,9 @@
                       </a:r>
                       <a:endParaRPr lang="zh-CN" sz="1050" kern="100">
                         <a:effectLst/>
-                        <a:latin typeface="Calibri"/>
-                        <a:ea typeface="宋体"/>
-                        <a:cs typeface="Times New Roman"/>
+                        <a:latin typeface="Calibri" panose="020F0502020204030204"/>
+                        <a:ea typeface="宋体" panose="02010600030101010101" pitchFamily="2" charset="-122"/>
+                        <a:cs typeface="Times New Roman" panose="02020603050405020304"/>
                       </a:endParaRPr>
                     </a:p>
                   </a:txBody>
@@ -9320,9 +9194,9 @@
                       </a:r>
                       <a:endParaRPr lang="zh-CN" sz="1050" kern="100">
                         <a:effectLst/>
-                        <a:latin typeface="Calibri"/>
-                        <a:ea typeface="宋体"/>
-                        <a:cs typeface="Times New Roman"/>
+                        <a:latin typeface="Calibri" panose="020F0502020204030204"/>
+                        <a:ea typeface="宋体" panose="02010600030101010101" pitchFamily="2" charset="-122"/>
+                        <a:cs typeface="Times New Roman" panose="02020603050405020304"/>
                       </a:endParaRPr>
                     </a:p>
                   </a:txBody>
@@ -9331,13 +9205,6 @@
               </a:tr>
               <a:tr h="457200">
                 <a:tc vMerge="1">
-                  <a:txBody>
-                    <a:bodyPr/>
-                    <a:lstStyle/>
-                    <a:p>
-                      <a:endParaRPr lang="zh-CN" altLang="en-US"/>
-                    </a:p>
-                  </a:txBody>
                   <a:tcPr/>
                 </a:tc>
                 <a:tc>
@@ -9358,9 +9225,9 @@
                       </a:r>
                       <a:endParaRPr lang="zh-CN" sz="1050" kern="100">
                         <a:effectLst/>
-                        <a:latin typeface="Calibri"/>
-                        <a:ea typeface="宋体"/>
-                        <a:cs typeface="Times New Roman"/>
+                        <a:latin typeface="Calibri" panose="020F0502020204030204"/>
+                        <a:ea typeface="宋体" panose="02010600030101010101" pitchFamily="2" charset="-122"/>
+                        <a:cs typeface="Times New Roman" panose="02020603050405020304"/>
                       </a:endParaRPr>
                     </a:p>
                   </a:txBody>
@@ -9384,9 +9251,9 @@
                       </a:r>
                       <a:endParaRPr lang="zh-CN" sz="1050" kern="100">
                         <a:effectLst/>
-                        <a:latin typeface="Calibri"/>
-                        <a:ea typeface="宋体"/>
-                        <a:cs typeface="Times New Roman"/>
+                        <a:latin typeface="Calibri" panose="020F0502020204030204"/>
+                        <a:ea typeface="宋体" panose="02010600030101010101" pitchFamily="2" charset="-122"/>
+                        <a:cs typeface="Times New Roman" panose="02020603050405020304"/>
                       </a:endParaRPr>
                     </a:p>
                   </a:txBody>
@@ -9416,9 +9283,9 @@
                       </a:r>
                       <a:endParaRPr lang="zh-CN" sz="1050" kern="100">
                         <a:effectLst/>
-                        <a:latin typeface="Calibri"/>
-                        <a:ea typeface="宋体"/>
-                        <a:cs typeface="Times New Roman"/>
+                        <a:latin typeface="Calibri" panose="020F0502020204030204"/>
+                        <a:ea typeface="宋体" panose="02010600030101010101" pitchFamily="2" charset="-122"/>
+                        <a:cs typeface="Times New Roman" panose="02020603050405020304"/>
                       </a:endParaRPr>
                     </a:p>
                   </a:txBody>
@@ -9442,9 +9309,9 @@
                       </a:r>
                       <a:endParaRPr lang="zh-CN" sz="1050" kern="100">
                         <a:effectLst/>
-                        <a:latin typeface="Calibri"/>
-                        <a:ea typeface="宋体"/>
-                        <a:cs typeface="Times New Roman"/>
+                        <a:latin typeface="Calibri" panose="020F0502020204030204"/>
+                        <a:ea typeface="宋体" panose="02010600030101010101" pitchFamily="2" charset="-122"/>
+                        <a:cs typeface="Times New Roman" panose="02020603050405020304"/>
                       </a:endParaRPr>
                     </a:p>
                   </a:txBody>
@@ -9480,9 +9347,9 @@
                       </a:r>
                       <a:endParaRPr lang="zh-CN" sz="1050" kern="100" dirty="0">
                         <a:effectLst/>
-                        <a:latin typeface="Calibri"/>
-                        <a:ea typeface="宋体"/>
-                        <a:cs typeface="Times New Roman"/>
+                        <a:latin typeface="Calibri" panose="020F0502020204030204"/>
+                        <a:ea typeface="宋体" panose="02010600030101010101" pitchFamily="2" charset="-122"/>
+                        <a:cs typeface="Times New Roman" panose="02020603050405020304"/>
                       </a:endParaRPr>
                     </a:p>
                   </a:txBody>
@@ -9494,11 +9361,6 @@
         </a:graphic>
       </p:graphicFrame>
     </p:spTree>
-    <p:extLst>
-      <p:ext uri="{BB962C8B-B14F-4D97-AF65-F5344CB8AC3E}">
-        <p14:creationId xmlns:p14="http://schemas.microsoft.com/office/powerpoint/2010/main" val="3820546843"/>
-      </p:ext>
-    </p:extLst>
   </p:cSld>
   <p:clrMapOvr>
     <a:masterClrMapping/>
@@ -9625,6 +9487,7 @@
               <a:rPr lang="en-US" sz="2400" dirty="0"/>
               <a:t>5</a:t>
             </a:r>
+            <a:endParaRPr lang="en-US" sz="2400" dirty="0"/>
           </a:p>
         </p:txBody>
       </p:sp>
@@ -9715,13 +9578,7 @@
           <p:cNvGraphicFramePr>
             <a:graphicFrameLocks noGrp="1"/>
           </p:cNvGraphicFramePr>
-          <p:nvPr>
-            <p:extLst>
-              <p:ext uri="{D42A27DB-BD31-4B8C-83A1-F6EECF244321}">
-                <p14:modId xmlns:p14="http://schemas.microsoft.com/office/powerpoint/2010/main" val="2040361887"/>
-              </p:ext>
-            </p:extLst>
-          </p:nvPr>
+          <p:nvPr/>
         </p:nvGraphicFramePr>
         <p:xfrm>
           <a:off x="1630710" y="1270403"/>
@@ -9746,7 +9603,7 @@
                 <a:gridCol w="566086"/>
                 <a:gridCol w="566086"/>
               </a:tblGrid>
-              <a:tr h="110868">
+              <a:tr h="0">
                 <a:tc rowSpan="2">
                   <a:txBody>
                     <a:bodyPr/>
@@ -9761,9 +9618,9 @@
                       </a:r>
                       <a:endParaRPr lang="zh-CN" sz="1100" dirty="0">
                         <a:effectLst/>
-                        <a:latin typeface="Calibri"/>
-                        <a:ea typeface="宋体"/>
-                        <a:cs typeface="Times New Roman"/>
+                        <a:latin typeface="Calibri" panose="020F0502020204030204"/>
+                        <a:ea typeface="宋体" panose="02010600030101010101" pitchFamily="2" charset="-122"/>
+                        <a:cs typeface="Times New Roman" panose="02020603050405020304"/>
                       </a:endParaRPr>
                     </a:p>
                   </a:txBody>
@@ -9783,22 +9640,15 @@
                       </a:r>
                       <a:endParaRPr lang="zh-CN" sz="1100">
                         <a:effectLst/>
-                        <a:latin typeface="Calibri"/>
-                        <a:ea typeface="宋体"/>
-                        <a:cs typeface="Times New Roman"/>
+                        <a:latin typeface="Calibri" panose="020F0502020204030204"/>
+                        <a:ea typeface="宋体" panose="02010600030101010101" pitchFamily="2" charset="-122"/>
+                        <a:cs typeface="Times New Roman" panose="02020603050405020304"/>
                       </a:endParaRPr>
                     </a:p>
                   </a:txBody>
                   <a:tcPr marL="0" marR="0" marT="0" marB="0" anchor="ctr"/>
                 </a:tc>
                 <a:tc hMerge="1">
-                  <a:txBody>
-                    <a:bodyPr/>
-                    <a:lstStyle/>
-                    <a:p>
-                      <a:endParaRPr lang="zh-CN" altLang="en-US"/>
-                    </a:p>
-                  </a:txBody>
                   <a:tcPr/>
                 </a:tc>
                 <a:tc gridSpan="4">
@@ -9815,42 +9665,21 @@
                       </a:r>
                       <a:endParaRPr lang="zh-CN" sz="1100">
                         <a:effectLst/>
-                        <a:latin typeface="Calibri"/>
-                        <a:ea typeface="宋体"/>
-                        <a:cs typeface="Times New Roman"/>
+                        <a:latin typeface="Calibri" panose="020F0502020204030204"/>
+                        <a:ea typeface="宋体" panose="02010600030101010101" pitchFamily="2" charset="-122"/>
+                        <a:cs typeface="Times New Roman" panose="02020603050405020304"/>
                       </a:endParaRPr>
                     </a:p>
                   </a:txBody>
                   <a:tcPr marL="0" marR="0" marT="0" marB="0" anchor="ctr"/>
                 </a:tc>
                 <a:tc hMerge="1">
-                  <a:txBody>
-                    <a:bodyPr/>
-                    <a:lstStyle/>
-                    <a:p>
-                      <a:endParaRPr lang="zh-CN" altLang="en-US"/>
-                    </a:p>
-                  </a:txBody>
                   <a:tcPr/>
                 </a:tc>
                 <a:tc hMerge="1">
-                  <a:txBody>
-                    <a:bodyPr/>
-                    <a:lstStyle/>
-                    <a:p>
-                      <a:endParaRPr lang="zh-CN" altLang="en-US"/>
-                    </a:p>
-                  </a:txBody>
                   <a:tcPr/>
                 </a:tc>
                 <a:tc hMerge="1">
-                  <a:txBody>
-                    <a:bodyPr/>
-                    <a:lstStyle/>
-                    <a:p>
-                      <a:endParaRPr lang="zh-CN" altLang="en-US"/>
-                    </a:p>
-                  </a:txBody>
                   <a:tcPr/>
                 </a:tc>
                 <a:tc>
@@ -9867,9 +9696,9 @@
                       </a:r>
                       <a:endParaRPr lang="zh-CN" sz="1100">
                         <a:effectLst/>
-                        <a:latin typeface="Calibri"/>
-                        <a:ea typeface="宋体"/>
-                        <a:cs typeface="Times New Roman"/>
+                        <a:latin typeface="Calibri" panose="020F0502020204030204"/>
+                        <a:ea typeface="宋体" panose="02010600030101010101" pitchFamily="2" charset="-122"/>
+                        <a:cs typeface="Times New Roman" panose="02020603050405020304"/>
                       </a:endParaRPr>
                     </a:p>
                   </a:txBody>
@@ -9889,9 +9718,9 @@
                       </a:r>
                       <a:endParaRPr lang="zh-CN" sz="1100">
                         <a:effectLst/>
-                        <a:latin typeface="Calibri"/>
-                        <a:ea typeface="宋体"/>
-                        <a:cs typeface="Times New Roman"/>
+                        <a:latin typeface="Calibri" panose="020F0502020204030204"/>
+                        <a:ea typeface="宋体" panose="02010600030101010101" pitchFamily="2" charset="-122"/>
+                        <a:cs typeface="Times New Roman" panose="02020603050405020304"/>
                       </a:endParaRPr>
                     </a:p>
                   </a:txBody>
@@ -9911,9 +9740,9 @@
                       </a:r>
                       <a:endParaRPr lang="zh-CN" sz="1100">
                         <a:effectLst/>
-                        <a:latin typeface="Calibri"/>
-                        <a:ea typeface="宋体"/>
-                        <a:cs typeface="Times New Roman"/>
+                        <a:latin typeface="Calibri" panose="020F0502020204030204"/>
+                        <a:ea typeface="宋体" panose="02010600030101010101" pitchFamily="2" charset="-122"/>
+                        <a:cs typeface="Times New Roman" panose="02020603050405020304"/>
                       </a:endParaRPr>
                     </a:p>
                   </a:txBody>
@@ -9933,9 +9762,9 @@
                       </a:r>
                       <a:endParaRPr lang="zh-CN" sz="1100">
                         <a:effectLst/>
-                        <a:latin typeface="Calibri"/>
-                        <a:ea typeface="宋体"/>
-                        <a:cs typeface="Times New Roman"/>
+                        <a:latin typeface="Calibri" panose="020F0502020204030204"/>
+                        <a:ea typeface="宋体" panose="02010600030101010101" pitchFamily="2" charset="-122"/>
+                        <a:cs typeface="Times New Roman" panose="02020603050405020304"/>
                       </a:endParaRPr>
                     </a:p>
                   </a:txBody>
@@ -9944,13 +9773,6 @@
               </a:tr>
               <a:tr h="303656">
                 <a:tc vMerge="1">
-                  <a:txBody>
-                    <a:bodyPr/>
-                    <a:lstStyle/>
-                    <a:p>
-                      <a:endParaRPr lang="zh-CN" altLang="en-US"/>
-                    </a:p>
-                  </a:txBody>
                   <a:tcPr/>
                 </a:tc>
                 <a:tc>
@@ -9967,9 +9789,9 @@
                       </a:r>
                       <a:endParaRPr lang="zh-CN" sz="1100">
                         <a:effectLst/>
-                        <a:latin typeface="Calibri"/>
-                        <a:ea typeface="宋体"/>
-                        <a:cs typeface="Times New Roman"/>
+                        <a:latin typeface="Calibri" panose="020F0502020204030204"/>
+                        <a:ea typeface="宋体" panose="02010600030101010101" pitchFamily="2" charset="-122"/>
+                        <a:cs typeface="Times New Roman" panose="02020603050405020304"/>
                       </a:endParaRPr>
                     </a:p>
                   </a:txBody>
@@ -9989,9 +9811,9 @@
                       </a:r>
                       <a:endParaRPr lang="zh-CN" sz="1100">
                         <a:effectLst/>
-                        <a:latin typeface="Calibri"/>
-                        <a:ea typeface="宋体"/>
-                        <a:cs typeface="Times New Roman"/>
+                        <a:latin typeface="Calibri" panose="020F0502020204030204"/>
+                        <a:ea typeface="宋体" panose="02010600030101010101" pitchFamily="2" charset="-122"/>
+                        <a:cs typeface="Times New Roman" panose="02020603050405020304"/>
                       </a:endParaRPr>
                     </a:p>
                   </a:txBody>
@@ -10011,9 +9833,9 @@
                       </a:r>
                       <a:endParaRPr lang="zh-CN" sz="1100">
                         <a:effectLst/>
-                        <a:latin typeface="Calibri"/>
-                        <a:ea typeface="宋体"/>
-                        <a:cs typeface="Times New Roman"/>
+                        <a:latin typeface="Calibri" panose="020F0502020204030204"/>
+                        <a:ea typeface="宋体" panose="02010600030101010101" pitchFamily="2" charset="-122"/>
+                        <a:cs typeface="Times New Roman" panose="02020603050405020304"/>
                       </a:endParaRPr>
                     </a:p>
                   </a:txBody>
@@ -10033,9 +9855,9 @@
                       </a:r>
                       <a:endParaRPr lang="zh-CN" sz="1100">
                         <a:effectLst/>
-                        <a:latin typeface="Calibri"/>
-                        <a:ea typeface="宋体"/>
-                        <a:cs typeface="Times New Roman"/>
+                        <a:latin typeface="Calibri" panose="020F0502020204030204"/>
+                        <a:ea typeface="宋体" panose="02010600030101010101" pitchFamily="2" charset="-122"/>
+                        <a:cs typeface="Times New Roman" panose="02020603050405020304"/>
                       </a:endParaRPr>
                     </a:p>
                   </a:txBody>
@@ -10055,9 +9877,9 @@
                       </a:r>
                       <a:endParaRPr lang="zh-CN" sz="1100">
                         <a:effectLst/>
-                        <a:latin typeface="Calibri"/>
-                        <a:ea typeface="宋体"/>
-                        <a:cs typeface="Times New Roman"/>
+                        <a:latin typeface="Calibri" panose="020F0502020204030204"/>
+                        <a:ea typeface="宋体" panose="02010600030101010101" pitchFamily="2" charset="-122"/>
+                        <a:cs typeface="Times New Roman" panose="02020603050405020304"/>
                       </a:endParaRPr>
                     </a:p>
                   </a:txBody>
@@ -10077,9 +9899,9 @@
                       </a:r>
                       <a:endParaRPr lang="zh-CN" sz="1100">
                         <a:effectLst/>
-                        <a:latin typeface="Calibri"/>
-                        <a:ea typeface="宋体"/>
-                        <a:cs typeface="Times New Roman"/>
+                        <a:latin typeface="Calibri" panose="020F0502020204030204"/>
+                        <a:ea typeface="宋体" panose="02010600030101010101" pitchFamily="2" charset="-122"/>
+                        <a:cs typeface="Times New Roman" panose="02020603050405020304"/>
                       </a:endParaRPr>
                     </a:p>
                   </a:txBody>
@@ -10099,9 +9921,9 @@
                       </a:r>
                       <a:endParaRPr lang="zh-CN" sz="1100">
                         <a:effectLst/>
-                        <a:latin typeface="Calibri"/>
-                        <a:ea typeface="宋体"/>
-                        <a:cs typeface="Times New Roman"/>
+                        <a:latin typeface="Calibri" panose="020F0502020204030204"/>
+                        <a:ea typeface="宋体" panose="02010600030101010101" pitchFamily="2" charset="-122"/>
+                        <a:cs typeface="Times New Roman" panose="02020603050405020304"/>
                       </a:endParaRPr>
                     </a:p>
                   </a:txBody>
@@ -10121,9 +9943,9 @@
                       </a:r>
                       <a:endParaRPr lang="zh-CN" sz="1100">
                         <a:effectLst/>
-                        <a:latin typeface="Calibri"/>
-                        <a:ea typeface="宋体"/>
-                        <a:cs typeface="Times New Roman"/>
+                        <a:latin typeface="Calibri" panose="020F0502020204030204"/>
+                        <a:ea typeface="宋体" panose="02010600030101010101" pitchFamily="2" charset="-122"/>
+                        <a:cs typeface="Times New Roman" panose="02020603050405020304"/>
                       </a:endParaRPr>
                     </a:p>
                   </a:txBody>
@@ -10143,9 +9965,9 @@
                       </a:r>
                       <a:endParaRPr lang="zh-CN" sz="1100">
                         <a:effectLst/>
-                        <a:latin typeface="Calibri"/>
-                        <a:ea typeface="宋体"/>
-                        <a:cs typeface="Times New Roman"/>
+                        <a:latin typeface="Calibri" panose="020F0502020204030204"/>
+                        <a:ea typeface="宋体" panose="02010600030101010101" pitchFamily="2" charset="-122"/>
+                        <a:cs typeface="Times New Roman" panose="02020603050405020304"/>
                       </a:endParaRPr>
                     </a:p>
                   </a:txBody>
@@ -10165,9 +9987,9 @@
                       </a:r>
                       <a:endParaRPr lang="zh-CN" sz="1100">
                         <a:effectLst/>
-                        <a:latin typeface="Calibri"/>
-                        <a:ea typeface="宋体"/>
-                        <a:cs typeface="Times New Roman"/>
+                        <a:latin typeface="Calibri" panose="020F0502020204030204"/>
+                        <a:ea typeface="宋体" panose="02010600030101010101" pitchFamily="2" charset="-122"/>
+                        <a:cs typeface="Times New Roman" panose="02020603050405020304"/>
                       </a:endParaRPr>
                     </a:p>
                   </a:txBody>
@@ -10189,9 +10011,9 @@
                       </a:r>
                       <a:endParaRPr lang="zh-CN" sz="1100" dirty="0">
                         <a:effectLst/>
-                        <a:latin typeface="Calibri"/>
-                        <a:ea typeface="宋体"/>
-                        <a:cs typeface="Times New Roman"/>
+                        <a:latin typeface="Calibri" panose="020F0502020204030204"/>
+                        <a:ea typeface="宋体" panose="02010600030101010101" pitchFamily="2" charset="-122"/>
+                        <a:cs typeface="Times New Roman" panose="02020603050405020304"/>
                       </a:endParaRPr>
                     </a:p>
                   </a:txBody>
@@ -10211,9 +10033,9 @@
                       </a:r>
                       <a:endParaRPr lang="zh-CN" sz="1100">
                         <a:effectLst/>
-                        <a:latin typeface="Calibri"/>
-                        <a:ea typeface="宋体"/>
-                        <a:cs typeface="Times New Roman"/>
+                        <a:latin typeface="Calibri" panose="020F0502020204030204"/>
+                        <a:ea typeface="宋体" panose="02010600030101010101" pitchFamily="2" charset="-122"/>
+                        <a:cs typeface="Times New Roman" panose="02020603050405020304"/>
                       </a:endParaRPr>
                     </a:p>
                   </a:txBody>
@@ -10233,9 +10055,9 @@
                       </a:r>
                       <a:endParaRPr lang="zh-CN" sz="1100">
                         <a:effectLst/>
-                        <a:latin typeface="Calibri"/>
-                        <a:ea typeface="宋体"/>
-                        <a:cs typeface="Times New Roman"/>
+                        <a:latin typeface="Calibri" panose="020F0502020204030204"/>
+                        <a:ea typeface="宋体" panose="02010600030101010101" pitchFamily="2" charset="-122"/>
+                        <a:cs typeface="Times New Roman" panose="02020603050405020304"/>
                       </a:endParaRPr>
                     </a:p>
                   </a:txBody>
@@ -10255,9 +10077,9 @@
                       </a:r>
                       <a:endParaRPr lang="zh-CN" sz="1100">
                         <a:effectLst/>
-                        <a:latin typeface="Calibri"/>
-                        <a:ea typeface="宋体"/>
-                        <a:cs typeface="Times New Roman"/>
+                        <a:latin typeface="Calibri" panose="020F0502020204030204"/>
+                        <a:ea typeface="宋体" panose="02010600030101010101" pitchFamily="2" charset="-122"/>
+                        <a:cs typeface="Times New Roman" panose="02020603050405020304"/>
                       </a:endParaRPr>
                     </a:p>
                   </a:txBody>
@@ -10277,9 +10099,9 @@
                       </a:r>
                       <a:endParaRPr lang="zh-CN" sz="1100">
                         <a:effectLst/>
-                        <a:latin typeface="Calibri"/>
-                        <a:ea typeface="宋体"/>
-                        <a:cs typeface="Times New Roman"/>
+                        <a:latin typeface="Calibri" panose="020F0502020204030204"/>
+                        <a:ea typeface="宋体" panose="02010600030101010101" pitchFamily="2" charset="-122"/>
+                        <a:cs typeface="Times New Roman" panose="02020603050405020304"/>
                       </a:endParaRPr>
                     </a:p>
                   </a:txBody>
@@ -10299,9 +10121,9 @@
                       </a:r>
                       <a:endParaRPr lang="zh-CN" sz="1100">
                         <a:effectLst/>
-                        <a:latin typeface="Calibri"/>
-                        <a:ea typeface="宋体"/>
-                        <a:cs typeface="Times New Roman"/>
+                        <a:latin typeface="Calibri" panose="020F0502020204030204"/>
+                        <a:ea typeface="宋体" panose="02010600030101010101" pitchFamily="2" charset="-122"/>
+                        <a:cs typeface="Times New Roman" panose="02020603050405020304"/>
                       </a:endParaRPr>
                     </a:p>
                   </a:txBody>
@@ -10321,9 +10143,9 @@
                       </a:r>
                       <a:endParaRPr lang="zh-CN" sz="1100">
                         <a:effectLst/>
-                        <a:latin typeface="Calibri"/>
-                        <a:ea typeface="宋体"/>
-                        <a:cs typeface="Times New Roman"/>
+                        <a:latin typeface="Calibri" panose="020F0502020204030204"/>
+                        <a:ea typeface="宋体" panose="02010600030101010101" pitchFamily="2" charset="-122"/>
+                        <a:cs typeface="Times New Roman" panose="02020603050405020304"/>
                       </a:endParaRPr>
                     </a:p>
                   </a:txBody>
@@ -10343,9 +10165,9 @@
                       </a:r>
                       <a:endParaRPr lang="zh-CN" sz="1100">
                         <a:effectLst/>
-                        <a:latin typeface="Calibri"/>
-                        <a:ea typeface="宋体"/>
-                        <a:cs typeface="Times New Roman"/>
+                        <a:latin typeface="Calibri" panose="020F0502020204030204"/>
+                        <a:ea typeface="宋体" panose="02010600030101010101" pitchFamily="2" charset="-122"/>
+                        <a:cs typeface="Times New Roman" panose="02020603050405020304"/>
                       </a:endParaRPr>
                     </a:p>
                   </a:txBody>
@@ -10365,9 +10187,9 @@
                       </a:r>
                       <a:endParaRPr lang="zh-CN" sz="1100">
                         <a:effectLst/>
-                        <a:latin typeface="Calibri"/>
-                        <a:ea typeface="宋体"/>
-                        <a:cs typeface="Times New Roman"/>
+                        <a:latin typeface="Calibri" panose="020F0502020204030204"/>
+                        <a:ea typeface="宋体" panose="02010600030101010101" pitchFamily="2" charset="-122"/>
+                        <a:cs typeface="Times New Roman" panose="02020603050405020304"/>
                       </a:endParaRPr>
                     </a:p>
                   </a:txBody>
@@ -10387,9 +10209,9 @@
                       </a:r>
                       <a:endParaRPr lang="zh-CN" sz="1100">
                         <a:effectLst/>
-                        <a:latin typeface="Calibri"/>
-                        <a:ea typeface="宋体"/>
-                        <a:cs typeface="Times New Roman"/>
+                        <a:latin typeface="Calibri" panose="020F0502020204030204"/>
+                        <a:ea typeface="宋体" panose="02010600030101010101" pitchFamily="2" charset="-122"/>
+                        <a:cs typeface="Times New Roman" panose="02020603050405020304"/>
                       </a:endParaRPr>
                     </a:p>
                   </a:txBody>
@@ -10409,9 +10231,9 @@
                       </a:r>
                       <a:endParaRPr lang="zh-CN" sz="1100">
                         <a:effectLst/>
-                        <a:latin typeface="Calibri"/>
-                        <a:ea typeface="宋体"/>
-                        <a:cs typeface="Times New Roman"/>
+                        <a:latin typeface="Calibri" panose="020F0502020204030204"/>
+                        <a:ea typeface="宋体" panose="02010600030101010101" pitchFamily="2" charset="-122"/>
+                        <a:cs typeface="Times New Roman" panose="02020603050405020304"/>
                       </a:endParaRPr>
                     </a:p>
                   </a:txBody>
@@ -10420,13 +10242,6 @@
               </a:tr>
               <a:tr h="303656">
                 <a:tc vMerge="1">
-                  <a:txBody>
-                    <a:bodyPr/>
-                    <a:lstStyle/>
-                    <a:p>
-                      <a:endParaRPr lang="zh-CN" altLang="en-US"/>
-                    </a:p>
-                  </a:txBody>
                   <a:tcPr/>
                 </a:tc>
                 <a:tc>
@@ -10443,9 +10258,9 @@
                       </a:r>
                       <a:endParaRPr lang="zh-CN" sz="1100">
                         <a:effectLst/>
-                        <a:latin typeface="Calibri"/>
-                        <a:ea typeface="宋体"/>
-                        <a:cs typeface="Times New Roman"/>
+                        <a:latin typeface="Calibri" panose="020F0502020204030204"/>
+                        <a:ea typeface="宋体" panose="02010600030101010101" pitchFamily="2" charset="-122"/>
+                        <a:cs typeface="Times New Roman" panose="02020603050405020304"/>
                       </a:endParaRPr>
                     </a:p>
                   </a:txBody>
@@ -10465,9 +10280,9 @@
                       </a:r>
                       <a:endParaRPr lang="zh-CN" sz="1100" dirty="0">
                         <a:effectLst/>
-                        <a:latin typeface="Calibri"/>
-                        <a:ea typeface="宋体"/>
-                        <a:cs typeface="Times New Roman"/>
+                        <a:latin typeface="Calibri" panose="020F0502020204030204"/>
+                        <a:ea typeface="宋体" panose="02010600030101010101" pitchFamily="2" charset="-122"/>
+                        <a:cs typeface="Times New Roman" panose="02020603050405020304"/>
                       </a:endParaRPr>
                     </a:p>
                   </a:txBody>
@@ -10487,9 +10302,9 @@
                       </a:r>
                       <a:endParaRPr lang="zh-CN" sz="1100">
                         <a:effectLst/>
-                        <a:latin typeface="Calibri"/>
-                        <a:ea typeface="宋体"/>
-                        <a:cs typeface="Times New Roman"/>
+                        <a:latin typeface="Calibri" panose="020F0502020204030204"/>
+                        <a:ea typeface="宋体" panose="02010600030101010101" pitchFamily="2" charset="-122"/>
+                        <a:cs typeface="Times New Roman" panose="02020603050405020304"/>
                       </a:endParaRPr>
                     </a:p>
                   </a:txBody>
@@ -10509,9 +10324,9 @@
                       </a:r>
                       <a:endParaRPr lang="zh-CN" sz="1100">
                         <a:effectLst/>
-                        <a:latin typeface="Calibri"/>
-                        <a:ea typeface="宋体"/>
-                        <a:cs typeface="Times New Roman"/>
+                        <a:latin typeface="Calibri" panose="020F0502020204030204"/>
+                        <a:ea typeface="宋体" panose="02010600030101010101" pitchFamily="2" charset="-122"/>
+                        <a:cs typeface="Times New Roman" panose="02020603050405020304"/>
                       </a:endParaRPr>
                     </a:p>
                   </a:txBody>
@@ -10531,9 +10346,9 @@
                       </a:r>
                       <a:endParaRPr lang="zh-CN" sz="1100">
                         <a:effectLst/>
-                        <a:latin typeface="Calibri"/>
-                        <a:ea typeface="宋体"/>
-                        <a:cs typeface="Times New Roman"/>
+                        <a:latin typeface="Calibri" panose="020F0502020204030204"/>
+                        <a:ea typeface="宋体" panose="02010600030101010101" pitchFamily="2" charset="-122"/>
+                        <a:cs typeface="Times New Roman" panose="02020603050405020304"/>
                       </a:endParaRPr>
                     </a:p>
                   </a:txBody>
@@ -10553,9 +10368,9 @@
                       </a:r>
                       <a:endParaRPr lang="zh-CN" sz="1100">
                         <a:effectLst/>
-                        <a:latin typeface="Calibri"/>
-                        <a:ea typeface="宋体"/>
-                        <a:cs typeface="Times New Roman"/>
+                        <a:latin typeface="Calibri" panose="020F0502020204030204"/>
+                        <a:ea typeface="宋体" panose="02010600030101010101" pitchFamily="2" charset="-122"/>
+                        <a:cs typeface="Times New Roman" panose="02020603050405020304"/>
                       </a:endParaRPr>
                     </a:p>
                   </a:txBody>
@@ -10575,9 +10390,9 @@
                       </a:r>
                       <a:endParaRPr lang="zh-CN" sz="1100">
                         <a:effectLst/>
-                        <a:latin typeface="Calibri"/>
-                        <a:ea typeface="宋体"/>
-                        <a:cs typeface="Times New Roman"/>
+                        <a:latin typeface="Calibri" panose="020F0502020204030204"/>
+                        <a:ea typeface="宋体" panose="02010600030101010101" pitchFamily="2" charset="-122"/>
+                        <a:cs typeface="Times New Roman" panose="02020603050405020304"/>
                       </a:endParaRPr>
                     </a:p>
                   </a:txBody>
@@ -10597,9 +10412,9 @@
                       </a:r>
                       <a:endParaRPr lang="zh-CN" sz="1100">
                         <a:effectLst/>
-                        <a:latin typeface="Calibri"/>
-                        <a:ea typeface="宋体"/>
-                        <a:cs typeface="Times New Roman"/>
+                        <a:latin typeface="Calibri" panose="020F0502020204030204"/>
+                        <a:ea typeface="宋体" panose="02010600030101010101" pitchFamily="2" charset="-122"/>
+                        <a:cs typeface="Times New Roman" panose="02020603050405020304"/>
                       </a:endParaRPr>
                     </a:p>
                   </a:txBody>
@@ -10619,9 +10434,9 @@
                       </a:r>
                       <a:endParaRPr lang="zh-CN" sz="1100">
                         <a:effectLst/>
-                        <a:latin typeface="Calibri"/>
-                        <a:ea typeface="宋体"/>
-                        <a:cs typeface="Times New Roman"/>
+                        <a:latin typeface="Calibri" panose="020F0502020204030204"/>
+                        <a:ea typeface="宋体" panose="02010600030101010101" pitchFamily="2" charset="-122"/>
+                        <a:cs typeface="Times New Roman" panose="02020603050405020304"/>
                       </a:endParaRPr>
                     </a:p>
                   </a:txBody>
@@ -10641,9 +10456,9 @@
                       </a:r>
                       <a:endParaRPr lang="zh-CN" sz="1100">
                         <a:effectLst/>
-                        <a:latin typeface="Calibri"/>
-                        <a:ea typeface="宋体"/>
-                        <a:cs typeface="Times New Roman"/>
+                        <a:latin typeface="Calibri" panose="020F0502020204030204"/>
+                        <a:ea typeface="宋体" panose="02010600030101010101" pitchFamily="2" charset="-122"/>
+                        <a:cs typeface="Times New Roman" panose="02020603050405020304"/>
                       </a:endParaRPr>
                     </a:p>
                   </a:txBody>
@@ -10652,13 +10467,6 @@
               </a:tr>
               <a:tr h="496263">
                 <a:tc vMerge="1">
-                  <a:txBody>
-                    <a:bodyPr/>
-                    <a:lstStyle/>
-                    <a:p>
-                      <a:endParaRPr lang="zh-CN" altLang="en-US"/>
-                    </a:p>
-                  </a:txBody>
                   <a:tcPr/>
                 </a:tc>
                 <a:tc>
@@ -10675,9 +10483,9 @@
                       </a:r>
                       <a:endParaRPr lang="zh-CN" sz="1100" dirty="0">
                         <a:effectLst/>
-                        <a:latin typeface="Calibri"/>
-                        <a:ea typeface="宋体"/>
-                        <a:cs typeface="Times New Roman"/>
+                        <a:latin typeface="Calibri" panose="020F0502020204030204"/>
+                        <a:ea typeface="宋体" panose="02010600030101010101" pitchFamily="2" charset="-122"/>
+                        <a:cs typeface="Times New Roman" panose="02020603050405020304"/>
                       </a:endParaRPr>
                     </a:p>
                   </a:txBody>
@@ -10697,9 +10505,9 @@
                       </a:r>
                       <a:endParaRPr lang="zh-CN" sz="1100">
                         <a:effectLst/>
-                        <a:latin typeface="Calibri"/>
-                        <a:ea typeface="宋体"/>
-                        <a:cs typeface="Times New Roman"/>
+                        <a:latin typeface="Calibri" panose="020F0502020204030204"/>
+                        <a:ea typeface="宋体" panose="02010600030101010101" pitchFamily="2" charset="-122"/>
+                        <a:cs typeface="Times New Roman" panose="02020603050405020304"/>
                       </a:endParaRPr>
                     </a:p>
                   </a:txBody>
@@ -10719,9 +10527,9 @@
                       </a:r>
                       <a:endParaRPr lang="zh-CN" sz="1100">
                         <a:effectLst/>
-                        <a:latin typeface="Calibri"/>
-                        <a:ea typeface="宋体"/>
-                        <a:cs typeface="Times New Roman"/>
+                        <a:latin typeface="Calibri" panose="020F0502020204030204"/>
+                        <a:ea typeface="宋体" panose="02010600030101010101" pitchFamily="2" charset="-122"/>
+                        <a:cs typeface="Times New Roman" panose="02020603050405020304"/>
                       </a:endParaRPr>
                     </a:p>
                   </a:txBody>
@@ -10741,9 +10549,9 @@
                       </a:r>
                       <a:endParaRPr lang="zh-CN" sz="1100" dirty="0">
                         <a:effectLst/>
-                        <a:latin typeface="Calibri"/>
-                        <a:ea typeface="宋体"/>
-                        <a:cs typeface="Times New Roman"/>
+                        <a:latin typeface="Calibri" panose="020F0502020204030204"/>
+                        <a:ea typeface="宋体" panose="02010600030101010101" pitchFamily="2" charset="-122"/>
+                        <a:cs typeface="Times New Roman" panose="02020603050405020304"/>
                       </a:endParaRPr>
                     </a:p>
                   </a:txBody>
@@ -10763,9 +10571,9 @@
                       </a:r>
                       <a:endParaRPr lang="zh-CN" sz="1100">
                         <a:effectLst/>
-                        <a:latin typeface="Calibri"/>
-                        <a:ea typeface="宋体"/>
-                        <a:cs typeface="Times New Roman"/>
+                        <a:latin typeface="Calibri" panose="020F0502020204030204"/>
+                        <a:ea typeface="宋体" panose="02010600030101010101" pitchFamily="2" charset="-122"/>
+                        <a:cs typeface="Times New Roman" panose="02020603050405020304"/>
                       </a:endParaRPr>
                     </a:p>
                   </a:txBody>
@@ -10785,9 +10593,9 @@
                       </a:r>
                       <a:endParaRPr lang="zh-CN" sz="1100">
                         <a:effectLst/>
-                        <a:latin typeface="Calibri"/>
-                        <a:ea typeface="宋体"/>
-                        <a:cs typeface="Times New Roman"/>
+                        <a:latin typeface="Calibri" panose="020F0502020204030204"/>
+                        <a:ea typeface="宋体" panose="02010600030101010101" pitchFamily="2" charset="-122"/>
+                        <a:cs typeface="Times New Roman" panose="02020603050405020304"/>
                       </a:endParaRPr>
                     </a:p>
                   </a:txBody>
@@ -10819,9 +10627,9 @@
                       </a:r>
                       <a:endParaRPr lang="zh-CN" sz="1100">
                         <a:effectLst/>
-                        <a:latin typeface="Calibri"/>
-                        <a:ea typeface="宋体"/>
-                        <a:cs typeface="Times New Roman"/>
+                        <a:latin typeface="Calibri" panose="020F0502020204030204"/>
+                        <a:ea typeface="宋体" panose="02010600030101010101" pitchFamily="2" charset="-122"/>
+                        <a:cs typeface="Times New Roman" panose="02020603050405020304"/>
                       </a:endParaRPr>
                     </a:p>
                   </a:txBody>
@@ -10841,9 +10649,9 @@
                       </a:r>
                       <a:endParaRPr lang="zh-CN" sz="1100">
                         <a:effectLst/>
-                        <a:latin typeface="Calibri"/>
-                        <a:ea typeface="宋体"/>
-                        <a:cs typeface="Times New Roman"/>
+                        <a:latin typeface="Calibri" panose="020F0502020204030204"/>
+                        <a:ea typeface="宋体" panose="02010600030101010101" pitchFamily="2" charset="-122"/>
+                        <a:cs typeface="Times New Roman" panose="02020603050405020304"/>
                       </a:endParaRPr>
                     </a:p>
                   </a:txBody>
@@ -10863,9 +10671,9 @@
                       </a:r>
                       <a:endParaRPr lang="zh-CN" sz="1100">
                         <a:effectLst/>
-                        <a:latin typeface="Calibri"/>
-                        <a:ea typeface="宋体"/>
-                        <a:cs typeface="Times New Roman"/>
+                        <a:latin typeface="Calibri" panose="020F0502020204030204"/>
+                        <a:ea typeface="宋体" panose="02010600030101010101" pitchFamily="2" charset="-122"/>
+                        <a:cs typeface="Times New Roman" panose="02020603050405020304"/>
                       </a:endParaRPr>
                     </a:p>
                   </a:txBody>
@@ -10885,9 +10693,9 @@
                       </a:r>
                       <a:endParaRPr lang="zh-CN" sz="1100">
                         <a:effectLst/>
-                        <a:latin typeface="Calibri"/>
-                        <a:ea typeface="宋体"/>
-                        <a:cs typeface="Times New Roman"/>
+                        <a:latin typeface="Calibri" panose="020F0502020204030204"/>
+                        <a:ea typeface="宋体" panose="02010600030101010101" pitchFamily="2" charset="-122"/>
+                        <a:cs typeface="Times New Roman" panose="02020603050405020304"/>
                       </a:endParaRPr>
                     </a:p>
                   </a:txBody>
@@ -10896,13 +10704,6 @@
               </a:tr>
               <a:tr h="399959">
                 <a:tc vMerge="1">
-                  <a:txBody>
-                    <a:bodyPr/>
-                    <a:lstStyle/>
-                    <a:p>
-                      <a:endParaRPr lang="zh-CN" altLang="en-US"/>
-                    </a:p>
-                  </a:txBody>
                   <a:tcPr/>
                 </a:tc>
                 <a:tc>
@@ -10919,9 +10720,9 @@
                       </a:r>
                       <a:endParaRPr lang="zh-CN" sz="1100">
                         <a:effectLst/>
-                        <a:latin typeface="Calibri"/>
-                        <a:ea typeface="宋体"/>
-                        <a:cs typeface="Times New Roman"/>
+                        <a:latin typeface="Calibri" panose="020F0502020204030204"/>
+                        <a:ea typeface="宋体" panose="02010600030101010101" pitchFamily="2" charset="-122"/>
+                        <a:cs typeface="Times New Roman" panose="02020603050405020304"/>
                       </a:endParaRPr>
                     </a:p>
                   </a:txBody>
@@ -10941,9 +10742,9 @@
                       </a:r>
                       <a:endParaRPr lang="zh-CN" sz="1100">
                         <a:effectLst/>
-                        <a:latin typeface="Calibri"/>
-                        <a:ea typeface="宋体"/>
-                        <a:cs typeface="Times New Roman"/>
+                        <a:latin typeface="Calibri" panose="020F0502020204030204"/>
+                        <a:ea typeface="宋体" panose="02010600030101010101" pitchFamily="2" charset="-122"/>
+                        <a:cs typeface="Times New Roman" panose="02020603050405020304"/>
                       </a:endParaRPr>
                     </a:p>
                   </a:txBody>
@@ -10963,9 +10764,9 @@
                       </a:r>
                       <a:endParaRPr lang="zh-CN" sz="1100">
                         <a:effectLst/>
-                        <a:latin typeface="Calibri"/>
-                        <a:ea typeface="宋体"/>
-                        <a:cs typeface="Times New Roman"/>
+                        <a:latin typeface="Calibri" panose="020F0502020204030204"/>
+                        <a:ea typeface="宋体" panose="02010600030101010101" pitchFamily="2" charset="-122"/>
+                        <a:cs typeface="Times New Roman" panose="02020603050405020304"/>
                       </a:endParaRPr>
                     </a:p>
                   </a:txBody>
@@ -10985,9 +10786,9 @@
                       </a:r>
                       <a:endParaRPr lang="zh-CN" sz="1100">
                         <a:effectLst/>
-                        <a:latin typeface="Calibri"/>
-                        <a:ea typeface="宋体"/>
-                        <a:cs typeface="Times New Roman"/>
+                        <a:latin typeface="Calibri" panose="020F0502020204030204"/>
+                        <a:ea typeface="宋体" panose="02010600030101010101" pitchFamily="2" charset="-122"/>
+                        <a:cs typeface="Times New Roman" panose="02020603050405020304"/>
                       </a:endParaRPr>
                     </a:p>
                   </a:txBody>
@@ -11007,9 +10808,9 @@
                       </a:r>
                       <a:endParaRPr lang="zh-CN" sz="1100">
                         <a:effectLst/>
-                        <a:latin typeface="Calibri"/>
-                        <a:ea typeface="宋体"/>
-                        <a:cs typeface="Times New Roman"/>
+                        <a:latin typeface="Calibri" panose="020F0502020204030204"/>
+                        <a:ea typeface="宋体" panose="02010600030101010101" pitchFamily="2" charset="-122"/>
+                        <a:cs typeface="Times New Roman" panose="02020603050405020304"/>
                       </a:endParaRPr>
                     </a:p>
                   </a:txBody>
@@ -11029,9 +10830,9 @@
                       </a:r>
                       <a:endParaRPr lang="zh-CN" sz="1100">
                         <a:effectLst/>
-                        <a:latin typeface="Calibri"/>
-                        <a:ea typeface="宋体"/>
-                        <a:cs typeface="Times New Roman"/>
+                        <a:latin typeface="Calibri" panose="020F0502020204030204"/>
+                        <a:ea typeface="宋体" panose="02010600030101010101" pitchFamily="2" charset="-122"/>
+                        <a:cs typeface="Times New Roman" panose="02020603050405020304"/>
                       </a:endParaRPr>
                     </a:p>
                   </a:txBody>
@@ -11051,9 +10852,9 @@
                       </a:r>
                       <a:endParaRPr lang="zh-CN" sz="1100">
                         <a:effectLst/>
-                        <a:latin typeface="Calibri"/>
-                        <a:ea typeface="宋体"/>
-                        <a:cs typeface="Times New Roman"/>
+                        <a:latin typeface="Calibri" panose="020F0502020204030204"/>
+                        <a:ea typeface="宋体" panose="02010600030101010101" pitchFamily="2" charset="-122"/>
+                        <a:cs typeface="Times New Roman" panose="02020603050405020304"/>
                       </a:endParaRPr>
                     </a:p>
                   </a:txBody>
@@ -11073,9 +10874,9 @@
                       </a:r>
                       <a:endParaRPr lang="zh-CN" sz="1100">
                         <a:effectLst/>
-                        <a:latin typeface="Calibri"/>
-                        <a:ea typeface="宋体"/>
-                        <a:cs typeface="Times New Roman"/>
+                        <a:latin typeface="Calibri" panose="020F0502020204030204"/>
+                        <a:ea typeface="宋体" panose="02010600030101010101" pitchFamily="2" charset="-122"/>
+                        <a:cs typeface="Times New Roman" panose="02020603050405020304"/>
                       </a:endParaRPr>
                     </a:p>
                   </a:txBody>
@@ -11095,9 +10896,9 @@
                       </a:r>
                       <a:endParaRPr lang="zh-CN" sz="1100">
                         <a:effectLst/>
-                        <a:latin typeface="Calibri"/>
-                        <a:ea typeface="宋体"/>
-                        <a:cs typeface="Times New Roman"/>
+                        <a:latin typeface="Calibri" panose="020F0502020204030204"/>
+                        <a:ea typeface="宋体" panose="02010600030101010101" pitchFamily="2" charset="-122"/>
+                        <a:cs typeface="Times New Roman" panose="02020603050405020304"/>
                       </a:endParaRPr>
                     </a:p>
                   </a:txBody>
@@ -11117,9 +10918,9 @@
                       </a:r>
                       <a:endParaRPr lang="zh-CN" sz="1100">
                         <a:effectLst/>
-                        <a:latin typeface="Calibri"/>
-                        <a:ea typeface="宋体"/>
-                        <a:cs typeface="Times New Roman"/>
+                        <a:latin typeface="Calibri" panose="020F0502020204030204"/>
+                        <a:ea typeface="宋体" panose="02010600030101010101" pitchFamily="2" charset="-122"/>
+                        <a:cs typeface="Times New Roman" panose="02020603050405020304"/>
                       </a:endParaRPr>
                     </a:p>
                   </a:txBody>
@@ -11128,13 +10929,6 @@
               </a:tr>
               <a:tr h="248860">
                 <a:tc vMerge="1">
-                  <a:txBody>
-                    <a:bodyPr/>
-                    <a:lstStyle/>
-                    <a:p>
-                      <a:endParaRPr lang="zh-CN" altLang="en-US"/>
-                    </a:p>
-                  </a:txBody>
                   <a:tcPr/>
                 </a:tc>
                 <a:tc>
@@ -11151,9 +10945,9 @@
                       </a:r>
                       <a:endParaRPr lang="zh-CN" sz="1100">
                         <a:effectLst/>
-                        <a:latin typeface="Calibri"/>
-                        <a:ea typeface="宋体"/>
-                        <a:cs typeface="Times New Roman"/>
+                        <a:latin typeface="Calibri" panose="020F0502020204030204"/>
+                        <a:ea typeface="宋体" panose="02010600030101010101" pitchFamily="2" charset="-122"/>
+                        <a:cs typeface="Times New Roman" panose="02020603050405020304"/>
                       </a:endParaRPr>
                     </a:p>
                   </a:txBody>
@@ -11173,9 +10967,9 @@
                       </a:r>
                       <a:endParaRPr lang="zh-CN" sz="1100">
                         <a:effectLst/>
-                        <a:latin typeface="Calibri"/>
-                        <a:ea typeface="宋体"/>
-                        <a:cs typeface="Times New Roman"/>
+                        <a:latin typeface="Calibri" panose="020F0502020204030204"/>
+                        <a:ea typeface="宋体" panose="02010600030101010101" pitchFamily="2" charset="-122"/>
+                        <a:cs typeface="Times New Roman" panose="02020603050405020304"/>
                       </a:endParaRPr>
                     </a:p>
                   </a:txBody>
@@ -11195,9 +10989,9 @@
                       </a:r>
                       <a:endParaRPr lang="zh-CN" sz="1100">
                         <a:effectLst/>
-                        <a:latin typeface="Calibri"/>
-                        <a:ea typeface="宋体"/>
-                        <a:cs typeface="Times New Roman"/>
+                        <a:latin typeface="Calibri" panose="020F0502020204030204"/>
+                        <a:ea typeface="宋体" panose="02010600030101010101" pitchFamily="2" charset="-122"/>
+                        <a:cs typeface="Times New Roman" panose="02020603050405020304"/>
                       </a:endParaRPr>
                     </a:p>
                   </a:txBody>
@@ -11217,9 +11011,9 @@
                       </a:r>
                       <a:endParaRPr lang="zh-CN" sz="1100">
                         <a:effectLst/>
-                        <a:latin typeface="Calibri"/>
-                        <a:ea typeface="宋体"/>
-                        <a:cs typeface="Times New Roman"/>
+                        <a:latin typeface="Calibri" panose="020F0502020204030204"/>
+                        <a:ea typeface="宋体" panose="02010600030101010101" pitchFamily="2" charset="-122"/>
+                        <a:cs typeface="Times New Roman" panose="02020603050405020304"/>
                       </a:endParaRPr>
                     </a:p>
                   </a:txBody>
@@ -11239,9 +11033,9 @@
                       </a:r>
                       <a:endParaRPr lang="zh-CN" sz="1100">
                         <a:effectLst/>
-                        <a:latin typeface="Calibri"/>
-                        <a:ea typeface="宋体"/>
-                        <a:cs typeface="Times New Roman"/>
+                        <a:latin typeface="Calibri" panose="020F0502020204030204"/>
+                        <a:ea typeface="宋体" panose="02010600030101010101" pitchFamily="2" charset="-122"/>
+                        <a:cs typeface="Times New Roman" panose="02020603050405020304"/>
                       </a:endParaRPr>
                     </a:p>
                   </a:txBody>
@@ -11261,9 +11055,9 @@
                       </a:r>
                       <a:endParaRPr lang="zh-CN" sz="1100">
                         <a:effectLst/>
-                        <a:latin typeface="Calibri"/>
-                        <a:ea typeface="宋体"/>
-                        <a:cs typeface="Times New Roman"/>
+                        <a:latin typeface="Calibri" panose="020F0502020204030204"/>
+                        <a:ea typeface="宋体" panose="02010600030101010101" pitchFamily="2" charset="-122"/>
+                        <a:cs typeface="Times New Roman" panose="02020603050405020304"/>
                       </a:endParaRPr>
                     </a:p>
                   </a:txBody>
@@ -11283,9 +11077,9 @@
                       </a:r>
                       <a:endParaRPr lang="zh-CN" sz="1100">
                         <a:effectLst/>
-                        <a:latin typeface="Calibri"/>
-                        <a:ea typeface="宋体"/>
-                        <a:cs typeface="Times New Roman"/>
+                        <a:latin typeface="Calibri" panose="020F0502020204030204"/>
+                        <a:ea typeface="宋体" panose="02010600030101010101" pitchFamily="2" charset="-122"/>
+                        <a:cs typeface="Times New Roman" panose="02020603050405020304"/>
                       </a:endParaRPr>
                     </a:p>
                   </a:txBody>
@@ -11305,9 +11099,9 @@
                       </a:r>
                       <a:endParaRPr lang="zh-CN" sz="1100">
                         <a:effectLst/>
-                        <a:latin typeface="Calibri"/>
-                        <a:ea typeface="宋体"/>
-                        <a:cs typeface="Times New Roman"/>
+                        <a:latin typeface="Calibri" panose="020F0502020204030204"/>
+                        <a:ea typeface="宋体" panose="02010600030101010101" pitchFamily="2" charset="-122"/>
+                        <a:cs typeface="Times New Roman" panose="02020603050405020304"/>
                       </a:endParaRPr>
                     </a:p>
                   </a:txBody>
@@ -11327,9 +11121,9 @@
                       </a:r>
                       <a:endParaRPr lang="zh-CN" sz="1100">
                         <a:effectLst/>
-                        <a:latin typeface="Calibri"/>
-                        <a:ea typeface="宋体"/>
-                        <a:cs typeface="Times New Roman"/>
+                        <a:latin typeface="Calibri" panose="020F0502020204030204"/>
+                        <a:ea typeface="宋体" panose="02010600030101010101" pitchFamily="2" charset="-122"/>
+                        <a:cs typeface="Times New Roman" panose="02020603050405020304"/>
                       </a:endParaRPr>
                     </a:p>
                   </a:txBody>
@@ -11349,9 +11143,9 @@
                       </a:r>
                       <a:endParaRPr lang="zh-CN" sz="1100">
                         <a:effectLst/>
-                        <a:latin typeface="Calibri"/>
-                        <a:ea typeface="宋体"/>
-                        <a:cs typeface="Times New Roman"/>
+                        <a:latin typeface="Calibri" panose="020F0502020204030204"/>
+                        <a:ea typeface="宋体" panose="02010600030101010101" pitchFamily="2" charset="-122"/>
+                        <a:cs typeface="Times New Roman" panose="02020603050405020304"/>
                       </a:endParaRPr>
                     </a:p>
                   </a:txBody>
@@ -11360,13 +11154,6 @@
               </a:tr>
               <a:tr h="303656">
                 <a:tc vMerge="1">
-                  <a:txBody>
-                    <a:bodyPr/>
-                    <a:lstStyle/>
-                    <a:p>
-                      <a:endParaRPr lang="zh-CN" altLang="en-US"/>
-                    </a:p>
-                  </a:txBody>
                   <a:tcPr/>
                 </a:tc>
                 <a:tc>
@@ -11383,9 +11170,9 @@
                       </a:r>
                       <a:endParaRPr lang="zh-CN" sz="1100">
                         <a:effectLst/>
-                        <a:latin typeface="Calibri"/>
-                        <a:ea typeface="宋体"/>
-                        <a:cs typeface="Times New Roman"/>
+                        <a:latin typeface="Calibri" panose="020F0502020204030204"/>
+                        <a:ea typeface="宋体" panose="02010600030101010101" pitchFamily="2" charset="-122"/>
+                        <a:cs typeface="Times New Roman" panose="02020603050405020304"/>
                       </a:endParaRPr>
                     </a:p>
                   </a:txBody>
@@ -11405,9 +11192,9 @@
                       </a:r>
                       <a:endParaRPr lang="zh-CN" sz="1100">
                         <a:effectLst/>
-                        <a:latin typeface="Calibri"/>
-                        <a:ea typeface="宋体"/>
-                        <a:cs typeface="Times New Roman"/>
+                        <a:latin typeface="Calibri" panose="020F0502020204030204"/>
+                        <a:ea typeface="宋体" panose="02010600030101010101" pitchFamily="2" charset="-122"/>
+                        <a:cs typeface="Times New Roman" panose="02020603050405020304"/>
                       </a:endParaRPr>
                     </a:p>
                   </a:txBody>
@@ -11427,9 +11214,9 @@
                       </a:r>
                       <a:endParaRPr lang="zh-CN" sz="1100">
                         <a:effectLst/>
-                        <a:latin typeface="Calibri"/>
-                        <a:ea typeface="宋体"/>
-                        <a:cs typeface="Times New Roman"/>
+                        <a:latin typeface="Calibri" panose="020F0502020204030204"/>
+                        <a:ea typeface="宋体" panose="02010600030101010101" pitchFamily="2" charset="-122"/>
+                        <a:cs typeface="Times New Roman" panose="02020603050405020304"/>
                       </a:endParaRPr>
                     </a:p>
                   </a:txBody>
@@ -11449,9 +11236,9 @@
                       </a:r>
                       <a:endParaRPr lang="zh-CN" sz="1100">
                         <a:effectLst/>
-                        <a:latin typeface="Calibri"/>
-                        <a:ea typeface="宋体"/>
-                        <a:cs typeface="Times New Roman"/>
+                        <a:latin typeface="Calibri" panose="020F0502020204030204"/>
+                        <a:ea typeface="宋体" panose="02010600030101010101" pitchFamily="2" charset="-122"/>
+                        <a:cs typeface="Times New Roman" panose="02020603050405020304"/>
                       </a:endParaRPr>
                     </a:p>
                   </a:txBody>
@@ -11471,9 +11258,9 @@
                       </a:r>
                       <a:endParaRPr lang="zh-CN" sz="1100">
                         <a:effectLst/>
-                        <a:latin typeface="Calibri"/>
-                        <a:ea typeface="宋体"/>
-                        <a:cs typeface="Times New Roman"/>
+                        <a:latin typeface="Calibri" panose="020F0502020204030204"/>
+                        <a:ea typeface="宋体" panose="02010600030101010101" pitchFamily="2" charset="-122"/>
+                        <a:cs typeface="Times New Roman" panose="02020603050405020304"/>
                       </a:endParaRPr>
                     </a:p>
                   </a:txBody>
@@ -11493,9 +11280,9 @@
                       </a:r>
                       <a:endParaRPr lang="zh-CN" sz="1100">
                         <a:effectLst/>
-                        <a:latin typeface="Calibri"/>
-                        <a:ea typeface="宋体"/>
-                        <a:cs typeface="Times New Roman"/>
+                        <a:latin typeface="Calibri" panose="020F0502020204030204"/>
+                        <a:ea typeface="宋体" panose="02010600030101010101" pitchFamily="2" charset="-122"/>
+                        <a:cs typeface="Times New Roman" panose="02020603050405020304"/>
                       </a:endParaRPr>
                     </a:p>
                   </a:txBody>
@@ -11515,9 +11302,9 @@
                       </a:r>
                       <a:endParaRPr lang="zh-CN" sz="1100">
                         <a:effectLst/>
-                        <a:latin typeface="Calibri"/>
-                        <a:ea typeface="宋体"/>
-                        <a:cs typeface="Times New Roman"/>
+                        <a:latin typeface="Calibri" panose="020F0502020204030204"/>
+                        <a:ea typeface="宋体" panose="02010600030101010101" pitchFamily="2" charset="-122"/>
+                        <a:cs typeface="Times New Roman" panose="02020603050405020304"/>
                       </a:endParaRPr>
                     </a:p>
                   </a:txBody>
@@ -11537,9 +11324,9 @@
                       </a:r>
                       <a:endParaRPr lang="zh-CN" sz="1100">
                         <a:effectLst/>
-                        <a:latin typeface="Calibri"/>
-                        <a:ea typeface="宋体"/>
-                        <a:cs typeface="Times New Roman"/>
+                        <a:latin typeface="Calibri" panose="020F0502020204030204"/>
+                        <a:ea typeface="宋体" panose="02010600030101010101" pitchFamily="2" charset="-122"/>
+                        <a:cs typeface="Times New Roman" panose="02020603050405020304"/>
                       </a:endParaRPr>
                     </a:p>
                   </a:txBody>
@@ -11559,9 +11346,9 @@
                       </a:r>
                       <a:endParaRPr lang="zh-CN" sz="1100">
                         <a:effectLst/>
-                        <a:latin typeface="Calibri"/>
-                        <a:ea typeface="宋体"/>
-                        <a:cs typeface="Times New Roman"/>
+                        <a:latin typeface="Calibri" panose="020F0502020204030204"/>
+                        <a:ea typeface="宋体" panose="02010600030101010101" pitchFamily="2" charset="-122"/>
+                        <a:cs typeface="Times New Roman" panose="02020603050405020304"/>
                       </a:endParaRPr>
                     </a:p>
                   </a:txBody>
@@ -11581,9 +11368,9 @@
                       </a:r>
                       <a:endParaRPr lang="zh-CN" sz="1100">
                         <a:effectLst/>
-                        <a:latin typeface="Calibri"/>
-                        <a:ea typeface="宋体"/>
-                        <a:cs typeface="Times New Roman"/>
+                        <a:latin typeface="Calibri" panose="020F0502020204030204"/>
+                        <a:ea typeface="宋体" panose="02010600030101010101" pitchFamily="2" charset="-122"/>
+                        <a:cs typeface="Times New Roman" panose="02020603050405020304"/>
                       </a:endParaRPr>
                     </a:p>
                   </a:txBody>
@@ -11605,9 +11392,9 @@
                       </a:r>
                       <a:endParaRPr lang="zh-CN" sz="1100">
                         <a:effectLst/>
-                        <a:latin typeface="Calibri"/>
-                        <a:ea typeface="宋体"/>
-                        <a:cs typeface="Times New Roman"/>
+                        <a:latin typeface="Calibri" panose="020F0502020204030204"/>
+                        <a:ea typeface="宋体" panose="02010600030101010101" pitchFamily="2" charset="-122"/>
+                        <a:cs typeface="Times New Roman" panose="02020603050405020304"/>
                       </a:endParaRPr>
                     </a:p>
                   </a:txBody>
@@ -11633,9 +11420,9 @@
                       </a:r>
                       <a:endParaRPr lang="zh-CN" sz="1100">
                         <a:effectLst/>
-                        <a:latin typeface="Calibri"/>
-                        <a:ea typeface="宋体"/>
-                        <a:cs typeface="Times New Roman"/>
+                        <a:latin typeface="Calibri" panose="020F0502020204030204"/>
+                        <a:ea typeface="宋体" panose="02010600030101010101" pitchFamily="2" charset="-122"/>
+                        <a:cs typeface="Times New Roman" panose="02020603050405020304"/>
                       </a:endParaRPr>
                     </a:p>
                   </a:txBody>
@@ -11655,9 +11442,9 @@
                       </a:r>
                       <a:endParaRPr lang="zh-CN" sz="1100">
                         <a:effectLst/>
-                        <a:latin typeface="Calibri"/>
-                        <a:ea typeface="宋体"/>
-                        <a:cs typeface="Times New Roman"/>
+                        <a:latin typeface="Calibri" panose="020F0502020204030204"/>
+                        <a:ea typeface="宋体" panose="02010600030101010101" pitchFamily="2" charset="-122"/>
+                        <a:cs typeface="Times New Roman" panose="02020603050405020304"/>
                       </a:endParaRPr>
                     </a:p>
                   </a:txBody>
@@ -11677,9 +11464,9 @@
                       </a:r>
                       <a:endParaRPr lang="zh-CN" sz="1100">
                         <a:effectLst/>
-                        <a:latin typeface="Calibri"/>
-                        <a:ea typeface="宋体"/>
-                        <a:cs typeface="Times New Roman"/>
+                        <a:latin typeface="Calibri" panose="020F0502020204030204"/>
+                        <a:ea typeface="宋体" panose="02010600030101010101" pitchFamily="2" charset="-122"/>
+                        <a:cs typeface="Times New Roman" panose="02020603050405020304"/>
                       </a:endParaRPr>
                     </a:p>
                   </a:txBody>
@@ -11699,9 +11486,9 @@
                       </a:r>
                       <a:endParaRPr lang="zh-CN" sz="1100">
                         <a:effectLst/>
-                        <a:latin typeface="Calibri"/>
-                        <a:ea typeface="宋体"/>
-                        <a:cs typeface="Times New Roman"/>
+                        <a:latin typeface="Calibri" panose="020F0502020204030204"/>
+                        <a:ea typeface="宋体" panose="02010600030101010101" pitchFamily="2" charset="-122"/>
+                        <a:cs typeface="Times New Roman" panose="02020603050405020304"/>
                       </a:endParaRPr>
                     </a:p>
                   </a:txBody>
@@ -11721,9 +11508,9 @@
                       </a:r>
                       <a:endParaRPr lang="zh-CN" sz="1100">
                         <a:effectLst/>
-                        <a:latin typeface="Calibri"/>
-                        <a:ea typeface="宋体"/>
-                        <a:cs typeface="Times New Roman"/>
+                        <a:latin typeface="Calibri" panose="020F0502020204030204"/>
+                        <a:ea typeface="宋体" panose="02010600030101010101" pitchFamily="2" charset="-122"/>
+                        <a:cs typeface="Times New Roman" panose="02020603050405020304"/>
                       </a:endParaRPr>
                     </a:p>
                   </a:txBody>
@@ -11743,9 +11530,9 @@
                       </a:r>
                       <a:endParaRPr lang="zh-CN" sz="1100">
                         <a:effectLst/>
-                        <a:latin typeface="Calibri"/>
-                        <a:ea typeface="宋体"/>
-                        <a:cs typeface="Times New Roman"/>
+                        <a:latin typeface="Calibri" panose="020F0502020204030204"/>
+                        <a:ea typeface="宋体" panose="02010600030101010101" pitchFamily="2" charset="-122"/>
+                        <a:cs typeface="Times New Roman" panose="02020603050405020304"/>
                       </a:endParaRPr>
                     </a:p>
                   </a:txBody>
@@ -11771,9 +11558,9 @@
                       </a:r>
                       <a:endParaRPr lang="zh-CN" sz="1100">
                         <a:effectLst/>
-                        <a:latin typeface="Calibri"/>
-                        <a:ea typeface="宋体"/>
-                        <a:cs typeface="Times New Roman"/>
+                        <a:latin typeface="Calibri" panose="020F0502020204030204"/>
+                        <a:ea typeface="宋体" panose="02010600030101010101" pitchFamily="2" charset="-122"/>
+                        <a:cs typeface="Times New Roman" panose="02020603050405020304"/>
                       </a:endParaRPr>
                     </a:p>
                   </a:txBody>
@@ -11793,9 +11580,9 @@
                       </a:r>
                       <a:endParaRPr lang="zh-CN" sz="1100">
                         <a:effectLst/>
-                        <a:latin typeface="Calibri"/>
-                        <a:ea typeface="宋体"/>
-                        <a:cs typeface="Times New Roman"/>
+                        <a:latin typeface="Calibri" panose="020F0502020204030204"/>
+                        <a:ea typeface="宋体" panose="02010600030101010101" pitchFamily="2" charset="-122"/>
+                        <a:cs typeface="Times New Roman" panose="02020603050405020304"/>
                       </a:endParaRPr>
                     </a:p>
                   </a:txBody>
@@ -11815,9 +11602,9 @@
                       </a:r>
                       <a:endParaRPr lang="zh-CN" sz="1100">
                         <a:effectLst/>
-                        <a:latin typeface="Calibri"/>
-                        <a:ea typeface="宋体"/>
-                        <a:cs typeface="Times New Roman"/>
+                        <a:latin typeface="Calibri" panose="020F0502020204030204"/>
+                        <a:ea typeface="宋体" panose="02010600030101010101" pitchFamily="2" charset="-122"/>
+                        <a:cs typeface="Times New Roman" panose="02020603050405020304"/>
                       </a:endParaRPr>
                     </a:p>
                   </a:txBody>
@@ -11837,9 +11624,9 @@
                       </a:r>
                       <a:endParaRPr lang="zh-CN" sz="1100">
                         <a:effectLst/>
-                        <a:latin typeface="Calibri"/>
-                        <a:ea typeface="宋体"/>
-                        <a:cs typeface="Times New Roman"/>
+                        <a:latin typeface="Calibri" panose="020F0502020204030204"/>
+                        <a:ea typeface="宋体" panose="02010600030101010101" pitchFamily="2" charset="-122"/>
+                        <a:cs typeface="Times New Roman" panose="02020603050405020304"/>
                       </a:endParaRPr>
                     </a:p>
                   </a:txBody>
@@ -11848,13 +11635,6 @@
               </a:tr>
               <a:tr h="399959">
                 <a:tc vMerge="1">
-                  <a:txBody>
-                    <a:bodyPr/>
-                    <a:lstStyle/>
-                    <a:p>
-                      <a:endParaRPr lang="zh-CN" altLang="en-US"/>
-                    </a:p>
-                  </a:txBody>
                   <a:tcPr/>
                 </a:tc>
                 <a:tc>
@@ -11871,9 +11651,9 @@
                       </a:r>
                       <a:endParaRPr lang="zh-CN" sz="1100">
                         <a:effectLst/>
-                        <a:latin typeface="Calibri"/>
-                        <a:ea typeface="宋体"/>
-                        <a:cs typeface="Times New Roman"/>
+                        <a:latin typeface="Calibri" panose="020F0502020204030204"/>
+                        <a:ea typeface="宋体" panose="02010600030101010101" pitchFamily="2" charset="-122"/>
+                        <a:cs typeface="Times New Roman" panose="02020603050405020304"/>
                       </a:endParaRPr>
                     </a:p>
                   </a:txBody>
@@ -11893,9 +11673,9 @@
                       </a:r>
                       <a:endParaRPr lang="zh-CN" sz="1100">
                         <a:effectLst/>
-                        <a:latin typeface="Calibri"/>
-                        <a:ea typeface="宋体"/>
-                        <a:cs typeface="Times New Roman"/>
+                        <a:latin typeface="Calibri" panose="020F0502020204030204"/>
+                        <a:ea typeface="宋体" panose="02010600030101010101" pitchFamily="2" charset="-122"/>
+                        <a:cs typeface="Times New Roman" panose="02020603050405020304"/>
                       </a:endParaRPr>
                     </a:p>
                   </a:txBody>
@@ -11915,9 +11695,9 @@
                       </a:r>
                       <a:endParaRPr lang="zh-CN" sz="1100">
                         <a:effectLst/>
-                        <a:latin typeface="Calibri"/>
-                        <a:ea typeface="宋体"/>
-                        <a:cs typeface="Times New Roman"/>
+                        <a:latin typeface="Calibri" panose="020F0502020204030204"/>
+                        <a:ea typeface="宋体" panose="02010600030101010101" pitchFamily="2" charset="-122"/>
+                        <a:cs typeface="Times New Roman" panose="02020603050405020304"/>
                       </a:endParaRPr>
                     </a:p>
                   </a:txBody>
@@ -11937,9 +11717,9 @@
                       </a:r>
                       <a:endParaRPr lang="zh-CN" sz="1100">
                         <a:effectLst/>
-                        <a:latin typeface="Calibri"/>
-                        <a:ea typeface="宋体"/>
-                        <a:cs typeface="Times New Roman"/>
+                        <a:latin typeface="Calibri" panose="020F0502020204030204"/>
+                        <a:ea typeface="宋体" panose="02010600030101010101" pitchFamily="2" charset="-122"/>
+                        <a:cs typeface="Times New Roman" panose="02020603050405020304"/>
                       </a:endParaRPr>
                     </a:p>
                   </a:txBody>
@@ -11959,9 +11739,9 @@
                       </a:r>
                       <a:endParaRPr lang="zh-CN" sz="1100">
                         <a:effectLst/>
-                        <a:latin typeface="Calibri"/>
-                        <a:ea typeface="宋体"/>
-                        <a:cs typeface="Times New Roman"/>
+                        <a:latin typeface="Calibri" panose="020F0502020204030204"/>
+                        <a:ea typeface="宋体" panose="02010600030101010101" pitchFamily="2" charset="-122"/>
+                        <a:cs typeface="Times New Roman" panose="02020603050405020304"/>
                       </a:endParaRPr>
                     </a:p>
                   </a:txBody>
@@ -11981,9 +11761,9 @@
                       </a:r>
                       <a:endParaRPr lang="zh-CN" sz="1100">
                         <a:effectLst/>
-                        <a:latin typeface="Calibri"/>
-                        <a:ea typeface="宋体"/>
-                        <a:cs typeface="Times New Roman"/>
+                        <a:latin typeface="Calibri" panose="020F0502020204030204"/>
+                        <a:ea typeface="宋体" panose="02010600030101010101" pitchFamily="2" charset="-122"/>
+                        <a:cs typeface="Times New Roman" panose="02020603050405020304"/>
                       </a:endParaRPr>
                     </a:p>
                   </a:txBody>
@@ -12003,9 +11783,9 @@
                       </a:r>
                       <a:endParaRPr lang="zh-CN" sz="1100">
                         <a:effectLst/>
-                        <a:latin typeface="Calibri"/>
-                        <a:ea typeface="宋体"/>
-                        <a:cs typeface="Times New Roman"/>
+                        <a:latin typeface="Calibri" panose="020F0502020204030204"/>
+                        <a:ea typeface="宋体" panose="02010600030101010101" pitchFamily="2" charset="-122"/>
+                        <a:cs typeface="Times New Roman" panose="02020603050405020304"/>
                       </a:endParaRPr>
                     </a:p>
                   </a:txBody>
@@ -12025,9 +11805,9 @@
                       </a:r>
                       <a:endParaRPr lang="zh-CN" sz="1100">
                         <a:effectLst/>
-                        <a:latin typeface="Calibri"/>
-                        <a:ea typeface="宋体"/>
-                        <a:cs typeface="Times New Roman"/>
+                        <a:latin typeface="Calibri" panose="020F0502020204030204"/>
+                        <a:ea typeface="宋体" panose="02010600030101010101" pitchFamily="2" charset="-122"/>
+                        <a:cs typeface="Times New Roman" panose="02020603050405020304"/>
                       </a:endParaRPr>
                     </a:p>
                   </a:txBody>
@@ -12047,9 +11827,9 @@
                       </a:r>
                       <a:endParaRPr lang="zh-CN" sz="1100">
                         <a:effectLst/>
-                        <a:latin typeface="Calibri"/>
-                        <a:ea typeface="宋体"/>
-                        <a:cs typeface="Times New Roman"/>
+                        <a:latin typeface="Calibri" panose="020F0502020204030204"/>
+                        <a:ea typeface="宋体" panose="02010600030101010101" pitchFamily="2" charset="-122"/>
+                        <a:cs typeface="Times New Roman" panose="02020603050405020304"/>
                       </a:endParaRPr>
                     </a:p>
                   </a:txBody>
@@ -12069,9 +11849,9 @@
                       </a:r>
                       <a:endParaRPr lang="zh-CN" sz="1100">
                         <a:effectLst/>
-                        <a:latin typeface="Calibri"/>
-                        <a:ea typeface="宋体"/>
-                        <a:cs typeface="Times New Roman"/>
+                        <a:latin typeface="Calibri" panose="020F0502020204030204"/>
+                        <a:ea typeface="宋体" panose="02010600030101010101" pitchFamily="2" charset="-122"/>
+                        <a:cs typeface="Times New Roman" panose="02020603050405020304"/>
                       </a:endParaRPr>
                     </a:p>
                   </a:txBody>
@@ -12080,13 +11860,6 @@
               </a:tr>
               <a:tr h="399959">
                 <a:tc vMerge="1">
-                  <a:txBody>
-                    <a:bodyPr/>
-                    <a:lstStyle/>
-                    <a:p>
-                      <a:endParaRPr lang="zh-CN" altLang="en-US"/>
-                    </a:p>
-                  </a:txBody>
                   <a:tcPr/>
                 </a:tc>
                 <a:tc>
@@ -12103,9 +11876,9 @@
                       </a:r>
                       <a:endParaRPr lang="zh-CN" sz="1100">
                         <a:effectLst/>
-                        <a:latin typeface="Calibri"/>
-                        <a:ea typeface="宋体"/>
-                        <a:cs typeface="Times New Roman"/>
+                        <a:latin typeface="Calibri" panose="020F0502020204030204"/>
+                        <a:ea typeface="宋体" panose="02010600030101010101" pitchFamily="2" charset="-122"/>
+                        <a:cs typeface="Times New Roman" panose="02020603050405020304"/>
                       </a:endParaRPr>
                     </a:p>
                   </a:txBody>
@@ -12125,9 +11898,9 @@
                       </a:r>
                       <a:endParaRPr lang="zh-CN" sz="1100">
                         <a:effectLst/>
-                        <a:latin typeface="Calibri"/>
-                        <a:ea typeface="宋体"/>
-                        <a:cs typeface="Times New Roman"/>
+                        <a:latin typeface="Calibri" panose="020F0502020204030204"/>
+                        <a:ea typeface="宋体" panose="02010600030101010101" pitchFamily="2" charset="-122"/>
+                        <a:cs typeface="Times New Roman" panose="02020603050405020304"/>
                       </a:endParaRPr>
                     </a:p>
                   </a:txBody>
@@ -12147,9 +11920,9 @@
                       </a:r>
                       <a:endParaRPr lang="zh-CN" sz="1100">
                         <a:effectLst/>
-                        <a:latin typeface="Calibri"/>
-                        <a:ea typeface="宋体"/>
-                        <a:cs typeface="Times New Roman"/>
+                        <a:latin typeface="Calibri" panose="020F0502020204030204"/>
+                        <a:ea typeface="宋体" panose="02010600030101010101" pitchFamily="2" charset="-122"/>
+                        <a:cs typeface="Times New Roman" panose="02020603050405020304"/>
                       </a:endParaRPr>
                     </a:p>
                   </a:txBody>
@@ -12169,9 +11942,9 @@
                       </a:r>
                       <a:endParaRPr lang="zh-CN" sz="1100">
                         <a:effectLst/>
-                        <a:latin typeface="Calibri"/>
-                        <a:ea typeface="宋体"/>
-                        <a:cs typeface="Times New Roman"/>
+                        <a:latin typeface="Calibri" panose="020F0502020204030204"/>
+                        <a:ea typeface="宋体" panose="02010600030101010101" pitchFamily="2" charset="-122"/>
+                        <a:cs typeface="Times New Roman" panose="02020603050405020304"/>
                       </a:endParaRPr>
                     </a:p>
                   </a:txBody>
@@ -12191,9 +11964,9 @@
                       </a:r>
                       <a:endParaRPr lang="zh-CN" sz="1100">
                         <a:effectLst/>
-                        <a:latin typeface="Calibri"/>
-                        <a:ea typeface="宋体"/>
-                        <a:cs typeface="Times New Roman"/>
+                        <a:latin typeface="Calibri" panose="020F0502020204030204"/>
+                        <a:ea typeface="宋体" panose="02010600030101010101" pitchFamily="2" charset="-122"/>
+                        <a:cs typeface="Times New Roman" panose="02020603050405020304"/>
                       </a:endParaRPr>
                     </a:p>
                   </a:txBody>
@@ -12213,9 +11986,9 @@
                       </a:r>
                       <a:endParaRPr lang="zh-CN" sz="1100">
                         <a:effectLst/>
-                        <a:latin typeface="Calibri"/>
-                        <a:ea typeface="宋体"/>
-                        <a:cs typeface="Times New Roman"/>
+                        <a:latin typeface="Calibri" panose="020F0502020204030204"/>
+                        <a:ea typeface="宋体" panose="02010600030101010101" pitchFamily="2" charset="-122"/>
+                        <a:cs typeface="Times New Roman" panose="02020603050405020304"/>
                       </a:endParaRPr>
                     </a:p>
                   </a:txBody>
@@ -12235,9 +12008,9 @@
                       </a:r>
                       <a:endParaRPr lang="zh-CN" sz="1100">
                         <a:effectLst/>
-                        <a:latin typeface="Calibri"/>
-                        <a:ea typeface="宋体"/>
-                        <a:cs typeface="Times New Roman"/>
+                        <a:latin typeface="Calibri" panose="020F0502020204030204"/>
+                        <a:ea typeface="宋体" panose="02010600030101010101" pitchFamily="2" charset="-122"/>
+                        <a:cs typeface="Times New Roman" panose="02020603050405020304"/>
                       </a:endParaRPr>
                     </a:p>
                   </a:txBody>
@@ -12257,9 +12030,9 @@
                       </a:r>
                       <a:endParaRPr lang="zh-CN" sz="1100">
                         <a:effectLst/>
-                        <a:latin typeface="Calibri"/>
-                        <a:ea typeface="宋体"/>
-                        <a:cs typeface="Times New Roman"/>
+                        <a:latin typeface="Calibri" panose="020F0502020204030204"/>
+                        <a:ea typeface="宋体" panose="02010600030101010101" pitchFamily="2" charset="-122"/>
+                        <a:cs typeface="Times New Roman" panose="02020603050405020304"/>
                       </a:endParaRPr>
                     </a:p>
                   </a:txBody>
@@ -12279,9 +12052,9 @@
                       </a:r>
                       <a:endParaRPr lang="zh-CN" sz="1100">
                         <a:effectLst/>
-                        <a:latin typeface="Calibri"/>
-                        <a:ea typeface="宋体"/>
-                        <a:cs typeface="Times New Roman"/>
+                        <a:latin typeface="Calibri" panose="020F0502020204030204"/>
+                        <a:ea typeface="宋体" panose="02010600030101010101" pitchFamily="2" charset="-122"/>
+                        <a:cs typeface="Times New Roman" panose="02020603050405020304"/>
                       </a:endParaRPr>
                     </a:p>
                   </a:txBody>
@@ -12301,9 +12074,9 @@
                       </a:r>
                       <a:endParaRPr lang="zh-CN" sz="1100">
                         <a:effectLst/>
-                        <a:latin typeface="Calibri"/>
-                        <a:ea typeface="宋体"/>
-                        <a:cs typeface="Times New Roman"/>
+                        <a:latin typeface="Calibri" panose="020F0502020204030204"/>
+                        <a:ea typeface="宋体" panose="02010600030101010101" pitchFamily="2" charset="-122"/>
+                        <a:cs typeface="Times New Roman" panose="02020603050405020304"/>
                       </a:endParaRPr>
                     </a:p>
                   </a:txBody>
@@ -12312,13 +12085,6 @@
               </a:tr>
               <a:tr h="399959">
                 <a:tc vMerge="1">
-                  <a:txBody>
-                    <a:bodyPr/>
-                    <a:lstStyle/>
-                    <a:p>
-                      <a:endParaRPr lang="zh-CN" altLang="en-US"/>
-                    </a:p>
-                  </a:txBody>
                   <a:tcPr/>
                 </a:tc>
                 <a:tc>
@@ -12335,9 +12101,9 @@
                       </a:r>
                       <a:endParaRPr lang="zh-CN" sz="1100">
                         <a:effectLst/>
-                        <a:latin typeface="Calibri"/>
-                        <a:ea typeface="宋体"/>
-                        <a:cs typeface="Times New Roman"/>
+                        <a:latin typeface="Calibri" panose="020F0502020204030204"/>
+                        <a:ea typeface="宋体" panose="02010600030101010101" pitchFamily="2" charset="-122"/>
+                        <a:cs typeface="Times New Roman" panose="02020603050405020304"/>
                       </a:endParaRPr>
                     </a:p>
                   </a:txBody>
@@ -12357,9 +12123,9 @@
                       </a:r>
                       <a:endParaRPr lang="zh-CN" sz="1100">
                         <a:effectLst/>
-                        <a:latin typeface="Calibri"/>
-                        <a:ea typeface="宋体"/>
-                        <a:cs typeface="Times New Roman"/>
+                        <a:latin typeface="Calibri" panose="020F0502020204030204"/>
+                        <a:ea typeface="宋体" panose="02010600030101010101" pitchFamily="2" charset="-122"/>
+                        <a:cs typeface="Times New Roman" panose="02020603050405020304"/>
                       </a:endParaRPr>
                     </a:p>
                   </a:txBody>
@@ -12379,9 +12145,9 @@
                       </a:r>
                       <a:endParaRPr lang="zh-CN" sz="1100">
                         <a:effectLst/>
-                        <a:latin typeface="Calibri"/>
-                        <a:ea typeface="宋体"/>
-                        <a:cs typeface="Times New Roman"/>
+                        <a:latin typeface="Calibri" panose="020F0502020204030204"/>
+                        <a:ea typeface="宋体" panose="02010600030101010101" pitchFamily="2" charset="-122"/>
+                        <a:cs typeface="Times New Roman" panose="02020603050405020304"/>
                       </a:endParaRPr>
                     </a:p>
                   </a:txBody>
@@ -12401,9 +12167,9 @@
                       </a:r>
                       <a:endParaRPr lang="zh-CN" sz="1100">
                         <a:effectLst/>
-                        <a:latin typeface="Calibri"/>
-                        <a:ea typeface="宋体"/>
-                        <a:cs typeface="Times New Roman"/>
+                        <a:latin typeface="Calibri" panose="020F0502020204030204"/>
+                        <a:ea typeface="宋体" panose="02010600030101010101" pitchFamily="2" charset="-122"/>
+                        <a:cs typeface="Times New Roman" panose="02020603050405020304"/>
                       </a:endParaRPr>
                     </a:p>
                   </a:txBody>
@@ -12423,9 +12189,9 @@
                       </a:r>
                       <a:endParaRPr lang="zh-CN" sz="1100">
                         <a:effectLst/>
-                        <a:latin typeface="Calibri"/>
-                        <a:ea typeface="宋体"/>
-                        <a:cs typeface="Times New Roman"/>
+                        <a:latin typeface="Calibri" panose="020F0502020204030204"/>
+                        <a:ea typeface="宋体" panose="02010600030101010101" pitchFamily="2" charset="-122"/>
+                        <a:cs typeface="Times New Roman" panose="02020603050405020304"/>
                       </a:endParaRPr>
                     </a:p>
                   </a:txBody>
@@ -12445,9 +12211,9 @@
                       </a:r>
                       <a:endParaRPr lang="zh-CN" sz="1100">
                         <a:effectLst/>
-                        <a:latin typeface="Calibri"/>
-                        <a:ea typeface="宋体"/>
-                        <a:cs typeface="Times New Roman"/>
+                        <a:latin typeface="Calibri" panose="020F0502020204030204"/>
+                        <a:ea typeface="宋体" panose="02010600030101010101" pitchFamily="2" charset="-122"/>
+                        <a:cs typeface="Times New Roman" panose="02020603050405020304"/>
                       </a:endParaRPr>
                     </a:p>
                   </a:txBody>
@@ -12473,9 +12239,9 @@
                       </a:r>
                       <a:endParaRPr lang="zh-CN" sz="1100">
                         <a:effectLst/>
-                        <a:latin typeface="Calibri"/>
-                        <a:ea typeface="宋体"/>
-                        <a:cs typeface="Times New Roman"/>
+                        <a:latin typeface="Calibri" panose="020F0502020204030204"/>
+                        <a:ea typeface="宋体" panose="02010600030101010101" pitchFamily="2" charset="-122"/>
+                        <a:cs typeface="Times New Roman" panose="02020603050405020304"/>
                       </a:endParaRPr>
                     </a:p>
                   </a:txBody>
@@ -12495,9 +12261,9 @@
                       </a:r>
                       <a:endParaRPr lang="zh-CN" sz="1100">
                         <a:effectLst/>
-                        <a:latin typeface="Calibri"/>
-                        <a:ea typeface="宋体"/>
-                        <a:cs typeface="Times New Roman"/>
+                        <a:latin typeface="Calibri" panose="020F0502020204030204"/>
+                        <a:ea typeface="宋体" panose="02010600030101010101" pitchFamily="2" charset="-122"/>
+                        <a:cs typeface="Times New Roman" panose="02020603050405020304"/>
                       </a:endParaRPr>
                     </a:p>
                   </a:txBody>
@@ -12517,9 +12283,9 @@
                       </a:r>
                       <a:endParaRPr lang="zh-CN" sz="1100">
                         <a:effectLst/>
-                        <a:latin typeface="Calibri"/>
-                        <a:ea typeface="宋体"/>
-                        <a:cs typeface="Times New Roman"/>
+                        <a:latin typeface="Calibri" panose="020F0502020204030204"/>
+                        <a:ea typeface="宋体" panose="02010600030101010101" pitchFamily="2" charset="-122"/>
+                        <a:cs typeface="Times New Roman" panose="02020603050405020304"/>
                       </a:endParaRPr>
                     </a:p>
                   </a:txBody>
@@ -12539,9 +12305,9 @@
                       </a:r>
                       <a:endParaRPr lang="zh-CN" sz="1100">
                         <a:effectLst/>
-                        <a:latin typeface="Calibri"/>
-                        <a:ea typeface="宋体"/>
-                        <a:cs typeface="Times New Roman"/>
+                        <a:latin typeface="Calibri" panose="020F0502020204030204"/>
+                        <a:ea typeface="宋体" panose="02010600030101010101" pitchFamily="2" charset="-122"/>
+                        <a:cs typeface="Times New Roman" panose="02020603050405020304"/>
                       </a:endParaRPr>
                     </a:p>
                   </a:txBody>
@@ -12550,13 +12316,6 @@
               </a:tr>
               <a:tr h="399959">
                 <a:tc vMerge="1">
-                  <a:txBody>
-                    <a:bodyPr/>
-                    <a:lstStyle/>
-                    <a:p>
-                      <a:endParaRPr lang="zh-CN" altLang="en-US"/>
-                    </a:p>
-                  </a:txBody>
                   <a:tcPr/>
                 </a:tc>
                 <a:tc>
@@ -12573,9 +12332,9 @@
                       </a:r>
                       <a:endParaRPr lang="zh-CN" sz="1100">
                         <a:effectLst/>
-                        <a:latin typeface="Calibri"/>
-                        <a:ea typeface="宋体"/>
-                        <a:cs typeface="Times New Roman"/>
+                        <a:latin typeface="Calibri" panose="020F0502020204030204"/>
+                        <a:ea typeface="宋体" panose="02010600030101010101" pitchFamily="2" charset="-122"/>
+                        <a:cs typeface="Times New Roman" panose="02020603050405020304"/>
                       </a:endParaRPr>
                     </a:p>
                   </a:txBody>
@@ -12595,9 +12354,9 @@
                       </a:r>
                       <a:endParaRPr lang="zh-CN" sz="1100">
                         <a:effectLst/>
-                        <a:latin typeface="Calibri"/>
-                        <a:ea typeface="宋体"/>
-                        <a:cs typeface="Times New Roman"/>
+                        <a:latin typeface="Calibri" panose="020F0502020204030204"/>
+                        <a:ea typeface="宋体" panose="02010600030101010101" pitchFamily="2" charset="-122"/>
+                        <a:cs typeface="Times New Roman" panose="02020603050405020304"/>
                       </a:endParaRPr>
                     </a:p>
                   </a:txBody>
@@ -12617,9 +12376,9 @@
                       </a:r>
                       <a:endParaRPr lang="zh-CN" sz="1100">
                         <a:effectLst/>
-                        <a:latin typeface="Calibri"/>
-                        <a:ea typeface="宋体"/>
-                        <a:cs typeface="Times New Roman"/>
+                        <a:latin typeface="Calibri" panose="020F0502020204030204"/>
+                        <a:ea typeface="宋体" panose="02010600030101010101" pitchFamily="2" charset="-122"/>
+                        <a:cs typeface="Times New Roman" panose="02020603050405020304"/>
                       </a:endParaRPr>
                     </a:p>
                   </a:txBody>
@@ -12639,9 +12398,9 @@
                       </a:r>
                       <a:endParaRPr lang="zh-CN" sz="1100">
                         <a:effectLst/>
-                        <a:latin typeface="Calibri"/>
-                        <a:ea typeface="宋体"/>
-                        <a:cs typeface="Times New Roman"/>
+                        <a:latin typeface="Calibri" panose="020F0502020204030204"/>
+                        <a:ea typeface="宋体" panose="02010600030101010101" pitchFamily="2" charset="-122"/>
+                        <a:cs typeface="Times New Roman" panose="02020603050405020304"/>
                       </a:endParaRPr>
                     </a:p>
                   </a:txBody>
@@ -12661,9 +12420,9 @@
                       </a:r>
                       <a:endParaRPr lang="zh-CN" sz="1100">
                         <a:effectLst/>
-                        <a:latin typeface="Calibri"/>
-                        <a:ea typeface="宋体"/>
-                        <a:cs typeface="Times New Roman"/>
+                        <a:latin typeface="Calibri" panose="020F0502020204030204"/>
+                        <a:ea typeface="宋体" panose="02010600030101010101" pitchFamily="2" charset="-122"/>
+                        <a:cs typeface="Times New Roman" panose="02020603050405020304"/>
                       </a:endParaRPr>
                     </a:p>
                   </a:txBody>
@@ -12683,9 +12442,9 @@
                       </a:r>
                       <a:endParaRPr lang="zh-CN" sz="1100">
                         <a:effectLst/>
-                        <a:latin typeface="Calibri"/>
-                        <a:ea typeface="宋体"/>
-                        <a:cs typeface="Times New Roman"/>
+                        <a:latin typeface="Calibri" panose="020F0502020204030204"/>
+                        <a:ea typeface="宋体" panose="02010600030101010101" pitchFamily="2" charset="-122"/>
+                        <a:cs typeface="Times New Roman" panose="02020603050405020304"/>
                       </a:endParaRPr>
                     </a:p>
                   </a:txBody>
@@ -12705,9 +12464,9 @@
                       </a:r>
                       <a:endParaRPr lang="zh-CN" sz="1100">
                         <a:effectLst/>
-                        <a:latin typeface="Calibri"/>
-                        <a:ea typeface="宋体"/>
-                        <a:cs typeface="Times New Roman"/>
+                        <a:latin typeface="Calibri" panose="020F0502020204030204"/>
+                        <a:ea typeface="宋体" panose="02010600030101010101" pitchFamily="2" charset="-122"/>
+                        <a:cs typeface="Times New Roman" panose="02020603050405020304"/>
                       </a:endParaRPr>
                     </a:p>
                   </a:txBody>
@@ -12727,9 +12486,9 @@
                       </a:r>
                       <a:endParaRPr lang="zh-CN" sz="1100">
                         <a:effectLst/>
-                        <a:latin typeface="Calibri"/>
-                        <a:ea typeface="宋体"/>
-                        <a:cs typeface="Times New Roman"/>
+                        <a:latin typeface="Calibri" panose="020F0502020204030204"/>
+                        <a:ea typeface="宋体" panose="02010600030101010101" pitchFamily="2" charset="-122"/>
+                        <a:cs typeface="Times New Roman" panose="02020603050405020304"/>
                       </a:endParaRPr>
                     </a:p>
                   </a:txBody>
@@ -12749,9 +12508,9 @@
                       </a:r>
                       <a:endParaRPr lang="zh-CN" sz="1100">
                         <a:effectLst/>
-                        <a:latin typeface="Calibri"/>
-                        <a:ea typeface="宋体"/>
-                        <a:cs typeface="Times New Roman"/>
+                        <a:latin typeface="Calibri" panose="020F0502020204030204"/>
+                        <a:ea typeface="宋体" panose="02010600030101010101" pitchFamily="2" charset="-122"/>
+                        <a:cs typeface="Times New Roman" panose="02020603050405020304"/>
                       </a:endParaRPr>
                     </a:p>
                   </a:txBody>
@@ -12771,9 +12530,9 @@
                       </a:r>
                       <a:endParaRPr lang="zh-CN" sz="1100">
                         <a:effectLst/>
-                        <a:latin typeface="Calibri"/>
-                        <a:ea typeface="宋体"/>
-                        <a:cs typeface="Times New Roman"/>
+                        <a:latin typeface="Calibri" panose="020F0502020204030204"/>
+                        <a:ea typeface="宋体" panose="02010600030101010101" pitchFamily="2" charset="-122"/>
+                        <a:cs typeface="Times New Roman" panose="02020603050405020304"/>
                       </a:endParaRPr>
                     </a:p>
                   </a:txBody>
@@ -12782,13 +12541,6 @@
               </a:tr>
               <a:tr h="303656">
                 <a:tc vMerge="1">
-                  <a:txBody>
-                    <a:bodyPr/>
-                    <a:lstStyle/>
-                    <a:p>
-                      <a:endParaRPr lang="zh-CN" altLang="en-US"/>
-                    </a:p>
-                  </a:txBody>
                   <a:tcPr/>
                 </a:tc>
                 <a:tc>
@@ -12805,9 +12557,9 @@
                       </a:r>
                       <a:endParaRPr lang="zh-CN" sz="1100">
                         <a:effectLst/>
-                        <a:latin typeface="Calibri"/>
-                        <a:ea typeface="宋体"/>
-                        <a:cs typeface="Times New Roman"/>
+                        <a:latin typeface="Calibri" panose="020F0502020204030204"/>
+                        <a:ea typeface="宋体" panose="02010600030101010101" pitchFamily="2" charset="-122"/>
+                        <a:cs typeface="Times New Roman" panose="02020603050405020304"/>
                       </a:endParaRPr>
                     </a:p>
                   </a:txBody>
@@ -12827,9 +12579,9 @@
                       </a:r>
                       <a:endParaRPr lang="zh-CN" sz="1100">
                         <a:effectLst/>
-                        <a:latin typeface="Calibri"/>
-                        <a:ea typeface="宋体"/>
-                        <a:cs typeface="Times New Roman"/>
+                        <a:latin typeface="Calibri" panose="020F0502020204030204"/>
+                        <a:ea typeface="宋体" panose="02010600030101010101" pitchFamily="2" charset="-122"/>
+                        <a:cs typeface="Times New Roman" panose="02020603050405020304"/>
                       </a:endParaRPr>
                     </a:p>
                   </a:txBody>
@@ -12849,9 +12601,9 @@
                       </a:r>
                       <a:endParaRPr lang="zh-CN" sz="1100">
                         <a:effectLst/>
-                        <a:latin typeface="Calibri"/>
-                        <a:ea typeface="宋体"/>
-                        <a:cs typeface="Times New Roman"/>
+                        <a:latin typeface="Calibri" panose="020F0502020204030204"/>
+                        <a:ea typeface="宋体" panose="02010600030101010101" pitchFamily="2" charset="-122"/>
+                        <a:cs typeface="Times New Roman" panose="02020603050405020304"/>
                       </a:endParaRPr>
                     </a:p>
                   </a:txBody>
@@ -12871,9 +12623,9 @@
                       </a:r>
                       <a:endParaRPr lang="zh-CN" sz="1100">
                         <a:effectLst/>
-                        <a:latin typeface="Calibri"/>
-                        <a:ea typeface="宋体"/>
-                        <a:cs typeface="Times New Roman"/>
+                        <a:latin typeface="Calibri" panose="020F0502020204030204"/>
+                        <a:ea typeface="宋体" panose="02010600030101010101" pitchFamily="2" charset="-122"/>
+                        <a:cs typeface="Times New Roman" panose="02020603050405020304"/>
                       </a:endParaRPr>
                     </a:p>
                   </a:txBody>
@@ -12893,9 +12645,9 @@
                       </a:r>
                       <a:endParaRPr lang="zh-CN" sz="1100">
                         <a:effectLst/>
-                        <a:latin typeface="Calibri"/>
-                        <a:ea typeface="宋体"/>
-                        <a:cs typeface="Times New Roman"/>
+                        <a:latin typeface="Calibri" panose="020F0502020204030204"/>
+                        <a:ea typeface="宋体" panose="02010600030101010101" pitchFamily="2" charset="-122"/>
+                        <a:cs typeface="Times New Roman" panose="02020603050405020304"/>
                       </a:endParaRPr>
                     </a:p>
                   </a:txBody>
@@ -12915,9 +12667,9 @@
                       </a:r>
                       <a:endParaRPr lang="zh-CN" sz="1100">
                         <a:effectLst/>
-                        <a:latin typeface="Calibri"/>
-                        <a:ea typeface="宋体"/>
-                        <a:cs typeface="Times New Roman"/>
+                        <a:latin typeface="Calibri" panose="020F0502020204030204"/>
+                        <a:ea typeface="宋体" panose="02010600030101010101" pitchFamily="2" charset="-122"/>
+                        <a:cs typeface="Times New Roman" panose="02020603050405020304"/>
                       </a:endParaRPr>
                     </a:p>
                   </a:txBody>
@@ -12937,9 +12689,9 @@
                       </a:r>
                       <a:endParaRPr lang="zh-CN" sz="1100">
                         <a:effectLst/>
-                        <a:latin typeface="Calibri"/>
-                        <a:ea typeface="宋体"/>
-                        <a:cs typeface="Times New Roman"/>
+                        <a:latin typeface="Calibri" panose="020F0502020204030204"/>
+                        <a:ea typeface="宋体" panose="02010600030101010101" pitchFamily="2" charset="-122"/>
+                        <a:cs typeface="Times New Roman" panose="02020603050405020304"/>
                       </a:endParaRPr>
                     </a:p>
                   </a:txBody>
@@ -12959,9 +12711,9 @@
                       </a:r>
                       <a:endParaRPr lang="zh-CN" sz="1100">
                         <a:effectLst/>
-                        <a:latin typeface="Calibri"/>
-                        <a:ea typeface="宋体"/>
-                        <a:cs typeface="Times New Roman"/>
+                        <a:latin typeface="Calibri" panose="020F0502020204030204"/>
+                        <a:ea typeface="宋体" panose="02010600030101010101" pitchFamily="2" charset="-122"/>
+                        <a:cs typeface="Times New Roman" panose="02020603050405020304"/>
                       </a:endParaRPr>
                     </a:p>
                   </a:txBody>
@@ -12981,9 +12733,9 @@
                       </a:r>
                       <a:endParaRPr lang="zh-CN" sz="1100">
                         <a:effectLst/>
-                        <a:latin typeface="Calibri"/>
-                        <a:ea typeface="宋体"/>
-                        <a:cs typeface="Times New Roman"/>
+                        <a:latin typeface="Calibri" panose="020F0502020204030204"/>
+                        <a:ea typeface="宋体" panose="02010600030101010101" pitchFamily="2" charset="-122"/>
+                        <a:cs typeface="Times New Roman" panose="02020603050405020304"/>
                       </a:endParaRPr>
                     </a:p>
                   </a:txBody>
@@ -13003,9 +12755,9 @@
                       </a:r>
                       <a:endParaRPr lang="zh-CN" sz="1100">
                         <a:effectLst/>
-                        <a:latin typeface="Calibri"/>
-                        <a:ea typeface="宋体"/>
-                        <a:cs typeface="Times New Roman"/>
+                        <a:latin typeface="Calibri" panose="020F0502020204030204"/>
+                        <a:ea typeface="宋体" panose="02010600030101010101" pitchFamily="2" charset="-122"/>
+                        <a:cs typeface="Times New Roman" panose="02020603050405020304"/>
                       </a:endParaRPr>
                     </a:p>
                   </a:txBody>
@@ -13014,13 +12766,6 @@
               </a:tr>
               <a:tr h="207170">
                 <a:tc vMerge="1">
-                  <a:txBody>
-                    <a:bodyPr/>
-                    <a:lstStyle/>
-                    <a:p>
-                      <a:endParaRPr lang="zh-CN" altLang="en-US"/>
-                    </a:p>
-                  </a:txBody>
                   <a:tcPr/>
                 </a:tc>
                 <a:tc>
@@ -13037,9 +12782,9 @@
                       </a:r>
                       <a:endParaRPr lang="zh-CN" sz="1100">
                         <a:effectLst/>
-                        <a:latin typeface="Calibri"/>
-                        <a:ea typeface="宋体"/>
-                        <a:cs typeface="Times New Roman"/>
+                        <a:latin typeface="Calibri" panose="020F0502020204030204"/>
+                        <a:ea typeface="宋体" panose="02010600030101010101" pitchFamily="2" charset="-122"/>
+                        <a:cs typeface="Times New Roman" panose="02020603050405020304"/>
                       </a:endParaRPr>
                     </a:p>
                   </a:txBody>
@@ -13059,9 +12804,9 @@
                       </a:r>
                       <a:endParaRPr lang="zh-CN" sz="1100">
                         <a:effectLst/>
-                        <a:latin typeface="Calibri"/>
-                        <a:ea typeface="宋体"/>
-                        <a:cs typeface="Times New Roman"/>
+                        <a:latin typeface="Calibri" panose="020F0502020204030204"/>
+                        <a:ea typeface="宋体" panose="02010600030101010101" pitchFamily="2" charset="-122"/>
+                        <a:cs typeface="Times New Roman" panose="02020603050405020304"/>
                       </a:endParaRPr>
                     </a:p>
                   </a:txBody>
@@ -13081,9 +12826,9 @@
                       </a:r>
                       <a:endParaRPr lang="zh-CN" sz="1100">
                         <a:effectLst/>
-                        <a:latin typeface="Calibri"/>
-                        <a:ea typeface="宋体"/>
-                        <a:cs typeface="Times New Roman"/>
+                        <a:latin typeface="Calibri" panose="020F0502020204030204"/>
+                        <a:ea typeface="宋体" panose="02010600030101010101" pitchFamily="2" charset="-122"/>
+                        <a:cs typeface="Times New Roman" panose="02020603050405020304"/>
                       </a:endParaRPr>
                     </a:p>
                   </a:txBody>
@@ -13103,9 +12848,9 @@
                       </a:r>
                       <a:endParaRPr lang="zh-CN" sz="1100">
                         <a:effectLst/>
-                        <a:latin typeface="Calibri"/>
-                        <a:ea typeface="宋体"/>
-                        <a:cs typeface="Times New Roman"/>
+                        <a:latin typeface="Calibri" panose="020F0502020204030204"/>
+                        <a:ea typeface="宋体" panose="02010600030101010101" pitchFamily="2" charset="-122"/>
+                        <a:cs typeface="Times New Roman" panose="02020603050405020304"/>
                       </a:endParaRPr>
                     </a:p>
                   </a:txBody>
@@ -13125,9 +12870,9 @@
                       </a:r>
                       <a:endParaRPr lang="zh-CN" sz="1100">
                         <a:effectLst/>
-                        <a:latin typeface="Calibri"/>
-                        <a:ea typeface="宋体"/>
-                        <a:cs typeface="Times New Roman"/>
+                        <a:latin typeface="Calibri" panose="020F0502020204030204"/>
+                        <a:ea typeface="宋体" panose="02010600030101010101" pitchFamily="2" charset="-122"/>
+                        <a:cs typeface="Times New Roman" panose="02020603050405020304"/>
                       </a:endParaRPr>
                     </a:p>
                   </a:txBody>
@@ -13147,9 +12892,9 @@
                       </a:r>
                       <a:endParaRPr lang="zh-CN" sz="1100">
                         <a:effectLst/>
-                        <a:latin typeface="Calibri"/>
-                        <a:ea typeface="宋体"/>
-                        <a:cs typeface="Times New Roman"/>
+                        <a:latin typeface="Calibri" panose="020F0502020204030204"/>
+                        <a:ea typeface="宋体" panose="02010600030101010101" pitchFamily="2" charset="-122"/>
+                        <a:cs typeface="Times New Roman" panose="02020603050405020304"/>
                       </a:endParaRPr>
                     </a:p>
                   </a:txBody>
@@ -13181,9 +12926,9 @@
                       </a:r>
                       <a:endParaRPr lang="zh-CN" sz="1100">
                         <a:effectLst/>
-                        <a:latin typeface="Calibri"/>
-                        <a:ea typeface="宋体"/>
-                        <a:cs typeface="Times New Roman"/>
+                        <a:latin typeface="Calibri" panose="020F0502020204030204"/>
+                        <a:ea typeface="宋体" panose="02010600030101010101" pitchFamily="2" charset="-122"/>
+                        <a:cs typeface="Times New Roman" panose="02020603050405020304"/>
                       </a:endParaRPr>
                     </a:p>
                   </a:txBody>
@@ -13203,9 +12948,9 @@
                       </a:r>
                       <a:endParaRPr lang="zh-CN" sz="1100">
                         <a:effectLst/>
-                        <a:latin typeface="Calibri"/>
-                        <a:ea typeface="宋体"/>
-                        <a:cs typeface="Times New Roman"/>
+                        <a:latin typeface="Calibri" panose="020F0502020204030204"/>
+                        <a:ea typeface="宋体" panose="02010600030101010101" pitchFamily="2" charset="-122"/>
+                        <a:cs typeface="Times New Roman" panose="02020603050405020304"/>
                       </a:endParaRPr>
                     </a:p>
                   </a:txBody>
@@ -13225,9 +12970,9 @@
                       </a:r>
                       <a:endParaRPr lang="zh-CN" sz="1100">
                         <a:effectLst/>
-                        <a:latin typeface="Calibri"/>
-                        <a:ea typeface="宋体"/>
-                        <a:cs typeface="Times New Roman"/>
+                        <a:latin typeface="Calibri" panose="020F0502020204030204"/>
+                        <a:ea typeface="宋体" panose="02010600030101010101" pitchFamily="2" charset="-122"/>
+                        <a:cs typeface="Times New Roman" panose="02020603050405020304"/>
                       </a:endParaRPr>
                     </a:p>
                   </a:txBody>
@@ -13247,9 +12992,9 @@
                       </a:r>
                       <a:endParaRPr lang="zh-CN" sz="1100">
                         <a:effectLst/>
-                        <a:latin typeface="Calibri"/>
-                        <a:ea typeface="宋体"/>
-                        <a:cs typeface="Times New Roman"/>
+                        <a:latin typeface="Calibri" panose="020F0502020204030204"/>
+                        <a:ea typeface="宋体" panose="02010600030101010101" pitchFamily="2" charset="-122"/>
+                        <a:cs typeface="Times New Roman" panose="02020603050405020304"/>
                       </a:endParaRPr>
                     </a:p>
                   </a:txBody>
@@ -13271,9 +13016,9 @@
                       </a:r>
                       <a:endParaRPr lang="zh-CN" sz="1100">
                         <a:effectLst/>
-                        <a:latin typeface="Calibri"/>
-                        <a:ea typeface="宋体"/>
-                        <a:cs typeface="Times New Roman"/>
+                        <a:latin typeface="Calibri" panose="020F0502020204030204"/>
+                        <a:ea typeface="宋体" panose="02010600030101010101" pitchFamily="2" charset="-122"/>
+                        <a:cs typeface="Times New Roman" panose="02020603050405020304"/>
                       </a:endParaRPr>
                     </a:p>
                   </a:txBody>
@@ -13293,9 +13038,9 @@
                       </a:r>
                       <a:endParaRPr lang="zh-CN" sz="1100">
                         <a:effectLst/>
-                        <a:latin typeface="Calibri"/>
-                        <a:ea typeface="宋体"/>
-                        <a:cs typeface="Times New Roman"/>
+                        <a:latin typeface="Calibri" panose="020F0502020204030204"/>
+                        <a:ea typeface="宋体" panose="02010600030101010101" pitchFamily="2" charset="-122"/>
+                        <a:cs typeface="Times New Roman" panose="02020603050405020304"/>
                       </a:endParaRPr>
                     </a:p>
                   </a:txBody>
@@ -13315,9 +13060,9 @@
                       </a:r>
                       <a:endParaRPr lang="zh-CN" sz="1100">
                         <a:effectLst/>
-                        <a:latin typeface="Calibri"/>
-                        <a:ea typeface="宋体"/>
-                        <a:cs typeface="Times New Roman"/>
+                        <a:latin typeface="Calibri" panose="020F0502020204030204"/>
+                        <a:ea typeface="宋体" panose="02010600030101010101" pitchFamily="2" charset="-122"/>
+                        <a:cs typeface="Times New Roman" panose="02020603050405020304"/>
                       </a:endParaRPr>
                     </a:p>
                   </a:txBody>
@@ -13337,9 +13082,9 @@
                       </a:r>
                       <a:endParaRPr lang="zh-CN" sz="1100">
                         <a:effectLst/>
-                        <a:latin typeface="Calibri"/>
-                        <a:ea typeface="宋体"/>
-                        <a:cs typeface="Times New Roman"/>
+                        <a:latin typeface="Calibri" panose="020F0502020204030204"/>
+                        <a:ea typeface="宋体" panose="02010600030101010101" pitchFamily="2" charset="-122"/>
+                        <a:cs typeface="Times New Roman" panose="02020603050405020304"/>
                       </a:endParaRPr>
                     </a:p>
                   </a:txBody>
@@ -13359,9 +13104,9 @@
                       </a:r>
                       <a:endParaRPr lang="zh-CN" sz="1100">
                         <a:effectLst/>
-                        <a:latin typeface="Calibri"/>
-                        <a:ea typeface="宋体"/>
-                        <a:cs typeface="Times New Roman"/>
+                        <a:latin typeface="Calibri" panose="020F0502020204030204"/>
+                        <a:ea typeface="宋体" panose="02010600030101010101" pitchFamily="2" charset="-122"/>
+                        <a:cs typeface="Times New Roman" panose="02020603050405020304"/>
                       </a:endParaRPr>
                     </a:p>
                   </a:txBody>
@@ -13381,9 +13126,9 @@
                       </a:r>
                       <a:endParaRPr lang="zh-CN" sz="1100">
                         <a:effectLst/>
-                        <a:latin typeface="Calibri"/>
-                        <a:ea typeface="宋体"/>
-                        <a:cs typeface="Times New Roman"/>
+                        <a:latin typeface="Calibri" panose="020F0502020204030204"/>
+                        <a:ea typeface="宋体" panose="02010600030101010101" pitchFamily="2" charset="-122"/>
+                        <a:cs typeface="Times New Roman" panose="02020603050405020304"/>
                       </a:endParaRPr>
                     </a:p>
                   </a:txBody>
@@ -13403,9 +13148,9 @@
                       </a:r>
                       <a:endParaRPr lang="zh-CN" sz="1100">
                         <a:effectLst/>
-                        <a:latin typeface="Calibri"/>
-                        <a:ea typeface="宋体"/>
-                        <a:cs typeface="Times New Roman"/>
+                        <a:latin typeface="Calibri" panose="020F0502020204030204"/>
+                        <a:ea typeface="宋体" panose="02010600030101010101" pitchFamily="2" charset="-122"/>
+                        <a:cs typeface="Times New Roman" panose="02020603050405020304"/>
                       </a:endParaRPr>
                     </a:p>
                   </a:txBody>
@@ -13425,9 +13170,9 @@
                       </a:r>
                       <a:endParaRPr lang="zh-CN" sz="1100">
                         <a:effectLst/>
-                        <a:latin typeface="Calibri"/>
-                        <a:ea typeface="宋体"/>
-                        <a:cs typeface="Times New Roman"/>
+                        <a:latin typeface="Calibri" panose="020F0502020204030204"/>
+                        <a:ea typeface="宋体" panose="02010600030101010101" pitchFamily="2" charset="-122"/>
+                        <a:cs typeface="Times New Roman" panose="02020603050405020304"/>
                       </a:endParaRPr>
                     </a:p>
                   </a:txBody>
@@ -13447,9 +13192,9 @@
                       </a:r>
                       <a:endParaRPr lang="zh-CN" sz="1100">
                         <a:effectLst/>
-                        <a:latin typeface="Calibri"/>
-                        <a:ea typeface="宋体"/>
-                        <a:cs typeface="Times New Roman"/>
+                        <a:latin typeface="Calibri" panose="020F0502020204030204"/>
+                        <a:ea typeface="宋体" panose="02010600030101010101" pitchFamily="2" charset="-122"/>
+                        <a:cs typeface="Times New Roman" panose="02020603050405020304"/>
                       </a:endParaRPr>
                     </a:p>
                   </a:txBody>
@@ -13469,9 +13214,9 @@
                       </a:r>
                       <a:endParaRPr lang="zh-CN" sz="1100">
                         <a:effectLst/>
-                        <a:latin typeface="Calibri"/>
-                        <a:ea typeface="宋体"/>
-                        <a:cs typeface="Times New Roman"/>
+                        <a:latin typeface="Calibri" panose="020F0502020204030204"/>
+                        <a:ea typeface="宋体" panose="02010600030101010101" pitchFamily="2" charset="-122"/>
+                        <a:cs typeface="Times New Roman" panose="02020603050405020304"/>
                       </a:endParaRPr>
                     </a:p>
                   </a:txBody>
@@ -13491,9 +13236,9 @@
                       </a:r>
                       <a:endParaRPr lang="zh-CN" sz="1100">
                         <a:effectLst/>
-                        <a:latin typeface="Calibri"/>
-                        <a:ea typeface="宋体"/>
-                        <a:cs typeface="Times New Roman"/>
+                        <a:latin typeface="Calibri" panose="020F0502020204030204"/>
+                        <a:ea typeface="宋体" panose="02010600030101010101" pitchFamily="2" charset="-122"/>
+                        <a:cs typeface="Times New Roman" panose="02020603050405020304"/>
                       </a:endParaRPr>
                     </a:p>
                   </a:txBody>
@@ -13502,13 +13247,6 @@
               </a:tr>
               <a:tr h="403964">
                 <a:tc vMerge="1">
-                  <a:txBody>
-                    <a:bodyPr/>
-                    <a:lstStyle/>
-                    <a:p>
-                      <a:endParaRPr lang="zh-CN" altLang="en-US"/>
-                    </a:p>
-                  </a:txBody>
                   <a:tcPr/>
                 </a:tc>
                 <a:tc>
@@ -13525,9 +13263,9 @@
                       </a:r>
                       <a:endParaRPr lang="zh-CN" sz="1100">
                         <a:effectLst/>
-                        <a:latin typeface="Calibri"/>
-                        <a:ea typeface="宋体"/>
-                        <a:cs typeface="Times New Roman"/>
+                        <a:latin typeface="Calibri" panose="020F0502020204030204"/>
+                        <a:ea typeface="宋体" panose="02010600030101010101" pitchFamily="2" charset="-122"/>
+                        <a:cs typeface="Times New Roman" panose="02020603050405020304"/>
                       </a:endParaRPr>
                     </a:p>
                   </a:txBody>
@@ -13547,9 +13285,9 @@
                       </a:r>
                       <a:endParaRPr lang="zh-CN" sz="1100">
                         <a:effectLst/>
-                        <a:latin typeface="Calibri"/>
-                        <a:ea typeface="宋体"/>
-                        <a:cs typeface="Times New Roman"/>
+                        <a:latin typeface="Calibri" panose="020F0502020204030204"/>
+                        <a:ea typeface="宋体" panose="02010600030101010101" pitchFamily="2" charset="-122"/>
+                        <a:cs typeface="Times New Roman" panose="02020603050405020304"/>
                       </a:endParaRPr>
                     </a:p>
                   </a:txBody>
@@ -13569,9 +13307,9 @@
                       </a:r>
                       <a:endParaRPr lang="zh-CN" sz="1100">
                         <a:effectLst/>
-                        <a:latin typeface="Calibri"/>
-                        <a:ea typeface="宋体"/>
-                        <a:cs typeface="Times New Roman"/>
+                        <a:latin typeface="Calibri" panose="020F0502020204030204"/>
+                        <a:ea typeface="宋体" panose="02010600030101010101" pitchFamily="2" charset="-122"/>
+                        <a:cs typeface="Times New Roman" panose="02020603050405020304"/>
                       </a:endParaRPr>
                     </a:p>
                   </a:txBody>
@@ -13591,9 +13329,9 @@
                       </a:r>
                       <a:endParaRPr lang="zh-CN" sz="1100">
                         <a:effectLst/>
-                        <a:latin typeface="Calibri"/>
-                        <a:ea typeface="宋体"/>
-                        <a:cs typeface="Times New Roman"/>
+                        <a:latin typeface="Calibri" panose="020F0502020204030204"/>
+                        <a:ea typeface="宋体" panose="02010600030101010101" pitchFamily="2" charset="-122"/>
+                        <a:cs typeface="Times New Roman" panose="02020603050405020304"/>
                       </a:endParaRPr>
                     </a:p>
                   </a:txBody>
@@ -13613,9 +13351,9 @@
                       </a:r>
                       <a:endParaRPr lang="zh-CN" sz="1100">
                         <a:effectLst/>
-                        <a:latin typeface="Calibri"/>
-                        <a:ea typeface="宋体"/>
-                        <a:cs typeface="Times New Roman"/>
+                        <a:latin typeface="Calibri" panose="020F0502020204030204"/>
+                        <a:ea typeface="宋体" panose="02010600030101010101" pitchFamily="2" charset="-122"/>
+                        <a:cs typeface="Times New Roman" panose="02020603050405020304"/>
                       </a:endParaRPr>
                     </a:p>
                   </a:txBody>
@@ -13635,9 +13373,9 @@
                       </a:r>
                       <a:endParaRPr lang="zh-CN" sz="1100">
                         <a:effectLst/>
-                        <a:latin typeface="Calibri"/>
-                        <a:ea typeface="宋体"/>
-                        <a:cs typeface="Times New Roman"/>
+                        <a:latin typeface="Calibri" panose="020F0502020204030204"/>
+                        <a:ea typeface="宋体" panose="02010600030101010101" pitchFamily="2" charset="-122"/>
+                        <a:cs typeface="Times New Roman" panose="02020603050405020304"/>
                       </a:endParaRPr>
                     </a:p>
                   </a:txBody>
@@ -13657,9 +13395,9 @@
                       </a:r>
                       <a:endParaRPr lang="zh-CN" sz="1100">
                         <a:effectLst/>
-                        <a:latin typeface="Calibri"/>
-                        <a:ea typeface="宋体"/>
-                        <a:cs typeface="Times New Roman"/>
+                        <a:latin typeface="Calibri" panose="020F0502020204030204"/>
+                        <a:ea typeface="宋体" panose="02010600030101010101" pitchFamily="2" charset="-122"/>
+                        <a:cs typeface="Times New Roman" panose="02020603050405020304"/>
                       </a:endParaRPr>
                     </a:p>
                   </a:txBody>
@@ -13679,9 +13417,9 @@
                       </a:r>
                       <a:endParaRPr lang="zh-CN" sz="1100">
                         <a:effectLst/>
-                        <a:latin typeface="Calibri"/>
-                        <a:ea typeface="宋体"/>
-                        <a:cs typeface="Times New Roman"/>
+                        <a:latin typeface="Calibri" panose="020F0502020204030204"/>
+                        <a:ea typeface="宋体" panose="02010600030101010101" pitchFamily="2" charset="-122"/>
+                        <a:cs typeface="Times New Roman" panose="02020603050405020304"/>
                       </a:endParaRPr>
                     </a:p>
                   </a:txBody>
@@ -13701,9 +13439,9 @@
                       </a:r>
                       <a:endParaRPr lang="zh-CN" sz="1100">
                         <a:effectLst/>
-                        <a:latin typeface="Calibri"/>
-                        <a:ea typeface="宋体"/>
-                        <a:cs typeface="Times New Roman"/>
+                        <a:latin typeface="Calibri" panose="020F0502020204030204"/>
+                        <a:ea typeface="宋体" panose="02010600030101010101" pitchFamily="2" charset="-122"/>
+                        <a:cs typeface="Times New Roman" panose="02020603050405020304"/>
                       </a:endParaRPr>
                     </a:p>
                   </a:txBody>
@@ -13723,9 +13461,9 @@
                       </a:r>
                       <a:endParaRPr lang="zh-CN" sz="1100" dirty="0">
                         <a:effectLst/>
-                        <a:latin typeface="Calibri"/>
-                        <a:ea typeface="宋体"/>
-                        <a:cs typeface="Times New Roman"/>
+                        <a:latin typeface="Calibri" panose="020F0502020204030204"/>
+                        <a:ea typeface="宋体" panose="02010600030101010101" pitchFamily="2" charset="-122"/>
+                        <a:cs typeface="Times New Roman" panose="02020603050405020304"/>
                       </a:endParaRPr>
                     </a:p>
                   </a:txBody>
@@ -13737,11 +13475,6 @@
         </a:graphic>
       </p:graphicFrame>
     </p:spTree>
-    <p:extLst>
-      <p:ext uri="{BB962C8B-B14F-4D97-AF65-F5344CB8AC3E}">
-        <p14:creationId xmlns:p14="http://schemas.microsoft.com/office/powerpoint/2010/main" val="3413227697"/>
-      </p:ext>
-    </p:extLst>
   </p:cSld>
   <p:clrMapOvr>
     <a:masterClrMapping/>
@@ -13940,6 +13673,7 @@
               <a:rPr lang="zh-CN" altLang="zh-CN" sz="2400" b="1" dirty="0"/>
               <a:t>版本命名策略</a:t>
             </a:r>
+            <a:endParaRPr lang="zh-CN" altLang="zh-CN" sz="2400" b="1" dirty="0"/>
           </a:p>
         </p:txBody>
       </p:sp>
@@ -13969,6 +13703,7 @@
               <a:rPr lang="zh-CN" altLang="zh-CN" sz="2400" b="1" dirty="0"/>
               <a:t>版本格式</a:t>
             </a:r>
+            <a:endParaRPr lang="zh-CN" altLang="zh-CN" sz="2400" b="1" dirty="0"/>
           </a:p>
           <a:p>
             <a:r>
@@ -13999,6 +13734,7 @@
               <a:rPr lang="zh-CN" altLang="zh-CN" sz="2400" dirty="0"/>
               <a:t>修正版本号。</a:t>
             </a:r>
+            <a:endParaRPr lang="zh-CN" altLang="zh-CN" sz="2400" dirty="0"/>
           </a:p>
           <a:p>
             <a:r>
@@ -14024,6 +13760,7 @@
               <a:rPr lang="zh-CN" altLang="zh-CN" sz="2400" dirty="0"/>
               <a:t>。</a:t>
             </a:r>
+            <a:endParaRPr lang="zh-CN" altLang="zh-CN" sz="2400" dirty="0"/>
           </a:p>
         </p:txBody>
       </p:sp>
@@ -14081,18 +13818,21 @@
               <a:rPr lang="zh-CN" altLang="zh-CN" dirty="0"/>
               <a:t>当文件内容有了重大的变化或改进，主版本号加一。</a:t>
             </a:r>
+            <a:endParaRPr lang="zh-CN" altLang="zh-CN" dirty="0"/>
           </a:p>
           <a:p>
             <a:r>
               <a:rPr lang="zh-CN" altLang="zh-CN" dirty="0"/>
               <a:t>当文档的内容有了模块的增加、补充等，子版本号加一。</a:t>
             </a:r>
+            <a:endParaRPr lang="zh-CN" altLang="zh-CN" dirty="0"/>
           </a:p>
           <a:p>
             <a:r>
               <a:rPr lang="zh-CN" altLang="zh-CN" dirty="0"/>
               <a:t>当文档的内容有了小修改，如修正了纰漏等，修正版本号加一。</a:t>
             </a:r>
+            <a:endParaRPr lang="zh-CN" altLang="zh-CN" dirty="0"/>
           </a:p>
           <a:p>
             <a:r>
@@ -14104,11 +13844,6 @@
         </p:txBody>
       </p:sp>
     </p:spTree>
-    <p:extLst>
-      <p:ext uri="{BB962C8B-B14F-4D97-AF65-F5344CB8AC3E}">
-        <p14:creationId xmlns:p14="http://schemas.microsoft.com/office/powerpoint/2010/main" val="2586543297"/>
-      </p:ext>
-    </p:extLst>
   </p:cSld>
   <p:clrMapOvr>
     <a:masterClrMapping/>
@@ -14311,6 +14046,7 @@
               <a:rPr lang="zh-CN" altLang="zh-CN" sz="2400" b="1" dirty="0"/>
               <a:t>规范</a:t>
             </a:r>
+            <a:endParaRPr lang="zh-CN" altLang="zh-CN" sz="2400" b="1" dirty="0"/>
           </a:p>
         </p:txBody>
       </p:sp>
@@ -14344,6 +14080,7 @@
               <a:rPr lang="zh-CN" altLang="zh-CN" sz="2400" b="1" dirty="0"/>
               <a:t>配置结构</a:t>
             </a:r>
+            <a:endParaRPr lang="zh-CN" altLang="zh-CN" sz="2400" b="1" dirty="0"/>
           </a:p>
           <a:p>
             <a:r>
@@ -14446,6 +14183,7 @@
               <a:rPr lang="zh-CN" altLang="zh-CN" sz="2400" b="1" dirty="0"/>
               <a:t>提交规范</a:t>
             </a:r>
+            <a:endParaRPr lang="zh-CN" altLang="zh-CN" sz="2400" b="1" dirty="0"/>
           </a:p>
         </p:txBody>
       </p:sp>
@@ -14503,6 +14241,7 @@
               <a:rPr lang="zh-CN" altLang="zh-CN" dirty="0"/>
               <a:t>，防止冲突。</a:t>
             </a:r>
+            <a:endParaRPr lang="zh-CN" altLang="zh-CN" dirty="0"/>
           </a:p>
           <a:p>
             <a:pPr lvl="0"/>
@@ -14526,6 +14265,7 @@
               <a:rPr lang="zh-CN" altLang="zh-CN" dirty="0"/>
               <a:t>主分支上</a:t>
             </a:r>
+            <a:endParaRPr lang="zh-CN" altLang="zh-CN" dirty="0"/>
           </a:p>
           <a:p>
             <a:pPr lvl="0"/>
@@ -14541,15 +14281,11 @@
               <a:rPr lang="zh-CN" altLang="zh-CN" dirty="0"/>
               <a:t>上传可行性分析报告</a:t>
             </a:r>
+            <a:endParaRPr lang="zh-CN" altLang="zh-CN" dirty="0"/>
           </a:p>
         </p:txBody>
       </p:sp>
     </p:spTree>
-    <p:extLst>
-      <p:ext uri="{BB962C8B-B14F-4D97-AF65-F5344CB8AC3E}">
-        <p14:creationId xmlns:p14="http://schemas.microsoft.com/office/powerpoint/2010/main" val="3905384568"/>
-      </p:ext>
-    </p:extLst>
   </p:cSld>
   <p:clrMapOvr>
     <a:masterClrMapping/>
@@ -14676,6 +14412,7 @@
               <a:rPr lang="en-US" sz="2400" dirty="0"/>
               <a:t>8</a:t>
             </a:r>
+            <a:endParaRPr lang="en-US" sz="2400" dirty="0"/>
           </a:p>
         </p:txBody>
       </p:sp>
@@ -14757,6 +14494,7 @@
               <a:rPr lang="zh-CN" altLang="zh-CN" sz="2400" b="1" dirty="0"/>
               <a:t>成本度量</a:t>
             </a:r>
+            <a:endParaRPr lang="zh-CN" altLang="zh-CN" sz="2400" b="1" dirty="0"/>
           </a:p>
         </p:txBody>
       </p:sp>
@@ -14786,6 +14524,7 @@
               <a:rPr lang="zh-CN" altLang="zh-CN" sz="2400" b="1" dirty="0"/>
               <a:t>计量单位</a:t>
             </a:r>
+            <a:endParaRPr lang="zh-CN" altLang="zh-CN" sz="2400" b="1" dirty="0"/>
           </a:p>
           <a:p>
             <a:pPr lvl="0"/>
@@ -14793,6 +14532,7 @@
               <a:rPr lang="zh-CN" altLang="zh-CN" sz="2400" dirty="0"/>
               <a:t>薪酬：元</a:t>
             </a:r>
+            <a:endParaRPr lang="zh-CN" altLang="zh-CN" sz="2400" dirty="0"/>
           </a:p>
           <a:p>
             <a:pPr lvl="0"/>
@@ -14808,6 +14548,7 @@
               <a:rPr lang="zh-CN" altLang="zh-CN" sz="2400" dirty="0"/>
               <a:t>小时</a:t>
             </a:r>
+            <a:endParaRPr lang="zh-CN" altLang="zh-CN" sz="2400" dirty="0"/>
           </a:p>
           <a:p>
             <a:pPr lvl="0"/>
@@ -14815,6 +14556,7 @@
               <a:rPr lang="zh-CN" altLang="zh-CN" sz="2400" dirty="0"/>
               <a:t>工时：时</a:t>
             </a:r>
+            <a:endParaRPr lang="zh-CN" altLang="zh-CN" sz="2400" dirty="0"/>
           </a:p>
           <a:p>
             <a:pPr lvl="0"/>
@@ -14822,6 +14564,7 @@
               <a:rPr lang="zh-CN" altLang="zh-CN" sz="2400" dirty="0"/>
               <a:t>费用：元</a:t>
             </a:r>
+            <a:endParaRPr lang="zh-CN" altLang="zh-CN" sz="2400" dirty="0"/>
           </a:p>
         </p:txBody>
       </p:sp>
@@ -14851,6 +14594,7 @@
               <a:rPr lang="zh-CN" altLang="zh-CN" sz="2400" b="1" dirty="0"/>
               <a:t>精确度</a:t>
             </a:r>
+            <a:endParaRPr lang="zh-CN" altLang="zh-CN" sz="2400" b="1" dirty="0"/>
           </a:p>
         </p:txBody>
       </p:sp>
@@ -14950,6 +14694,7 @@
               <a:rPr lang="zh-CN" altLang="zh-CN" sz="2400" b="1" dirty="0"/>
               <a:t>准确度</a:t>
             </a:r>
+            <a:endParaRPr lang="zh-CN" altLang="zh-CN" sz="2400" b="1" dirty="0"/>
           </a:p>
         </p:txBody>
       </p:sp>
@@ -15019,11 +14764,6 @@
         </p:txBody>
       </p:sp>
     </p:spTree>
-    <p:extLst>
-      <p:ext uri="{BB962C8B-B14F-4D97-AF65-F5344CB8AC3E}">
-        <p14:creationId xmlns:p14="http://schemas.microsoft.com/office/powerpoint/2010/main" val="3774655923"/>
-      </p:ext>
-    </p:extLst>
   </p:cSld>
   <p:clrMapOvr>
     <a:masterClrMapping/>
@@ -15150,6 +14890,7 @@
               <a:rPr lang="en-US" sz="2400" dirty="0"/>
               <a:t>8</a:t>
             </a:r>
+            <a:endParaRPr lang="en-US" sz="2400" dirty="0"/>
           </a:p>
         </p:txBody>
       </p:sp>
@@ -15221,6 +14962,7 @@
               <a:rPr lang="zh-CN" altLang="zh-CN" sz="2400" b="1" dirty="0"/>
               <a:t>成本估计</a:t>
             </a:r>
+            <a:endParaRPr lang="zh-CN" altLang="zh-CN" sz="2400" b="1" dirty="0"/>
           </a:p>
         </p:txBody>
       </p:sp>
@@ -15259,13 +15001,7 @@
           <p:cNvGraphicFramePr>
             <a:graphicFrameLocks noGrp="1"/>
           </p:cNvGraphicFramePr>
-          <p:nvPr>
-            <p:extLst>
-              <p:ext uri="{D42A27DB-BD31-4B8C-83A1-F6EECF244321}">
-                <p14:modId xmlns:p14="http://schemas.microsoft.com/office/powerpoint/2010/main" val="1054842971"/>
-              </p:ext>
-            </p:extLst>
-          </p:nvPr>
+          <p:nvPr/>
         </p:nvGraphicFramePr>
         <p:xfrm>
           <a:off x="1774726" y="1541036"/>
@@ -15302,9 +15038,9 @@
                       </a:r>
                       <a:endParaRPr lang="zh-CN" sz="1050" kern="100" dirty="0">
                         <a:effectLst/>
-                        <a:latin typeface="Calibri"/>
-                        <a:ea typeface="宋体"/>
-                        <a:cs typeface="Times New Roman"/>
+                        <a:latin typeface="Calibri" panose="020F0502020204030204"/>
+                        <a:ea typeface="宋体" panose="02010600030101010101" pitchFamily="2" charset="-122"/>
+                        <a:cs typeface="Times New Roman" panose="02020603050405020304"/>
                       </a:endParaRPr>
                     </a:p>
                   </a:txBody>
@@ -15328,9 +15064,9 @@
                       </a:r>
                       <a:endParaRPr lang="zh-CN" sz="1050" kern="100" dirty="0">
                         <a:effectLst/>
-                        <a:latin typeface="Calibri"/>
-                        <a:ea typeface="宋体"/>
-                        <a:cs typeface="Times New Roman"/>
+                        <a:latin typeface="Calibri" panose="020F0502020204030204"/>
+                        <a:ea typeface="宋体" panose="02010600030101010101" pitchFamily="2" charset="-122"/>
+                        <a:cs typeface="Times New Roman" panose="02020603050405020304"/>
                       </a:endParaRPr>
                     </a:p>
                   </a:txBody>
@@ -15354,9 +15090,9 @@
                       </a:r>
                       <a:endParaRPr lang="zh-CN" sz="1050" kern="100">
                         <a:effectLst/>
-                        <a:latin typeface="Calibri"/>
-                        <a:ea typeface="宋体"/>
-                        <a:cs typeface="Times New Roman"/>
+                        <a:latin typeface="Calibri" panose="020F0502020204030204"/>
+                        <a:ea typeface="宋体" panose="02010600030101010101" pitchFamily="2" charset="-122"/>
+                        <a:cs typeface="Times New Roman" panose="02020603050405020304"/>
                       </a:endParaRPr>
                     </a:p>
                   </a:txBody>
@@ -15380,9 +15116,9 @@
                       </a:r>
                       <a:endParaRPr lang="zh-CN" sz="1050" kern="100">
                         <a:effectLst/>
-                        <a:latin typeface="Calibri"/>
-                        <a:ea typeface="宋体"/>
-                        <a:cs typeface="Times New Roman"/>
+                        <a:latin typeface="Calibri" panose="020F0502020204030204"/>
+                        <a:ea typeface="宋体" panose="02010600030101010101" pitchFamily="2" charset="-122"/>
+                        <a:cs typeface="Times New Roman" panose="02020603050405020304"/>
                       </a:endParaRPr>
                     </a:p>
                   </a:txBody>
@@ -15408,9 +15144,9 @@
                       </a:r>
                       <a:endParaRPr lang="zh-CN" sz="1050" kern="100">
                         <a:effectLst/>
-                        <a:latin typeface="Calibri"/>
-                        <a:ea typeface="宋体"/>
-                        <a:cs typeface="Times New Roman"/>
+                        <a:latin typeface="Calibri" panose="020F0502020204030204"/>
+                        <a:ea typeface="宋体" panose="02010600030101010101" pitchFamily="2" charset="-122"/>
+                        <a:cs typeface="Times New Roman" panose="02020603050405020304"/>
                       </a:endParaRPr>
                     </a:p>
                   </a:txBody>
@@ -15434,9 +15170,9 @@
                       </a:r>
                       <a:endParaRPr lang="zh-CN" sz="1050" kern="100">
                         <a:effectLst/>
-                        <a:latin typeface="Calibri"/>
-                        <a:ea typeface="宋体"/>
-                        <a:cs typeface="Times New Roman"/>
+                        <a:latin typeface="Calibri" panose="020F0502020204030204"/>
+                        <a:ea typeface="宋体" panose="02010600030101010101" pitchFamily="2" charset="-122"/>
+                        <a:cs typeface="Times New Roman" panose="02020603050405020304"/>
                       </a:endParaRPr>
                     </a:p>
                   </a:txBody>
@@ -15460,9 +15196,9 @@
                       </a:r>
                       <a:endParaRPr lang="zh-CN" sz="1050" kern="100">
                         <a:effectLst/>
-                        <a:latin typeface="Calibri"/>
-                        <a:ea typeface="宋体"/>
-                        <a:cs typeface="Times New Roman"/>
+                        <a:latin typeface="Calibri" panose="020F0502020204030204"/>
+                        <a:ea typeface="宋体" panose="02010600030101010101" pitchFamily="2" charset="-122"/>
+                        <a:cs typeface="Times New Roman" panose="02020603050405020304"/>
                       </a:endParaRPr>
                     </a:p>
                   </a:txBody>
@@ -15486,9 +15222,9 @@
                       </a:r>
                       <a:endParaRPr lang="zh-CN" sz="1050" kern="100" dirty="0">
                         <a:effectLst/>
-                        <a:latin typeface="Calibri"/>
-                        <a:ea typeface="宋体"/>
-                        <a:cs typeface="Times New Roman"/>
+                        <a:latin typeface="Calibri" panose="020F0502020204030204"/>
+                        <a:ea typeface="宋体" panose="02010600030101010101" pitchFamily="2" charset="-122"/>
+                        <a:cs typeface="Times New Roman" panose="02020603050405020304"/>
                       </a:endParaRPr>
                     </a:p>
                   </a:txBody>
@@ -15514,9 +15250,9 @@
                       </a:r>
                       <a:endParaRPr lang="zh-CN" sz="1050" kern="100" dirty="0">
                         <a:effectLst/>
-                        <a:latin typeface="Calibri"/>
-                        <a:ea typeface="宋体"/>
-                        <a:cs typeface="Times New Roman"/>
+                        <a:latin typeface="Calibri" panose="020F0502020204030204"/>
+                        <a:ea typeface="宋体" panose="02010600030101010101" pitchFamily="2" charset="-122"/>
+                        <a:cs typeface="Times New Roman" panose="02020603050405020304"/>
                       </a:endParaRPr>
                     </a:p>
                   </a:txBody>
@@ -15540,9 +15276,9 @@
                       </a:r>
                       <a:endParaRPr lang="zh-CN" sz="1050" kern="100">
                         <a:effectLst/>
-                        <a:latin typeface="Calibri"/>
-                        <a:ea typeface="宋体"/>
-                        <a:cs typeface="Times New Roman"/>
+                        <a:latin typeface="Calibri" panose="020F0502020204030204"/>
+                        <a:ea typeface="宋体" panose="02010600030101010101" pitchFamily="2" charset="-122"/>
+                        <a:cs typeface="Times New Roman" panose="02020603050405020304"/>
                       </a:endParaRPr>
                     </a:p>
                   </a:txBody>
@@ -15566,9 +15302,9 @@
                       </a:r>
                       <a:endParaRPr lang="zh-CN" sz="1050" kern="100">
                         <a:effectLst/>
-                        <a:latin typeface="Calibri"/>
-                        <a:ea typeface="宋体"/>
-                        <a:cs typeface="Times New Roman"/>
+                        <a:latin typeface="Calibri" panose="020F0502020204030204"/>
+                        <a:ea typeface="宋体" panose="02010600030101010101" pitchFamily="2" charset="-122"/>
+                        <a:cs typeface="Times New Roman" panose="02020603050405020304"/>
                       </a:endParaRPr>
                     </a:p>
                   </a:txBody>
@@ -15592,9 +15328,9 @@
                       </a:r>
                       <a:endParaRPr lang="zh-CN" sz="1050" kern="100">
                         <a:effectLst/>
-                        <a:latin typeface="Calibri"/>
-                        <a:ea typeface="宋体"/>
-                        <a:cs typeface="Times New Roman"/>
+                        <a:latin typeface="Calibri" panose="020F0502020204030204"/>
+                        <a:ea typeface="宋体" panose="02010600030101010101" pitchFamily="2" charset="-122"/>
+                        <a:cs typeface="Times New Roman" panose="02020603050405020304"/>
                       </a:endParaRPr>
                     </a:p>
                   </a:txBody>
@@ -15620,9 +15356,9 @@
                       </a:r>
                       <a:endParaRPr lang="zh-CN" sz="1050" kern="100">
                         <a:effectLst/>
-                        <a:latin typeface="Calibri"/>
-                        <a:ea typeface="宋体"/>
-                        <a:cs typeface="Times New Roman"/>
+                        <a:latin typeface="Calibri" panose="020F0502020204030204"/>
+                        <a:ea typeface="宋体" panose="02010600030101010101" pitchFamily="2" charset="-122"/>
+                        <a:cs typeface="Times New Roman" panose="02020603050405020304"/>
                       </a:endParaRPr>
                     </a:p>
                   </a:txBody>
@@ -15646,9 +15382,9 @@
                       </a:r>
                       <a:endParaRPr lang="zh-CN" sz="1050" kern="100">
                         <a:effectLst/>
-                        <a:latin typeface="Calibri"/>
-                        <a:ea typeface="宋体"/>
-                        <a:cs typeface="Times New Roman"/>
+                        <a:latin typeface="Calibri" panose="020F0502020204030204"/>
+                        <a:ea typeface="宋体" panose="02010600030101010101" pitchFamily="2" charset="-122"/>
+                        <a:cs typeface="Times New Roman" panose="02020603050405020304"/>
                       </a:endParaRPr>
                     </a:p>
                   </a:txBody>
@@ -15672,9 +15408,9 @@
                       </a:r>
                       <a:endParaRPr lang="zh-CN" sz="1050" kern="100">
                         <a:effectLst/>
-                        <a:latin typeface="Calibri"/>
-                        <a:ea typeface="宋体"/>
-                        <a:cs typeface="Times New Roman"/>
+                        <a:latin typeface="Calibri" panose="020F0502020204030204"/>
+                        <a:ea typeface="宋体" panose="02010600030101010101" pitchFamily="2" charset="-122"/>
+                        <a:cs typeface="Times New Roman" panose="02020603050405020304"/>
                       </a:endParaRPr>
                     </a:p>
                   </a:txBody>
@@ -15698,9 +15434,9 @@
                       </a:r>
                       <a:endParaRPr lang="zh-CN" sz="1050" kern="100">
                         <a:effectLst/>
-                        <a:latin typeface="Calibri"/>
-                        <a:ea typeface="宋体"/>
-                        <a:cs typeface="Times New Roman"/>
+                        <a:latin typeface="Calibri" panose="020F0502020204030204"/>
+                        <a:ea typeface="宋体" panose="02010600030101010101" pitchFamily="2" charset="-122"/>
+                        <a:cs typeface="Times New Roman" panose="02020603050405020304"/>
                       </a:endParaRPr>
                     </a:p>
                   </a:txBody>
@@ -15726,9 +15462,9 @@
                       </a:r>
                       <a:endParaRPr lang="zh-CN" sz="1050" kern="100">
                         <a:effectLst/>
-                        <a:latin typeface="Calibri"/>
-                        <a:ea typeface="宋体"/>
-                        <a:cs typeface="Times New Roman"/>
+                        <a:latin typeface="Calibri" panose="020F0502020204030204"/>
+                        <a:ea typeface="宋体" panose="02010600030101010101" pitchFamily="2" charset="-122"/>
+                        <a:cs typeface="Times New Roman" panose="02020603050405020304"/>
                       </a:endParaRPr>
                     </a:p>
                   </a:txBody>
@@ -15752,9 +15488,9 @@
                       </a:r>
                       <a:endParaRPr lang="zh-CN" sz="1050" kern="100">
                         <a:effectLst/>
-                        <a:latin typeface="Calibri"/>
-                        <a:ea typeface="宋体"/>
-                        <a:cs typeface="Times New Roman"/>
+                        <a:latin typeface="Calibri" panose="020F0502020204030204"/>
+                        <a:ea typeface="宋体" panose="02010600030101010101" pitchFamily="2" charset="-122"/>
+                        <a:cs typeface="Times New Roman" panose="02020603050405020304"/>
                       </a:endParaRPr>
                     </a:p>
                   </a:txBody>
@@ -15778,9 +15514,9 @@
                       </a:r>
                       <a:endParaRPr lang="zh-CN" sz="1050" kern="100">
                         <a:effectLst/>
-                        <a:latin typeface="Calibri"/>
-                        <a:ea typeface="宋体"/>
-                        <a:cs typeface="Times New Roman"/>
+                        <a:latin typeface="Calibri" panose="020F0502020204030204"/>
+                        <a:ea typeface="宋体" panose="02010600030101010101" pitchFamily="2" charset="-122"/>
+                        <a:cs typeface="Times New Roman" panose="02020603050405020304"/>
                       </a:endParaRPr>
                     </a:p>
                   </a:txBody>
@@ -15804,9 +15540,9 @@
                       </a:r>
                       <a:endParaRPr lang="zh-CN" sz="1050" kern="100">
                         <a:effectLst/>
-                        <a:latin typeface="Calibri"/>
-                        <a:ea typeface="宋体"/>
-                        <a:cs typeface="Times New Roman"/>
+                        <a:latin typeface="Calibri" panose="020F0502020204030204"/>
+                        <a:ea typeface="宋体" panose="02010600030101010101" pitchFamily="2" charset="-122"/>
+                        <a:cs typeface="Times New Roman" panose="02020603050405020304"/>
                       </a:endParaRPr>
                     </a:p>
                   </a:txBody>
@@ -15832,9 +15568,9 @@
                       </a:r>
                       <a:endParaRPr lang="zh-CN" sz="1050" kern="100">
                         <a:effectLst/>
-                        <a:latin typeface="Calibri"/>
-                        <a:ea typeface="宋体"/>
-                        <a:cs typeface="Times New Roman"/>
+                        <a:latin typeface="Calibri" panose="020F0502020204030204"/>
+                        <a:ea typeface="宋体" panose="02010600030101010101" pitchFamily="2" charset="-122"/>
+                        <a:cs typeface="Times New Roman" panose="02020603050405020304"/>
                       </a:endParaRPr>
                     </a:p>
                   </a:txBody>
@@ -15858,9 +15594,9 @@
                       </a:r>
                       <a:endParaRPr lang="zh-CN" sz="1050" kern="100">
                         <a:effectLst/>
-                        <a:latin typeface="Calibri"/>
-                        <a:ea typeface="宋体"/>
-                        <a:cs typeface="Times New Roman"/>
+                        <a:latin typeface="Calibri" panose="020F0502020204030204"/>
+                        <a:ea typeface="宋体" panose="02010600030101010101" pitchFamily="2" charset="-122"/>
+                        <a:cs typeface="Times New Roman" panose="02020603050405020304"/>
                       </a:endParaRPr>
                     </a:p>
                   </a:txBody>
@@ -15884,9 +15620,9 @@
                       </a:r>
                       <a:endParaRPr lang="zh-CN" sz="1050" kern="100">
                         <a:effectLst/>
-                        <a:latin typeface="Calibri"/>
-                        <a:ea typeface="宋体"/>
-                        <a:cs typeface="Times New Roman"/>
+                        <a:latin typeface="Calibri" panose="020F0502020204030204"/>
+                        <a:ea typeface="宋体" panose="02010600030101010101" pitchFamily="2" charset="-122"/>
+                        <a:cs typeface="Times New Roman" panose="02020603050405020304"/>
                       </a:endParaRPr>
                     </a:p>
                   </a:txBody>
@@ -15910,9 +15646,9 @@
                       </a:r>
                       <a:endParaRPr lang="zh-CN" sz="1050" kern="100" dirty="0">
                         <a:effectLst/>
-                        <a:latin typeface="Calibri"/>
-                        <a:ea typeface="宋体"/>
-                        <a:cs typeface="Times New Roman"/>
+                        <a:latin typeface="Calibri" panose="020F0502020204030204"/>
+                        <a:ea typeface="宋体" panose="02010600030101010101" pitchFamily="2" charset="-122"/>
+                        <a:cs typeface="Times New Roman" panose="02020603050405020304"/>
                       </a:endParaRPr>
                     </a:p>
                   </a:txBody>
@@ -15949,6 +15685,7 @@
               <a:rPr lang="zh-CN" altLang="zh-CN" sz="2400" b="1" dirty="0"/>
               <a:t>预算</a:t>
             </a:r>
+            <a:endParaRPr lang="zh-CN" altLang="zh-CN" sz="2400" b="1" dirty="0"/>
           </a:p>
         </p:txBody>
       </p:sp>
@@ -15958,13 +15695,7 @@
           <p:cNvGraphicFramePr>
             <a:graphicFrameLocks noGrp="1"/>
           </p:cNvGraphicFramePr>
-          <p:nvPr>
-            <p:extLst>
-              <p:ext uri="{D42A27DB-BD31-4B8C-83A1-F6EECF244321}">
-                <p14:modId xmlns:p14="http://schemas.microsoft.com/office/powerpoint/2010/main" val="3873098651"/>
-              </p:ext>
-            </p:extLst>
-          </p:nvPr>
+          <p:nvPr/>
         </p:nvGraphicFramePr>
         <p:xfrm>
           <a:off x="1836412" y="2709714"/>
@@ -16000,9 +15731,9 @@
                       </a:r>
                       <a:endParaRPr lang="zh-CN" sz="1000" kern="100" dirty="0">
                         <a:effectLst/>
-                        <a:latin typeface="Calibri"/>
-                        <a:ea typeface="宋体"/>
-                        <a:cs typeface="Times New Roman"/>
+                        <a:latin typeface="Calibri" panose="020F0502020204030204"/>
+                        <a:ea typeface="宋体" panose="02010600030101010101" pitchFamily="2" charset="-122"/>
+                        <a:cs typeface="Times New Roman" panose="02020603050405020304"/>
                       </a:endParaRPr>
                     </a:p>
                   </a:txBody>
@@ -16026,9 +15757,9 @@
                       </a:r>
                       <a:endParaRPr lang="zh-CN" sz="1000" kern="100">
                         <a:effectLst/>
-                        <a:latin typeface="Calibri"/>
-                        <a:ea typeface="宋体"/>
-                        <a:cs typeface="Times New Roman"/>
+                        <a:latin typeface="Calibri" panose="020F0502020204030204"/>
+                        <a:ea typeface="宋体" panose="02010600030101010101" pitchFamily="2" charset="-122"/>
+                        <a:cs typeface="Times New Roman" panose="02020603050405020304"/>
                       </a:endParaRPr>
                     </a:p>
                   </a:txBody>
@@ -16052,9 +15783,9 @@
                       </a:r>
                       <a:endParaRPr lang="zh-CN" sz="1000" kern="100">
                         <a:effectLst/>
-                        <a:latin typeface="Calibri"/>
-                        <a:ea typeface="宋体"/>
-                        <a:cs typeface="Times New Roman"/>
+                        <a:latin typeface="Calibri" panose="020F0502020204030204"/>
+                        <a:ea typeface="宋体" panose="02010600030101010101" pitchFamily="2" charset="-122"/>
+                        <a:cs typeface="Times New Roman" panose="02020603050405020304"/>
                       </a:endParaRPr>
                     </a:p>
                   </a:txBody>
@@ -16080,9 +15811,9 @@
                       </a:r>
                       <a:endParaRPr lang="zh-CN" sz="1000" kern="100">
                         <a:effectLst/>
-                        <a:latin typeface="Calibri"/>
-                        <a:ea typeface="宋体"/>
-                        <a:cs typeface="Times New Roman"/>
+                        <a:latin typeface="Calibri" panose="020F0502020204030204"/>
+                        <a:ea typeface="宋体" panose="02010600030101010101" pitchFamily="2" charset="-122"/>
+                        <a:cs typeface="Times New Roman" panose="02020603050405020304"/>
                       </a:endParaRPr>
                     </a:p>
                   </a:txBody>
@@ -16106,9 +15837,9 @@
                       </a:r>
                       <a:endParaRPr lang="zh-CN" sz="1000" kern="100">
                         <a:effectLst/>
-                        <a:latin typeface="Calibri"/>
-                        <a:ea typeface="宋体"/>
-                        <a:cs typeface="Times New Roman"/>
+                        <a:latin typeface="Calibri" panose="020F0502020204030204"/>
+                        <a:ea typeface="宋体" panose="02010600030101010101" pitchFamily="2" charset="-122"/>
+                        <a:cs typeface="Times New Roman" panose="02020603050405020304"/>
                       </a:endParaRPr>
                     </a:p>
                   </a:txBody>
@@ -16132,9 +15863,9 @@
                       </a:r>
                       <a:endParaRPr lang="zh-CN" sz="1000" kern="100">
                         <a:effectLst/>
-                        <a:latin typeface="Calibri"/>
-                        <a:ea typeface="宋体"/>
-                        <a:cs typeface="Times New Roman"/>
+                        <a:latin typeface="Calibri" panose="020F0502020204030204"/>
+                        <a:ea typeface="宋体" panose="02010600030101010101" pitchFamily="2" charset="-122"/>
+                        <a:cs typeface="Times New Roman" panose="02020603050405020304"/>
                       </a:endParaRPr>
                     </a:p>
                   </a:txBody>
@@ -16178,9 +15909,9 @@
                       </a:r>
                       <a:endParaRPr lang="zh-CN" sz="1000" kern="100">
                         <a:effectLst/>
-                        <a:latin typeface="Calibri"/>
-                        <a:ea typeface="宋体"/>
-                        <a:cs typeface="Times New Roman"/>
+                        <a:latin typeface="Calibri" panose="020F0502020204030204"/>
+                        <a:ea typeface="宋体" panose="02010600030101010101" pitchFamily="2" charset="-122"/>
+                        <a:cs typeface="Times New Roman" panose="02020603050405020304"/>
                       </a:endParaRPr>
                     </a:p>
                   </a:txBody>
@@ -16204,9 +15935,9 @@
                       </a:r>
                       <a:endParaRPr lang="zh-CN" sz="1000" kern="100">
                         <a:effectLst/>
-                        <a:latin typeface="Calibri"/>
-                        <a:ea typeface="宋体"/>
-                        <a:cs typeface="Times New Roman"/>
+                        <a:latin typeface="Calibri" panose="020F0502020204030204"/>
+                        <a:ea typeface="宋体" panose="02010600030101010101" pitchFamily="2" charset="-122"/>
+                        <a:cs typeface="Times New Roman" panose="02020603050405020304"/>
                       </a:endParaRPr>
                     </a:p>
                   </a:txBody>
@@ -16230,9 +15961,9 @@
                       </a:r>
                       <a:endParaRPr lang="zh-CN" sz="1000" kern="100">
                         <a:effectLst/>
-                        <a:latin typeface="Calibri"/>
-                        <a:ea typeface="宋体"/>
-                        <a:cs typeface="Times New Roman"/>
+                        <a:latin typeface="Calibri" panose="020F0502020204030204"/>
+                        <a:ea typeface="宋体" panose="02010600030101010101" pitchFamily="2" charset="-122"/>
+                        <a:cs typeface="Times New Roman" panose="02020603050405020304"/>
                       </a:endParaRPr>
                     </a:p>
                   </a:txBody>
@@ -16282,9 +16013,9 @@
                       </a:r>
                       <a:endParaRPr lang="zh-CN" sz="1000" kern="100">
                         <a:effectLst/>
-                        <a:latin typeface="Calibri"/>
-                        <a:ea typeface="宋体"/>
-                        <a:cs typeface="Times New Roman"/>
+                        <a:latin typeface="Calibri" panose="020F0502020204030204"/>
+                        <a:ea typeface="宋体" panose="02010600030101010101" pitchFamily="2" charset="-122"/>
+                        <a:cs typeface="Times New Roman" panose="02020603050405020304"/>
                       </a:endParaRPr>
                     </a:p>
                   </a:txBody>
@@ -16308,9 +16039,9 @@
                       </a:r>
                       <a:endParaRPr lang="zh-CN" sz="1000" kern="100">
                         <a:effectLst/>
-                        <a:latin typeface="Calibri"/>
-                        <a:ea typeface="宋体"/>
-                        <a:cs typeface="Times New Roman"/>
+                        <a:latin typeface="Calibri" panose="020F0502020204030204"/>
+                        <a:ea typeface="宋体" panose="02010600030101010101" pitchFamily="2" charset="-122"/>
+                        <a:cs typeface="Times New Roman" panose="02020603050405020304"/>
                       </a:endParaRPr>
                     </a:p>
                   </a:txBody>
@@ -16334,9 +16065,9 @@
                       </a:r>
                       <a:endParaRPr lang="zh-CN" sz="1000" kern="100">
                         <a:effectLst/>
-                        <a:latin typeface="Calibri"/>
-                        <a:ea typeface="宋体"/>
-                        <a:cs typeface="Times New Roman"/>
+                        <a:latin typeface="Calibri" panose="020F0502020204030204"/>
+                        <a:ea typeface="宋体" panose="02010600030101010101" pitchFamily="2" charset="-122"/>
+                        <a:cs typeface="Times New Roman" panose="02020603050405020304"/>
                       </a:endParaRPr>
                     </a:p>
                   </a:txBody>
@@ -16380,9 +16111,9 @@
                       </a:r>
                       <a:endParaRPr lang="zh-CN" sz="1000" kern="100">
                         <a:effectLst/>
-                        <a:latin typeface="Calibri"/>
-                        <a:ea typeface="宋体"/>
-                        <a:cs typeface="Times New Roman"/>
+                        <a:latin typeface="Calibri" panose="020F0502020204030204"/>
+                        <a:ea typeface="宋体" panose="02010600030101010101" pitchFamily="2" charset="-122"/>
+                        <a:cs typeface="Times New Roman" panose="02020603050405020304"/>
                       </a:endParaRPr>
                     </a:p>
                   </a:txBody>
@@ -16406,9 +16137,9 @@
                       </a:r>
                       <a:endParaRPr lang="zh-CN" sz="1000" kern="100">
                         <a:effectLst/>
-                        <a:latin typeface="Calibri"/>
-                        <a:ea typeface="宋体"/>
-                        <a:cs typeface="Times New Roman"/>
+                        <a:latin typeface="Calibri" panose="020F0502020204030204"/>
+                        <a:ea typeface="宋体" panose="02010600030101010101" pitchFamily="2" charset="-122"/>
+                        <a:cs typeface="Times New Roman" panose="02020603050405020304"/>
                       </a:endParaRPr>
                     </a:p>
                   </a:txBody>
@@ -16432,9 +16163,9 @@
                       </a:r>
                       <a:endParaRPr lang="zh-CN" sz="1000" kern="100">
                         <a:effectLst/>
-                        <a:latin typeface="Calibri"/>
-                        <a:ea typeface="宋体"/>
-                        <a:cs typeface="Times New Roman"/>
+                        <a:latin typeface="Calibri" panose="020F0502020204030204"/>
+                        <a:ea typeface="宋体" panose="02010600030101010101" pitchFamily="2" charset="-122"/>
+                        <a:cs typeface="Times New Roman" panose="02020603050405020304"/>
                       </a:endParaRPr>
                     </a:p>
                   </a:txBody>
@@ -16478,9 +16209,9 @@
                       </a:r>
                       <a:endParaRPr lang="zh-CN" sz="1000" kern="100">
                         <a:effectLst/>
-                        <a:latin typeface="Calibri"/>
-                        <a:ea typeface="宋体"/>
-                        <a:cs typeface="Times New Roman"/>
+                        <a:latin typeface="Calibri" panose="020F0502020204030204"/>
+                        <a:ea typeface="宋体" panose="02010600030101010101" pitchFamily="2" charset="-122"/>
+                        <a:cs typeface="Times New Roman" panose="02020603050405020304"/>
                       </a:endParaRPr>
                     </a:p>
                   </a:txBody>
@@ -16504,9 +16235,9 @@
                       </a:r>
                       <a:endParaRPr lang="zh-CN" sz="1000" kern="100">
                         <a:effectLst/>
-                        <a:latin typeface="Calibri"/>
-                        <a:ea typeface="宋体"/>
-                        <a:cs typeface="Times New Roman"/>
+                        <a:latin typeface="Calibri" panose="020F0502020204030204"/>
+                        <a:ea typeface="宋体" panose="02010600030101010101" pitchFamily="2" charset="-122"/>
+                        <a:cs typeface="Times New Roman" panose="02020603050405020304"/>
                       </a:endParaRPr>
                     </a:p>
                   </a:txBody>
@@ -16530,9 +16261,9 @@
                       </a:r>
                       <a:endParaRPr lang="zh-CN" sz="1000" kern="100">
                         <a:effectLst/>
-                        <a:latin typeface="Calibri"/>
-                        <a:ea typeface="宋体"/>
-                        <a:cs typeface="Times New Roman"/>
+                        <a:latin typeface="Calibri" panose="020F0502020204030204"/>
+                        <a:ea typeface="宋体" panose="02010600030101010101" pitchFamily="2" charset="-122"/>
+                        <a:cs typeface="Times New Roman" panose="02020603050405020304"/>
                       </a:endParaRPr>
                     </a:p>
                   </a:txBody>
@@ -16576,9 +16307,9 @@
                       </a:r>
                       <a:endParaRPr lang="zh-CN" sz="1000" kern="100">
                         <a:effectLst/>
-                        <a:latin typeface="Calibri"/>
-                        <a:ea typeface="宋体"/>
-                        <a:cs typeface="Times New Roman"/>
+                        <a:latin typeface="Calibri" panose="020F0502020204030204"/>
+                        <a:ea typeface="宋体" panose="02010600030101010101" pitchFamily="2" charset="-122"/>
+                        <a:cs typeface="Times New Roman" panose="02020603050405020304"/>
                       </a:endParaRPr>
                     </a:p>
                   </a:txBody>
@@ -16602,9 +16333,9 @@
                       </a:r>
                       <a:endParaRPr lang="zh-CN" sz="1000" kern="100">
                         <a:effectLst/>
-                        <a:latin typeface="Calibri"/>
-                        <a:ea typeface="宋体"/>
-                        <a:cs typeface="Times New Roman"/>
+                        <a:latin typeface="Calibri" panose="020F0502020204030204"/>
+                        <a:ea typeface="宋体" panose="02010600030101010101" pitchFamily="2" charset="-122"/>
+                        <a:cs typeface="Times New Roman" panose="02020603050405020304"/>
                       </a:endParaRPr>
                     </a:p>
                   </a:txBody>
@@ -16628,9 +16359,9 @@
                       </a:r>
                       <a:endParaRPr lang="zh-CN" sz="1000" kern="100">
                         <a:effectLst/>
-                        <a:latin typeface="Calibri"/>
-                        <a:ea typeface="宋体"/>
-                        <a:cs typeface="Times New Roman"/>
+                        <a:latin typeface="Calibri" panose="020F0502020204030204"/>
+                        <a:ea typeface="宋体" panose="02010600030101010101" pitchFamily="2" charset="-122"/>
+                        <a:cs typeface="Times New Roman" panose="02020603050405020304"/>
                       </a:endParaRPr>
                     </a:p>
                   </a:txBody>
@@ -16680,9 +16411,9 @@
                       </a:r>
                       <a:endParaRPr lang="zh-CN" sz="1000" kern="100">
                         <a:effectLst/>
-                        <a:latin typeface="Calibri"/>
-                        <a:ea typeface="宋体"/>
-                        <a:cs typeface="Times New Roman"/>
+                        <a:latin typeface="Calibri" panose="020F0502020204030204"/>
+                        <a:ea typeface="宋体" panose="02010600030101010101" pitchFamily="2" charset="-122"/>
+                        <a:cs typeface="Times New Roman" panose="02020603050405020304"/>
                       </a:endParaRPr>
                     </a:p>
                   </a:txBody>
@@ -16706,9 +16437,9 @@
                       </a:r>
                       <a:endParaRPr lang="zh-CN" sz="1000" kern="100">
                         <a:effectLst/>
-                        <a:latin typeface="Calibri"/>
-                        <a:ea typeface="宋体"/>
-                        <a:cs typeface="Times New Roman"/>
+                        <a:latin typeface="Calibri" panose="020F0502020204030204"/>
+                        <a:ea typeface="宋体" panose="02010600030101010101" pitchFamily="2" charset="-122"/>
+                        <a:cs typeface="Times New Roman" panose="02020603050405020304"/>
                       </a:endParaRPr>
                     </a:p>
                   </a:txBody>
@@ -16732,9 +16463,9 @@
                       </a:r>
                       <a:endParaRPr lang="zh-CN" sz="1000" kern="100">
                         <a:effectLst/>
-                        <a:latin typeface="Calibri"/>
-                        <a:ea typeface="宋体"/>
-                        <a:cs typeface="Times New Roman"/>
+                        <a:latin typeface="Calibri" panose="020F0502020204030204"/>
+                        <a:ea typeface="宋体" panose="02010600030101010101" pitchFamily="2" charset="-122"/>
+                        <a:cs typeface="Times New Roman" panose="02020603050405020304"/>
                       </a:endParaRPr>
                     </a:p>
                   </a:txBody>
@@ -16760,9 +16491,9 @@
                       </a:r>
                       <a:endParaRPr lang="zh-CN" sz="1000" kern="100">
                         <a:effectLst/>
-                        <a:latin typeface="Calibri"/>
-                        <a:ea typeface="宋体"/>
-                        <a:cs typeface="Times New Roman"/>
+                        <a:latin typeface="Calibri" panose="020F0502020204030204"/>
+                        <a:ea typeface="宋体" panose="02010600030101010101" pitchFamily="2" charset="-122"/>
+                        <a:cs typeface="Times New Roman" panose="02020603050405020304"/>
                       </a:endParaRPr>
                     </a:p>
                   </a:txBody>
@@ -16786,9 +16517,9 @@
                       </a:r>
                       <a:endParaRPr lang="zh-CN" sz="1000" kern="100">
                         <a:effectLst/>
-                        <a:latin typeface="Calibri"/>
-                        <a:ea typeface="宋体"/>
-                        <a:cs typeface="Times New Roman"/>
+                        <a:latin typeface="Calibri" panose="020F0502020204030204"/>
+                        <a:ea typeface="宋体" panose="02010600030101010101" pitchFamily="2" charset="-122"/>
+                        <a:cs typeface="Times New Roman" panose="02020603050405020304"/>
                       </a:endParaRPr>
                     </a:p>
                   </a:txBody>
@@ -16812,9 +16543,9 @@
                       </a:r>
                       <a:endParaRPr lang="zh-CN" sz="1000" kern="100">
                         <a:effectLst/>
-                        <a:latin typeface="Calibri"/>
-                        <a:ea typeface="宋体"/>
-                        <a:cs typeface="Times New Roman"/>
+                        <a:latin typeface="Calibri" panose="020F0502020204030204"/>
+                        <a:ea typeface="宋体" panose="02010600030101010101" pitchFamily="2" charset="-122"/>
+                        <a:cs typeface="Times New Roman" panose="02020603050405020304"/>
                       </a:endParaRPr>
                     </a:p>
                   </a:txBody>
@@ -16852,9 +16583,9 @@
                       </a:r>
                       <a:endParaRPr lang="zh-CN" sz="1000" kern="100">
                         <a:effectLst/>
-                        <a:latin typeface="Calibri"/>
-                        <a:ea typeface="宋体"/>
-                        <a:cs typeface="Times New Roman"/>
+                        <a:latin typeface="Calibri" panose="020F0502020204030204"/>
+                        <a:ea typeface="宋体" panose="02010600030101010101" pitchFamily="2" charset="-122"/>
+                        <a:cs typeface="Times New Roman" panose="02020603050405020304"/>
                       </a:endParaRPr>
                     </a:p>
                   </a:txBody>
@@ -16878,9 +16609,9 @@
                       </a:r>
                       <a:endParaRPr lang="zh-CN" sz="1000" kern="100">
                         <a:effectLst/>
-                        <a:latin typeface="Calibri"/>
-                        <a:ea typeface="宋体"/>
-                        <a:cs typeface="Times New Roman"/>
+                        <a:latin typeface="Calibri" panose="020F0502020204030204"/>
+                        <a:ea typeface="宋体" panose="02010600030101010101" pitchFamily="2" charset="-122"/>
+                        <a:cs typeface="Times New Roman" panose="02020603050405020304"/>
                       </a:endParaRPr>
                     </a:p>
                   </a:txBody>
@@ -16904,9 +16635,9 @@
                       </a:r>
                       <a:endParaRPr lang="zh-CN" sz="1000" kern="100">
                         <a:effectLst/>
-                        <a:latin typeface="Calibri"/>
-                        <a:ea typeface="宋体"/>
-                        <a:cs typeface="Times New Roman"/>
+                        <a:latin typeface="Calibri" panose="020F0502020204030204"/>
+                        <a:ea typeface="宋体" panose="02010600030101010101" pitchFamily="2" charset="-122"/>
+                        <a:cs typeface="Times New Roman" panose="02020603050405020304"/>
                       </a:endParaRPr>
                     </a:p>
                   </a:txBody>
@@ -16944,9 +16675,9 @@
                       </a:r>
                       <a:endParaRPr lang="zh-CN" sz="1000" kern="100">
                         <a:effectLst/>
-                        <a:latin typeface="Calibri"/>
-                        <a:ea typeface="宋体"/>
-                        <a:cs typeface="Times New Roman"/>
+                        <a:latin typeface="Calibri" panose="020F0502020204030204"/>
+                        <a:ea typeface="宋体" panose="02010600030101010101" pitchFamily="2" charset="-122"/>
+                        <a:cs typeface="Times New Roman" panose="02020603050405020304"/>
                       </a:endParaRPr>
                     </a:p>
                   </a:txBody>
@@ -16970,9 +16701,9 @@
                       </a:r>
                       <a:endParaRPr lang="zh-CN" sz="1000" kern="100">
                         <a:effectLst/>
-                        <a:latin typeface="Calibri"/>
-                        <a:ea typeface="宋体"/>
-                        <a:cs typeface="Times New Roman"/>
+                        <a:latin typeface="Calibri" panose="020F0502020204030204"/>
+                        <a:ea typeface="宋体" panose="02010600030101010101" pitchFamily="2" charset="-122"/>
+                        <a:cs typeface="Times New Roman" panose="02020603050405020304"/>
                       </a:endParaRPr>
                     </a:p>
                   </a:txBody>
@@ -17020,9 +16751,9 @@
                       </a:r>
                       <a:endParaRPr lang="zh-CN" sz="1000" kern="100">
                         <a:effectLst/>
-                        <a:latin typeface="Calibri"/>
-                        <a:ea typeface="宋体"/>
-                        <a:cs typeface="Times New Roman"/>
+                        <a:latin typeface="Calibri" panose="020F0502020204030204"/>
+                        <a:ea typeface="宋体" panose="02010600030101010101" pitchFamily="2" charset="-122"/>
+                        <a:cs typeface="Times New Roman" panose="02020603050405020304"/>
                       </a:endParaRPr>
                     </a:p>
                   </a:txBody>
@@ -17048,9 +16779,9 @@
                       </a:r>
                       <a:endParaRPr lang="zh-CN" sz="1000" kern="100">
                         <a:effectLst/>
-                        <a:latin typeface="Calibri"/>
-                        <a:ea typeface="宋体"/>
-                        <a:cs typeface="Times New Roman"/>
+                        <a:latin typeface="Calibri" panose="020F0502020204030204"/>
+                        <a:ea typeface="宋体" panose="02010600030101010101" pitchFamily="2" charset="-122"/>
+                        <a:cs typeface="Times New Roman" panose="02020603050405020304"/>
                       </a:endParaRPr>
                     </a:p>
                   </a:txBody>
@@ -17074,9 +16805,9 @@
                       </a:r>
                       <a:endParaRPr lang="zh-CN" sz="1000" kern="100">
                         <a:effectLst/>
-                        <a:latin typeface="Calibri"/>
-                        <a:ea typeface="宋体"/>
-                        <a:cs typeface="Times New Roman"/>
+                        <a:latin typeface="Calibri" panose="020F0502020204030204"/>
+                        <a:ea typeface="宋体" panose="02010600030101010101" pitchFamily="2" charset="-122"/>
+                        <a:cs typeface="Times New Roman" panose="02020603050405020304"/>
                       </a:endParaRPr>
                     </a:p>
                   </a:txBody>
@@ -17100,9 +16831,9 @@
                       </a:r>
                       <a:endParaRPr lang="zh-CN" sz="1000" kern="100">
                         <a:effectLst/>
-                        <a:latin typeface="Calibri"/>
-                        <a:ea typeface="宋体"/>
-                        <a:cs typeface="Times New Roman"/>
+                        <a:latin typeface="Calibri" panose="020F0502020204030204"/>
+                        <a:ea typeface="宋体" panose="02010600030101010101" pitchFamily="2" charset="-122"/>
+                        <a:cs typeface="Times New Roman" panose="02020603050405020304"/>
                       </a:endParaRPr>
                     </a:p>
                   </a:txBody>
@@ -17140,9 +16871,9 @@
                       </a:r>
                       <a:endParaRPr lang="zh-CN" sz="1000" kern="100">
                         <a:effectLst/>
-                        <a:latin typeface="Calibri"/>
-                        <a:ea typeface="宋体"/>
-                        <a:cs typeface="Times New Roman"/>
+                        <a:latin typeface="Calibri" panose="020F0502020204030204"/>
+                        <a:ea typeface="宋体" panose="02010600030101010101" pitchFamily="2" charset="-122"/>
+                        <a:cs typeface="Times New Roman" panose="02020603050405020304"/>
                       </a:endParaRPr>
                     </a:p>
                   </a:txBody>
@@ -17166,9 +16897,9 @@
                       </a:r>
                       <a:endParaRPr lang="zh-CN" sz="1000" kern="100">
                         <a:effectLst/>
-                        <a:latin typeface="Calibri"/>
-                        <a:ea typeface="宋体"/>
-                        <a:cs typeface="Times New Roman"/>
+                        <a:latin typeface="Calibri" panose="020F0502020204030204"/>
+                        <a:ea typeface="宋体" panose="02010600030101010101" pitchFamily="2" charset="-122"/>
+                        <a:cs typeface="Times New Roman" panose="02020603050405020304"/>
                       </a:endParaRPr>
                     </a:p>
                   </a:txBody>
@@ -17228,9 +16959,9 @@
                       </a:r>
                       <a:endParaRPr lang="zh-CN" sz="1000" kern="100">
                         <a:effectLst/>
-                        <a:latin typeface="Calibri"/>
-                        <a:ea typeface="宋体"/>
-                        <a:cs typeface="Times New Roman"/>
+                        <a:latin typeface="Calibri" panose="020F0502020204030204"/>
+                        <a:ea typeface="宋体" panose="02010600030101010101" pitchFamily="2" charset="-122"/>
+                        <a:cs typeface="Times New Roman" panose="02020603050405020304"/>
                       </a:endParaRPr>
                     </a:p>
                   </a:txBody>
@@ -17268,9 +16999,9 @@
                       </a:r>
                       <a:endParaRPr lang="zh-CN" sz="1000" kern="100">
                         <a:effectLst/>
-                        <a:latin typeface="Calibri"/>
-                        <a:ea typeface="宋体"/>
-                        <a:cs typeface="Times New Roman"/>
+                        <a:latin typeface="Calibri" panose="020F0502020204030204"/>
+                        <a:ea typeface="宋体" panose="02010600030101010101" pitchFamily="2" charset="-122"/>
+                        <a:cs typeface="Times New Roman" panose="02020603050405020304"/>
                       </a:endParaRPr>
                     </a:p>
                   </a:txBody>
@@ -17294,9 +17025,9 @@
                       </a:r>
                       <a:endParaRPr lang="zh-CN" sz="1000" kern="100">
                         <a:effectLst/>
-                        <a:latin typeface="Calibri"/>
-                        <a:ea typeface="宋体"/>
-                        <a:cs typeface="Times New Roman"/>
+                        <a:latin typeface="Calibri" panose="020F0502020204030204"/>
+                        <a:ea typeface="宋体" panose="02010600030101010101" pitchFamily="2" charset="-122"/>
+                        <a:cs typeface="Times New Roman" panose="02020603050405020304"/>
                       </a:endParaRPr>
                     </a:p>
                   </a:txBody>
@@ -17320,9 +17051,9 @@
                       </a:r>
                       <a:endParaRPr lang="zh-CN" sz="1000" kern="100">
                         <a:effectLst/>
-                        <a:latin typeface="Calibri"/>
-                        <a:ea typeface="宋体"/>
-                        <a:cs typeface="Times New Roman"/>
+                        <a:latin typeface="Calibri" panose="020F0502020204030204"/>
+                        <a:ea typeface="宋体" panose="02010600030101010101" pitchFamily="2" charset="-122"/>
+                        <a:cs typeface="Times New Roman" panose="02020603050405020304"/>
                       </a:endParaRPr>
                     </a:p>
                   </a:txBody>
@@ -17360,9 +17091,9 @@
                       </a:r>
                       <a:endParaRPr lang="zh-CN" sz="1000" kern="100">
                         <a:effectLst/>
-                        <a:latin typeface="Calibri"/>
-                        <a:ea typeface="宋体"/>
-                        <a:cs typeface="Times New Roman"/>
+                        <a:latin typeface="Calibri" panose="020F0502020204030204"/>
+                        <a:ea typeface="宋体" panose="02010600030101010101" pitchFamily="2" charset="-122"/>
+                        <a:cs typeface="Times New Roman" panose="02020603050405020304"/>
                       </a:endParaRPr>
                     </a:p>
                   </a:txBody>
@@ -17386,9 +17117,9 @@
                       </a:r>
                       <a:endParaRPr lang="zh-CN" sz="1000" kern="100">
                         <a:effectLst/>
-                        <a:latin typeface="Calibri"/>
-                        <a:ea typeface="宋体"/>
-                        <a:cs typeface="Times New Roman"/>
+                        <a:latin typeface="Calibri" panose="020F0502020204030204"/>
+                        <a:ea typeface="宋体" panose="02010600030101010101" pitchFamily="2" charset="-122"/>
+                        <a:cs typeface="Times New Roman" panose="02020603050405020304"/>
                       </a:endParaRPr>
                     </a:p>
                   </a:txBody>
@@ -17454,9 +17185,9 @@
                       </a:r>
                       <a:endParaRPr lang="zh-CN" sz="1000" kern="100">
                         <a:effectLst/>
-                        <a:latin typeface="Calibri"/>
-                        <a:ea typeface="宋体"/>
-                        <a:cs typeface="Times New Roman"/>
+                        <a:latin typeface="Calibri" panose="020F0502020204030204"/>
+                        <a:ea typeface="宋体" panose="02010600030101010101" pitchFamily="2" charset="-122"/>
+                        <a:cs typeface="Times New Roman" panose="02020603050405020304"/>
                       </a:endParaRPr>
                     </a:p>
                   </a:txBody>
@@ -17482,9 +17213,9 @@
                       </a:r>
                       <a:endParaRPr lang="zh-CN" sz="1000" kern="100">
                         <a:effectLst/>
-                        <a:latin typeface="Calibri"/>
-                        <a:ea typeface="宋体"/>
-                        <a:cs typeface="Times New Roman"/>
+                        <a:latin typeface="Calibri" panose="020F0502020204030204"/>
+                        <a:ea typeface="宋体" panose="02010600030101010101" pitchFamily="2" charset="-122"/>
+                        <a:cs typeface="Times New Roman" panose="02020603050405020304"/>
                       </a:endParaRPr>
                     </a:p>
                   </a:txBody>
@@ -17508,9 +17239,9 @@
                       </a:r>
                       <a:endParaRPr lang="zh-CN" sz="1000" kern="100">
                         <a:effectLst/>
-                        <a:latin typeface="Calibri"/>
-                        <a:ea typeface="宋体"/>
-                        <a:cs typeface="Times New Roman"/>
+                        <a:latin typeface="Calibri" panose="020F0502020204030204"/>
+                        <a:ea typeface="宋体" panose="02010600030101010101" pitchFamily="2" charset="-122"/>
+                        <a:cs typeface="Times New Roman" panose="02020603050405020304"/>
                       </a:endParaRPr>
                     </a:p>
                   </a:txBody>
@@ -17534,9 +17265,9 @@
                       </a:r>
                       <a:endParaRPr lang="zh-CN" sz="1000" kern="100">
                         <a:effectLst/>
-                        <a:latin typeface="Calibri"/>
-                        <a:ea typeface="宋体"/>
-                        <a:cs typeface="Times New Roman"/>
+                        <a:latin typeface="Calibri" panose="020F0502020204030204"/>
+                        <a:ea typeface="宋体" panose="02010600030101010101" pitchFamily="2" charset="-122"/>
+                        <a:cs typeface="Times New Roman" panose="02020603050405020304"/>
                       </a:endParaRPr>
                     </a:p>
                   </a:txBody>
@@ -17562,9 +17293,9 @@
                       </a:r>
                       <a:endParaRPr lang="zh-CN" sz="1000" kern="100">
                         <a:effectLst/>
-                        <a:latin typeface="Calibri"/>
-                        <a:ea typeface="宋体"/>
-                        <a:cs typeface="Times New Roman"/>
+                        <a:latin typeface="Calibri" panose="020F0502020204030204"/>
+                        <a:ea typeface="宋体" panose="02010600030101010101" pitchFamily="2" charset="-122"/>
+                        <a:cs typeface="Times New Roman" panose="02020603050405020304"/>
                       </a:endParaRPr>
                     </a:p>
                   </a:txBody>
@@ -17606,9 +17337,9 @@
                       </a:r>
                       <a:endParaRPr lang="zh-CN" sz="1000" kern="100">
                         <a:effectLst/>
-                        <a:latin typeface="Calibri"/>
-                        <a:ea typeface="宋体"/>
-                        <a:cs typeface="Times New Roman"/>
+                        <a:latin typeface="Calibri" panose="020F0502020204030204"/>
+                        <a:ea typeface="宋体" panose="02010600030101010101" pitchFamily="2" charset="-122"/>
+                        <a:cs typeface="Times New Roman" panose="02020603050405020304"/>
                       </a:endParaRPr>
                     </a:p>
                   </a:txBody>
@@ -17632,9 +17363,9 @@
                       </a:r>
                       <a:endParaRPr lang="zh-CN" sz="1000" kern="100">
                         <a:effectLst/>
-                        <a:latin typeface="Calibri"/>
-                        <a:ea typeface="宋体"/>
-                        <a:cs typeface="Times New Roman"/>
+                        <a:latin typeface="Calibri" panose="020F0502020204030204"/>
+                        <a:ea typeface="宋体" panose="02010600030101010101" pitchFamily="2" charset="-122"/>
+                        <a:cs typeface="Times New Roman" panose="02020603050405020304"/>
                       </a:endParaRPr>
                     </a:p>
                   </a:txBody>
@@ -17660,32 +17391,18 @@
                       </a:r>
                       <a:endParaRPr lang="zh-CN" sz="1000" kern="100" dirty="0">
                         <a:effectLst/>
-                        <a:latin typeface="Calibri"/>
-                        <a:ea typeface="宋体"/>
-                        <a:cs typeface="Times New Roman"/>
+                        <a:latin typeface="Calibri" panose="020F0502020204030204"/>
+                        <a:ea typeface="宋体" panose="02010600030101010101" pitchFamily="2" charset="-122"/>
+                        <a:cs typeface="Times New Roman" panose="02020603050405020304"/>
                       </a:endParaRPr>
                     </a:p>
                   </a:txBody>
                   <a:tcPr marL="67772" marR="67772" marT="0" marB="0" anchor="ctr"/>
                 </a:tc>
                 <a:tc hMerge="1">
-                  <a:txBody>
-                    <a:bodyPr/>
-                    <a:lstStyle/>
-                    <a:p>
-                      <a:endParaRPr lang="zh-CN" altLang="en-US"/>
-                    </a:p>
-                  </a:txBody>
                   <a:tcPr/>
                 </a:tc>
                 <a:tc hMerge="1">
-                  <a:txBody>
-                    <a:bodyPr/>
-                    <a:lstStyle/>
-                    <a:p>
-                      <a:endParaRPr lang="zh-CN" altLang="en-US"/>
-                    </a:p>
-                  </a:txBody>
                   <a:tcPr/>
                 </a:tc>
               </a:tr>
@@ -17694,11 +17411,6 @@
         </a:graphic>
       </p:graphicFrame>
     </p:spTree>
-    <p:extLst>
-      <p:ext uri="{BB962C8B-B14F-4D97-AF65-F5344CB8AC3E}">
-        <p14:creationId xmlns:p14="http://schemas.microsoft.com/office/powerpoint/2010/main" val="3515529453"/>
-      </p:ext>
-    </p:extLst>
   </p:cSld>
   <p:clrMapOvr>
     <a:masterClrMapping/>
@@ -17840,13 +17552,7 @@
         <p:nvGraphicFramePr>
           <p:cNvPr id="3" name="表格 2"/>
           <p:cNvGraphicFramePr/>
-          <p:nvPr>
-            <p:extLst>
-              <p:ext uri="{D42A27DB-BD31-4B8C-83A1-F6EECF244321}">
-                <p14:modId xmlns:p14="http://schemas.microsoft.com/office/powerpoint/2010/main" val="3615637530"/>
-              </p:ext>
-            </p:extLst>
-          </p:nvPr>
+          <p:nvPr/>
         </p:nvGraphicFramePr>
         <p:xfrm>
           <a:off x="3934967" y="1629594"/>
@@ -17908,6 +17614,11 @@
                         </a:rPr>
                         <a:t>》</a:t>
                       </a:r>
+                      <a:endParaRPr lang="en-US" altLang="zh-CN" sz="2400" b="0" dirty="0" smtClean="0">
+                        <a:solidFill>
+                          <a:schemeClr val="tx1"/>
+                        </a:solidFill>
+                      </a:endParaRPr>
                     </a:p>
                     <a:p>
                       <a:pPr algn="l">
@@ -17967,6 +17678,11 @@
                         </a:rPr>
                         <a:t>     </a:t>
                       </a:r>
+                      <a:endParaRPr lang="en-US" altLang="zh-CN" sz="2400" b="0" dirty="0" smtClean="0">
+                        <a:solidFill>
+                          <a:schemeClr val="tx1"/>
+                        </a:solidFill>
+                      </a:endParaRPr>
                     </a:p>
                     <a:p>
                       <a:pPr algn="l"/>
@@ -18117,15 +17833,7 @@
                             <a:schemeClr val="tx1"/>
                           </a:solidFill>
                         </a:rPr>
-                        <a:t>作者</a:t>
-                      </a:r>
-                      <a:r>
-                        <a:rPr lang="zh-CN" altLang="en-US" dirty="0" smtClean="0">
-                          <a:solidFill>
-                            <a:schemeClr val="tx1"/>
-                          </a:solidFill>
-                        </a:rPr>
-                        <a:t>：</a:t>
+                        <a:t>作者：</a:t>
                       </a:r>
                       <a:r>
                         <a:rPr lang="en-US" altLang="zh-CN" dirty="0" smtClean="0">
@@ -18372,13 +18080,13 @@
   <p:clrMapOvr>
     <a:masterClrMapping/>
   </p:clrMapOvr>
-  <mc:AlternateContent xmlns:mc="http://schemas.openxmlformats.org/markup-compatibility/2006" xmlns:p14="http://schemas.microsoft.com/office/powerpoint/2010/main">
-    <mc:Choice Requires="p14">
+  <mc:AlternateContent xmlns:mc="http://schemas.openxmlformats.org/markup-compatibility/2006">
+    <mc:Choice xmlns:p14="http://schemas.microsoft.com/office/powerpoint/2010/main" Requires="p14">
       <p:transition spd="slow" p14:dur="1200" advClick="0" advTm="0">
         <p14:prism/>
       </p:transition>
     </mc:Choice>
-    <mc:Fallback xmlns="">
+    <mc:Fallback>
       <p:transition spd="slow" advClick="0" advTm="0">
         <p:fade/>
       </p:transition>
@@ -19045,6 +18753,10 @@
               </a:rPr>
               <a:t>软件工程教学辅助软件</a:t>
             </a:r>
+            <a:endParaRPr lang="zh-CN" altLang="en-US" sz="2000" dirty="0">
+              <a:latin typeface="微软雅黑" panose="020B0503020204020204" pitchFamily="34" charset="-122"/>
+              <a:ea typeface="微软雅黑" panose="020B0503020204020204" pitchFamily="34" charset="-122"/>
+            </a:endParaRPr>
           </a:p>
           <a:p>
             <a:pPr algn="just">
@@ -19094,6 +18806,13 @@
               </a:rPr>
               <a:t>项目简介</a:t>
             </a:r>
+            <a:endParaRPr lang="zh-CN" altLang="en-US" sz="3200" b="1" dirty="0">
+              <a:solidFill>
+                <a:schemeClr val="bg1"/>
+              </a:solidFill>
+              <a:latin typeface="微软雅黑" panose="020B0503020204020204" pitchFamily="34" charset="-122"/>
+              <a:ea typeface="微软雅黑" panose="020B0503020204020204" pitchFamily="34" charset="-122"/>
+            </a:endParaRPr>
           </a:p>
         </p:txBody>
       </p:sp>
@@ -19142,18 +18861,7 @@
                 <a:ea typeface="微软雅黑" panose="020B0503020204020204" pitchFamily="34" charset="-122"/>
                 <a:sym typeface="+mn-ea"/>
               </a:rPr>
-              <a:t>为软件工程专业的相关教学提供网站辅助</a:t>
-            </a:r>
-            <a:r>
-              <a:rPr lang="zh-CN" altLang="en-US" dirty="0" smtClean="0">
-                <a:solidFill>
-                  <a:sysClr val="windowText" lastClr="000000"/>
-                </a:solidFill>
-                <a:latin typeface="微软雅黑" panose="020B0503020204020204" pitchFamily="34" charset="-122"/>
-                <a:ea typeface="微软雅黑" panose="020B0503020204020204" pitchFamily="34" charset="-122"/>
-                <a:sym typeface="+mn-ea"/>
-              </a:rPr>
-              <a:t>。</a:t>
+              <a:t>为软件工程专业的相关教学提供网站辅助。</a:t>
             </a:r>
             <a:endParaRPr lang="zh-CN" altLang="en-US" dirty="0">
               <a:solidFill>
@@ -19825,6 +19533,13 @@
               </a:rPr>
               <a:t>分工及考评</a:t>
             </a:r>
+            <a:endParaRPr lang="zh-CN" sz="3200" b="1" dirty="0">
+              <a:solidFill>
+                <a:schemeClr val="bg1"/>
+              </a:solidFill>
+              <a:latin typeface="微软雅黑" panose="020B0503020204020204" pitchFamily="34" charset="-122"/>
+              <a:ea typeface="微软雅黑" panose="020B0503020204020204" pitchFamily="34" charset="-122"/>
+            </a:endParaRPr>
           </a:p>
         </p:txBody>
       </p:sp>
@@ -19834,13 +19549,7 @@
           <p:cNvGraphicFramePr>
             <a:graphicFrameLocks noGrp="1"/>
           </p:cNvGraphicFramePr>
-          <p:nvPr>
-            <p:extLst>
-              <p:ext uri="{D42A27DB-BD31-4B8C-83A1-F6EECF244321}">
-                <p14:modId xmlns:p14="http://schemas.microsoft.com/office/powerpoint/2010/main" val="208683522"/>
-              </p:ext>
-            </p:extLst>
-          </p:nvPr>
+          <p:nvPr/>
         </p:nvGraphicFramePr>
         <p:xfrm>
           <a:off x="3214886" y="1485578"/>
@@ -19921,6 +19630,22 @@
                     <a:bodyPr/>
                     <a:lstStyle/>
                     <a:p>
+                      <a:r>
+                        <a:rPr lang="en-US" altLang="zh-CN" dirty="0"/>
+                        <a:t>project,wbs,</a:t>
+                      </a:r>
+                      <a:r>
+                        <a:rPr lang="zh-CN" altLang="en-US" dirty="0"/>
+                        <a:t>项目章程</a:t>
+                      </a:r>
+                      <a:r>
+                        <a:rPr lang="en-US" altLang="zh-CN" dirty="0"/>
+                        <a:t>,</a:t>
+                      </a:r>
+                      <a:r>
+                        <a:rPr lang="zh-CN" altLang="en-US" dirty="0"/>
+                        <a:t>需求工程项目计划书起草</a:t>
+                      </a:r>
                       <a:endParaRPr lang="zh-CN" altLang="en-US" dirty="0"/>
                     </a:p>
                   </a:txBody>
@@ -19931,7 +19656,11 @@
                     <a:bodyPr/>
                     <a:lstStyle/>
                     <a:p>
-                      <a:endParaRPr lang="zh-CN" altLang="en-US"/>
+                      <a:r>
+                        <a:rPr lang="en-US" altLang="zh-CN"/>
+                        <a:t>9.5</a:t>
+                      </a:r>
+                      <a:endParaRPr lang="en-US" altLang="zh-CN"/>
                     </a:p>
                   </a:txBody>
                   <a:tcPr/>
@@ -19957,6 +19686,18 @@
                     <a:bodyPr/>
                     <a:lstStyle/>
                     <a:p>
+                      <a:r>
+                        <a:rPr lang="zh-CN" altLang="en-US" dirty="0"/>
+                        <a:t>可行性分析报告，</a:t>
+                      </a:r>
+                      <a:r>
+                        <a:rPr lang="en-US" altLang="zh-CN" dirty="0"/>
+                        <a:t>GIT</a:t>
+                      </a:r>
+                      <a:r>
+                        <a:rPr lang="zh-CN" altLang="en-US" dirty="0"/>
+                        <a:t>管理，支持条件，</a:t>
+                      </a:r>
                       <a:endParaRPr lang="zh-CN" altLang="en-US" dirty="0"/>
                     </a:p>
                   </a:txBody>
@@ -19967,7 +19708,11 @@
                     <a:bodyPr/>
                     <a:lstStyle/>
                     <a:p>
-                      <a:endParaRPr lang="zh-CN" altLang="en-US"/>
+                      <a:r>
+                        <a:rPr lang="en-US" altLang="zh-CN"/>
+                        <a:t>9.6</a:t>
+                      </a:r>
+                      <a:endParaRPr lang="en-US" altLang="zh-CN"/>
                     </a:p>
                   </a:txBody>
                   <a:tcPr/>
@@ -19993,6 +19738,10 @@
                     <a:bodyPr/>
                     <a:lstStyle/>
                     <a:p>
+                      <a:r>
+                        <a:rPr lang="zh-CN" altLang="en-US"/>
+                        <a:t>项目预算，成本管理，风险计划</a:t>
+                      </a:r>
                       <a:endParaRPr lang="zh-CN" altLang="en-US"/>
                     </a:p>
                   </a:txBody>
@@ -20003,7 +19752,11 @@
                     <a:bodyPr/>
                     <a:lstStyle/>
                     <a:p>
-                      <a:endParaRPr lang="zh-CN" altLang="en-US"/>
+                      <a:r>
+                        <a:rPr lang="en-US" altLang="zh-CN"/>
+                        <a:t>9.4</a:t>
+                      </a:r>
+                      <a:endParaRPr lang="en-US" altLang="zh-CN"/>
                     </a:p>
                   </a:txBody>
                   <a:tcPr/>
@@ -20029,6 +19782,14 @@
                     <a:bodyPr/>
                     <a:lstStyle/>
                     <a:p>
+                      <a:r>
+                        <a:rPr lang="en-US" altLang="zh-CN"/>
+                        <a:t>OBS</a:t>
+                      </a:r>
+                      <a:r>
+                        <a:rPr lang="zh-CN" altLang="en-US"/>
+                        <a:t>，人力资源管理，沟通管理</a:t>
+                      </a:r>
                       <a:endParaRPr lang="zh-CN" altLang="en-US"/>
                     </a:p>
                   </a:txBody>
@@ -20039,7 +19800,11 @@
                     <a:bodyPr/>
                     <a:lstStyle/>
                     <a:p>
-                      <a:endParaRPr lang="zh-CN" altLang="en-US"/>
+                      <a:r>
+                        <a:rPr lang="en-US" altLang="zh-CN"/>
+                        <a:t>9.4</a:t>
+                      </a:r>
+                      <a:endParaRPr lang="en-US" altLang="zh-CN"/>
                     </a:p>
                   </a:txBody>
                   <a:tcPr/>
@@ -20065,6 +19830,26 @@
                     <a:bodyPr/>
                     <a:lstStyle/>
                     <a:p>
+                      <a:r>
+                        <a:rPr lang="zh-CN" altLang="en-US"/>
+                        <a:t>答辩</a:t>
+                      </a:r>
+                      <a:r>
+                        <a:rPr lang="en-US" altLang="zh-CN"/>
+                        <a:t>PPT</a:t>
+                      </a:r>
+                      <a:r>
+                        <a:rPr lang="zh-CN" altLang="en-US"/>
+                        <a:t>的制作，</a:t>
+                      </a:r>
+                      <a:r>
+                        <a:rPr lang="en-US" altLang="zh-CN"/>
+                        <a:t>wbs-io</a:t>
+                      </a:r>
+                      <a:r>
+                        <a:rPr lang="zh-CN" altLang="en-US"/>
+                        <a:t>的制作</a:t>
+                      </a:r>
                       <a:endParaRPr lang="zh-CN" altLang="en-US"/>
                     </a:p>
                   </a:txBody>
@@ -20075,7 +19860,11 @@
                     <a:bodyPr/>
                     <a:lstStyle/>
                     <a:p>
-                      <a:endParaRPr lang="zh-CN" altLang="en-US" dirty="0"/>
+                      <a:r>
+                        <a:rPr lang="en-US" altLang="zh-CN" dirty="0"/>
+                        <a:t>9.5</a:t>
+                      </a:r>
+                      <a:endParaRPr lang="en-US" altLang="zh-CN" dirty="0"/>
                     </a:p>
                   </a:txBody>
                   <a:tcPr/>
@@ -20090,13 +19879,13 @@
   <p:clrMapOvr>
     <a:masterClrMapping/>
   </p:clrMapOvr>
-  <mc:AlternateContent xmlns:mc="http://schemas.openxmlformats.org/markup-compatibility/2006" xmlns:p14="http://schemas.microsoft.com/office/powerpoint/2010/main">
-    <mc:Choice Requires="p14">
+  <mc:AlternateContent xmlns:mc="http://schemas.openxmlformats.org/markup-compatibility/2006">
+    <mc:Choice xmlns:p14="http://schemas.microsoft.com/office/powerpoint/2010/main" Requires="p14">
       <p:transition spd="slow" p14:dur="1200" advClick="0" advTm="0">
         <p14:prism/>
       </p:transition>
     </mc:Choice>
-    <mc:Fallback xmlns="">
+    <mc:Fallback>
       <p:transition spd="slow" advClick="0" advTm="0">
         <p:fade/>
       </p:transition>
@@ -20980,6 +20769,16 @@
               </a:rPr>
               <a:t>汇报结束 感谢观看</a:t>
             </a:r>
+            <a:endParaRPr lang="zh-CN" altLang="en-US" sz="3600" b="1" dirty="0">
+              <a:solidFill>
+                <a:schemeClr val="tx1">
+                  <a:lumMod val="75000"/>
+                  <a:lumOff val="25000"/>
+                </a:schemeClr>
+              </a:solidFill>
+              <a:latin typeface="微软雅黑" panose="020B0503020204020204" pitchFamily="34" charset="-122"/>
+              <a:ea typeface="微软雅黑" panose="020B0503020204020204" pitchFamily="34" charset="-122"/>
+            </a:endParaRPr>
           </a:p>
         </p:txBody>
       </p:sp>
@@ -21141,16 +20940,16 @@
             <a:picLocks noChangeAspect="1"/>
           </p:cNvPicPr>
           <p:nvPr>
-            <a:audioFile r:link="rId2"/>
+            <a:audioFile r:link="rId1"/>
             <p:extLst>
               <p:ext uri="{DAA4B4D4-6D71-4841-9C94-3DE7FCFB9230}">
-                <p14:media xmlns:p14="http://schemas.microsoft.com/office/powerpoint/2010/main" r:embed="rId1"/>
+                <p14:media xmlns:p14="http://schemas.microsoft.com/office/powerpoint/2010/main" r:embed="rId2"/>
               </p:ext>
             </p:extLst>
           </p:nvPr>
         </p:nvPicPr>
         <p:blipFill>
-          <a:blip r:embed="rId5"/>
+          <a:blip r:embed="rId3"/>
           <a:stretch>
             <a:fillRect/>
           </a:stretch>
@@ -21198,6 +20997,14 @@
               </a:rPr>
               <a:t>浙江大学城市学院</a:t>
             </a:r>
+            <a:endParaRPr lang="zh-CN" altLang="en-US" kern="300" spc="2000">
+              <a:solidFill>
+                <a:schemeClr val="tx1"/>
+              </a:solidFill>
+              <a:uFillTx/>
+              <a:latin typeface="+中文标题" charset="0"/>
+              <a:ea typeface="+mj-ea"/>
+            </a:endParaRPr>
           </a:p>
         </p:txBody>
       </p:sp>
@@ -21206,13 +21013,13 @@
   <p:clrMapOvr>
     <a:masterClrMapping/>
   </p:clrMapOvr>
-  <mc:AlternateContent xmlns:mc="http://schemas.openxmlformats.org/markup-compatibility/2006" xmlns:p14="http://schemas.microsoft.com/office/powerpoint/2010/main">
-    <mc:Choice Requires="p14">
+  <mc:AlternateContent xmlns:mc="http://schemas.openxmlformats.org/markup-compatibility/2006">
+    <mc:Choice xmlns:p14="http://schemas.microsoft.com/office/powerpoint/2010/main" Requires="p14">
       <p:transition spd="slow" p14:dur="1600" advClick="0" advTm="0">
         <p:blinds dir="vert"/>
       </p:transition>
     </mc:Choice>
-    <mc:Fallback xmlns="">
+    <mc:Fallback>
       <p:transition spd="slow" advClick="0" advTm="0">
         <p:blinds dir="vert"/>
       </p:transition>
@@ -22080,6 +21887,13 @@
               </a:rPr>
               <a:t>项目简介</a:t>
             </a:r>
+            <a:endParaRPr lang="zh-CN" altLang="en-US" sz="3200" b="1" dirty="0">
+              <a:solidFill>
+                <a:schemeClr val="bg1"/>
+              </a:solidFill>
+              <a:latin typeface="微软雅黑" panose="020B0503020204020204" pitchFamily="34" charset="-122"/>
+              <a:ea typeface="微软雅黑" panose="020B0503020204020204" pitchFamily="34" charset="-122"/>
+            </a:endParaRPr>
           </a:p>
         </p:txBody>
       </p:sp>
@@ -22273,6 +22087,12 @@
                         </a:rPr>
                         <a:t>杨枨</a:t>
                       </a:r>
+                      <a:endParaRPr lang="zh-CN" sz="1800" kern="100">
+                        <a:effectLst/>
+                        <a:latin typeface="+mn-ea"/>
+                        <a:ea typeface="+mn-ea"/>
+                        <a:cs typeface="Times New Roman" panose="02020603050405020304" pitchFamily="18" charset="0"/>
+                      </a:endParaRPr>
                     </a:p>
                   </a:txBody>
                   <a:tcPr marL="68580" marR="68580" marT="0" marB="0" anchor="ctr"/>
@@ -22296,6 +22116,12 @@
                         </a:rPr>
                         <a:t>13357102333</a:t>
                       </a:r>
+                      <a:endParaRPr lang="en-US" sz="1800" kern="100" dirty="0">
+                        <a:effectLst/>
+                        <a:latin typeface="+mn-ea"/>
+                        <a:ea typeface="+mn-ea"/>
+                        <a:cs typeface="Times New Roman" panose="02020603050405020304" pitchFamily="18" charset="0"/>
+                      </a:endParaRPr>
                     </a:p>
                   </a:txBody>
                   <a:tcPr marL="68580" marR="68580" marT="0" marB="0" anchor="ctr"/>
@@ -22322,6 +22148,15 @@
                         </a:rPr>
                         <a:t>yangc@zucc.edu.cn</a:t>
                       </a:r>
+                      <a:endParaRPr lang="en-US" sz="1800" u="none" strike="noStrike" kern="100" dirty="0">
+                        <a:solidFill>
+                          <a:srgbClr val="0563C1"/>
+                        </a:solidFill>
+                        <a:effectLst/>
+                        <a:latin typeface="+mn-ea"/>
+                        <a:ea typeface="+mn-ea"/>
+                        <a:cs typeface="Times New Roman" panose="02020603050405020304" pitchFamily="18" charset="0"/>
+                      </a:endParaRPr>
                     </a:p>
                   </a:txBody>
                   <a:tcPr marL="68580" marR="68580" marT="0" marB="0" anchor="ctr"/>
@@ -22345,6 +22180,12 @@
                         </a:rPr>
                         <a:t>理四504</a:t>
                       </a:r>
+                      <a:endParaRPr sz="1800" kern="100" dirty="0">
+                        <a:effectLst/>
+                        <a:latin typeface="+mn-ea"/>
+                        <a:ea typeface="+mn-ea"/>
+                        <a:cs typeface="Times New Roman" panose="02020603050405020304" pitchFamily="18" charset="0"/>
+                      </a:endParaRPr>
                     </a:p>
                   </a:txBody>
                   <a:tcPr marL="68580" marR="68580" marT="0" marB="0" anchor="ctr"/>
@@ -22380,6 +22221,7 @@
               <a:rPr lang="zh-CN" altLang="en-US"/>
               <a:t>项目提出者：</a:t>
             </a:r>
+            <a:endParaRPr lang="zh-CN" altLang="en-US"/>
           </a:p>
         </p:txBody>
       </p:sp>
@@ -22409,6 +22251,7 @@
               <a:rPr lang="zh-CN" altLang="en-US"/>
               <a:t>项目用户：</a:t>
             </a:r>
+            <a:endParaRPr lang="zh-CN" altLang="en-US"/>
           </a:p>
         </p:txBody>
       </p:sp>
@@ -22837,6 +22680,13 @@
               </a:rPr>
               <a:t>项目简介</a:t>
             </a:r>
+            <a:endParaRPr lang="zh-CN" altLang="en-US" sz="3200" b="1" dirty="0">
+              <a:solidFill>
+                <a:schemeClr val="bg1"/>
+              </a:solidFill>
+              <a:latin typeface="微软雅黑" panose="020B0503020204020204" pitchFamily="34" charset="-122"/>
+              <a:ea typeface="微软雅黑" panose="020B0503020204020204" pitchFamily="34" charset="-122"/>
+            </a:endParaRPr>
           </a:p>
         </p:txBody>
       </p:sp>
@@ -22877,6 +22727,18 @@
               </a:rPr>
               <a:t>开发团队：</a:t>
             </a:r>
+            <a:endParaRPr lang="zh-CN" altLang="en-US" sz="2800" b="1">
+              <a:solidFill>
+                <a:schemeClr val="tx1"/>
+              </a:solidFill>
+              <a:effectLst>
+                <a:outerShdw blurRad="38100" dist="19050" dir="2700000" algn="tl" rotWithShape="0">
+                  <a:schemeClr val="dk1">
+                    <a:alpha val="40000"/>
+                  </a:schemeClr>
+                </a:outerShdw>
+              </a:effectLst>
+            </a:endParaRPr>
           </a:p>
         </p:txBody>
       </p:sp>
@@ -22886,13 +22748,7 @@
           <p:cNvGraphicFramePr>
             <a:graphicFrameLocks noGrp="1"/>
           </p:cNvGraphicFramePr>
-          <p:nvPr>
-            <p:extLst>
-              <p:ext uri="{D42A27DB-BD31-4B8C-83A1-F6EECF244321}">
-                <p14:modId xmlns:p14="http://schemas.microsoft.com/office/powerpoint/2010/main" val="10085110"/>
-              </p:ext>
-            </p:extLst>
-          </p:nvPr>
+          <p:nvPr/>
         </p:nvGraphicFramePr>
         <p:xfrm>
           <a:off x="1654810" y="2061642"/>
@@ -23030,7 +22886,6 @@
                         <a:buSzTx/>
                         <a:buFontTx/>
                         <a:buNone/>
-                        <a:tabLst/>
                         <a:defRPr/>
                       </a:pPr>
                       <a:r>
@@ -23105,7 +22960,6 @@
                         <a:buSzTx/>
                         <a:buFontTx/>
                         <a:buNone/>
-                        <a:tabLst/>
                         <a:defRPr/>
                       </a:pPr>
                       <a:r>
@@ -23180,7 +23034,6 @@
                         <a:buSzTx/>
                         <a:buFontTx/>
                         <a:buNone/>
-                        <a:tabLst/>
                         <a:defRPr/>
                       </a:pPr>
                       <a:r>
@@ -23255,7 +23108,6 @@
                         <a:buSzTx/>
                         <a:buFontTx/>
                         <a:buNone/>
-                        <a:tabLst/>
                         <a:defRPr/>
                       </a:pPr>
                       <a:r>
@@ -23330,7 +23182,6 @@
                         <a:buSzTx/>
                         <a:buFontTx/>
                         <a:buNone/>
-                        <a:tabLst/>
                         <a:defRPr/>
                       </a:pPr>
                       <a:r>
@@ -23970,6 +23821,11 @@
               </a:rPr>
               <a:t>3</a:t>
             </a:r>
+            <a:endParaRPr lang="en-US" altLang="zh-CN" sz="3600" dirty="0">
+              <a:latin typeface="+mj-lt"/>
+              <a:ea typeface="Arial Unicode MS" panose="020B0604020202020204" pitchFamily="34" charset="-122"/>
+              <a:cs typeface="Arial Unicode MS" panose="020B0604020202020204" pitchFamily="34" charset="-122"/>
+            </a:endParaRPr>
           </a:p>
         </p:txBody>
       </p:sp>
@@ -24626,6 +24482,11 @@
               </a:rPr>
               <a:t>5</a:t>
             </a:r>
+            <a:endParaRPr lang="en-US" altLang="zh-CN" sz="3600" dirty="0">
+              <a:latin typeface="+mj-lt"/>
+              <a:ea typeface="Arial Unicode MS" panose="020B0604020202020204" pitchFamily="34" charset="-122"/>
+              <a:cs typeface="Arial Unicode MS" panose="020B0604020202020204" pitchFamily="34" charset="-122"/>
+            </a:endParaRPr>
           </a:p>
         </p:txBody>
       </p:sp>
@@ -24688,6 +24549,11 @@
               </a:rPr>
               <a:t>6</a:t>
             </a:r>
+            <a:endParaRPr lang="en-US" altLang="zh-CN" sz="3600" dirty="0">
+              <a:latin typeface="+mj-lt"/>
+              <a:ea typeface="Arial Unicode MS" panose="020B0604020202020204" pitchFamily="34" charset="-122"/>
+              <a:cs typeface="Arial Unicode MS" panose="020B0604020202020204" pitchFamily="34" charset="-122"/>
+            </a:endParaRPr>
           </a:p>
         </p:txBody>
       </p:sp>
@@ -25145,13 +25011,13 @@
   <p:clrMapOvr>
     <a:masterClrMapping/>
   </p:clrMapOvr>
-  <mc:AlternateContent xmlns:mc="http://schemas.openxmlformats.org/markup-compatibility/2006" xmlns:p14="http://schemas.microsoft.com/office/powerpoint/2010/main">
-    <mc:Choice Requires="p14">
+  <mc:AlternateContent xmlns:mc="http://schemas.openxmlformats.org/markup-compatibility/2006">
+    <mc:Choice xmlns:p14="http://schemas.microsoft.com/office/powerpoint/2010/main" Requires="p14">
       <p:transition spd="slow" p14:dur="1200" advClick="0" advTm="0">
         <p14:prism/>
       </p:transition>
     </mc:Choice>
-    <mc:Fallback xmlns="">
+    <mc:Fallback>
       <p:transition spd="slow" advClick="0" advTm="0">
         <p:fade/>
       </p:transition>
@@ -25390,7 +25256,7 @@
                         <p:par>
                           <p:cTn id="16" fill="hold">
                             <p:stCondLst>
-                              <p:cond delay="1150"/>
+                              <p:cond delay="1149"/>
                             </p:stCondLst>
                             <p:childTnLst>
                               <p:par>
@@ -25640,7 +25506,7 @@
                         <p:par>
                           <p:cTn id="38" fill="hold">
                             <p:stCondLst>
-                              <p:cond delay="2900"/>
+                              <p:cond delay="2149"/>
                             </p:stCondLst>
                             <p:childTnLst>
                               <p:par>
@@ -25722,7 +25588,7 @@
                         <p:par>
                           <p:cTn id="43" fill="hold">
                             <p:stCondLst>
-                              <p:cond delay="3400"/>
+                              <p:cond delay="2649"/>
                             </p:stCondLst>
                             <p:childTnLst>
                               <p:par>
@@ -26401,7 +26267,7 @@
           <p:nvPr/>
         </p:nvPicPr>
         <p:blipFill rotWithShape="1">
-          <a:blip r:embed="rId2">
+          <a:blip r:embed="rId1">
             <a:extLst>
               <a:ext uri="{28A0092B-C50C-407E-A947-70E740481C1C}">
                 <a14:useLocalDpi xmlns:a14="http://schemas.microsoft.com/office/drawing/2010/main" val="0"/>
@@ -26409,7 +26275,9 @@
             </a:extLst>
           </a:blip>
           <a:srcRect t="25928" r="42829"/>
-          <a:stretch/>
+          <a:stretch>
+            <a:fillRect/>
+          </a:stretch>
         </p:blipFill>
         <p:spPr bwMode="auto">
           <a:xfrm>
@@ -26453,7 +26321,7 @@
           <p:nvPr/>
         </p:nvPicPr>
         <p:blipFill rotWithShape="1">
-          <a:blip r:embed="rId3">
+          <a:blip r:embed="rId2">
             <a:extLst>
               <a:ext uri="{28A0092B-C50C-407E-A947-70E740481C1C}">
                 <a14:useLocalDpi xmlns:a14="http://schemas.microsoft.com/office/drawing/2010/main" val="0"/>
@@ -26461,7 +26329,9 @@
             </a:extLst>
           </a:blip>
           <a:srcRect t="29252" r="43092"/>
-          <a:stretch/>
+          <a:stretch>
+            <a:fillRect/>
+          </a:stretch>
         </p:blipFill>
         <p:spPr bwMode="auto">
           <a:xfrm>
@@ -26505,7 +26375,7 @@
           <p:nvPr/>
         </p:nvPicPr>
         <p:blipFill rotWithShape="1">
-          <a:blip r:embed="rId4">
+          <a:blip r:embed="rId3">
             <a:extLst>
               <a:ext uri="{28A0092B-C50C-407E-A947-70E740481C1C}">
                 <a14:useLocalDpi xmlns:a14="http://schemas.microsoft.com/office/drawing/2010/main" val="0"/>
@@ -26513,7 +26383,9 @@
             </a:extLst>
           </a:blip>
           <a:srcRect t="30060" r="42303"/>
-          <a:stretch/>
+          <a:stretch>
+            <a:fillRect/>
+          </a:stretch>
         </p:blipFill>
         <p:spPr bwMode="auto">
           <a:xfrm>
@@ -26675,6 +26547,7 @@
               <a:rPr lang="en-US" sz="2400" dirty="0"/>
               <a:t>2</a:t>
             </a:r>
+            <a:endParaRPr lang="en-US" sz="2400" dirty="0"/>
           </a:p>
         </p:txBody>
       </p:sp>
@@ -26747,6 +26620,7 @@
               <a:rPr lang="zh-CN" altLang="zh-CN" sz="2400" dirty="0"/>
               <a:t>小组成员每人一台开发主机</a:t>
             </a:r>
+            <a:endParaRPr lang="zh-CN" altLang="zh-CN" sz="2400" dirty="0"/>
           </a:p>
           <a:p>
             <a:pPr lvl="0"/>
@@ -26754,6 +26628,7 @@
               <a:rPr lang="zh-CN" altLang="zh-CN" sz="2400" dirty="0"/>
               <a:t>阿里云服务器</a:t>
             </a:r>
+            <a:endParaRPr lang="zh-CN" altLang="zh-CN" sz="2400" dirty="0"/>
           </a:p>
           <a:p>
             <a:pPr lvl="0"/>
@@ -26765,6 +26640,7 @@
               <a:rPr lang="zh-CN" altLang="zh-CN" sz="2400" dirty="0"/>
               <a:t>办公全家桶</a:t>
             </a:r>
+            <a:endParaRPr lang="zh-CN" altLang="zh-CN" sz="2400" dirty="0"/>
           </a:p>
           <a:p>
             <a:pPr lvl="0"/>
@@ -27035,6 +26911,13 @@
               </a:rPr>
               <a:t>人力资源管理计划</a:t>
             </a:r>
+            <a:endParaRPr lang="zh-CN" altLang="en-US" sz="2665" dirty="0">
+              <a:solidFill>
+                <a:srgbClr val="183A5D"/>
+              </a:solidFill>
+              <a:latin typeface="微软雅黑" panose="020B0503020204020204" pitchFamily="34" charset="-122"/>
+              <a:ea typeface="微软雅黑" panose="020B0503020204020204" pitchFamily="34" charset="-122"/>
+            </a:endParaRPr>
           </a:p>
         </p:txBody>
       </p:sp>
@@ -27044,13 +26927,7 @@
           <p:cNvGraphicFramePr>
             <a:graphicFrameLocks noGrp="1"/>
           </p:cNvGraphicFramePr>
-          <p:nvPr>
-            <p:extLst>
-              <p:ext uri="{D42A27DB-BD31-4B8C-83A1-F6EECF244321}">
-                <p14:modId xmlns:p14="http://schemas.microsoft.com/office/powerpoint/2010/main" val="4129101471"/>
-              </p:ext>
-            </p:extLst>
-          </p:nvPr>
+          <p:nvPr/>
         </p:nvGraphicFramePr>
         <p:xfrm>
           <a:off x="1702718" y="1770708"/>
@@ -27090,9 +26967,9 @@
                       </a:r>
                       <a:endParaRPr lang="zh-CN" sz="1050" kern="100" dirty="0">
                         <a:effectLst/>
-                        <a:latin typeface="Calibri"/>
-                        <a:ea typeface="宋体"/>
-                        <a:cs typeface="Times New Roman"/>
+                        <a:latin typeface="Calibri" panose="020F0502020204030204"/>
+                        <a:ea typeface="宋体" panose="02010600030101010101" pitchFamily="2" charset="-122"/>
+                        <a:cs typeface="Times New Roman" panose="02020603050405020304"/>
                       </a:endParaRPr>
                     </a:p>
                   </a:txBody>
@@ -27116,9 +26993,9 @@
                       </a:r>
                       <a:endParaRPr lang="zh-CN" sz="1050" kern="100">
                         <a:effectLst/>
-                        <a:latin typeface="Calibri"/>
-                        <a:ea typeface="宋体"/>
-                        <a:cs typeface="Times New Roman"/>
+                        <a:latin typeface="Calibri" panose="020F0502020204030204"/>
+                        <a:ea typeface="宋体" panose="02010600030101010101" pitchFamily="2" charset="-122"/>
+                        <a:cs typeface="Times New Roman" panose="02020603050405020304"/>
                       </a:endParaRPr>
                     </a:p>
                   </a:txBody>
@@ -27142,9 +27019,9 @@
                       </a:r>
                       <a:endParaRPr lang="zh-CN" sz="1050" kern="100">
                         <a:effectLst/>
-                        <a:latin typeface="Calibri"/>
-                        <a:ea typeface="宋体"/>
-                        <a:cs typeface="Times New Roman"/>
+                        <a:latin typeface="Calibri" panose="020F0502020204030204"/>
+                        <a:ea typeface="宋体" panose="02010600030101010101" pitchFamily="2" charset="-122"/>
+                        <a:cs typeface="Times New Roman" panose="02020603050405020304"/>
                       </a:endParaRPr>
                     </a:p>
                   </a:txBody>
@@ -27168,9 +27045,9 @@
                       </a:r>
                       <a:endParaRPr lang="zh-CN" sz="1050" kern="100">
                         <a:effectLst/>
-                        <a:latin typeface="Calibri"/>
-                        <a:ea typeface="宋体"/>
-                        <a:cs typeface="Times New Roman"/>
+                        <a:latin typeface="Calibri" panose="020F0502020204030204"/>
+                        <a:ea typeface="宋体" panose="02010600030101010101" pitchFamily="2" charset="-122"/>
+                        <a:cs typeface="Times New Roman" panose="02020603050405020304"/>
                       </a:endParaRPr>
                     </a:p>
                   </a:txBody>
@@ -27194,9 +27071,9 @@
                       </a:r>
                       <a:endParaRPr lang="zh-CN" sz="1050" kern="100">
                         <a:effectLst/>
-                        <a:latin typeface="Calibri"/>
-                        <a:ea typeface="宋体"/>
-                        <a:cs typeface="Times New Roman"/>
+                        <a:latin typeface="Calibri" panose="020F0502020204030204"/>
+                        <a:ea typeface="宋体" panose="02010600030101010101" pitchFamily="2" charset="-122"/>
+                        <a:cs typeface="Times New Roman" panose="02020603050405020304"/>
                       </a:endParaRPr>
                     </a:p>
                   </a:txBody>
@@ -27220,9 +27097,9 @@
                       </a:r>
                       <a:endParaRPr lang="zh-CN" sz="1050" kern="100">
                         <a:effectLst/>
-                        <a:latin typeface="Calibri"/>
-                        <a:ea typeface="宋体"/>
-                        <a:cs typeface="Times New Roman"/>
+                        <a:latin typeface="Calibri" panose="020F0502020204030204"/>
+                        <a:ea typeface="宋体" panose="02010600030101010101" pitchFamily="2" charset="-122"/>
+                        <a:cs typeface="Times New Roman" panose="02020603050405020304"/>
                       </a:endParaRPr>
                     </a:p>
                   </a:txBody>
@@ -27246,9 +27123,9 @@
                       </a:r>
                       <a:endParaRPr lang="zh-CN" sz="1050" kern="100">
                         <a:effectLst/>
-                        <a:latin typeface="Calibri"/>
-                        <a:ea typeface="宋体"/>
-                        <a:cs typeface="Times New Roman"/>
+                        <a:latin typeface="Calibri" panose="020F0502020204030204"/>
+                        <a:ea typeface="宋体" panose="02010600030101010101" pitchFamily="2" charset="-122"/>
+                        <a:cs typeface="Times New Roman" panose="02020603050405020304"/>
                       </a:endParaRPr>
                     </a:p>
                   </a:txBody>
@@ -27274,9 +27151,9 @@
                       </a:r>
                       <a:endParaRPr lang="zh-CN" sz="1050" kern="100">
                         <a:effectLst/>
-                        <a:latin typeface="Calibri"/>
-                        <a:ea typeface="宋体"/>
-                        <a:cs typeface="Times New Roman"/>
+                        <a:latin typeface="Calibri" panose="020F0502020204030204"/>
+                        <a:ea typeface="宋体" panose="02010600030101010101" pitchFamily="2" charset="-122"/>
+                        <a:cs typeface="Times New Roman" panose="02020603050405020304"/>
                       </a:endParaRPr>
                     </a:p>
                   </a:txBody>
@@ -27300,9 +27177,9 @@
                       </a:r>
                       <a:endParaRPr lang="zh-CN" sz="1050" kern="100">
                         <a:effectLst/>
-                        <a:latin typeface="Calibri"/>
-                        <a:ea typeface="宋体"/>
-                        <a:cs typeface="Times New Roman"/>
+                        <a:latin typeface="Calibri" panose="020F0502020204030204"/>
+                        <a:ea typeface="宋体" panose="02010600030101010101" pitchFamily="2" charset="-122"/>
+                        <a:cs typeface="Times New Roman" panose="02020603050405020304"/>
                       </a:endParaRPr>
                     </a:p>
                   </a:txBody>
@@ -27326,9 +27203,9 @@
                       </a:r>
                       <a:endParaRPr lang="zh-CN" sz="1050" kern="100">
                         <a:effectLst/>
-                        <a:latin typeface="Calibri"/>
-                        <a:ea typeface="宋体"/>
-                        <a:cs typeface="Times New Roman"/>
+                        <a:latin typeface="Calibri" panose="020F0502020204030204"/>
+                        <a:ea typeface="宋体" panose="02010600030101010101" pitchFamily="2" charset="-122"/>
+                        <a:cs typeface="Times New Roman" panose="02020603050405020304"/>
                       </a:endParaRPr>
                     </a:p>
                   </a:txBody>
@@ -27358,9 +27235,9 @@
                       </a:r>
                       <a:endParaRPr lang="zh-CN" sz="1050" kern="100" dirty="0">
                         <a:effectLst/>
-                        <a:latin typeface="Calibri"/>
-                        <a:ea typeface="宋体"/>
-                        <a:cs typeface="Times New Roman"/>
+                        <a:latin typeface="Calibri" panose="020F0502020204030204"/>
+                        <a:ea typeface="宋体" panose="02010600030101010101" pitchFamily="2" charset="-122"/>
+                        <a:cs typeface="Times New Roman" panose="02020603050405020304"/>
                       </a:endParaRPr>
                     </a:p>
                   </a:txBody>
@@ -27384,9 +27261,9 @@
                       </a:r>
                       <a:endParaRPr lang="zh-CN" sz="1050" kern="100">
                         <a:effectLst/>
-                        <a:latin typeface="Calibri"/>
-                        <a:ea typeface="宋体"/>
-                        <a:cs typeface="Times New Roman"/>
+                        <a:latin typeface="Calibri" panose="020F0502020204030204"/>
+                        <a:ea typeface="宋体" panose="02010600030101010101" pitchFamily="2" charset="-122"/>
+                        <a:cs typeface="Times New Roman" panose="02020603050405020304"/>
                       </a:endParaRPr>
                     </a:p>
                   </a:txBody>
@@ -27410,9 +27287,9 @@
                       </a:r>
                       <a:endParaRPr lang="zh-CN" sz="1050" kern="100">
                         <a:effectLst/>
-                        <a:latin typeface="Calibri"/>
-                        <a:ea typeface="宋体"/>
-                        <a:cs typeface="Times New Roman"/>
+                        <a:latin typeface="Calibri" panose="020F0502020204030204"/>
+                        <a:ea typeface="宋体" panose="02010600030101010101" pitchFamily="2" charset="-122"/>
+                        <a:cs typeface="Times New Roman" panose="02020603050405020304"/>
                       </a:endParaRPr>
                     </a:p>
                   </a:txBody>
@@ -27442,9 +27319,9 @@
                       </a:r>
                       <a:endParaRPr lang="zh-CN" sz="1050" kern="100" dirty="0">
                         <a:effectLst/>
-                        <a:latin typeface="Calibri"/>
-                        <a:ea typeface="宋体"/>
-                        <a:cs typeface="Times New Roman"/>
+                        <a:latin typeface="Calibri" panose="020F0502020204030204"/>
+                        <a:ea typeface="宋体" panose="02010600030101010101" pitchFamily="2" charset="-122"/>
+                        <a:cs typeface="Times New Roman" panose="02020603050405020304"/>
                       </a:endParaRPr>
                     </a:p>
                   </a:txBody>
@@ -27461,13 +27338,7 @@
           <p:cNvGraphicFramePr>
             <a:graphicFrameLocks noGrp="1"/>
           </p:cNvGraphicFramePr>
-          <p:nvPr>
-            <p:extLst>
-              <p:ext uri="{D42A27DB-BD31-4B8C-83A1-F6EECF244321}">
-                <p14:modId xmlns:p14="http://schemas.microsoft.com/office/powerpoint/2010/main" val="1816228144"/>
-              </p:ext>
-            </p:extLst>
-          </p:nvPr>
+          <p:nvPr/>
         </p:nvGraphicFramePr>
         <p:xfrm>
           <a:off x="1643780" y="3573810"/>
@@ -27488,7 +27359,7 @@
                 <a:gridCol w="990600"/>
                 <a:gridCol w="706120"/>
               </a:tblGrid>
-              <a:tr h="26129">
+              <a:tr h="0">
                 <a:tc>
                   <a:txBody>
                     <a:bodyPr/>
@@ -27507,9 +27378,9 @@
                       </a:r>
                       <a:endParaRPr lang="zh-CN" sz="1050" kern="100">
                         <a:effectLst/>
-                        <a:latin typeface="Calibri"/>
-                        <a:ea typeface="宋体"/>
-                        <a:cs typeface="Times New Roman"/>
+                        <a:latin typeface="Calibri" panose="020F0502020204030204"/>
+                        <a:ea typeface="宋体" panose="02010600030101010101" pitchFamily="2" charset="-122"/>
+                        <a:cs typeface="Times New Roman" panose="02020603050405020304"/>
                       </a:endParaRPr>
                     </a:p>
                   </a:txBody>
@@ -27533,9 +27404,9 @@
                       </a:r>
                       <a:endParaRPr lang="zh-CN" sz="1050" kern="100">
                         <a:effectLst/>
-                        <a:latin typeface="Calibri"/>
-                        <a:ea typeface="宋体"/>
-                        <a:cs typeface="Times New Roman"/>
+                        <a:latin typeface="Calibri" panose="020F0502020204030204"/>
+                        <a:ea typeface="宋体" panose="02010600030101010101" pitchFamily="2" charset="-122"/>
+                        <a:cs typeface="Times New Roman" panose="02020603050405020304"/>
                       </a:endParaRPr>
                     </a:p>
                   </a:txBody>
@@ -27559,9 +27430,9 @@
                       </a:r>
                       <a:endParaRPr lang="zh-CN" sz="1050" kern="100">
                         <a:effectLst/>
-                        <a:latin typeface="Calibri"/>
-                        <a:ea typeface="宋体"/>
-                        <a:cs typeface="Times New Roman"/>
+                        <a:latin typeface="Calibri" panose="020F0502020204030204"/>
+                        <a:ea typeface="宋体" panose="02010600030101010101" pitchFamily="2" charset="-122"/>
+                        <a:cs typeface="Times New Roman" panose="02020603050405020304"/>
                       </a:endParaRPr>
                     </a:p>
                   </a:txBody>
@@ -27585,9 +27456,9 @@
                       </a:r>
                       <a:endParaRPr lang="zh-CN" sz="1050" kern="100">
                         <a:effectLst/>
-                        <a:latin typeface="Calibri"/>
-                        <a:ea typeface="宋体"/>
-                        <a:cs typeface="Times New Roman"/>
+                        <a:latin typeface="Calibri" panose="020F0502020204030204"/>
+                        <a:ea typeface="宋体" panose="02010600030101010101" pitchFamily="2" charset="-122"/>
+                        <a:cs typeface="Times New Roman" panose="02020603050405020304"/>
                       </a:endParaRPr>
                     </a:p>
                   </a:txBody>
@@ -27611,9 +27482,9 @@
                       </a:r>
                       <a:endParaRPr lang="zh-CN" sz="1050" kern="100">
                         <a:effectLst/>
-                        <a:latin typeface="Calibri"/>
-                        <a:ea typeface="宋体"/>
-                        <a:cs typeface="Times New Roman"/>
+                        <a:latin typeface="Calibri" panose="020F0502020204030204"/>
+                        <a:ea typeface="宋体" panose="02010600030101010101" pitchFamily="2" charset="-122"/>
+                        <a:cs typeface="Times New Roman" panose="02020603050405020304"/>
                       </a:endParaRPr>
                     </a:p>
                   </a:txBody>
@@ -27637,9 +27508,9 @@
                       </a:r>
                       <a:endParaRPr lang="zh-CN" sz="1050" kern="100">
                         <a:effectLst/>
-                        <a:latin typeface="Calibri"/>
-                        <a:ea typeface="宋体"/>
-                        <a:cs typeface="Times New Roman"/>
+                        <a:latin typeface="Calibri" panose="020F0502020204030204"/>
+                        <a:ea typeface="宋体" panose="02010600030101010101" pitchFamily="2" charset="-122"/>
+                        <a:cs typeface="Times New Roman" panose="02020603050405020304"/>
                       </a:endParaRPr>
                     </a:p>
                   </a:txBody>
@@ -27663,9 +27534,9 @@
                       </a:r>
                       <a:endParaRPr lang="zh-CN" sz="1050" kern="100">
                         <a:effectLst/>
-                        <a:latin typeface="Calibri"/>
-                        <a:ea typeface="宋体"/>
-                        <a:cs typeface="Times New Roman"/>
+                        <a:latin typeface="Calibri" panose="020F0502020204030204"/>
+                        <a:ea typeface="宋体" panose="02010600030101010101" pitchFamily="2" charset="-122"/>
+                        <a:cs typeface="Times New Roman" panose="02020603050405020304"/>
                       </a:endParaRPr>
                     </a:p>
                   </a:txBody>
@@ -27691,9 +27562,9 @@
                       </a:r>
                       <a:endParaRPr lang="zh-CN" sz="1050" kern="100">
                         <a:effectLst/>
-                        <a:latin typeface="Calibri"/>
-                        <a:ea typeface="宋体"/>
-                        <a:cs typeface="Times New Roman"/>
+                        <a:latin typeface="Calibri" panose="020F0502020204030204"/>
+                        <a:ea typeface="宋体" panose="02010600030101010101" pitchFamily="2" charset="-122"/>
+                        <a:cs typeface="Times New Roman" panose="02020603050405020304"/>
                       </a:endParaRPr>
                     </a:p>
                   </a:txBody>
@@ -27717,9 +27588,9 @@
                       </a:r>
                       <a:endParaRPr lang="zh-CN" sz="1050" kern="100">
                         <a:effectLst/>
-                        <a:latin typeface="Calibri"/>
-                        <a:ea typeface="宋体"/>
-                        <a:cs typeface="Times New Roman"/>
+                        <a:latin typeface="Calibri" panose="020F0502020204030204"/>
+                        <a:ea typeface="宋体" panose="02010600030101010101" pitchFamily="2" charset="-122"/>
+                        <a:cs typeface="Times New Roman" panose="02020603050405020304"/>
                       </a:endParaRPr>
                     </a:p>
                   </a:txBody>
@@ -27749,9 +27620,9 @@
                       </a:r>
                       <a:endParaRPr lang="zh-CN" sz="1050" kern="100">
                         <a:effectLst/>
-                        <a:latin typeface="Calibri"/>
-                        <a:ea typeface="宋体"/>
-                        <a:cs typeface="Times New Roman"/>
+                        <a:latin typeface="Calibri" panose="020F0502020204030204"/>
+                        <a:ea typeface="宋体" panose="02010600030101010101" pitchFamily="2" charset="-122"/>
+                        <a:cs typeface="Times New Roman" panose="02020603050405020304"/>
                       </a:endParaRPr>
                     </a:p>
                   </a:txBody>
@@ -27781,9 +27652,9 @@
                       </a:r>
                       <a:endParaRPr lang="zh-CN" sz="1050" kern="100">
                         <a:effectLst/>
-                        <a:latin typeface="Calibri"/>
-                        <a:ea typeface="宋体"/>
-                        <a:cs typeface="Times New Roman"/>
+                        <a:latin typeface="Calibri" panose="020F0502020204030204"/>
+                        <a:ea typeface="宋体" panose="02010600030101010101" pitchFamily="2" charset="-122"/>
+                        <a:cs typeface="Times New Roman" panose="02020603050405020304"/>
                       </a:endParaRPr>
                     </a:p>
                   </a:txBody>
@@ -27807,9 +27678,9 @@
                       </a:r>
                       <a:endParaRPr lang="zh-CN" sz="1050" kern="100">
                         <a:effectLst/>
-                        <a:latin typeface="Calibri"/>
-                        <a:ea typeface="宋体"/>
-                        <a:cs typeface="Times New Roman"/>
+                        <a:latin typeface="Calibri" panose="020F0502020204030204"/>
+                        <a:ea typeface="宋体" panose="02010600030101010101" pitchFamily="2" charset="-122"/>
+                        <a:cs typeface="Times New Roman" panose="02020603050405020304"/>
                       </a:endParaRPr>
                     </a:p>
                   </a:txBody>
@@ -27833,9 +27704,9 @@
                       </a:r>
                       <a:endParaRPr lang="zh-CN" sz="1050" kern="100">
                         <a:effectLst/>
-                        <a:latin typeface="Calibri"/>
-                        <a:ea typeface="宋体"/>
-                        <a:cs typeface="Times New Roman"/>
+                        <a:latin typeface="Calibri" panose="020F0502020204030204"/>
+                        <a:ea typeface="宋体" panose="02010600030101010101" pitchFamily="2" charset="-122"/>
+                        <a:cs typeface="Times New Roman" panose="02020603050405020304"/>
                       </a:endParaRPr>
                     </a:p>
                   </a:txBody>
@@ -27865,9 +27736,9 @@
                       </a:r>
                       <a:endParaRPr lang="zh-CN" sz="1050" kern="100" dirty="0">
                         <a:effectLst/>
-                        <a:latin typeface="Calibri"/>
-                        <a:ea typeface="宋体"/>
-                        <a:cs typeface="Times New Roman"/>
+                        <a:latin typeface="Calibri" panose="020F0502020204030204"/>
+                        <a:ea typeface="宋体" panose="02010600030101010101" pitchFamily="2" charset="-122"/>
+                        <a:cs typeface="Times New Roman" panose="02020603050405020304"/>
                       </a:endParaRPr>
                     </a:p>
                   </a:txBody>
@@ -27914,6 +27785,7 @@
               <a:rPr lang="zh-CN" altLang="zh-CN" sz="1600" dirty="0"/>
               <a:t>负责项目管理工作，安排项目资源，对项目的规模、进度、工作量、质量、费用、风险、缺陷等进行控制，保证项目按计划运行，实现课程下达的项目目标</a:t>
             </a:r>
+            <a:endParaRPr lang="zh-CN" altLang="zh-CN" sz="1600" dirty="0"/>
           </a:p>
         </p:txBody>
       </p:sp>
@@ -27942,12 +27814,14 @@
               <a:rPr lang="zh-CN" altLang="zh-CN" sz="1400" dirty="0"/>
               <a:t>本职概述：</a:t>
             </a:r>
+            <a:endParaRPr lang="zh-CN" altLang="zh-CN" sz="1400" dirty="0"/>
           </a:p>
           <a:p>
             <a:r>
               <a:rPr lang="zh-CN" altLang="zh-CN" sz="1400" dirty="0"/>
               <a:t>负责会议记录</a:t>
             </a:r>
+            <a:endParaRPr lang="zh-CN" altLang="zh-CN" sz="1400" dirty="0"/>
           </a:p>
         </p:txBody>
       </p:sp>
@@ -27976,12 +27850,14 @@
               <a:rPr lang="zh-CN" altLang="zh-CN" sz="1400" dirty="0"/>
               <a:t>本职概述：</a:t>
             </a:r>
+            <a:endParaRPr lang="zh-CN" altLang="zh-CN" sz="1400" dirty="0"/>
           </a:p>
           <a:p>
             <a:r>
               <a:rPr lang="zh-CN" altLang="zh-CN" sz="1400" dirty="0"/>
               <a:t>负责录音</a:t>
             </a:r>
+            <a:endParaRPr lang="zh-CN" altLang="zh-CN" sz="1400" dirty="0"/>
           </a:p>
         </p:txBody>
       </p:sp>
@@ -27991,13 +27867,7 @@
           <p:cNvGraphicFramePr>
             <a:graphicFrameLocks noGrp="1"/>
           </p:cNvGraphicFramePr>
-          <p:nvPr>
-            <p:extLst>
-              <p:ext uri="{D42A27DB-BD31-4B8C-83A1-F6EECF244321}">
-                <p14:modId xmlns:p14="http://schemas.microsoft.com/office/powerpoint/2010/main" val="3897689658"/>
-              </p:ext>
-            </p:extLst>
-          </p:nvPr>
+          <p:nvPr/>
         </p:nvGraphicFramePr>
         <p:xfrm>
           <a:off x="1702718" y="5419408"/>
@@ -28037,9 +27907,9 @@
                       </a:r>
                       <a:endParaRPr lang="zh-CN" sz="1050" kern="100">
                         <a:effectLst/>
-                        <a:latin typeface="Calibri"/>
-                        <a:ea typeface="宋体"/>
-                        <a:cs typeface="Times New Roman"/>
+                        <a:latin typeface="Calibri" panose="020F0502020204030204"/>
+                        <a:ea typeface="宋体" panose="02010600030101010101" pitchFamily="2" charset="-122"/>
+                        <a:cs typeface="Times New Roman" panose="02020603050405020304"/>
                       </a:endParaRPr>
                     </a:p>
                   </a:txBody>
@@ -28063,9 +27933,9 @@
                       </a:r>
                       <a:endParaRPr lang="zh-CN" sz="1050" kern="100">
                         <a:effectLst/>
-                        <a:latin typeface="Calibri"/>
-                        <a:ea typeface="宋体"/>
-                        <a:cs typeface="Times New Roman"/>
+                        <a:latin typeface="Calibri" panose="020F0502020204030204"/>
+                        <a:ea typeface="宋体" panose="02010600030101010101" pitchFamily="2" charset="-122"/>
+                        <a:cs typeface="Times New Roman" panose="02020603050405020304"/>
                       </a:endParaRPr>
                     </a:p>
                   </a:txBody>
@@ -28089,9 +27959,9 @@
                       </a:r>
                       <a:endParaRPr lang="zh-CN" sz="1050" kern="100">
                         <a:effectLst/>
-                        <a:latin typeface="Calibri"/>
-                        <a:ea typeface="宋体"/>
-                        <a:cs typeface="Times New Roman"/>
+                        <a:latin typeface="Calibri" panose="020F0502020204030204"/>
+                        <a:ea typeface="宋体" panose="02010600030101010101" pitchFamily="2" charset="-122"/>
+                        <a:cs typeface="Times New Roman" panose="02020603050405020304"/>
                       </a:endParaRPr>
                     </a:p>
                   </a:txBody>
@@ -28115,9 +27985,9 @@
                       </a:r>
                       <a:endParaRPr lang="zh-CN" sz="1050" kern="100">
                         <a:effectLst/>
-                        <a:latin typeface="Calibri"/>
-                        <a:ea typeface="宋体"/>
-                        <a:cs typeface="Times New Roman"/>
+                        <a:latin typeface="Calibri" panose="020F0502020204030204"/>
+                        <a:ea typeface="宋体" panose="02010600030101010101" pitchFamily="2" charset="-122"/>
+                        <a:cs typeface="Times New Roman" panose="02020603050405020304"/>
                       </a:endParaRPr>
                     </a:p>
                   </a:txBody>
@@ -28141,9 +28011,9 @@
                       </a:r>
                       <a:endParaRPr lang="zh-CN" sz="1050" kern="100">
                         <a:effectLst/>
-                        <a:latin typeface="Calibri"/>
-                        <a:ea typeface="宋体"/>
-                        <a:cs typeface="Times New Roman"/>
+                        <a:latin typeface="Calibri" panose="020F0502020204030204"/>
+                        <a:ea typeface="宋体" panose="02010600030101010101" pitchFamily="2" charset="-122"/>
+                        <a:cs typeface="Times New Roman" panose="02020603050405020304"/>
                       </a:endParaRPr>
                     </a:p>
                   </a:txBody>
@@ -28167,9 +28037,9 @@
                       </a:r>
                       <a:endParaRPr lang="zh-CN" sz="1050" kern="100">
                         <a:effectLst/>
-                        <a:latin typeface="Calibri"/>
-                        <a:ea typeface="宋体"/>
-                        <a:cs typeface="Times New Roman"/>
+                        <a:latin typeface="Calibri" panose="020F0502020204030204"/>
+                        <a:ea typeface="宋体" panose="02010600030101010101" pitchFamily="2" charset="-122"/>
+                        <a:cs typeface="Times New Roman" panose="02020603050405020304"/>
                       </a:endParaRPr>
                     </a:p>
                   </a:txBody>
@@ -28193,9 +28063,9 @@
                       </a:r>
                       <a:endParaRPr lang="zh-CN" sz="1050" kern="100">
                         <a:effectLst/>
-                        <a:latin typeface="Calibri"/>
-                        <a:ea typeface="宋体"/>
-                        <a:cs typeface="Times New Roman"/>
+                        <a:latin typeface="Calibri" panose="020F0502020204030204"/>
+                        <a:ea typeface="宋体" panose="02010600030101010101" pitchFamily="2" charset="-122"/>
+                        <a:cs typeface="Times New Roman" panose="02020603050405020304"/>
                       </a:endParaRPr>
                     </a:p>
                   </a:txBody>
@@ -28221,9 +28091,9 @@
                       </a:r>
                       <a:endParaRPr lang="zh-CN" sz="1050" kern="100">
                         <a:effectLst/>
-                        <a:latin typeface="Calibri"/>
-                        <a:ea typeface="宋体"/>
-                        <a:cs typeface="Times New Roman"/>
+                        <a:latin typeface="Calibri" panose="020F0502020204030204"/>
+                        <a:ea typeface="宋体" panose="02010600030101010101" pitchFamily="2" charset="-122"/>
+                        <a:cs typeface="Times New Roman" panose="02020603050405020304"/>
                       </a:endParaRPr>
                     </a:p>
                   </a:txBody>
@@ -28247,9 +28117,9 @@
                       </a:r>
                       <a:endParaRPr lang="zh-CN" sz="1050" kern="100">
                         <a:effectLst/>
-                        <a:latin typeface="Calibri"/>
-                        <a:ea typeface="宋体"/>
-                        <a:cs typeface="Times New Roman"/>
+                        <a:latin typeface="Calibri" panose="020F0502020204030204"/>
+                        <a:ea typeface="宋体" panose="02010600030101010101" pitchFamily="2" charset="-122"/>
+                        <a:cs typeface="Times New Roman" panose="02020603050405020304"/>
                       </a:endParaRPr>
                     </a:p>
                   </a:txBody>
@@ -28279,9 +28149,9 @@
                       </a:r>
                       <a:endParaRPr lang="zh-CN" sz="1050" kern="100">
                         <a:effectLst/>
-                        <a:latin typeface="Calibri"/>
-                        <a:ea typeface="宋体"/>
-                        <a:cs typeface="Times New Roman"/>
+                        <a:latin typeface="Calibri" panose="020F0502020204030204"/>
+                        <a:ea typeface="宋体" panose="02010600030101010101" pitchFamily="2" charset="-122"/>
+                        <a:cs typeface="Times New Roman" panose="02020603050405020304"/>
                       </a:endParaRPr>
                     </a:p>
                   </a:txBody>
@@ -28311,9 +28181,9 @@
                       </a:r>
                       <a:endParaRPr lang="zh-CN" sz="1050" kern="100">
                         <a:effectLst/>
-                        <a:latin typeface="Calibri"/>
-                        <a:ea typeface="宋体"/>
-                        <a:cs typeface="Times New Roman"/>
+                        <a:latin typeface="Calibri" panose="020F0502020204030204"/>
+                        <a:ea typeface="宋体" panose="02010600030101010101" pitchFamily="2" charset="-122"/>
+                        <a:cs typeface="Times New Roman" panose="02020603050405020304"/>
                       </a:endParaRPr>
                     </a:p>
                   </a:txBody>
@@ -28337,9 +28207,9 @@
                       </a:r>
                       <a:endParaRPr lang="zh-CN" sz="1050" kern="100">
                         <a:effectLst/>
-                        <a:latin typeface="Calibri"/>
-                        <a:ea typeface="宋体"/>
-                        <a:cs typeface="Times New Roman"/>
+                        <a:latin typeface="Calibri" panose="020F0502020204030204"/>
+                        <a:ea typeface="宋体" panose="02010600030101010101" pitchFamily="2" charset="-122"/>
+                        <a:cs typeface="Times New Roman" panose="02020603050405020304"/>
                       </a:endParaRPr>
                     </a:p>
                   </a:txBody>
@@ -28363,9 +28233,9 @@
                       </a:r>
                       <a:endParaRPr lang="zh-CN" sz="1050" kern="100">
                         <a:effectLst/>
-                        <a:latin typeface="Calibri"/>
-                        <a:ea typeface="宋体"/>
-                        <a:cs typeface="Times New Roman"/>
+                        <a:latin typeface="Calibri" panose="020F0502020204030204"/>
+                        <a:ea typeface="宋体" panose="02010600030101010101" pitchFamily="2" charset="-122"/>
+                        <a:cs typeface="Times New Roman" panose="02020603050405020304"/>
                       </a:endParaRPr>
                     </a:p>
                   </a:txBody>
@@ -28395,9 +28265,9 @@
                       </a:r>
                       <a:endParaRPr lang="zh-CN" sz="1050" kern="100" dirty="0">
                         <a:effectLst/>
-                        <a:latin typeface="Calibri"/>
-                        <a:ea typeface="宋体"/>
-                        <a:cs typeface="Times New Roman"/>
+                        <a:latin typeface="Calibri" panose="020F0502020204030204"/>
+                        <a:ea typeface="宋体" panose="02010600030101010101" pitchFamily="2" charset="-122"/>
+                        <a:cs typeface="Times New Roman" panose="02020603050405020304"/>
                       </a:endParaRPr>
                     </a:p>
                   </a:txBody>
@@ -28571,6 +28441,13 @@
               </a:rPr>
               <a:t>人力资源管理计划</a:t>
             </a:r>
+            <a:endParaRPr lang="zh-CN" altLang="en-US" sz="2665" dirty="0">
+              <a:solidFill>
+                <a:srgbClr val="183A5D"/>
+              </a:solidFill>
+              <a:latin typeface="微软雅黑" panose="020B0503020204020204" pitchFamily="34" charset="-122"/>
+              <a:ea typeface="微软雅黑" panose="020B0503020204020204" pitchFamily="34" charset="-122"/>
+            </a:endParaRPr>
           </a:p>
         </p:txBody>
       </p:sp>
@@ -28599,12 +28476,14 @@
               <a:rPr lang="zh-CN" altLang="zh-CN" sz="1200" dirty="0"/>
               <a:t>本职概述：</a:t>
             </a:r>
+            <a:endParaRPr lang="zh-CN" altLang="zh-CN" sz="1200" dirty="0"/>
           </a:p>
           <a:p>
             <a:r>
               <a:rPr lang="zh-CN" altLang="zh-CN" sz="1200" dirty="0"/>
               <a:t>负责计划软件配置管理活动，标识配置项，建立基线，进行版本和变更控制，保证相关人员能够方便地通过软件配置管理获得有用的信息</a:t>
             </a:r>
+            <a:endParaRPr lang="zh-CN" altLang="zh-CN" sz="1200" dirty="0"/>
           </a:p>
         </p:txBody>
       </p:sp>
@@ -28614,13 +28493,7 @@
           <p:cNvGraphicFramePr>
             <a:graphicFrameLocks noGrp="1"/>
           </p:cNvGraphicFramePr>
-          <p:nvPr>
-            <p:extLst>
-              <p:ext uri="{D42A27DB-BD31-4B8C-83A1-F6EECF244321}">
-                <p14:modId xmlns:p14="http://schemas.microsoft.com/office/powerpoint/2010/main" val="443905989"/>
-              </p:ext>
-            </p:extLst>
-          </p:nvPr>
+          <p:nvPr/>
         </p:nvGraphicFramePr>
         <p:xfrm>
           <a:off x="1918742" y="1587253"/>
@@ -28660,9 +28533,9 @@
                       </a:r>
                       <a:endParaRPr lang="zh-CN" sz="1050" kern="100" dirty="0">
                         <a:effectLst/>
-                        <a:latin typeface="Calibri"/>
-                        <a:ea typeface="宋体"/>
-                        <a:cs typeface="Times New Roman"/>
+                        <a:latin typeface="Calibri" panose="020F0502020204030204"/>
+                        <a:ea typeface="宋体" panose="02010600030101010101" pitchFamily="2" charset="-122"/>
+                        <a:cs typeface="Times New Roman" panose="02020603050405020304"/>
                       </a:endParaRPr>
                     </a:p>
                   </a:txBody>
@@ -28686,9 +28559,9 @@
                       </a:r>
                       <a:endParaRPr lang="zh-CN" sz="1050" kern="100">
                         <a:effectLst/>
-                        <a:latin typeface="Calibri"/>
-                        <a:ea typeface="宋体"/>
-                        <a:cs typeface="Times New Roman"/>
+                        <a:latin typeface="Calibri" panose="020F0502020204030204"/>
+                        <a:ea typeface="宋体" panose="02010600030101010101" pitchFamily="2" charset="-122"/>
+                        <a:cs typeface="Times New Roman" panose="02020603050405020304"/>
                       </a:endParaRPr>
                     </a:p>
                   </a:txBody>
@@ -28712,9 +28585,9 @@
                       </a:r>
                       <a:endParaRPr lang="zh-CN" sz="1050" kern="100">
                         <a:effectLst/>
-                        <a:latin typeface="Calibri"/>
-                        <a:ea typeface="宋体"/>
-                        <a:cs typeface="Times New Roman"/>
+                        <a:latin typeface="Calibri" panose="020F0502020204030204"/>
+                        <a:ea typeface="宋体" panose="02010600030101010101" pitchFamily="2" charset="-122"/>
+                        <a:cs typeface="Times New Roman" panose="02020603050405020304"/>
                       </a:endParaRPr>
                     </a:p>
                   </a:txBody>
@@ -28738,9 +28611,9 @@
                       </a:r>
                       <a:endParaRPr lang="zh-CN" sz="1050" kern="100">
                         <a:effectLst/>
-                        <a:latin typeface="Calibri"/>
-                        <a:ea typeface="宋体"/>
-                        <a:cs typeface="Times New Roman"/>
+                        <a:latin typeface="Calibri" panose="020F0502020204030204"/>
+                        <a:ea typeface="宋体" panose="02010600030101010101" pitchFamily="2" charset="-122"/>
+                        <a:cs typeface="Times New Roman" panose="02020603050405020304"/>
                       </a:endParaRPr>
                     </a:p>
                   </a:txBody>
@@ -28764,9 +28637,9 @@
                       </a:r>
                       <a:endParaRPr lang="zh-CN" sz="1050" kern="100">
                         <a:effectLst/>
-                        <a:latin typeface="Calibri"/>
-                        <a:ea typeface="宋体"/>
-                        <a:cs typeface="Times New Roman"/>
+                        <a:latin typeface="Calibri" panose="020F0502020204030204"/>
+                        <a:ea typeface="宋体" panose="02010600030101010101" pitchFamily="2" charset="-122"/>
+                        <a:cs typeface="Times New Roman" panose="02020603050405020304"/>
                       </a:endParaRPr>
                     </a:p>
                   </a:txBody>
@@ -28790,9 +28663,9 @@
                       </a:r>
                       <a:endParaRPr lang="zh-CN" sz="1050" kern="100">
                         <a:effectLst/>
-                        <a:latin typeface="Calibri"/>
-                        <a:ea typeface="宋体"/>
-                        <a:cs typeface="Times New Roman"/>
+                        <a:latin typeface="Calibri" panose="020F0502020204030204"/>
+                        <a:ea typeface="宋体" panose="02010600030101010101" pitchFamily="2" charset="-122"/>
+                        <a:cs typeface="Times New Roman" panose="02020603050405020304"/>
                       </a:endParaRPr>
                     </a:p>
                   </a:txBody>
@@ -28816,9 +28689,9 @@
                       </a:r>
                       <a:endParaRPr lang="zh-CN" sz="1050" kern="100">
                         <a:effectLst/>
-                        <a:latin typeface="Calibri"/>
-                        <a:ea typeface="宋体"/>
-                        <a:cs typeface="Times New Roman"/>
+                        <a:latin typeface="Calibri" panose="020F0502020204030204"/>
+                        <a:ea typeface="宋体" panose="02010600030101010101" pitchFamily="2" charset="-122"/>
+                        <a:cs typeface="Times New Roman" panose="02020603050405020304"/>
                       </a:endParaRPr>
                     </a:p>
                   </a:txBody>
@@ -28844,9 +28717,9 @@
                       </a:r>
                       <a:endParaRPr lang="zh-CN" sz="1050" kern="100" dirty="0">
                         <a:effectLst/>
-                        <a:latin typeface="Calibri"/>
-                        <a:ea typeface="宋体"/>
-                        <a:cs typeface="Times New Roman"/>
+                        <a:latin typeface="Calibri" panose="020F0502020204030204"/>
+                        <a:ea typeface="宋体" panose="02010600030101010101" pitchFamily="2" charset="-122"/>
+                        <a:cs typeface="Times New Roman" panose="02020603050405020304"/>
                       </a:endParaRPr>
                     </a:p>
                   </a:txBody>
@@ -28870,9 +28743,9 @@
                       </a:r>
                       <a:endParaRPr lang="zh-CN" sz="1050" kern="100" dirty="0">
                         <a:effectLst/>
-                        <a:latin typeface="Calibri"/>
-                        <a:ea typeface="宋体"/>
-                        <a:cs typeface="Times New Roman"/>
+                        <a:latin typeface="Calibri" panose="020F0502020204030204"/>
+                        <a:ea typeface="宋体" panose="02010600030101010101" pitchFamily="2" charset="-122"/>
+                        <a:cs typeface="Times New Roman" panose="02020603050405020304"/>
                       </a:endParaRPr>
                     </a:p>
                   </a:txBody>
@@ -28896,9 +28769,9 @@
                       </a:r>
                       <a:endParaRPr lang="zh-CN" sz="1050" kern="100">
                         <a:effectLst/>
-                        <a:latin typeface="Calibri"/>
-                        <a:ea typeface="宋体"/>
-                        <a:cs typeface="Times New Roman"/>
+                        <a:latin typeface="Calibri" panose="020F0502020204030204"/>
+                        <a:ea typeface="宋体" panose="02010600030101010101" pitchFamily="2" charset="-122"/>
+                        <a:cs typeface="Times New Roman" panose="02020603050405020304"/>
                       </a:endParaRPr>
                     </a:p>
                   </a:txBody>
@@ -28934,9 +28807,9 @@
                       </a:r>
                       <a:endParaRPr lang="zh-CN" sz="1050" kern="100">
                         <a:effectLst/>
-                        <a:latin typeface="Calibri"/>
-                        <a:ea typeface="宋体"/>
-                        <a:cs typeface="Times New Roman"/>
+                        <a:latin typeface="Calibri" panose="020F0502020204030204"/>
+                        <a:ea typeface="宋体" panose="02010600030101010101" pitchFamily="2" charset="-122"/>
+                        <a:cs typeface="Times New Roman" panose="02020603050405020304"/>
                       </a:endParaRPr>
                     </a:p>
                   </a:txBody>
@@ -28966,9 +28839,9 @@
                       </a:r>
                       <a:endParaRPr lang="zh-CN" sz="1050" kern="100">
                         <a:effectLst/>
-                        <a:latin typeface="Calibri"/>
-                        <a:ea typeface="宋体"/>
-                        <a:cs typeface="Times New Roman"/>
+                        <a:latin typeface="Calibri" panose="020F0502020204030204"/>
+                        <a:ea typeface="宋体" panose="02010600030101010101" pitchFamily="2" charset="-122"/>
+                        <a:cs typeface="Times New Roman" panose="02020603050405020304"/>
                       </a:endParaRPr>
                     </a:p>
                   </a:txBody>
@@ -28998,9 +28871,9 @@
                       </a:r>
                       <a:endParaRPr lang="zh-CN" sz="1050" kern="100" dirty="0">
                         <a:effectLst/>
-                        <a:latin typeface="Calibri"/>
-                        <a:ea typeface="宋体"/>
-                        <a:cs typeface="Times New Roman"/>
+                        <a:latin typeface="Calibri" panose="020F0502020204030204"/>
+                        <a:ea typeface="宋体" panose="02010600030101010101" pitchFamily="2" charset="-122"/>
+                        <a:cs typeface="Times New Roman" panose="02020603050405020304"/>
                       </a:endParaRPr>
                     </a:p>
                   </a:txBody>
@@ -29036,9 +28909,9 @@
                       </a:r>
                       <a:endParaRPr lang="zh-CN" sz="1050" kern="100" dirty="0">
                         <a:effectLst/>
-                        <a:latin typeface="Calibri"/>
-                        <a:ea typeface="宋体"/>
-                        <a:cs typeface="Times New Roman"/>
+                        <a:latin typeface="Calibri" panose="020F0502020204030204"/>
+                        <a:ea typeface="宋体" panose="02010600030101010101" pitchFamily="2" charset="-122"/>
+                        <a:cs typeface="Times New Roman" panose="02020603050405020304"/>
                       </a:endParaRPr>
                     </a:p>
                   </a:txBody>
@@ -29074,12 +28947,14 @@
               <a:rPr lang="zh-CN" altLang="zh-CN" sz="1200" dirty="0"/>
               <a:t>本职概述：</a:t>
             </a:r>
+            <a:endParaRPr lang="zh-CN" altLang="zh-CN" sz="1200" dirty="0"/>
           </a:p>
           <a:p>
             <a:r>
               <a:rPr lang="zh-CN" altLang="zh-CN" sz="1200" dirty="0"/>
               <a:t>负责用户访谈</a:t>
             </a:r>
+            <a:endParaRPr lang="zh-CN" altLang="zh-CN" sz="1200" dirty="0"/>
           </a:p>
         </p:txBody>
       </p:sp>
@@ -29089,13 +28964,7 @@
           <p:cNvGraphicFramePr>
             <a:graphicFrameLocks noGrp="1"/>
           </p:cNvGraphicFramePr>
-          <p:nvPr>
-            <p:extLst>
-              <p:ext uri="{D42A27DB-BD31-4B8C-83A1-F6EECF244321}">
-                <p14:modId xmlns:p14="http://schemas.microsoft.com/office/powerpoint/2010/main" val="1895418028"/>
-              </p:ext>
-            </p:extLst>
-          </p:nvPr>
+          <p:nvPr/>
         </p:nvGraphicFramePr>
         <p:xfrm>
           <a:off x="1852091" y="5302002"/>
@@ -29135,9 +29004,9 @@
                       </a:r>
                       <a:endParaRPr lang="zh-CN" sz="1050" kern="100">
                         <a:effectLst/>
-                        <a:latin typeface="Calibri"/>
-                        <a:ea typeface="宋体"/>
-                        <a:cs typeface="Times New Roman"/>
+                        <a:latin typeface="Calibri" panose="020F0502020204030204"/>
+                        <a:ea typeface="宋体" panose="02010600030101010101" pitchFamily="2" charset="-122"/>
+                        <a:cs typeface="Times New Roman" panose="02020603050405020304"/>
                       </a:endParaRPr>
                     </a:p>
                   </a:txBody>
@@ -29161,9 +29030,9 @@
                       </a:r>
                       <a:endParaRPr lang="zh-CN" sz="1050" kern="100">
                         <a:effectLst/>
-                        <a:latin typeface="Calibri"/>
-                        <a:ea typeface="宋体"/>
-                        <a:cs typeface="Times New Roman"/>
+                        <a:latin typeface="Calibri" panose="020F0502020204030204"/>
+                        <a:ea typeface="宋体" panose="02010600030101010101" pitchFamily="2" charset="-122"/>
+                        <a:cs typeface="Times New Roman" panose="02020603050405020304"/>
                       </a:endParaRPr>
                     </a:p>
                   </a:txBody>
@@ -29187,9 +29056,9 @@
                       </a:r>
                       <a:endParaRPr lang="zh-CN" sz="1050" kern="100">
                         <a:effectLst/>
-                        <a:latin typeface="Calibri"/>
-                        <a:ea typeface="宋体"/>
-                        <a:cs typeface="Times New Roman"/>
+                        <a:latin typeface="Calibri" panose="020F0502020204030204"/>
+                        <a:ea typeface="宋体" panose="02010600030101010101" pitchFamily="2" charset="-122"/>
+                        <a:cs typeface="Times New Roman" panose="02020603050405020304"/>
                       </a:endParaRPr>
                     </a:p>
                   </a:txBody>
@@ -29213,9 +29082,9 @@
                       </a:r>
                       <a:endParaRPr lang="zh-CN" sz="1050" kern="100">
                         <a:effectLst/>
-                        <a:latin typeface="Calibri"/>
-                        <a:ea typeface="宋体"/>
-                        <a:cs typeface="Times New Roman"/>
+                        <a:latin typeface="Calibri" panose="020F0502020204030204"/>
+                        <a:ea typeface="宋体" panose="02010600030101010101" pitchFamily="2" charset="-122"/>
+                        <a:cs typeface="Times New Roman" panose="02020603050405020304"/>
                       </a:endParaRPr>
                     </a:p>
                   </a:txBody>
@@ -29239,9 +29108,9 @@
                       </a:r>
                       <a:endParaRPr lang="zh-CN" sz="1050" kern="100">
                         <a:effectLst/>
-                        <a:latin typeface="Calibri"/>
-                        <a:ea typeface="宋体"/>
-                        <a:cs typeface="Times New Roman"/>
+                        <a:latin typeface="Calibri" panose="020F0502020204030204"/>
+                        <a:ea typeface="宋体" panose="02010600030101010101" pitchFamily="2" charset="-122"/>
+                        <a:cs typeface="Times New Roman" panose="02020603050405020304"/>
                       </a:endParaRPr>
                     </a:p>
                   </a:txBody>
@@ -29265,9 +29134,9 @@
                       </a:r>
                       <a:endParaRPr lang="zh-CN" sz="1050" kern="100">
                         <a:effectLst/>
-                        <a:latin typeface="Calibri"/>
-                        <a:ea typeface="宋体"/>
-                        <a:cs typeface="Times New Roman"/>
+                        <a:latin typeface="Calibri" panose="020F0502020204030204"/>
+                        <a:ea typeface="宋体" panose="02010600030101010101" pitchFamily="2" charset="-122"/>
+                        <a:cs typeface="Times New Roman" panose="02020603050405020304"/>
                       </a:endParaRPr>
                     </a:p>
                   </a:txBody>
@@ -29291,9 +29160,9 @@
                       </a:r>
                       <a:endParaRPr lang="zh-CN" sz="1050" kern="100">
                         <a:effectLst/>
-                        <a:latin typeface="Calibri"/>
-                        <a:ea typeface="宋体"/>
-                        <a:cs typeface="Times New Roman"/>
+                        <a:latin typeface="Calibri" panose="020F0502020204030204"/>
+                        <a:ea typeface="宋体" panose="02010600030101010101" pitchFamily="2" charset="-122"/>
+                        <a:cs typeface="Times New Roman" panose="02020603050405020304"/>
                       </a:endParaRPr>
                     </a:p>
                   </a:txBody>
@@ -29319,9 +29188,9 @@
                       </a:r>
                       <a:endParaRPr lang="zh-CN" sz="1050" kern="100">
                         <a:effectLst/>
-                        <a:latin typeface="Calibri"/>
-                        <a:ea typeface="宋体"/>
-                        <a:cs typeface="Times New Roman"/>
+                        <a:latin typeface="Calibri" panose="020F0502020204030204"/>
+                        <a:ea typeface="宋体" panose="02010600030101010101" pitchFamily="2" charset="-122"/>
+                        <a:cs typeface="Times New Roman" panose="02020603050405020304"/>
                       </a:endParaRPr>
                     </a:p>
                   </a:txBody>
@@ -29345,9 +29214,9 @@
                       </a:r>
                       <a:endParaRPr lang="zh-CN" sz="1050" kern="100">
                         <a:effectLst/>
-                        <a:latin typeface="Calibri"/>
-                        <a:ea typeface="宋体"/>
-                        <a:cs typeface="Times New Roman"/>
+                        <a:latin typeface="Calibri" panose="020F0502020204030204"/>
+                        <a:ea typeface="宋体" panose="02010600030101010101" pitchFamily="2" charset="-122"/>
+                        <a:cs typeface="Times New Roman" panose="02020603050405020304"/>
                       </a:endParaRPr>
                     </a:p>
                   </a:txBody>
@@ -29371,9 +29240,9 @@
                       </a:r>
                       <a:endParaRPr lang="zh-CN" sz="1050" kern="100">
                         <a:effectLst/>
-                        <a:latin typeface="Calibri"/>
-                        <a:ea typeface="宋体"/>
-                        <a:cs typeface="Times New Roman"/>
+                        <a:latin typeface="Calibri" panose="020F0502020204030204"/>
+                        <a:ea typeface="宋体" panose="02010600030101010101" pitchFamily="2" charset="-122"/>
+                        <a:cs typeface="Times New Roman" panose="02020603050405020304"/>
                       </a:endParaRPr>
                     </a:p>
                   </a:txBody>
@@ -29403,9 +29272,9 @@
                       </a:r>
                       <a:endParaRPr lang="zh-CN" sz="1050" kern="100">
                         <a:effectLst/>
-                        <a:latin typeface="Calibri"/>
-                        <a:ea typeface="宋体"/>
-                        <a:cs typeface="Times New Roman"/>
+                        <a:latin typeface="Calibri" panose="020F0502020204030204"/>
+                        <a:ea typeface="宋体" panose="02010600030101010101" pitchFamily="2" charset="-122"/>
+                        <a:cs typeface="Times New Roman" panose="02020603050405020304"/>
                       </a:endParaRPr>
                     </a:p>
                   </a:txBody>
@@ -29435,9 +29304,9 @@
                       </a:r>
                       <a:endParaRPr lang="zh-CN" sz="1050" kern="100">
                         <a:effectLst/>
-                        <a:latin typeface="Calibri"/>
-                        <a:ea typeface="宋体"/>
-                        <a:cs typeface="Times New Roman"/>
+                        <a:latin typeface="Calibri" panose="020F0502020204030204"/>
+                        <a:ea typeface="宋体" panose="02010600030101010101" pitchFamily="2" charset="-122"/>
+                        <a:cs typeface="Times New Roman" panose="02020603050405020304"/>
                       </a:endParaRPr>
                     </a:p>
                   </a:txBody>
@@ -29467,9 +29336,9 @@
                       </a:r>
                       <a:endParaRPr lang="zh-CN" sz="1050" kern="100">
                         <a:effectLst/>
-                        <a:latin typeface="Calibri"/>
-                        <a:ea typeface="宋体"/>
-                        <a:cs typeface="Times New Roman"/>
+                        <a:latin typeface="Calibri" panose="020F0502020204030204"/>
+                        <a:ea typeface="宋体" panose="02010600030101010101" pitchFamily="2" charset="-122"/>
+                        <a:cs typeface="Times New Roman" panose="02020603050405020304"/>
                       </a:endParaRPr>
                     </a:p>
                   </a:txBody>
@@ -29505,9 +29374,9 @@
                       </a:r>
                       <a:endParaRPr lang="zh-CN" sz="1050" kern="100" dirty="0">
                         <a:effectLst/>
-                        <a:latin typeface="Calibri"/>
-                        <a:ea typeface="宋体"/>
-                        <a:cs typeface="Times New Roman"/>
+                        <a:latin typeface="Calibri" panose="020F0502020204030204"/>
+                        <a:ea typeface="宋体" panose="02010600030101010101" pitchFamily="2" charset="-122"/>
+                        <a:cs typeface="Times New Roman" panose="02020603050405020304"/>
                       </a:endParaRPr>
                     </a:p>
                   </a:txBody>
@@ -29519,11 +29388,6 @@
         </a:graphic>
       </p:graphicFrame>
     </p:spTree>
-    <p:extLst>
-      <p:ext uri="{BB962C8B-B14F-4D97-AF65-F5344CB8AC3E}">
-        <p14:creationId xmlns:p14="http://schemas.microsoft.com/office/powerpoint/2010/main" val="3065465281"/>
-      </p:ext>
-    </p:extLst>
   </p:cSld>
   <p:clrMapOvr>
     <a:masterClrMapping/>
@@ -29819,11 +29683,9 @@
       </a:bgFillStyleLst>
     </a:fmtScheme>
   </a:themeElements>
-  <a:objectDefaults/>
-  <a:extraClrSchemeLst/>
   <a:extLst>
     <a:ext uri="{05A4C25C-085E-4340-85A3-A5531E510DB2}">
-      <thm15:themeFamily xmlns:thm15="http://schemas.microsoft.com/office/thememl/2012/main" xmlns="" name="Office Theme" id="{62F939B6-93AF-4DB8-9C6B-D6C7DFDC589F}" vid="{4A3C46E8-61CC-4603-A589-7422A47A8E4A}"/>
+      <thm15:themeFamily xmlns:thm15="http://schemas.microsoft.com/office/thememl/2012/main" name="Office Theme" id="{62F939B6-93AF-4DB8-9C6B-D6C7DFDC589F}" vid="{4A3C46E8-61CC-4603-A589-7422A47A8E4A}"/>
     </a:ext>
   </a:extLst>
 </a:theme>
@@ -30109,11 +29971,9 @@
       </a:bgFillStyleLst>
     </a:fmtScheme>
   </a:themeElements>
-  <a:objectDefaults/>
-  <a:extraClrSchemeLst/>
   <a:extLst>
     <a:ext uri="{05A4C25C-085E-4340-85A3-A5531E510DB2}">
-      <thm15:themeFamily xmlns:thm15="http://schemas.microsoft.com/office/thememl/2012/main" xmlns="" name="Office Theme" id="{62F939B6-93AF-4DB8-9C6B-D6C7DFDC589F}" vid="{4A3C46E8-61CC-4603-A589-7422A47A8E4A}"/>
+      <thm15:themeFamily xmlns:thm15="http://schemas.microsoft.com/office/thememl/2012/main" name="Office Theme" id="{62F939B6-93AF-4DB8-9C6B-D6C7DFDC589F}" vid="{4A3C46E8-61CC-4603-A589-7422A47A8E4A}"/>
     </a:ext>
   </a:extLst>
 </a:theme>
@@ -30399,11 +30259,9 @@
       </a:bgFillStyleLst>
     </a:fmtScheme>
   </a:themeElements>
-  <a:objectDefaults/>
-  <a:extraClrSchemeLst/>
   <a:extLst>
     <a:ext uri="{05A4C25C-085E-4340-85A3-A5531E510DB2}">
-      <thm15:themeFamily xmlns:thm15="http://schemas.microsoft.com/office/thememl/2012/main" xmlns="" name="Office Theme" id="{62F939B6-93AF-4DB8-9C6B-D6C7DFDC589F}" vid="{4A3C46E8-61CC-4603-A589-7422A47A8E4A}"/>
+      <thm15:themeFamily xmlns:thm15="http://schemas.microsoft.com/office/thememl/2012/main" name="Office Theme" id="{62F939B6-93AF-4DB8-9C6B-D6C7DFDC589F}" vid="{4A3C46E8-61CC-4603-A589-7422A47A8E4A}"/>
     </a:ext>
   </a:extLst>
 </a:theme>

--- a/非受控文档/04-苏雨豪/PRD2018-G11-项目计划PPT.pptx
+++ b/非受控文档/04-苏雨豪/PRD2018-G11-项目计划PPT.pptx
@@ -5,10 +5,10 @@
     <p:sldMasterId id="2147483648" r:id="rId1"/>
   </p:sldMasterIdLst>
   <p:notesMasterIdLst>
-    <p:notesMasterId r:id="rId23"/>
+    <p:notesMasterId r:id="rId24"/>
   </p:notesMasterIdLst>
   <p:handoutMasterIdLst>
-    <p:handoutMasterId r:id="rId24"/>
+    <p:handoutMasterId r:id="rId25"/>
   </p:handoutMasterIdLst>
   <p:sldIdLst>
     <p:sldId id="370" r:id="rId2"/>
@@ -29,9 +29,10 @@
     <p:sldId id="463" r:id="rId17"/>
     <p:sldId id="464" r:id="rId18"/>
     <p:sldId id="465" r:id="rId19"/>
-    <p:sldId id="455" r:id="rId20"/>
-    <p:sldId id="451" r:id="rId21"/>
-    <p:sldId id="436" r:id="rId22"/>
+    <p:sldId id="466" r:id="rId20"/>
+    <p:sldId id="455" r:id="rId21"/>
+    <p:sldId id="451" r:id="rId22"/>
+    <p:sldId id="436" r:id="rId23"/>
   </p:sldIdLst>
   <p:sldSz cx="12190413" cy="6859588"/>
   <p:notesSz cx="6858000" cy="9144000"/>
@@ -1108,7 +1109,7 @@
           <a:p>
             <a:fld id="{74AC173A-3DA8-4893-B28A-1E15F55C330A}" type="slidenum">
               <a:rPr lang="zh-CN" altLang="en-US" smtClean="0"/>
-              <a:t>19</a:t>
+              <a:t>20</a:t>
             </a:fld>
             <a:endParaRPr lang="zh-CN" altLang="en-US"/>
           </a:p>
@@ -1187,7 +1188,7 @@
           <a:p>
             <a:fld id="{74AC173A-3DA8-4893-B28A-1E15F55C330A}" type="slidenum">
               <a:rPr lang="zh-CN" altLang="en-US" smtClean="0"/>
-              <a:t>20</a:t>
+              <a:t>21</a:t>
             </a:fld>
             <a:endParaRPr lang="zh-CN" altLang="en-US"/>
           </a:p>
@@ -1266,7 +1267,7 @@
           <a:p>
             <a:fld id="{74AC173A-3DA8-4893-B28A-1E15F55C330A}" type="slidenum">
               <a:rPr lang="zh-CN" altLang="en-US" smtClean="0"/>
-              <a:t>21</a:t>
+              <a:t>22</a:t>
             </a:fld>
             <a:endParaRPr lang="zh-CN" altLang="en-US"/>
           </a:p>
@@ -3375,17 +3376,7 @@
                 <a:latin typeface="微软雅黑" panose="020B0503020204020204" pitchFamily="34" charset="-122"/>
                 <a:ea typeface="微软雅黑" panose="020B0503020204020204" pitchFamily="34" charset="-122"/>
               </a:rPr>
-              <a:t>软件工程教学辅助</a:t>
-            </a:r>
-            <a:r>
-              <a:rPr lang="zh-CN" altLang="en-US" sz="5400" dirty="0" smtClean="0">
-                <a:solidFill>
-                  <a:srgbClr val="38B1BF"/>
-                </a:solidFill>
-                <a:latin typeface="微软雅黑" panose="020B0503020204020204" pitchFamily="34" charset="-122"/>
-                <a:ea typeface="微软雅黑" panose="020B0503020204020204" pitchFamily="34" charset="-122"/>
-              </a:rPr>
-              <a:t>软件</a:t>
+              <a:t>软件工程教学辅助软件</a:t>
             </a:r>
             <a:endParaRPr lang="en-US" altLang="zh-CN" sz="5400" dirty="0" smtClean="0">
               <a:solidFill>
@@ -15998,72 +15989,106 @@
       </p:grpSpPr>
       <p:sp>
         <p:nvSpPr>
-          <p:cNvPr id="36" name="矩形 35"/>
+          <p:cNvPr id="2" name="矩形 1"/>
           <p:cNvSpPr/>
           <p:nvPr/>
         </p:nvSpPr>
         <p:spPr>
           <a:xfrm>
-            <a:off x="-106680" y="0"/>
-            <a:ext cx="2938780" cy="6859270"/>
+            <a:off x="237030" y="1171"/>
+            <a:ext cx="1608415" cy="135446"/>
           </a:xfrm>
           <a:prstGeom prst="rect">
             <a:avLst/>
           </a:prstGeom>
           <a:solidFill>
-            <a:srgbClr val="38B1BF"/>
+            <a:srgbClr val="183A5D"/>
           </a:solidFill>
           <a:ln>
             <a:noFill/>
           </a:ln>
-          <a:effectLst>
-            <a:outerShdw blurRad="50800" dist="38100" dir="2700000" algn="tl" rotWithShape="0">
-              <a:prstClr val="black">
-                <a:alpha val="40000"/>
-              </a:prstClr>
-            </a:outerShdw>
-          </a:effectLst>
-          <a:scene3d>
-            <a:camera prst="orthographicFront"/>
-            <a:lightRig rig="threePt" dir="t"/>
-          </a:scene3d>
-          <a:sp3d/>
         </p:spPr>
         <p:style>
-          <a:lnRef idx="1">
-            <a:schemeClr val="accent1"/>
+          <a:lnRef idx="2">
+            <a:schemeClr val="accent1">
+              <a:shade val="50000"/>
+            </a:schemeClr>
           </a:lnRef>
-          <a:fillRef idx="0">
+          <a:fillRef idx="1">
             <a:schemeClr val="accent1"/>
           </a:fillRef>
           <a:effectRef idx="0">
             <a:schemeClr val="accent1"/>
           </a:effectRef>
           <a:fontRef idx="minor">
-            <a:schemeClr val="tx1"/>
+            <a:schemeClr val="lt1"/>
           </a:fontRef>
         </p:style>
         <p:txBody>
-          <a:bodyPr rot="0" spcFirstLastPara="0" vertOverflow="overflow" horzOverflow="overflow" vert="horz" wrap="square" lIns="91440" tIns="45720" rIns="91440" bIns="45720" numCol="1" spcCol="0" rtlCol="0" fromWordArt="0" anchor="ctr" anchorCtr="0" forceAA="0" compatLnSpc="1">
-            <a:noAutofit/>
-          </a:bodyPr>
+          <a:bodyPr rtlCol="0" anchor="ctr"/>
           <a:lstStyle/>
           <a:p>
             <a:pPr algn="ctr"/>
-            <a:endParaRPr lang="zh-CN" altLang="en-US"/>
+            <a:endParaRPr lang="zh-CN" altLang="en-US" sz="2800"/>
           </a:p>
         </p:txBody>
       </p:sp>
       <p:sp>
         <p:nvSpPr>
-          <p:cNvPr id="37" name="TextBox 36"/>
+          <p:cNvPr id="3" name="矩形 2"/>
+          <p:cNvSpPr/>
+          <p:nvPr/>
+        </p:nvSpPr>
+        <p:spPr>
+          <a:xfrm>
+            <a:off x="237030" y="255131"/>
+            <a:ext cx="1608415" cy="406336"/>
+          </a:xfrm>
+          <a:prstGeom prst="rect">
+            <a:avLst/>
+          </a:prstGeom>
+          <a:solidFill>
+            <a:srgbClr val="183A5D"/>
+          </a:solidFill>
+          <a:ln>
+            <a:noFill/>
+          </a:ln>
+        </p:spPr>
+        <p:style>
+          <a:lnRef idx="2">
+            <a:schemeClr val="accent1">
+              <a:shade val="50000"/>
+            </a:schemeClr>
+          </a:lnRef>
+          <a:fillRef idx="1">
+            <a:schemeClr val="accent1"/>
+          </a:fillRef>
+          <a:effectRef idx="0">
+            <a:schemeClr val="accent1"/>
+          </a:effectRef>
+          <a:fontRef idx="minor">
+            <a:schemeClr val="lt1"/>
+          </a:fontRef>
+        </p:style>
+        <p:txBody>
+          <a:bodyPr rtlCol="0" anchor="ctr"/>
+          <a:lstStyle/>
+          <a:p>
+            <a:pPr algn="ctr"/>
+            <a:endParaRPr lang="en-US" sz="2400" dirty="0"/>
+          </a:p>
+        </p:txBody>
+      </p:sp>
+      <p:sp>
+        <p:nvSpPr>
+          <p:cNvPr id="4" name="文本框 3"/>
           <p:cNvSpPr txBox="1"/>
           <p:nvPr/>
         </p:nvSpPr>
         <p:spPr>
           <a:xfrm>
-            <a:off x="-276651" y="2922512"/>
-            <a:ext cx="2808312" cy="614045"/>
+            <a:off x="2206068" y="159851"/>
+            <a:ext cx="6052718" cy="501650"/>
           </a:xfrm>
           <a:prstGeom prst="rect">
             <a:avLst/>
@@ -16071,27 +16096,24 @@
           <a:noFill/>
         </p:spPr>
         <p:txBody>
-          <a:bodyPr wrap="square" lIns="121948" tIns="60973" rIns="121948" bIns="60973">
+          <a:bodyPr wrap="square" rtlCol="0">
             <a:spAutoFit/>
           </a:bodyPr>
           <a:lstStyle/>
           <a:p>
-            <a:pPr algn="r">
-              <a:defRPr/>
-            </a:pPr>
             <a:r>
-              <a:rPr lang="zh-CN" altLang="en-US" sz="3200" b="1" dirty="0" smtClean="0">
+              <a:rPr lang="zh-CN" altLang="en-US" sz="2665" dirty="0">
                 <a:solidFill>
-                  <a:schemeClr val="bg1"/>
+                  <a:srgbClr val="183A5D"/>
                 </a:solidFill>
                 <a:latin typeface="微软雅黑" panose="020B0503020204020204" pitchFamily="34" charset="-122"/>
                 <a:ea typeface="微软雅黑" panose="020B0503020204020204" pitchFamily="34" charset="-122"/>
               </a:rPr>
-              <a:t>参考文献</a:t>
+              <a:t>附录</a:t>
             </a:r>
-            <a:endParaRPr lang="zh-CN" sz="3200" b="1" dirty="0">
+            <a:endParaRPr lang="zh-CN" sz="2665" dirty="0" smtClean="0">
               <a:solidFill>
-                <a:schemeClr val="bg1"/>
+                <a:srgbClr val="183A5D"/>
               </a:solidFill>
               <a:latin typeface="微软雅黑" panose="020B0503020204020204" pitchFamily="34" charset="-122"/>
               <a:ea typeface="微软雅黑" panose="020B0503020204020204" pitchFamily="34" charset="-122"/>
@@ -16099,788 +16121,294 @@
           </a:p>
         </p:txBody>
       </p:sp>
-      <p:graphicFrame>
-        <p:nvGraphicFramePr>
-          <p:cNvPr id="3" name="表格 2"/>
-          <p:cNvGraphicFramePr/>
+      <p:sp>
+        <p:nvSpPr>
+          <p:cNvPr id="5" name="TextBox 4"/>
+          <p:cNvSpPr txBox="1"/>
           <p:nvPr/>
-        </p:nvGraphicFramePr>
-        <p:xfrm>
-          <a:off x="3934967" y="1629594"/>
-          <a:ext cx="6984474" cy="4005014"/>
-        </p:xfrm>
-        <a:graphic>
-          <a:graphicData uri="http://schemas.openxmlformats.org/drawingml/2006/table">
-            <a:tbl>
-              <a:tblPr firstRow="1" bandRow="1">
-                <a:tableStyleId>{5C22544A-7EE6-4342-B048-85BDC9FD1C3A}</a:tableStyleId>
-              </a:tblPr>
-              <a:tblGrid>
-                <a:gridCol w="2738864"/>
-                <a:gridCol w="4245610"/>
-              </a:tblGrid>
-              <a:tr h="1463744">
-                <a:tc>
-                  <a:txBody>
-                    <a:bodyPr/>
-                    <a:lstStyle/>
-                    <a:p>
-                      <a:pPr marL="0" marR="0" indent="0" algn="l" defTabSz="1088390" rtl="0" eaLnBrk="1" fontAlgn="auto" latinLnBrk="0" hangingPunct="1">
-                        <a:lnSpc>
-                          <a:spcPct val="100000"/>
-                        </a:lnSpc>
-                        <a:spcBef>
-                          <a:spcPts val="0"/>
-                        </a:spcBef>
-                        <a:spcAft>
-                          <a:spcPts val="0"/>
-                        </a:spcAft>
-                        <a:buClrTx/>
-                        <a:buSzTx/>
-                        <a:buFontTx/>
-                        <a:buNone/>
-                        <a:defRPr/>
-                      </a:pPr>
-                      <a:r>
-                        <a:rPr lang="en-US" altLang="zh-CN" sz="2400" b="0" dirty="0" smtClean="0">
-                          <a:solidFill>
-                            <a:schemeClr val="tx1"/>
-                          </a:solidFill>
-                        </a:rPr>
-                        <a:t>《</a:t>
-                      </a:r>
-                      <a:r>
-                        <a:rPr lang="zh-CN" altLang="en-US" sz="2400" b="0" dirty="0" smtClean="0">
-                          <a:solidFill>
-                            <a:schemeClr val="tx1"/>
-                          </a:solidFill>
-                        </a:rPr>
-                        <a:t>风险评估：理论方法与应用</a:t>
-                      </a:r>
-                      <a:r>
-                        <a:rPr lang="en-US" altLang="zh-CN" sz="2400" b="0" dirty="0" smtClean="0">
-                          <a:solidFill>
-                            <a:schemeClr val="tx1"/>
-                          </a:solidFill>
-                        </a:rPr>
-                        <a:t>》</a:t>
-                      </a:r>
-                    </a:p>
-                    <a:p>
-                      <a:pPr algn="l">
-                        <a:buNone/>
-                      </a:pPr>
-                      <a:endParaRPr lang="zh-CN" altLang="en-US" b="0" dirty="0">
-                        <a:solidFill>
-                          <a:schemeClr val="tx1"/>
-                        </a:solidFill>
-                      </a:endParaRPr>
-                    </a:p>
-                  </a:txBody>
-                  <a:tcPr>
-                    <a:solidFill>
-                      <a:schemeClr val="accent1">
-                        <a:lumMod val="40000"/>
-                        <a:lumOff val="60000"/>
-                      </a:schemeClr>
-                    </a:solidFill>
-                  </a:tcPr>
-                </a:tc>
-                <a:tc>
-                  <a:txBody>
-                    <a:bodyPr/>
-                    <a:lstStyle/>
-                    <a:p>
-                      <a:pPr algn="l"/>
-                      <a:r>
-                        <a:rPr lang="zh-CN" altLang="en-US" sz="2400" b="0" dirty="0" smtClean="0">
-                          <a:solidFill>
-                            <a:schemeClr val="tx1"/>
-                          </a:solidFill>
-                        </a:rPr>
-                        <a:t>作者</a:t>
-                      </a:r>
-                      <a:r>
-                        <a:rPr lang="en-US" altLang="zh-CN" sz="2400" b="0" dirty="0" smtClean="0">
-                          <a:solidFill>
-                            <a:schemeClr val="tx1"/>
-                          </a:solidFill>
-                        </a:rPr>
-                        <a:t>:Marvin </a:t>
-                      </a:r>
-                      <a:r>
-                        <a:rPr lang="en-US" altLang="zh-CN" sz="2400" b="0" dirty="0" err="1" smtClean="0">
-                          <a:solidFill>
-                            <a:schemeClr val="tx1"/>
-                          </a:solidFill>
-                        </a:rPr>
-                        <a:t>Rausand</a:t>
-                      </a:r>
-                      <a:r>
-                        <a:rPr lang="en-US" altLang="zh-CN" sz="2400" b="0" dirty="0" smtClean="0">
-                          <a:solidFill>
-                            <a:schemeClr val="tx1"/>
-                          </a:solidFill>
-                        </a:rPr>
-                        <a:t>     </a:t>
-                      </a:r>
-                    </a:p>
-                    <a:p>
-                      <a:pPr algn="l"/>
-                      <a:r>
-                        <a:rPr lang="zh-CN" altLang="en-US" sz="2400" b="0" dirty="0" smtClean="0">
-                          <a:solidFill>
-                            <a:schemeClr val="tx1"/>
-                          </a:solidFill>
-                        </a:rPr>
-                        <a:t>清华大学出版社</a:t>
-                      </a:r>
-                      <a:endParaRPr lang="en-US" altLang="zh-CN" sz="2400" b="0" dirty="0" smtClean="0">
-                        <a:solidFill>
-                          <a:schemeClr val="tx1"/>
-                        </a:solidFill>
-                      </a:endParaRPr>
-                    </a:p>
-                    <a:p>
-                      <a:pPr algn="l"/>
-                      <a:r>
-                        <a:rPr lang="en-US" altLang="zh-CN" sz="2400" b="0" dirty="0" smtClean="0">
-                          <a:solidFill>
-                            <a:schemeClr val="tx1"/>
-                          </a:solidFill>
-                        </a:rPr>
-                        <a:t>2013.06.01</a:t>
-                      </a:r>
-                      <a:endParaRPr lang="zh-CN" altLang="en-US" sz="2400" b="0" dirty="0">
-                        <a:solidFill>
-                          <a:schemeClr val="tx1"/>
-                        </a:solidFill>
-                      </a:endParaRPr>
-                    </a:p>
-                  </a:txBody>
-                  <a:tcPr>
-                    <a:solidFill>
-                      <a:schemeClr val="accent1">
-                        <a:lumMod val="40000"/>
-                        <a:lumOff val="60000"/>
-                      </a:schemeClr>
-                    </a:solidFill>
-                  </a:tcPr>
-                </a:tc>
-              </a:tr>
-              <a:tr h="1270000">
-                <a:tc>
-                  <a:txBody>
-                    <a:bodyPr/>
-                    <a:lstStyle/>
-                    <a:p>
-                      <a:pPr algn="l">
-                        <a:buNone/>
-                      </a:pPr>
-                      <a:r>
-                        <a:rPr lang="en-US" altLang="zh-CN" dirty="0" smtClean="0">
-                          <a:solidFill>
-                            <a:schemeClr val="tx1"/>
-                          </a:solidFill>
-                        </a:rPr>
-                        <a:t>《</a:t>
-                      </a:r>
-                      <a:r>
-                        <a:rPr lang="zh-CN" altLang="en-US" dirty="0" smtClean="0">
-                          <a:solidFill>
-                            <a:schemeClr val="tx1"/>
-                          </a:solidFill>
-                        </a:rPr>
-                        <a:t>软件需求（第</a:t>
-                      </a:r>
-                      <a:r>
-                        <a:rPr lang="en-US" altLang="zh-CN" dirty="0" smtClean="0">
-                          <a:solidFill>
-                            <a:schemeClr val="tx1"/>
-                          </a:solidFill>
-                        </a:rPr>
-                        <a:t>3</a:t>
-                      </a:r>
-                      <a:r>
-                        <a:rPr lang="zh-CN" altLang="en-US" dirty="0" smtClean="0">
-                          <a:solidFill>
-                            <a:schemeClr val="tx1"/>
-                          </a:solidFill>
-                        </a:rPr>
-                        <a:t>版）</a:t>
-                      </a:r>
-                      <a:r>
-                        <a:rPr lang="en-US" altLang="zh-CN" dirty="0" smtClean="0">
-                          <a:solidFill>
-                            <a:schemeClr val="tx1"/>
-                          </a:solidFill>
-                        </a:rPr>
-                        <a:t>》</a:t>
-                      </a:r>
-                    </a:p>
-                    <a:p>
-                      <a:pPr algn="l">
-                        <a:buNone/>
-                      </a:pPr>
-                      <a:r>
-                        <a:rPr lang="zh-CN" altLang="en-US" dirty="0" smtClean="0">
-                          <a:solidFill>
-                            <a:schemeClr val="tx1"/>
-                          </a:solidFill>
-                        </a:rPr>
-                        <a:t>（第</a:t>
-                      </a:r>
-                      <a:r>
-                        <a:rPr lang="en-US" altLang="zh-CN" dirty="0" smtClean="0">
-                          <a:solidFill>
-                            <a:schemeClr val="tx1"/>
-                          </a:solidFill>
-                        </a:rPr>
-                        <a:t>6</a:t>
-                      </a:r>
-                      <a:r>
-                        <a:rPr lang="zh-CN" altLang="en-US" dirty="0" smtClean="0">
-                          <a:solidFill>
-                            <a:schemeClr val="tx1"/>
-                          </a:solidFill>
-                        </a:rPr>
-                        <a:t>版）</a:t>
-                      </a:r>
-                      <a:endParaRPr lang="zh-CN" altLang="en-US" dirty="0">
-                        <a:solidFill>
-                          <a:schemeClr val="tx1"/>
-                        </a:solidFill>
-                      </a:endParaRPr>
-                    </a:p>
-                  </a:txBody>
-                  <a:tcPr/>
-                </a:tc>
-                <a:tc>
-                  <a:txBody>
-                    <a:bodyPr/>
-                    <a:lstStyle/>
-                    <a:p>
-                      <a:pPr algn="l">
-                        <a:buNone/>
-                      </a:pPr>
-                      <a:r>
-                        <a:rPr lang="zh-CN" altLang="en-US" dirty="0" smtClean="0">
-                          <a:solidFill>
-                            <a:schemeClr val="tx1"/>
-                          </a:solidFill>
-                        </a:rPr>
-                        <a:t>作者：</a:t>
-                      </a:r>
-                      <a:r>
-                        <a:rPr lang="en-US" altLang="zh-CN" dirty="0" smtClean="0">
-                          <a:solidFill>
-                            <a:schemeClr val="tx1"/>
-                          </a:solidFill>
-                        </a:rPr>
-                        <a:t>Karl </a:t>
-                      </a:r>
-                      <a:r>
-                        <a:rPr lang="en-US" altLang="zh-CN" dirty="0" err="1" smtClean="0">
-                          <a:solidFill>
-                            <a:schemeClr val="tx1"/>
-                          </a:solidFill>
-                        </a:rPr>
-                        <a:t>Wigers</a:t>
-                      </a:r>
-                      <a:r>
-                        <a:rPr lang="en-US" altLang="zh-CN" baseline="0" dirty="0" smtClean="0">
-                          <a:solidFill>
-                            <a:schemeClr val="tx1"/>
-                          </a:solidFill>
-                        </a:rPr>
-                        <a:t>   Joy Beatty</a:t>
-                      </a:r>
-                    </a:p>
-                    <a:p>
-                      <a:pPr algn="l">
-                        <a:buNone/>
-                      </a:pPr>
-                      <a:r>
-                        <a:rPr lang="zh-CN" altLang="en-US" baseline="0" dirty="0" smtClean="0">
-                          <a:solidFill>
-                            <a:schemeClr val="tx1"/>
-                          </a:solidFill>
-                        </a:rPr>
-                        <a:t>清华大学出版社</a:t>
-                      </a:r>
-                      <a:endParaRPr lang="en-US" altLang="zh-CN" baseline="0" dirty="0" smtClean="0">
-                        <a:solidFill>
-                          <a:schemeClr val="tx1"/>
-                        </a:solidFill>
-                      </a:endParaRPr>
-                    </a:p>
-                    <a:p>
-                      <a:pPr algn="l">
-                        <a:buNone/>
-                      </a:pPr>
-                      <a:r>
-                        <a:rPr lang="en-US" altLang="zh-CN" baseline="0" dirty="0" smtClean="0">
-                          <a:solidFill>
-                            <a:schemeClr val="tx1"/>
-                          </a:solidFill>
-                        </a:rPr>
-                        <a:t>2013</a:t>
-                      </a:r>
-                      <a:r>
-                        <a:rPr lang="zh-CN" altLang="en-US" baseline="0" dirty="0" smtClean="0">
-                          <a:solidFill>
-                            <a:schemeClr val="tx1"/>
-                          </a:solidFill>
-                        </a:rPr>
-                        <a:t>年</a:t>
-                      </a:r>
-                      <a:r>
-                        <a:rPr lang="en-US" altLang="zh-CN" baseline="0" dirty="0" smtClean="0">
-                          <a:solidFill>
-                            <a:schemeClr val="tx1"/>
-                          </a:solidFill>
-                        </a:rPr>
-                        <a:t>8</a:t>
-                      </a:r>
-                      <a:r>
-                        <a:rPr lang="zh-CN" altLang="en-US" baseline="0" dirty="0" smtClean="0">
-                          <a:solidFill>
-                            <a:schemeClr val="tx1"/>
-                          </a:solidFill>
-                        </a:rPr>
-                        <a:t>月第</a:t>
-                      </a:r>
-                      <a:r>
-                        <a:rPr lang="en-US" altLang="zh-CN" baseline="0" dirty="0" smtClean="0">
-                          <a:solidFill>
-                            <a:schemeClr val="tx1"/>
-                          </a:solidFill>
-                        </a:rPr>
-                        <a:t>6</a:t>
-                      </a:r>
-                      <a:r>
-                        <a:rPr lang="zh-CN" altLang="en-US" baseline="0" dirty="0" smtClean="0">
-                          <a:solidFill>
-                            <a:schemeClr val="tx1"/>
-                          </a:solidFill>
-                        </a:rPr>
-                        <a:t>版</a:t>
-                      </a:r>
-                      <a:endParaRPr lang="en-US" altLang="zh-CN" dirty="0" smtClean="0">
-                        <a:solidFill>
-                          <a:schemeClr val="tx1"/>
-                        </a:solidFill>
-                      </a:endParaRPr>
-                    </a:p>
-                  </a:txBody>
-                  <a:tcPr/>
-                </a:tc>
-              </a:tr>
-              <a:tr h="1271270">
-                <a:tc>
-                  <a:txBody>
-                    <a:bodyPr/>
-                    <a:lstStyle/>
-                    <a:p>
-                      <a:pPr algn="l">
-                        <a:buNone/>
-                      </a:pPr>
-                      <a:r>
-                        <a:rPr lang="en-US" altLang="zh-CN" dirty="0" smtClean="0">
-                          <a:solidFill>
-                            <a:schemeClr val="tx1"/>
-                          </a:solidFill>
-                        </a:rPr>
-                        <a:t>《</a:t>
-                      </a:r>
-                      <a:r>
-                        <a:rPr lang="zh-CN" altLang="en-US" dirty="0" smtClean="0">
-                          <a:solidFill>
-                            <a:schemeClr val="tx1"/>
-                          </a:solidFill>
-                        </a:rPr>
-                        <a:t>软件开发的过程与管理</a:t>
-                      </a:r>
-                      <a:r>
-                        <a:rPr lang="en-US" altLang="zh-CN" dirty="0" smtClean="0">
-                          <a:solidFill>
-                            <a:schemeClr val="tx1"/>
-                          </a:solidFill>
-                        </a:rPr>
-                        <a:t>》</a:t>
-                      </a:r>
-                      <a:endParaRPr lang="zh-CN" altLang="en-US" dirty="0">
-                        <a:solidFill>
-                          <a:schemeClr val="tx1"/>
-                        </a:solidFill>
-                      </a:endParaRPr>
-                    </a:p>
-                  </a:txBody>
-                  <a:tcPr>
-                    <a:solidFill>
-                      <a:schemeClr val="accent1">
-                        <a:lumMod val="40000"/>
-                        <a:lumOff val="60000"/>
-                      </a:schemeClr>
-                    </a:solidFill>
-                  </a:tcPr>
-                </a:tc>
-                <a:tc>
-                  <a:txBody>
-                    <a:bodyPr/>
-                    <a:lstStyle/>
-                    <a:p>
-                      <a:pPr algn="l">
-                        <a:buNone/>
-                      </a:pPr>
-                      <a:r>
-                        <a:rPr lang="zh-CN" altLang="en-US" dirty="0" smtClean="0">
-                          <a:solidFill>
-                            <a:schemeClr val="tx1"/>
-                          </a:solidFill>
-                        </a:rPr>
-                        <a:t>作者：张湘辉</a:t>
-                      </a:r>
-                      <a:endParaRPr lang="en-US" altLang="zh-CN" dirty="0" smtClean="0">
-                        <a:solidFill>
-                          <a:schemeClr val="tx1"/>
-                        </a:solidFill>
-                      </a:endParaRPr>
-                    </a:p>
-                    <a:p>
-                      <a:pPr algn="l">
-                        <a:buNone/>
-                      </a:pPr>
-                      <a:r>
-                        <a:rPr lang="zh-CN" altLang="en-US" dirty="0" smtClean="0">
-                          <a:solidFill>
-                            <a:schemeClr val="tx1"/>
-                          </a:solidFill>
-                        </a:rPr>
-                        <a:t>清华大学出版社</a:t>
-                      </a:r>
-                      <a:endParaRPr lang="en-US" altLang="zh-CN" dirty="0" smtClean="0">
-                        <a:solidFill>
-                          <a:schemeClr val="tx1"/>
-                        </a:solidFill>
-                      </a:endParaRPr>
-                    </a:p>
-                    <a:p>
-                      <a:pPr algn="l">
-                        <a:buNone/>
-                      </a:pPr>
-                      <a:r>
-                        <a:rPr lang="en-US" altLang="zh-CN" dirty="0" smtClean="0">
-                          <a:solidFill>
-                            <a:schemeClr val="tx1"/>
-                          </a:solidFill>
-                        </a:rPr>
-                        <a:t>2005</a:t>
-                      </a:r>
-                      <a:r>
-                        <a:rPr lang="zh-CN" altLang="en-US" dirty="0" smtClean="0">
-                          <a:solidFill>
-                            <a:schemeClr val="tx1"/>
-                          </a:solidFill>
-                        </a:rPr>
-                        <a:t>年</a:t>
-                      </a:r>
-                      <a:endParaRPr lang="zh-CN" altLang="en-US" dirty="0">
-                        <a:solidFill>
-                          <a:schemeClr val="tx1"/>
-                        </a:solidFill>
-                      </a:endParaRPr>
-                    </a:p>
-                  </a:txBody>
-                  <a:tcPr>
-                    <a:solidFill>
-                      <a:schemeClr val="accent1">
-                        <a:lumMod val="40000"/>
-                        <a:lumOff val="60000"/>
-                      </a:schemeClr>
-                    </a:solidFill>
-                  </a:tcPr>
-                </a:tc>
-              </a:tr>
-            </a:tbl>
-          </a:graphicData>
-        </a:graphic>
-      </p:graphicFrame>
+        </p:nvSpPr>
+        <p:spPr>
+          <a:xfrm>
+            <a:off x="1414686" y="909514"/>
+            <a:ext cx="7920880" cy="4455066"/>
+          </a:xfrm>
+          <a:prstGeom prst="rect">
+            <a:avLst/>
+          </a:prstGeom>
+          <a:noFill/>
+        </p:spPr>
+        <p:txBody>
+          <a:bodyPr wrap="square" rtlCol="0">
+            <a:spAutoFit/>
+          </a:bodyPr>
+          <a:lstStyle/>
+          <a:p>
+            <a:pPr>
+              <a:lnSpc>
+                <a:spcPct val="150000"/>
+              </a:lnSpc>
+            </a:pPr>
+            <a:r>
+              <a:rPr lang="en-US" altLang="zh-CN" dirty="0" smtClean="0">
+                <a:hlinkClick r:id="rId2" action="ppaction://hlinkfile"/>
+              </a:rPr>
+              <a:t>《PRD2018-G11-</a:t>
+            </a:r>
+            <a:r>
+              <a:rPr lang="zh-CN" altLang="en-US" dirty="0" smtClean="0">
+                <a:hlinkClick r:id="rId2" action="ppaction://hlinkfile"/>
+              </a:rPr>
+              <a:t>可行性分析报告</a:t>
+            </a:r>
+            <a:r>
+              <a:rPr lang="en-US" altLang="zh-CN" dirty="0" smtClean="0">
+                <a:hlinkClick r:id="rId2" action="ppaction://hlinkfile"/>
+              </a:rPr>
+              <a:t>》</a:t>
+            </a:r>
+            <a:endParaRPr lang="en-US" altLang="zh-CN" dirty="0" smtClean="0"/>
+          </a:p>
+          <a:p>
+            <a:pPr>
+              <a:lnSpc>
+                <a:spcPct val="150000"/>
+              </a:lnSpc>
+            </a:pPr>
+            <a:r>
+              <a:rPr lang="en-US" altLang="zh-CN" dirty="0">
+                <a:hlinkClick r:id="rId3" action="ppaction://hlinkfile"/>
+              </a:rPr>
+              <a:t>《PRD2018-G11-</a:t>
+            </a:r>
+            <a:r>
+              <a:rPr lang="zh-CN" altLang="en-US" dirty="0">
+                <a:hlinkClick r:id="rId3" action="ppaction://hlinkfile"/>
+              </a:rPr>
+              <a:t>项目章程</a:t>
+            </a:r>
+            <a:r>
+              <a:rPr lang="en-US" altLang="zh-CN" dirty="0" smtClean="0">
+                <a:hlinkClick r:id="rId3" action="ppaction://hlinkfile"/>
+              </a:rPr>
+              <a:t>》</a:t>
+            </a:r>
+            <a:endParaRPr lang="en-US" altLang="zh-CN" dirty="0" smtClean="0"/>
+          </a:p>
+          <a:p>
+            <a:pPr>
+              <a:lnSpc>
+                <a:spcPct val="150000"/>
+              </a:lnSpc>
+            </a:pPr>
+            <a:r>
+              <a:rPr lang="en-US" altLang="zh-CN" dirty="0">
+                <a:hlinkClick r:id="rId4" action="ppaction://hlinkfile"/>
+              </a:rPr>
+              <a:t>《PRD2018-G11-</a:t>
+            </a:r>
+            <a:r>
+              <a:rPr lang="zh-CN" altLang="en-US" dirty="0">
+                <a:hlinkClick r:id="rId4" action="ppaction://hlinkfile"/>
+              </a:rPr>
+              <a:t>需求工程项目计划</a:t>
+            </a:r>
+            <a:r>
+              <a:rPr lang="en-US" altLang="zh-CN" dirty="0" smtClean="0">
+                <a:hlinkClick r:id="rId4" action="ppaction://hlinkfile"/>
+              </a:rPr>
+              <a:t>》</a:t>
+            </a:r>
+            <a:endParaRPr lang="en-US" altLang="zh-CN" dirty="0" smtClean="0"/>
+          </a:p>
+          <a:p>
+            <a:pPr>
+              <a:lnSpc>
+                <a:spcPct val="150000"/>
+              </a:lnSpc>
+            </a:pPr>
+            <a:r>
+              <a:rPr lang="en-US" altLang="zh-CN" dirty="0">
+                <a:hlinkClick r:id="rId5" action="ppaction://hlinkfile"/>
+              </a:rPr>
+              <a:t>《PRD2018-G11-</a:t>
+            </a:r>
+            <a:r>
+              <a:rPr lang="zh-CN" altLang="en-US" dirty="0">
+                <a:hlinkClick r:id="rId5" action="ppaction://hlinkfile"/>
+              </a:rPr>
+              <a:t>会议记录</a:t>
+            </a:r>
+            <a:r>
+              <a:rPr lang="en-US" altLang="zh-CN" dirty="0" smtClean="0">
+                <a:hlinkClick r:id="rId5" action="ppaction://hlinkfile"/>
+              </a:rPr>
+              <a:t>》</a:t>
+            </a:r>
+            <a:endParaRPr lang="en-US" altLang="zh-CN" dirty="0" smtClean="0"/>
+          </a:p>
+          <a:p>
+            <a:pPr>
+              <a:lnSpc>
+                <a:spcPct val="150000"/>
+              </a:lnSpc>
+            </a:pPr>
+            <a:r>
+              <a:rPr lang="en-US" altLang="zh-CN" dirty="0">
+                <a:hlinkClick r:id="rId6" action="ppaction://hlinkfile"/>
+              </a:rPr>
+              <a:t>《PRD2018-G11-</a:t>
+            </a:r>
+            <a:r>
+              <a:rPr lang="zh-CN" altLang="en-US" dirty="0">
+                <a:hlinkClick r:id="rId6" action="ppaction://hlinkfile"/>
+              </a:rPr>
+              <a:t>项目总体计划</a:t>
+            </a:r>
+            <a:r>
+              <a:rPr lang="en-US" altLang="zh-CN" dirty="0">
+                <a:hlinkClick r:id="rId6" action="ppaction://hlinkfile"/>
+              </a:rPr>
+              <a:t>WBS</a:t>
+            </a:r>
+            <a:r>
+              <a:rPr lang="en-US" altLang="zh-CN" dirty="0" smtClean="0">
+                <a:hlinkClick r:id="rId6" action="ppaction://hlinkfile"/>
+              </a:rPr>
+              <a:t>》</a:t>
+            </a:r>
+            <a:endParaRPr lang="en-US" altLang="zh-CN" dirty="0" smtClean="0"/>
+          </a:p>
+          <a:p>
+            <a:pPr>
+              <a:lnSpc>
+                <a:spcPct val="150000"/>
+              </a:lnSpc>
+            </a:pPr>
+            <a:r>
+              <a:rPr lang="en-US" altLang="zh-CN" dirty="0">
+                <a:hlinkClick r:id="rId7" action="ppaction://hlinkfile"/>
+              </a:rPr>
+              <a:t>《PRD2018-G11-</a:t>
+            </a:r>
+            <a:r>
+              <a:rPr lang="zh-CN" altLang="en-US" dirty="0">
+                <a:hlinkClick r:id="rId7" action="ppaction://hlinkfile"/>
+              </a:rPr>
+              <a:t>需求工程项目计划</a:t>
+            </a:r>
+            <a:r>
+              <a:rPr lang="en-US" altLang="zh-CN" dirty="0">
+                <a:hlinkClick r:id="rId7" action="ppaction://hlinkfile"/>
+              </a:rPr>
+              <a:t>WBS</a:t>
+            </a:r>
+            <a:r>
+              <a:rPr lang="en-US" altLang="zh-CN" dirty="0" smtClean="0">
+                <a:hlinkClick r:id="rId7" action="ppaction://hlinkfile"/>
+              </a:rPr>
+              <a:t>》</a:t>
+            </a:r>
+            <a:endParaRPr lang="en-US" altLang="zh-CN" dirty="0" smtClean="0"/>
+          </a:p>
+          <a:p>
+            <a:pPr>
+              <a:lnSpc>
+                <a:spcPct val="150000"/>
+              </a:lnSpc>
+            </a:pPr>
+            <a:r>
+              <a:rPr lang="en-US" altLang="zh-CN" dirty="0">
+                <a:hlinkClick r:id="rId7" action="ppaction://hlinkfile"/>
+              </a:rPr>
+              <a:t>《PRD2018-G11-</a:t>
+            </a:r>
+            <a:r>
+              <a:rPr lang="zh-CN" altLang="en-US" dirty="0">
+                <a:hlinkClick r:id="rId7" action="ppaction://hlinkfile"/>
+              </a:rPr>
+              <a:t>需求工程项目计划</a:t>
+            </a:r>
+            <a:r>
+              <a:rPr lang="en-US" altLang="zh-CN" dirty="0">
+                <a:hlinkClick r:id="rId7" action="ppaction://hlinkfile"/>
+              </a:rPr>
+              <a:t>WBS-</a:t>
+            </a:r>
+            <a:r>
+              <a:rPr lang="en-US" altLang="zh-CN" dirty="0" err="1">
+                <a:hlinkClick r:id="rId7" action="ppaction://hlinkfile"/>
+              </a:rPr>
+              <a:t>io</a:t>
+            </a:r>
+            <a:r>
+              <a:rPr lang="en-US" altLang="zh-CN" dirty="0" smtClean="0">
+                <a:hlinkClick r:id="rId7" action="ppaction://hlinkfile"/>
+              </a:rPr>
+              <a:t>》</a:t>
+            </a:r>
+            <a:endParaRPr lang="en-US" altLang="zh-CN" dirty="0" smtClean="0"/>
+          </a:p>
+          <a:p>
+            <a:pPr>
+              <a:lnSpc>
+                <a:spcPct val="150000"/>
+              </a:lnSpc>
+            </a:pPr>
+            <a:r>
+              <a:rPr lang="en-US" altLang="zh-CN" dirty="0">
+                <a:hlinkClick r:id="rId8" action="ppaction://hlinkfile"/>
+              </a:rPr>
+              <a:t>《PRD2018-G11-</a:t>
+            </a:r>
+            <a:r>
+              <a:rPr lang="zh-CN" altLang="en-US" dirty="0">
+                <a:hlinkClick r:id="rId8" action="ppaction://hlinkfile"/>
+              </a:rPr>
+              <a:t>需求工程计划甘特图</a:t>
+            </a:r>
+            <a:r>
+              <a:rPr lang="en-US" altLang="zh-CN" dirty="0" smtClean="0">
+                <a:hlinkClick r:id="rId8" action="ppaction://hlinkfile"/>
+              </a:rPr>
+              <a:t>》</a:t>
+            </a:r>
+            <a:endParaRPr lang="en-US" altLang="zh-CN" dirty="0" smtClean="0"/>
+          </a:p>
+          <a:p>
+            <a:pPr>
+              <a:lnSpc>
+                <a:spcPct val="150000"/>
+              </a:lnSpc>
+            </a:pPr>
+            <a:r>
+              <a:rPr lang="en-US" altLang="zh-CN" dirty="0">
+                <a:hlinkClick r:id="rId9" action="ppaction://hlinkfile"/>
+              </a:rPr>
+              <a:t>《PRD2018-G11-OBS-v1.0.0》</a:t>
+            </a:r>
+            <a:endParaRPr lang="zh-CN" altLang="en-US" dirty="0"/>
+          </a:p>
+        </p:txBody>
+      </p:sp>
     </p:spTree>
+    <p:extLst>
+      <p:ext uri="{BB962C8B-B14F-4D97-AF65-F5344CB8AC3E}">
+        <p14:creationId xmlns:p14="http://schemas.microsoft.com/office/powerpoint/2010/main" val="22755818"/>
+      </p:ext>
+    </p:extLst>
   </p:cSld>
   <p:clrMapOvr>
     <a:masterClrMapping/>
   </p:clrMapOvr>
-  <mc:AlternateContent xmlns:mc="http://schemas.openxmlformats.org/markup-compatibility/2006" xmlns:p14="http://schemas.microsoft.com/office/powerpoint/2010/main">
-    <mc:Choice Requires="p14">
-      <p:transition spd="slow" p14:dur="1200" advClick="0" advTm="0">
-        <p14:prism/>
-      </p:transition>
-    </mc:Choice>
-    <mc:Fallback xmlns="">
-      <p:transition spd="slow" advClick="0" advTm="0">
-        <p:fade/>
-      </p:transition>
-    </mc:Fallback>
-  </mc:AlternateContent>
+  <p:transition spd="slow" advClick="0" advTm="0">
+    <p:wipe/>
+  </p:transition>
   <p:timing>
     <p:tnLst>
       <p:par>
-        <p:cTn id="1" dur="indefinite" restart="never" nodeType="tmRoot">
-          <p:childTnLst>
-            <p:seq concurrent="1" nextAc="seek">
-              <p:cTn id="2" dur="indefinite" nodeType="mainSeq">
-                <p:childTnLst>
-                  <p:par>
-                    <p:cTn id="3" fill="hold">
-                      <p:stCondLst>
-                        <p:cond delay="indefinite"/>
-                        <p:cond evt="onBegin" delay="0">
-                          <p:tn val="2"/>
-                        </p:cond>
-                      </p:stCondLst>
-                      <p:childTnLst>
-                        <p:par>
-                          <p:cTn id="4" fill="hold">
-                            <p:stCondLst>
-                              <p:cond delay="0"/>
-                            </p:stCondLst>
-                            <p:childTnLst>
-                              <p:par>
-                                <p:cTn id="5" presetID="2" presetClass="entr" presetSubtype="8" fill="hold" grpId="0" nodeType="afterEffect">
-                                  <p:stCondLst>
-                                    <p:cond delay="0"/>
-                                  </p:stCondLst>
-                                  <p:childTnLst>
-                                    <p:set>
-                                      <p:cBhvr>
-                                        <p:cTn id="6" dur="1" fill="hold">
-                                          <p:stCondLst>
-                                            <p:cond delay="0"/>
-                                          </p:stCondLst>
-                                        </p:cTn>
-                                        <p:tgtEl>
-                                          <p:spTgt spid="36"/>
-                                        </p:tgtEl>
-                                        <p:attrNameLst>
-                                          <p:attrName>style.visibility</p:attrName>
-                                        </p:attrNameLst>
-                                      </p:cBhvr>
-                                      <p:to>
-                                        <p:strVal val="visible"/>
-                                      </p:to>
-                                    </p:set>
-                                    <p:anim calcmode="lin" valueType="num">
-                                      <p:cBhvr additive="base">
-                                        <p:cTn id="7" dur="500" fill="hold"/>
-                                        <p:tgtEl>
-                                          <p:spTgt spid="36"/>
-                                        </p:tgtEl>
-                                        <p:attrNameLst>
-                                          <p:attrName>ppt_x</p:attrName>
-                                        </p:attrNameLst>
-                                      </p:cBhvr>
-                                      <p:tavLst>
-                                        <p:tav tm="0">
-                                          <p:val>
-                                            <p:strVal val="0-#ppt_w/2"/>
-                                          </p:val>
-                                        </p:tav>
-                                        <p:tav tm="100000">
-                                          <p:val>
-                                            <p:strVal val="#ppt_x"/>
-                                          </p:val>
-                                        </p:tav>
-                                      </p:tavLst>
-                                    </p:anim>
-                                    <p:anim calcmode="lin" valueType="num">
-                                      <p:cBhvr additive="base">
-                                        <p:cTn id="8" dur="500" fill="hold"/>
-                                        <p:tgtEl>
-                                          <p:spTgt spid="36"/>
-                                        </p:tgtEl>
-                                        <p:attrNameLst>
-                                          <p:attrName>ppt_y</p:attrName>
-                                        </p:attrNameLst>
-                                      </p:cBhvr>
-                                      <p:tavLst>
-                                        <p:tav tm="0">
-                                          <p:val>
-                                            <p:strVal val="#ppt_y"/>
-                                          </p:val>
-                                        </p:tav>
-                                        <p:tav tm="100000">
-                                          <p:val>
-                                            <p:strVal val="#ppt_y"/>
-                                          </p:val>
-                                        </p:tav>
-                                      </p:tavLst>
-                                    </p:anim>
-                                  </p:childTnLst>
-                                </p:cTn>
-                              </p:par>
-                            </p:childTnLst>
-                          </p:cTn>
-                        </p:par>
-                        <p:par>
-                          <p:cTn id="9" fill="hold">
-                            <p:stCondLst>
-                              <p:cond delay="500"/>
-                            </p:stCondLst>
-                            <p:childTnLst>
-                              <p:par>
-                                <p:cTn id="10" presetID="17" presetClass="entr" presetSubtype="1" fill="hold" grpId="0" nodeType="afterEffect">
-                                  <p:stCondLst>
-                                    <p:cond delay="0"/>
-                                  </p:stCondLst>
-                                  <p:iterate type="lt">
-                                    <p:tmPct val="40000"/>
-                                  </p:iterate>
-                                  <p:childTnLst>
-                                    <p:set>
-                                      <p:cBhvr>
-                                        <p:cTn id="11" dur="1" fill="hold">
-                                          <p:stCondLst>
-                                            <p:cond delay="0"/>
-                                          </p:stCondLst>
-                                        </p:cTn>
-                                        <p:tgtEl>
-                                          <p:spTgt spid="37"/>
-                                        </p:tgtEl>
-                                        <p:attrNameLst>
-                                          <p:attrName>style.visibility</p:attrName>
-                                        </p:attrNameLst>
-                                      </p:cBhvr>
-                                      <p:to>
-                                        <p:strVal val="visible"/>
-                                      </p:to>
-                                    </p:set>
-                                    <p:anim calcmode="lin" valueType="num">
-                                      <p:cBhvr>
-                                        <p:cTn id="12" dur="250" fill="hold"/>
-                                        <p:tgtEl>
-                                          <p:spTgt spid="37"/>
-                                        </p:tgtEl>
-                                        <p:attrNameLst>
-                                          <p:attrName>ppt_x</p:attrName>
-                                        </p:attrNameLst>
-                                      </p:cBhvr>
-                                      <p:tavLst>
-                                        <p:tav tm="0">
-                                          <p:val>
-                                            <p:strVal val="#ppt_x"/>
-                                          </p:val>
-                                        </p:tav>
-                                        <p:tav tm="100000">
-                                          <p:val>
-                                            <p:strVal val="#ppt_x"/>
-                                          </p:val>
-                                        </p:tav>
-                                      </p:tavLst>
-                                    </p:anim>
-                                    <p:anim calcmode="lin" valueType="num">
-                                      <p:cBhvr>
-                                        <p:cTn id="13" dur="250" fill="hold"/>
-                                        <p:tgtEl>
-                                          <p:spTgt spid="37"/>
-                                        </p:tgtEl>
-                                        <p:attrNameLst>
-                                          <p:attrName>ppt_y</p:attrName>
-                                        </p:attrNameLst>
-                                      </p:cBhvr>
-                                      <p:tavLst>
-                                        <p:tav tm="0">
-                                          <p:val>
-                                            <p:strVal val="#ppt_y-#ppt_h/2"/>
-                                          </p:val>
-                                        </p:tav>
-                                        <p:tav tm="100000">
-                                          <p:val>
-                                            <p:strVal val="#ppt_y"/>
-                                          </p:val>
-                                        </p:tav>
-                                      </p:tavLst>
-                                    </p:anim>
-                                    <p:anim calcmode="lin" valueType="num">
-                                      <p:cBhvr>
-                                        <p:cTn id="14" dur="250" fill="hold"/>
-                                        <p:tgtEl>
-                                          <p:spTgt spid="37"/>
-                                        </p:tgtEl>
-                                        <p:attrNameLst>
-                                          <p:attrName>ppt_w</p:attrName>
-                                        </p:attrNameLst>
-                                      </p:cBhvr>
-                                      <p:tavLst>
-                                        <p:tav tm="0">
-                                          <p:val>
-                                            <p:strVal val="#ppt_w"/>
-                                          </p:val>
-                                        </p:tav>
-                                        <p:tav tm="100000">
-                                          <p:val>
-                                            <p:strVal val="#ppt_w"/>
-                                          </p:val>
-                                        </p:tav>
-                                      </p:tavLst>
-                                    </p:anim>
-                                    <p:anim calcmode="lin" valueType="num">
-                                      <p:cBhvr>
-                                        <p:cTn id="15" dur="250" fill="hold"/>
-                                        <p:tgtEl>
-                                          <p:spTgt spid="37"/>
-                                        </p:tgtEl>
-                                        <p:attrNameLst>
-                                          <p:attrName>ppt_h</p:attrName>
-                                        </p:attrNameLst>
-                                      </p:cBhvr>
-                                      <p:tavLst>
-                                        <p:tav tm="0">
-                                          <p:val>
-                                            <p:fltVal val="0"/>
-                                          </p:val>
-                                        </p:tav>
-                                        <p:tav tm="100000">
-                                          <p:val>
-                                            <p:strVal val="#ppt_h"/>
-                                          </p:val>
-                                        </p:tav>
-                                      </p:tavLst>
-                                    </p:anim>
-                                  </p:childTnLst>
-                                </p:cTn>
-                              </p:par>
-                            </p:childTnLst>
-                          </p:cTn>
-                        </p:par>
-                      </p:childTnLst>
-                    </p:cTn>
-                  </p:par>
-                </p:childTnLst>
-              </p:cTn>
-              <p:prevCondLst>
-                <p:cond evt="onPrev" delay="0">
-                  <p:tgtEl>
-                    <p:sldTgt/>
-                  </p:tgtEl>
-                </p:cond>
-              </p:prevCondLst>
-              <p:nextCondLst>
-                <p:cond evt="onNext" delay="0">
-                  <p:tgtEl>
-                    <p:sldTgt/>
-                  </p:tgtEl>
-                </p:cond>
-              </p:nextCondLst>
-            </p:seq>
-          </p:childTnLst>
-        </p:cTn>
+        <p:cTn id="1" dur="indefinite" restart="never" nodeType="tmRoot"/>
       </p:par>
     </p:tnLst>
-    <p:bldLst>
-      <p:bldP spid="36" grpId="0" bldLvl="0" animBg="1"/>
-      <p:bldP spid="37" grpId="0"/>
-    </p:bldLst>
   </p:timing>
 </p:sld>
 </file>
@@ -18044,35 +17572,34 @@
               <a:defRPr/>
             </a:pPr>
             <a:r>
-              <a:rPr lang="zh-CN" sz="3200" b="1" dirty="0">
+              <a:rPr lang="zh-CN" altLang="en-US" sz="3200" b="1" dirty="0" smtClean="0">
                 <a:solidFill>
                   <a:schemeClr val="bg1"/>
                 </a:solidFill>
                 <a:latin typeface="微软雅黑" panose="020B0503020204020204" pitchFamily="34" charset="-122"/>
                 <a:ea typeface="微软雅黑" panose="020B0503020204020204" pitchFamily="34" charset="-122"/>
               </a:rPr>
-              <a:t>分工及考评</a:t>
+              <a:t>参考文献</a:t>
             </a:r>
+            <a:endParaRPr lang="zh-CN" sz="3200" b="1" dirty="0">
+              <a:solidFill>
+                <a:schemeClr val="bg1"/>
+              </a:solidFill>
+              <a:latin typeface="微软雅黑" panose="020B0503020204020204" pitchFamily="34" charset="-122"/>
+              <a:ea typeface="微软雅黑" panose="020B0503020204020204" pitchFamily="34" charset="-122"/>
+            </a:endParaRPr>
           </a:p>
         </p:txBody>
       </p:sp>
       <p:graphicFrame>
         <p:nvGraphicFramePr>
-          <p:cNvPr id="4" name="表格 3"/>
-          <p:cNvGraphicFramePr>
-            <a:graphicFrameLocks noGrp="1"/>
-          </p:cNvGraphicFramePr>
-          <p:nvPr>
-            <p:extLst>
-              <p:ext uri="{D42A27DB-BD31-4B8C-83A1-F6EECF244321}">
-                <p14:modId xmlns:p14="http://schemas.microsoft.com/office/powerpoint/2010/main" val="3547414876"/>
-              </p:ext>
-            </p:extLst>
-          </p:nvPr>
+          <p:cNvPr id="3" name="表格 2"/>
+          <p:cNvGraphicFramePr/>
+          <p:nvPr/>
         </p:nvGraphicFramePr>
         <p:xfrm>
-          <a:off x="3214886" y="1485578"/>
-          <a:ext cx="8126943" cy="4389120"/>
+          <a:off x="3934967" y="1629594"/>
+          <a:ext cx="6984474" cy="4005014"/>
         </p:xfrm>
         <a:graphic>
           <a:graphicData uri="http://schemas.openxmlformats.org/drawingml/2006/table">
@@ -18081,21 +17608,241 @@
                 <a:tableStyleId>{5C22544A-7EE6-4342-B048-85BDC9FD1C3A}</a:tableStyleId>
               </a:tblPr>
               <a:tblGrid>
-                <a:gridCol w="2708981"/>
-                <a:gridCol w="2708981"/>
-                <a:gridCol w="2708981"/>
+                <a:gridCol w="2738864"/>
+                <a:gridCol w="4245610"/>
               </a:tblGrid>
-              <a:tr h="370840">
-                <a:tc>
-                  <a:txBody>
-                    <a:bodyPr/>
-                    <a:lstStyle/>
-                    <a:p>
-                      <a:r>
-                        <a:rPr lang="zh-CN" altLang="en-US" dirty="0" smtClean="0"/>
-                        <a:t>组员</a:t>
-                      </a:r>
-                      <a:endParaRPr lang="zh-CN" altLang="en-US" dirty="0"/>
+              <a:tr h="1463744">
+                <a:tc>
+                  <a:txBody>
+                    <a:bodyPr/>
+                    <a:lstStyle/>
+                    <a:p>
+                      <a:pPr marL="0" marR="0" indent="0" algn="l" defTabSz="1088390" rtl="0" eaLnBrk="1" fontAlgn="auto" latinLnBrk="0" hangingPunct="1">
+                        <a:lnSpc>
+                          <a:spcPct val="100000"/>
+                        </a:lnSpc>
+                        <a:spcBef>
+                          <a:spcPts val="0"/>
+                        </a:spcBef>
+                        <a:spcAft>
+                          <a:spcPts val="0"/>
+                        </a:spcAft>
+                        <a:buClrTx/>
+                        <a:buSzTx/>
+                        <a:buFontTx/>
+                        <a:buNone/>
+                        <a:defRPr/>
+                      </a:pPr>
+                      <a:r>
+                        <a:rPr lang="en-US" altLang="zh-CN" sz="2400" b="0" dirty="0" smtClean="0">
+                          <a:solidFill>
+                            <a:schemeClr val="tx1"/>
+                          </a:solidFill>
+                        </a:rPr>
+                        <a:t>《</a:t>
+                      </a:r>
+                      <a:r>
+                        <a:rPr lang="zh-CN" altLang="en-US" sz="2400" b="0" dirty="0" smtClean="0">
+                          <a:solidFill>
+                            <a:schemeClr val="tx1"/>
+                          </a:solidFill>
+                        </a:rPr>
+                        <a:t>风险评估：理论方法与应用</a:t>
+                      </a:r>
+                      <a:r>
+                        <a:rPr lang="en-US" altLang="zh-CN" sz="2400" b="0" dirty="0" smtClean="0">
+                          <a:solidFill>
+                            <a:schemeClr val="tx1"/>
+                          </a:solidFill>
+                        </a:rPr>
+                        <a:t>》</a:t>
+                      </a:r>
+                    </a:p>
+                    <a:p>
+                      <a:pPr algn="l">
+                        <a:buNone/>
+                      </a:pPr>
+                      <a:endParaRPr lang="zh-CN" altLang="en-US" b="0" dirty="0">
+                        <a:solidFill>
+                          <a:schemeClr val="tx1"/>
+                        </a:solidFill>
+                      </a:endParaRPr>
+                    </a:p>
+                  </a:txBody>
+                  <a:tcPr>
+                    <a:solidFill>
+                      <a:schemeClr val="accent1">
+                        <a:lumMod val="40000"/>
+                        <a:lumOff val="60000"/>
+                      </a:schemeClr>
+                    </a:solidFill>
+                  </a:tcPr>
+                </a:tc>
+                <a:tc>
+                  <a:txBody>
+                    <a:bodyPr/>
+                    <a:lstStyle/>
+                    <a:p>
+                      <a:pPr algn="l"/>
+                      <a:r>
+                        <a:rPr lang="zh-CN" altLang="en-US" sz="2400" b="0" dirty="0" smtClean="0">
+                          <a:solidFill>
+                            <a:schemeClr val="tx1"/>
+                          </a:solidFill>
+                        </a:rPr>
+                        <a:t>作者</a:t>
+                      </a:r>
+                      <a:r>
+                        <a:rPr lang="en-US" altLang="zh-CN" sz="2400" b="0" dirty="0" smtClean="0">
+                          <a:solidFill>
+                            <a:schemeClr val="tx1"/>
+                          </a:solidFill>
+                        </a:rPr>
+                        <a:t>:Marvin </a:t>
+                      </a:r>
+                      <a:r>
+                        <a:rPr lang="en-US" altLang="zh-CN" sz="2400" b="0" dirty="0" err="1" smtClean="0">
+                          <a:solidFill>
+                            <a:schemeClr val="tx1"/>
+                          </a:solidFill>
+                        </a:rPr>
+                        <a:t>Rausand</a:t>
+                      </a:r>
+                      <a:r>
+                        <a:rPr lang="en-US" altLang="zh-CN" sz="2400" b="0" dirty="0" smtClean="0">
+                          <a:solidFill>
+                            <a:schemeClr val="tx1"/>
+                          </a:solidFill>
+                        </a:rPr>
+                        <a:t>     </a:t>
+                      </a:r>
+                    </a:p>
+                    <a:p>
+                      <a:pPr algn="l"/>
+                      <a:r>
+                        <a:rPr lang="zh-CN" altLang="en-US" sz="2400" b="0" dirty="0" smtClean="0">
+                          <a:solidFill>
+                            <a:schemeClr val="tx1"/>
+                          </a:solidFill>
+                        </a:rPr>
+                        <a:t>清华大学出版社</a:t>
+                      </a:r>
+                      <a:endParaRPr lang="en-US" altLang="zh-CN" sz="2400" b="0" dirty="0" smtClean="0">
+                        <a:solidFill>
+                          <a:schemeClr val="tx1"/>
+                        </a:solidFill>
+                      </a:endParaRPr>
+                    </a:p>
+                    <a:p>
+                      <a:pPr algn="l"/>
+                      <a:r>
+                        <a:rPr lang="en-US" altLang="zh-CN" sz="2400" b="0" dirty="0" smtClean="0">
+                          <a:solidFill>
+                            <a:schemeClr val="tx1"/>
+                          </a:solidFill>
+                        </a:rPr>
+                        <a:t>2013.06.01</a:t>
+                      </a:r>
+                      <a:endParaRPr lang="zh-CN" altLang="en-US" sz="2400" b="0" dirty="0">
+                        <a:solidFill>
+                          <a:schemeClr val="tx1"/>
+                        </a:solidFill>
+                      </a:endParaRPr>
+                    </a:p>
+                  </a:txBody>
+                  <a:tcPr>
+                    <a:solidFill>
+                      <a:schemeClr val="accent1">
+                        <a:lumMod val="40000"/>
+                        <a:lumOff val="60000"/>
+                      </a:schemeClr>
+                    </a:solidFill>
+                  </a:tcPr>
+                </a:tc>
+              </a:tr>
+              <a:tr h="1270000">
+                <a:tc>
+                  <a:txBody>
+                    <a:bodyPr/>
+                    <a:lstStyle/>
+                    <a:p>
+                      <a:pPr algn="l">
+                        <a:buNone/>
+                      </a:pPr>
+                      <a:r>
+                        <a:rPr lang="en-US" altLang="zh-CN" dirty="0" smtClean="0">
+                          <a:solidFill>
+                            <a:schemeClr val="tx1"/>
+                          </a:solidFill>
+                        </a:rPr>
+                        <a:t>《</a:t>
+                      </a:r>
+                      <a:r>
+                        <a:rPr lang="zh-CN" altLang="en-US" dirty="0" smtClean="0">
+                          <a:solidFill>
+                            <a:schemeClr val="tx1"/>
+                          </a:solidFill>
+                        </a:rPr>
+                        <a:t>软件需求（第</a:t>
+                      </a:r>
+                      <a:r>
+                        <a:rPr lang="en-US" altLang="zh-CN" dirty="0" smtClean="0">
+                          <a:solidFill>
+                            <a:schemeClr val="tx1"/>
+                          </a:solidFill>
+                        </a:rPr>
+                        <a:t>3</a:t>
+                      </a:r>
+                      <a:r>
+                        <a:rPr lang="zh-CN" altLang="en-US" dirty="0" smtClean="0">
+                          <a:solidFill>
+                            <a:schemeClr val="tx1"/>
+                          </a:solidFill>
+                        </a:rPr>
+                        <a:t>版）</a:t>
+                      </a:r>
+                      <a:r>
+                        <a:rPr lang="en-US" altLang="zh-CN" dirty="0" smtClean="0">
+                          <a:solidFill>
+                            <a:schemeClr val="tx1"/>
+                          </a:solidFill>
+                        </a:rPr>
+                        <a:t>》</a:t>
+                      </a:r>
+                    </a:p>
+                    <a:p>
+                      <a:pPr algn="l">
+                        <a:buNone/>
+                      </a:pPr>
+                      <a:r>
+                        <a:rPr lang="zh-CN" altLang="en-US" dirty="0" smtClean="0">
+                          <a:solidFill>
+                            <a:schemeClr val="tx1"/>
+                          </a:solidFill>
+                        </a:rPr>
+                        <a:t>（第</a:t>
+                      </a:r>
+                      <a:r>
+                        <a:rPr lang="en-US" altLang="zh-CN" dirty="0" smtClean="0">
+                          <a:solidFill>
+                            <a:schemeClr val="tx1"/>
+                          </a:solidFill>
+                        </a:rPr>
+                        <a:t>6</a:t>
+                      </a:r>
+                      <a:r>
+                        <a:rPr lang="zh-CN" altLang="en-US" dirty="0" smtClean="0">
+                          <a:solidFill>
+                            <a:schemeClr val="tx1"/>
+                          </a:solidFill>
+                        </a:rPr>
+                        <a:t>版）</a:t>
+                      </a:r>
+                      <a:endParaRPr lang="zh-CN" altLang="en-US" dirty="0">
+                        <a:solidFill>
+                          <a:schemeClr val="tx1"/>
+                        </a:solidFill>
+                      </a:endParaRPr>
                     </a:p>
                   </a:txBody>
                   <a:tcPr/>
@@ -18105,281 +17852,246 @@
                     <a:bodyPr/>
                     <a:lstStyle/>
                     <a:p>
-                      <a:r>
-                        <a:rPr lang="zh-CN" altLang="en-US" dirty="0" smtClean="0"/>
-                        <a:t>工作内容</a:t>
-                      </a:r>
-                      <a:endParaRPr lang="zh-CN" altLang="en-US" dirty="0"/>
+                      <a:pPr algn="l">
+                        <a:buNone/>
+                      </a:pPr>
+                      <a:r>
+                        <a:rPr lang="zh-CN" altLang="en-US" dirty="0" smtClean="0">
+                          <a:solidFill>
+                            <a:schemeClr val="tx1"/>
+                          </a:solidFill>
+                        </a:rPr>
+                        <a:t>作者：</a:t>
+                      </a:r>
+                      <a:r>
+                        <a:rPr lang="en-US" altLang="zh-CN" dirty="0" smtClean="0">
+                          <a:solidFill>
+                            <a:schemeClr val="tx1"/>
+                          </a:solidFill>
+                        </a:rPr>
+                        <a:t>Karl </a:t>
+                      </a:r>
+                      <a:r>
+                        <a:rPr lang="en-US" altLang="zh-CN" dirty="0" err="1" smtClean="0">
+                          <a:solidFill>
+                            <a:schemeClr val="tx1"/>
+                          </a:solidFill>
+                        </a:rPr>
+                        <a:t>Wigers</a:t>
+                      </a:r>
+                      <a:r>
+                        <a:rPr lang="en-US" altLang="zh-CN" baseline="0" dirty="0" smtClean="0">
+                          <a:solidFill>
+                            <a:schemeClr val="tx1"/>
+                          </a:solidFill>
+                        </a:rPr>
+                        <a:t>   Joy Beatty</a:t>
+                      </a:r>
+                    </a:p>
+                    <a:p>
+                      <a:pPr algn="l">
+                        <a:buNone/>
+                      </a:pPr>
+                      <a:r>
+                        <a:rPr lang="zh-CN" altLang="en-US" baseline="0" dirty="0" smtClean="0">
+                          <a:solidFill>
+                            <a:schemeClr val="tx1"/>
+                          </a:solidFill>
+                        </a:rPr>
+                        <a:t>清华大学出版社</a:t>
+                      </a:r>
+                      <a:endParaRPr lang="en-US" altLang="zh-CN" baseline="0" dirty="0" smtClean="0">
+                        <a:solidFill>
+                          <a:schemeClr val="tx1"/>
+                        </a:solidFill>
+                      </a:endParaRPr>
+                    </a:p>
+                    <a:p>
+                      <a:pPr algn="l">
+                        <a:buNone/>
+                      </a:pPr>
+                      <a:r>
+                        <a:rPr lang="en-US" altLang="zh-CN" baseline="0" dirty="0" smtClean="0">
+                          <a:solidFill>
+                            <a:schemeClr val="tx1"/>
+                          </a:solidFill>
+                        </a:rPr>
+                        <a:t>2013</a:t>
+                      </a:r>
+                      <a:r>
+                        <a:rPr lang="zh-CN" altLang="en-US" baseline="0" dirty="0" smtClean="0">
+                          <a:solidFill>
+                            <a:schemeClr val="tx1"/>
+                          </a:solidFill>
+                        </a:rPr>
+                        <a:t>年</a:t>
+                      </a:r>
+                      <a:r>
+                        <a:rPr lang="en-US" altLang="zh-CN" baseline="0" dirty="0" smtClean="0">
+                          <a:solidFill>
+                            <a:schemeClr val="tx1"/>
+                          </a:solidFill>
+                        </a:rPr>
+                        <a:t>8</a:t>
+                      </a:r>
+                      <a:r>
+                        <a:rPr lang="zh-CN" altLang="en-US" baseline="0" dirty="0" smtClean="0">
+                          <a:solidFill>
+                            <a:schemeClr val="tx1"/>
+                          </a:solidFill>
+                        </a:rPr>
+                        <a:t>月第</a:t>
+                      </a:r>
+                      <a:r>
+                        <a:rPr lang="en-US" altLang="zh-CN" baseline="0" dirty="0" smtClean="0">
+                          <a:solidFill>
+                            <a:schemeClr val="tx1"/>
+                          </a:solidFill>
+                        </a:rPr>
+                        <a:t>6</a:t>
+                      </a:r>
+                      <a:r>
+                        <a:rPr lang="zh-CN" altLang="en-US" baseline="0" dirty="0" smtClean="0">
+                          <a:solidFill>
+                            <a:schemeClr val="tx1"/>
+                          </a:solidFill>
+                        </a:rPr>
+                        <a:t>版</a:t>
+                      </a:r>
+                      <a:endParaRPr lang="en-US" altLang="zh-CN" dirty="0" smtClean="0">
+                        <a:solidFill>
+                          <a:schemeClr val="tx1"/>
+                        </a:solidFill>
+                      </a:endParaRPr>
                     </a:p>
                   </a:txBody>
                   <a:tcPr/>
                 </a:tc>
-                <a:tc>
-                  <a:txBody>
-                    <a:bodyPr/>
-                    <a:lstStyle/>
-                    <a:p>
-                      <a:r>
-                        <a:rPr lang="zh-CN" altLang="en-US" dirty="0" smtClean="0"/>
-                        <a:t>评价</a:t>
-                      </a:r>
-                      <a:endParaRPr lang="zh-CN" altLang="en-US" dirty="0"/>
-                    </a:p>
-                  </a:txBody>
-                  <a:tcPr/>
-                </a:tc>
               </a:tr>
-              <a:tr h="370840">
-                <a:tc>
-                  <a:txBody>
-                    <a:bodyPr/>
-                    <a:lstStyle/>
-                    <a:p>
-                      <a:r>
-                        <a:rPr lang="zh-CN" altLang="en-US" dirty="0" smtClean="0"/>
-                        <a:t>黄为波</a:t>
-                      </a:r>
-                      <a:endParaRPr lang="zh-CN" altLang="en-US" dirty="0"/>
-                    </a:p>
-                  </a:txBody>
-                  <a:tcPr/>
-                </a:tc>
-                <a:tc>
-                  <a:txBody>
-                    <a:bodyPr/>
-                    <a:lstStyle/>
-                    <a:p>
-                      <a:r>
-                        <a:rPr lang="en-US" altLang="zh-CN" dirty="0"/>
-                        <a:t>project,wbs,</a:t>
-                      </a:r>
-                      <a:r>
-                        <a:rPr lang="zh-CN" altLang="en-US" dirty="0"/>
-                        <a:t>项目章程</a:t>
-                      </a:r>
-                      <a:r>
-                        <a:rPr lang="en-US" altLang="zh-CN" dirty="0"/>
-                        <a:t>,</a:t>
-                      </a:r>
-                      <a:r>
-                        <a:rPr lang="zh-CN" altLang="en-US" dirty="0"/>
-                        <a:t>需求工程项目计划书起草</a:t>
-                      </a:r>
-                    </a:p>
-                  </a:txBody>
-                  <a:tcPr/>
-                </a:tc>
-                <a:tc>
-                  <a:txBody>
-                    <a:bodyPr/>
-                    <a:lstStyle/>
-                    <a:p>
-                      <a:r>
-                        <a:rPr lang="en-US" altLang="zh-CN" dirty="0" smtClean="0"/>
-                        <a:t>9.6</a:t>
-                      </a:r>
-                      <a:endParaRPr lang="en-US" altLang="zh-CN" dirty="0"/>
-                    </a:p>
-                  </a:txBody>
-                  <a:tcPr/>
-                </a:tc>
-              </a:tr>
-              <a:tr h="370840">
-                <a:tc>
-                  <a:txBody>
-                    <a:bodyPr/>
-                    <a:lstStyle/>
-                    <a:p>
-                      <a:r>
-                        <a:rPr lang="zh-CN" altLang="en-US" dirty="0" smtClean="0"/>
-                        <a:t>江亮儒</a:t>
-                      </a:r>
-                      <a:endParaRPr lang="zh-CN" altLang="en-US" dirty="0"/>
-                    </a:p>
-                  </a:txBody>
-                  <a:tcPr/>
-                </a:tc>
-                <a:tc>
-                  <a:txBody>
-                    <a:bodyPr/>
-                    <a:lstStyle/>
-                    <a:p>
-                      <a:r>
-                        <a:rPr lang="zh-CN" altLang="en-US" dirty="0"/>
-                        <a:t>可行性分析报告，</a:t>
-                      </a:r>
-                      <a:r>
-                        <a:rPr lang="en-US" altLang="zh-CN" dirty="0"/>
-                        <a:t>GIT</a:t>
-                      </a:r>
-                      <a:r>
-                        <a:rPr lang="zh-CN" altLang="en-US" dirty="0"/>
-                        <a:t>管理，支持条件，</a:t>
-                      </a:r>
-                    </a:p>
-                  </a:txBody>
-                  <a:tcPr/>
-                </a:tc>
-                <a:tc>
-                  <a:txBody>
-                    <a:bodyPr/>
-                    <a:lstStyle/>
-                    <a:p>
-                      <a:r>
-                        <a:rPr lang="en-US" altLang="zh-CN" dirty="0" smtClean="0"/>
-                        <a:t>9.7</a:t>
-                      </a:r>
-                      <a:endParaRPr lang="en-US" altLang="zh-CN" dirty="0"/>
-                    </a:p>
-                  </a:txBody>
-                  <a:tcPr/>
-                </a:tc>
-              </a:tr>
-              <a:tr h="370840">
-                <a:tc>
-                  <a:txBody>
-                    <a:bodyPr/>
-                    <a:lstStyle/>
-                    <a:p>
-                      <a:r>
-                        <a:rPr lang="zh-CN" altLang="en-US" dirty="0" smtClean="0"/>
-                        <a:t>陈子卿</a:t>
-                      </a:r>
-                      <a:endParaRPr lang="zh-CN" altLang="en-US" dirty="0"/>
-                    </a:p>
-                  </a:txBody>
-                  <a:tcPr/>
-                </a:tc>
-                <a:tc>
-                  <a:txBody>
-                    <a:bodyPr/>
-                    <a:lstStyle/>
-                    <a:p>
-                      <a:r>
-                        <a:rPr lang="zh-CN" altLang="en-US"/>
-                        <a:t>项目预算，成本管理，风险计划</a:t>
-                      </a:r>
-                    </a:p>
-                  </a:txBody>
-                  <a:tcPr/>
-                </a:tc>
-                <a:tc>
-                  <a:txBody>
-                    <a:bodyPr/>
-                    <a:lstStyle/>
-                    <a:p>
-                      <a:r>
-                        <a:rPr lang="en-US" altLang="zh-CN"/>
-                        <a:t>9.4</a:t>
-                      </a:r>
-                    </a:p>
-                  </a:txBody>
-                  <a:tcPr/>
-                </a:tc>
-              </a:tr>
-              <a:tr h="370840">
-                <a:tc>
-                  <a:txBody>
-                    <a:bodyPr/>
-                    <a:lstStyle/>
-                    <a:p>
-                      <a:r>
-                        <a:rPr lang="zh-CN" altLang="en-US" dirty="0" smtClean="0"/>
-                        <a:t>蔡峰</a:t>
-                      </a:r>
-                      <a:endParaRPr lang="zh-CN" altLang="en-US" dirty="0"/>
-                    </a:p>
-                  </a:txBody>
-                  <a:tcPr/>
-                </a:tc>
-                <a:tc>
-                  <a:txBody>
-                    <a:bodyPr/>
-                    <a:lstStyle/>
-                    <a:p>
-                      <a:r>
-                        <a:rPr lang="en-US" altLang="zh-CN"/>
-                        <a:t>OBS</a:t>
-                      </a:r>
-                      <a:r>
-                        <a:rPr lang="zh-CN" altLang="en-US"/>
-                        <a:t>，人力资源管理，沟通管理</a:t>
-                      </a:r>
-                    </a:p>
-                  </a:txBody>
-                  <a:tcPr/>
-                </a:tc>
-                <a:tc>
-                  <a:txBody>
-                    <a:bodyPr/>
-                    <a:lstStyle/>
-                    <a:p>
-                      <a:r>
-                        <a:rPr lang="en-US" altLang="zh-CN" dirty="0" smtClean="0"/>
-                        <a:t>9.3</a:t>
-                      </a:r>
-                      <a:endParaRPr lang="en-US" altLang="zh-CN" dirty="0"/>
-                    </a:p>
-                  </a:txBody>
-                  <a:tcPr/>
-                </a:tc>
-              </a:tr>
-              <a:tr h="370840">
-                <a:tc>
-                  <a:txBody>
-                    <a:bodyPr/>
-                    <a:lstStyle/>
-                    <a:p>
-                      <a:r>
-                        <a:rPr lang="zh-CN" altLang="en-US" dirty="0" smtClean="0"/>
-                        <a:t>苏雨豪</a:t>
-                      </a:r>
-                      <a:endParaRPr lang="zh-CN" altLang="en-US" dirty="0"/>
-                    </a:p>
-                  </a:txBody>
-                  <a:tcPr/>
-                </a:tc>
-                <a:tc>
-                  <a:txBody>
-                    <a:bodyPr/>
-                    <a:lstStyle/>
-                    <a:p>
-                      <a:r>
-                        <a:rPr lang="zh-CN" altLang="en-US"/>
-                        <a:t>答辩</a:t>
-                      </a:r>
-                      <a:r>
-                        <a:rPr lang="en-US" altLang="zh-CN"/>
-                        <a:t>PPT</a:t>
-                      </a:r>
-                      <a:r>
-                        <a:rPr lang="zh-CN" altLang="en-US"/>
-                        <a:t>的制作，</a:t>
-                      </a:r>
-                      <a:r>
-                        <a:rPr lang="en-US" altLang="zh-CN"/>
-                        <a:t>wbs-io</a:t>
-                      </a:r>
-                      <a:r>
-                        <a:rPr lang="zh-CN" altLang="en-US"/>
-                        <a:t>的制作</a:t>
-                      </a:r>
-                    </a:p>
-                  </a:txBody>
-                  <a:tcPr/>
-                </a:tc>
-                <a:tc>
-                  <a:txBody>
-                    <a:bodyPr/>
-                    <a:lstStyle/>
-                    <a:p>
-                      <a:r>
-                        <a:rPr lang="en-US" altLang="zh-CN" dirty="0"/>
-                        <a:t>9.5</a:t>
-                      </a:r>
-                    </a:p>
-                  </a:txBody>
-                  <a:tcPr/>
+              <a:tr h="1271270">
+                <a:tc>
+                  <a:txBody>
+                    <a:bodyPr/>
+                    <a:lstStyle/>
+                    <a:p>
+                      <a:pPr algn="l">
+                        <a:buNone/>
+                      </a:pPr>
+                      <a:r>
+                        <a:rPr lang="en-US" altLang="zh-CN" dirty="0" smtClean="0">
+                          <a:solidFill>
+                            <a:schemeClr val="tx1"/>
+                          </a:solidFill>
+                        </a:rPr>
+                        <a:t>《</a:t>
+                      </a:r>
+                      <a:r>
+                        <a:rPr lang="zh-CN" altLang="en-US" dirty="0" smtClean="0">
+                          <a:solidFill>
+                            <a:schemeClr val="tx1"/>
+                          </a:solidFill>
+                        </a:rPr>
+                        <a:t>软件开发的过程与管理</a:t>
+                      </a:r>
+                      <a:r>
+                        <a:rPr lang="en-US" altLang="zh-CN" dirty="0" smtClean="0">
+                          <a:solidFill>
+                            <a:schemeClr val="tx1"/>
+                          </a:solidFill>
+                        </a:rPr>
+                        <a:t>》</a:t>
+                      </a:r>
+                      <a:endParaRPr lang="zh-CN" altLang="en-US" dirty="0">
+                        <a:solidFill>
+                          <a:schemeClr val="tx1"/>
+                        </a:solidFill>
+                      </a:endParaRPr>
+                    </a:p>
+                  </a:txBody>
+                  <a:tcPr>
+                    <a:solidFill>
+                      <a:schemeClr val="accent1">
+                        <a:lumMod val="40000"/>
+                        <a:lumOff val="60000"/>
+                      </a:schemeClr>
+                    </a:solidFill>
+                  </a:tcPr>
+                </a:tc>
+                <a:tc>
+                  <a:txBody>
+                    <a:bodyPr/>
+                    <a:lstStyle/>
+                    <a:p>
+                      <a:pPr algn="l">
+                        <a:buNone/>
+                      </a:pPr>
+                      <a:r>
+                        <a:rPr lang="zh-CN" altLang="en-US" dirty="0" smtClean="0">
+                          <a:solidFill>
+                            <a:schemeClr val="tx1"/>
+                          </a:solidFill>
+                        </a:rPr>
+                        <a:t>作者：张湘辉</a:t>
+                      </a:r>
+                      <a:endParaRPr lang="en-US" altLang="zh-CN" dirty="0" smtClean="0">
+                        <a:solidFill>
+                          <a:schemeClr val="tx1"/>
+                        </a:solidFill>
+                      </a:endParaRPr>
+                    </a:p>
+                    <a:p>
+                      <a:pPr algn="l">
+                        <a:buNone/>
+                      </a:pPr>
+                      <a:r>
+                        <a:rPr lang="zh-CN" altLang="en-US" dirty="0" smtClean="0">
+                          <a:solidFill>
+                            <a:schemeClr val="tx1"/>
+                          </a:solidFill>
+                        </a:rPr>
+                        <a:t>清华大学出版社</a:t>
+                      </a:r>
+                      <a:endParaRPr lang="en-US" altLang="zh-CN" dirty="0" smtClean="0">
+                        <a:solidFill>
+                          <a:schemeClr val="tx1"/>
+                        </a:solidFill>
+                      </a:endParaRPr>
+                    </a:p>
+                    <a:p>
+                      <a:pPr algn="l">
+                        <a:buNone/>
+                      </a:pPr>
+                      <a:r>
+                        <a:rPr lang="en-US" altLang="zh-CN" dirty="0" smtClean="0">
+                          <a:solidFill>
+                            <a:schemeClr val="tx1"/>
+                          </a:solidFill>
+                        </a:rPr>
+                        <a:t>2005</a:t>
+                      </a:r>
+                      <a:r>
+                        <a:rPr lang="zh-CN" altLang="en-US" dirty="0" smtClean="0">
+                          <a:solidFill>
+                            <a:schemeClr val="tx1"/>
+                          </a:solidFill>
+                        </a:rPr>
+                        <a:t>年</a:t>
+                      </a:r>
+                      <a:endParaRPr lang="zh-CN" altLang="en-US" dirty="0">
+                        <a:solidFill>
+                          <a:schemeClr val="tx1"/>
+                        </a:solidFill>
+                      </a:endParaRPr>
+                    </a:p>
+                  </a:txBody>
+                  <a:tcPr>
+                    <a:solidFill>
+                      <a:schemeClr val="accent1">
+                        <a:lumMod val="40000"/>
+                        <a:lumOff val="60000"/>
+                      </a:schemeClr>
+                    </a:solidFill>
+                  </a:tcPr>
                 </a:tc>
               </a:tr>
             </a:tbl>
@@ -18666,6 +18378,728 @@
 </file>
 
 <file path=ppt/slides/slide21.xml><?xml version="1.0" encoding="utf-8"?>
+<p:sld xmlns:a="http://schemas.openxmlformats.org/drawingml/2006/main" xmlns:r="http://schemas.openxmlformats.org/officeDocument/2006/relationships" xmlns:p="http://schemas.openxmlformats.org/presentationml/2006/main">
+  <p:cSld>
+    <p:spTree>
+      <p:nvGrpSpPr>
+        <p:cNvPr id="1" name=""/>
+        <p:cNvGrpSpPr/>
+        <p:nvPr/>
+      </p:nvGrpSpPr>
+      <p:grpSpPr>
+        <a:xfrm>
+          <a:off x="0" y="0"/>
+          <a:ext cx="0" cy="0"/>
+          <a:chOff x="0" y="0"/>
+          <a:chExt cx="0" cy="0"/>
+        </a:xfrm>
+      </p:grpSpPr>
+      <p:sp>
+        <p:nvSpPr>
+          <p:cNvPr id="36" name="矩形 35"/>
+          <p:cNvSpPr/>
+          <p:nvPr/>
+        </p:nvSpPr>
+        <p:spPr>
+          <a:xfrm>
+            <a:off x="-106680" y="0"/>
+            <a:ext cx="2938780" cy="6859270"/>
+          </a:xfrm>
+          <a:prstGeom prst="rect">
+            <a:avLst/>
+          </a:prstGeom>
+          <a:solidFill>
+            <a:srgbClr val="38B1BF"/>
+          </a:solidFill>
+          <a:ln>
+            <a:noFill/>
+          </a:ln>
+          <a:effectLst>
+            <a:outerShdw blurRad="50800" dist="38100" dir="2700000" algn="tl" rotWithShape="0">
+              <a:prstClr val="black">
+                <a:alpha val="40000"/>
+              </a:prstClr>
+            </a:outerShdw>
+          </a:effectLst>
+          <a:scene3d>
+            <a:camera prst="orthographicFront"/>
+            <a:lightRig rig="threePt" dir="t"/>
+          </a:scene3d>
+          <a:sp3d/>
+        </p:spPr>
+        <p:style>
+          <a:lnRef idx="1">
+            <a:schemeClr val="accent1"/>
+          </a:lnRef>
+          <a:fillRef idx="0">
+            <a:schemeClr val="accent1"/>
+          </a:fillRef>
+          <a:effectRef idx="0">
+            <a:schemeClr val="accent1"/>
+          </a:effectRef>
+          <a:fontRef idx="minor">
+            <a:schemeClr val="tx1"/>
+          </a:fontRef>
+        </p:style>
+        <p:txBody>
+          <a:bodyPr rot="0" spcFirstLastPara="0" vertOverflow="overflow" horzOverflow="overflow" vert="horz" wrap="square" lIns="91440" tIns="45720" rIns="91440" bIns="45720" numCol="1" spcCol="0" rtlCol="0" fromWordArt="0" anchor="ctr" anchorCtr="0" forceAA="0" compatLnSpc="1">
+            <a:noAutofit/>
+          </a:bodyPr>
+          <a:lstStyle/>
+          <a:p>
+            <a:pPr algn="ctr"/>
+            <a:endParaRPr lang="zh-CN" altLang="en-US"/>
+          </a:p>
+        </p:txBody>
+      </p:sp>
+      <p:sp>
+        <p:nvSpPr>
+          <p:cNvPr id="37" name="TextBox 36"/>
+          <p:cNvSpPr txBox="1"/>
+          <p:nvPr/>
+        </p:nvSpPr>
+        <p:spPr>
+          <a:xfrm>
+            <a:off x="-276651" y="2922512"/>
+            <a:ext cx="2808312" cy="614045"/>
+          </a:xfrm>
+          <a:prstGeom prst="rect">
+            <a:avLst/>
+          </a:prstGeom>
+          <a:noFill/>
+        </p:spPr>
+        <p:txBody>
+          <a:bodyPr wrap="square" lIns="121948" tIns="60973" rIns="121948" bIns="60973">
+            <a:spAutoFit/>
+          </a:bodyPr>
+          <a:lstStyle/>
+          <a:p>
+            <a:pPr algn="r">
+              <a:defRPr/>
+            </a:pPr>
+            <a:r>
+              <a:rPr lang="zh-CN" sz="3200" b="1" dirty="0">
+                <a:solidFill>
+                  <a:schemeClr val="bg1"/>
+                </a:solidFill>
+                <a:latin typeface="微软雅黑" panose="020B0503020204020204" pitchFamily="34" charset="-122"/>
+                <a:ea typeface="微软雅黑" panose="020B0503020204020204" pitchFamily="34" charset="-122"/>
+              </a:rPr>
+              <a:t>分工及考评</a:t>
+            </a:r>
+          </a:p>
+        </p:txBody>
+      </p:sp>
+      <p:graphicFrame>
+        <p:nvGraphicFramePr>
+          <p:cNvPr id="4" name="表格 3"/>
+          <p:cNvGraphicFramePr>
+            <a:graphicFrameLocks noGrp="1"/>
+          </p:cNvGraphicFramePr>
+          <p:nvPr>
+            <p:extLst>
+              <p:ext uri="{D42A27DB-BD31-4B8C-83A1-F6EECF244321}">
+                <p14:modId xmlns:p14="http://schemas.microsoft.com/office/powerpoint/2010/main" val="3547414876"/>
+              </p:ext>
+            </p:extLst>
+          </p:nvPr>
+        </p:nvGraphicFramePr>
+        <p:xfrm>
+          <a:off x="3214886" y="1485578"/>
+          <a:ext cx="8126943" cy="4389120"/>
+        </p:xfrm>
+        <a:graphic>
+          <a:graphicData uri="http://schemas.openxmlformats.org/drawingml/2006/table">
+            <a:tbl>
+              <a:tblPr firstRow="1" bandRow="1">
+                <a:tableStyleId>{5C22544A-7EE6-4342-B048-85BDC9FD1C3A}</a:tableStyleId>
+              </a:tblPr>
+              <a:tblGrid>
+                <a:gridCol w="2708981"/>
+                <a:gridCol w="2708981"/>
+                <a:gridCol w="2708981"/>
+              </a:tblGrid>
+              <a:tr h="370840">
+                <a:tc>
+                  <a:txBody>
+                    <a:bodyPr/>
+                    <a:lstStyle/>
+                    <a:p>
+                      <a:r>
+                        <a:rPr lang="zh-CN" altLang="en-US" dirty="0" smtClean="0"/>
+                        <a:t>组员</a:t>
+                      </a:r>
+                      <a:endParaRPr lang="zh-CN" altLang="en-US" dirty="0"/>
+                    </a:p>
+                  </a:txBody>
+                  <a:tcPr/>
+                </a:tc>
+                <a:tc>
+                  <a:txBody>
+                    <a:bodyPr/>
+                    <a:lstStyle/>
+                    <a:p>
+                      <a:r>
+                        <a:rPr lang="zh-CN" altLang="en-US" dirty="0" smtClean="0"/>
+                        <a:t>工作内容</a:t>
+                      </a:r>
+                      <a:endParaRPr lang="zh-CN" altLang="en-US" dirty="0"/>
+                    </a:p>
+                  </a:txBody>
+                  <a:tcPr/>
+                </a:tc>
+                <a:tc>
+                  <a:txBody>
+                    <a:bodyPr/>
+                    <a:lstStyle/>
+                    <a:p>
+                      <a:r>
+                        <a:rPr lang="zh-CN" altLang="en-US" dirty="0" smtClean="0"/>
+                        <a:t>评价</a:t>
+                      </a:r>
+                      <a:endParaRPr lang="zh-CN" altLang="en-US" dirty="0"/>
+                    </a:p>
+                  </a:txBody>
+                  <a:tcPr/>
+                </a:tc>
+              </a:tr>
+              <a:tr h="370840">
+                <a:tc>
+                  <a:txBody>
+                    <a:bodyPr/>
+                    <a:lstStyle/>
+                    <a:p>
+                      <a:r>
+                        <a:rPr lang="zh-CN" altLang="en-US" dirty="0" smtClean="0"/>
+                        <a:t>黄为波</a:t>
+                      </a:r>
+                      <a:endParaRPr lang="zh-CN" altLang="en-US" dirty="0"/>
+                    </a:p>
+                  </a:txBody>
+                  <a:tcPr/>
+                </a:tc>
+                <a:tc>
+                  <a:txBody>
+                    <a:bodyPr/>
+                    <a:lstStyle/>
+                    <a:p>
+                      <a:r>
+                        <a:rPr lang="en-US" altLang="zh-CN" dirty="0"/>
+                        <a:t>project,wbs,</a:t>
+                      </a:r>
+                      <a:r>
+                        <a:rPr lang="zh-CN" altLang="en-US" dirty="0"/>
+                        <a:t>项目章程</a:t>
+                      </a:r>
+                      <a:r>
+                        <a:rPr lang="en-US" altLang="zh-CN" dirty="0"/>
+                        <a:t>,</a:t>
+                      </a:r>
+                      <a:r>
+                        <a:rPr lang="zh-CN" altLang="en-US" dirty="0"/>
+                        <a:t>需求工程项目计划书起草</a:t>
+                      </a:r>
+                    </a:p>
+                  </a:txBody>
+                  <a:tcPr/>
+                </a:tc>
+                <a:tc>
+                  <a:txBody>
+                    <a:bodyPr/>
+                    <a:lstStyle/>
+                    <a:p>
+                      <a:r>
+                        <a:rPr lang="en-US" altLang="zh-CN" dirty="0" smtClean="0"/>
+                        <a:t>9.6</a:t>
+                      </a:r>
+                      <a:endParaRPr lang="en-US" altLang="zh-CN" dirty="0"/>
+                    </a:p>
+                  </a:txBody>
+                  <a:tcPr/>
+                </a:tc>
+              </a:tr>
+              <a:tr h="370840">
+                <a:tc>
+                  <a:txBody>
+                    <a:bodyPr/>
+                    <a:lstStyle/>
+                    <a:p>
+                      <a:r>
+                        <a:rPr lang="zh-CN" altLang="en-US" dirty="0" smtClean="0"/>
+                        <a:t>江亮儒</a:t>
+                      </a:r>
+                      <a:endParaRPr lang="zh-CN" altLang="en-US" dirty="0"/>
+                    </a:p>
+                  </a:txBody>
+                  <a:tcPr/>
+                </a:tc>
+                <a:tc>
+                  <a:txBody>
+                    <a:bodyPr/>
+                    <a:lstStyle/>
+                    <a:p>
+                      <a:r>
+                        <a:rPr lang="zh-CN" altLang="en-US" dirty="0"/>
+                        <a:t>可行性分析报告，</a:t>
+                      </a:r>
+                      <a:r>
+                        <a:rPr lang="en-US" altLang="zh-CN" dirty="0"/>
+                        <a:t>GIT</a:t>
+                      </a:r>
+                      <a:r>
+                        <a:rPr lang="zh-CN" altLang="en-US" dirty="0"/>
+                        <a:t>管理，支持条件，</a:t>
+                      </a:r>
+                    </a:p>
+                  </a:txBody>
+                  <a:tcPr/>
+                </a:tc>
+                <a:tc>
+                  <a:txBody>
+                    <a:bodyPr/>
+                    <a:lstStyle/>
+                    <a:p>
+                      <a:r>
+                        <a:rPr lang="en-US" altLang="zh-CN" dirty="0" smtClean="0"/>
+                        <a:t>9.7</a:t>
+                      </a:r>
+                      <a:endParaRPr lang="en-US" altLang="zh-CN" dirty="0"/>
+                    </a:p>
+                  </a:txBody>
+                  <a:tcPr/>
+                </a:tc>
+              </a:tr>
+              <a:tr h="370840">
+                <a:tc>
+                  <a:txBody>
+                    <a:bodyPr/>
+                    <a:lstStyle/>
+                    <a:p>
+                      <a:r>
+                        <a:rPr lang="zh-CN" altLang="en-US" dirty="0" smtClean="0"/>
+                        <a:t>陈子卿</a:t>
+                      </a:r>
+                      <a:endParaRPr lang="zh-CN" altLang="en-US" dirty="0"/>
+                    </a:p>
+                  </a:txBody>
+                  <a:tcPr/>
+                </a:tc>
+                <a:tc>
+                  <a:txBody>
+                    <a:bodyPr/>
+                    <a:lstStyle/>
+                    <a:p>
+                      <a:r>
+                        <a:rPr lang="zh-CN" altLang="en-US"/>
+                        <a:t>项目预算，成本管理，风险计划</a:t>
+                      </a:r>
+                    </a:p>
+                  </a:txBody>
+                  <a:tcPr/>
+                </a:tc>
+                <a:tc>
+                  <a:txBody>
+                    <a:bodyPr/>
+                    <a:lstStyle/>
+                    <a:p>
+                      <a:r>
+                        <a:rPr lang="en-US" altLang="zh-CN"/>
+                        <a:t>9.4</a:t>
+                      </a:r>
+                    </a:p>
+                  </a:txBody>
+                  <a:tcPr/>
+                </a:tc>
+              </a:tr>
+              <a:tr h="370840">
+                <a:tc>
+                  <a:txBody>
+                    <a:bodyPr/>
+                    <a:lstStyle/>
+                    <a:p>
+                      <a:r>
+                        <a:rPr lang="zh-CN" altLang="en-US" dirty="0" smtClean="0"/>
+                        <a:t>蔡峰</a:t>
+                      </a:r>
+                      <a:endParaRPr lang="zh-CN" altLang="en-US" dirty="0"/>
+                    </a:p>
+                  </a:txBody>
+                  <a:tcPr/>
+                </a:tc>
+                <a:tc>
+                  <a:txBody>
+                    <a:bodyPr/>
+                    <a:lstStyle/>
+                    <a:p>
+                      <a:r>
+                        <a:rPr lang="en-US" altLang="zh-CN"/>
+                        <a:t>OBS</a:t>
+                      </a:r>
+                      <a:r>
+                        <a:rPr lang="zh-CN" altLang="en-US"/>
+                        <a:t>，人力资源管理，沟通管理</a:t>
+                      </a:r>
+                    </a:p>
+                  </a:txBody>
+                  <a:tcPr/>
+                </a:tc>
+                <a:tc>
+                  <a:txBody>
+                    <a:bodyPr/>
+                    <a:lstStyle/>
+                    <a:p>
+                      <a:r>
+                        <a:rPr lang="en-US" altLang="zh-CN" dirty="0" smtClean="0"/>
+                        <a:t>9.3</a:t>
+                      </a:r>
+                      <a:endParaRPr lang="en-US" altLang="zh-CN" dirty="0"/>
+                    </a:p>
+                  </a:txBody>
+                  <a:tcPr/>
+                </a:tc>
+              </a:tr>
+              <a:tr h="370840">
+                <a:tc>
+                  <a:txBody>
+                    <a:bodyPr/>
+                    <a:lstStyle/>
+                    <a:p>
+                      <a:r>
+                        <a:rPr lang="zh-CN" altLang="en-US" dirty="0" smtClean="0"/>
+                        <a:t>苏雨豪</a:t>
+                      </a:r>
+                      <a:endParaRPr lang="zh-CN" altLang="en-US" dirty="0"/>
+                    </a:p>
+                  </a:txBody>
+                  <a:tcPr/>
+                </a:tc>
+                <a:tc>
+                  <a:txBody>
+                    <a:bodyPr/>
+                    <a:lstStyle/>
+                    <a:p>
+                      <a:r>
+                        <a:rPr lang="zh-CN" altLang="en-US"/>
+                        <a:t>答辩</a:t>
+                      </a:r>
+                      <a:r>
+                        <a:rPr lang="en-US" altLang="zh-CN"/>
+                        <a:t>PPT</a:t>
+                      </a:r>
+                      <a:r>
+                        <a:rPr lang="zh-CN" altLang="en-US"/>
+                        <a:t>的制作，</a:t>
+                      </a:r>
+                      <a:r>
+                        <a:rPr lang="en-US" altLang="zh-CN"/>
+                        <a:t>wbs-io</a:t>
+                      </a:r>
+                      <a:r>
+                        <a:rPr lang="zh-CN" altLang="en-US"/>
+                        <a:t>的制作</a:t>
+                      </a:r>
+                    </a:p>
+                  </a:txBody>
+                  <a:tcPr/>
+                </a:tc>
+                <a:tc>
+                  <a:txBody>
+                    <a:bodyPr/>
+                    <a:lstStyle/>
+                    <a:p>
+                      <a:r>
+                        <a:rPr lang="en-US" altLang="zh-CN" dirty="0"/>
+                        <a:t>9.5</a:t>
+                      </a:r>
+                    </a:p>
+                  </a:txBody>
+                  <a:tcPr/>
+                </a:tc>
+              </a:tr>
+            </a:tbl>
+          </a:graphicData>
+        </a:graphic>
+      </p:graphicFrame>
+    </p:spTree>
+  </p:cSld>
+  <p:clrMapOvr>
+    <a:masterClrMapping/>
+  </p:clrMapOvr>
+  <mc:AlternateContent xmlns:mc="http://schemas.openxmlformats.org/markup-compatibility/2006" xmlns:p14="http://schemas.microsoft.com/office/powerpoint/2010/main">
+    <mc:Choice Requires="p14">
+      <p:transition spd="slow" p14:dur="1200" advClick="0" advTm="0">
+        <p14:prism/>
+      </p:transition>
+    </mc:Choice>
+    <mc:Fallback xmlns="">
+      <p:transition spd="slow" advClick="0" advTm="0">
+        <p:fade/>
+      </p:transition>
+    </mc:Fallback>
+  </mc:AlternateContent>
+  <p:timing>
+    <p:tnLst>
+      <p:par>
+        <p:cTn id="1" dur="indefinite" restart="never" nodeType="tmRoot">
+          <p:childTnLst>
+            <p:seq concurrent="1" nextAc="seek">
+              <p:cTn id="2" dur="indefinite" nodeType="mainSeq">
+                <p:childTnLst>
+                  <p:par>
+                    <p:cTn id="3" fill="hold">
+                      <p:stCondLst>
+                        <p:cond delay="indefinite"/>
+                        <p:cond evt="onBegin" delay="0">
+                          <p:tn val="2"/>
+                        </p:cond>
+                      </p:stCondLst>
+                      <p:childTnLst>
+                        <p:par>
+                          <p:cTn id="4" fill="hold">
+                            <p:stCondLst>
+                              <p:cond delay="0"/>
+                            </p:stCondLst>
+                            <p:childTnLst>
+                              <p:par>
+                                <p:cTn id="5" presetID="2" presetClass="entr" presetSubtype="8" fill="hold" grpId="0" nodeType="afterEffect">
+                                  <p:stCondLst>
+                                    <p:cond delay="0"/>
+                                  </p:stCondLst>
+                                  <p:childTnLst>
+                                    <p:set>
+                                      <p:cBhvr>
+                                        <p:cTn id="6" dur="1" fill="hold">
+                                          <p:stCondLst>
+                                            <p:cond delay="0"/>
+                                          </p:stCondLst>
+                                        </p:cTn>
+                                        <p:tgtEl>
+                                          <p:spTgt spid="36"/>
+                                        </p:tgtEl>
+                                        <p:attrNameLst>
+                                          <p:attrName>style.visibility</p:attrName>
+                                        </p:attrNameLst>
+                                      </p:cBhvr>
+                                      <p:to>
+                                        <p:strVal val="visible"/>
+                                      </p:to>
+                                    </p:set>
+                                    <p:anim calcmode="lin" valueType="num">
+                                      <p:cBhvr additive="base">
+                                        <p:cTn id="7" dur="500" fill="hold"/>
+                                        <p:tgtEl>
+                                          <p:spTgt spid="36"/>
+                                        </p:tgtEl>
+                                        <p:attrNameLst>
+                                          <p:attrName>ppt_x</p:attrName>
+                                        </p:attrNameLst>
+                                      </p:cBhvr>
+                                      <p:tavLst>
+                                        <p:tav tm="0">
+                                          <p:val>
+                                            <p:strVal val="0-#ppt_w/2"/>
+                                          </p:val>
+                                        </p:tav>
+                                        <p:tav tm="100000">
+                                          <p:val>
+                                            <p:strVal val="#ppt_x"/>
+                                          </p:val>
+                                        </p:tav>
+                                      </p:tavLst>
+                                    </p:anim>
+                                    <p:anim calcmode="lin" valueType="num">
+                                      <p:cBhvr additive="base">
+                                        <p:cTn id="8" dur="500" fill="hold"/>
+                                        <p:tgtEl>
+                                          <p:spTgt spid="36"/>
+                                        </p:tgtEl>
+                                        <p:attrNameLst>
+                                          <p:attrName>ppt_y</p:attrName>
+                                        </p:attrNameLst>
+                                      </p:cBhvr>
+                                      <p:tavLst>
+                                        <p:tav tm="0">
+                                          <p:val>
+                                            <p:strVal val="#ppt_y"/>
+                                          </p:val>
+                                        </p:tav>
+                                        <p:tav tm="100000">
+                                          <p:val>
+                                            <p:strVal val="#ppt_y"/>
+                                          </p:val>
+                                        </p:tav>
+                                      </p:tavLst>
+                                    </p:anim>
+                                  </p:childTnLst>
+                                </p:cTn>
+                              </p:par>
+                            </p:childTnLst>
+                          </p:cTn>
+                        </p:par>
+                        <p:par>
+                          <p:cTn id="9" fill="hold">
+                            <p:stCondLst>
+                              <p:cond delay="500"/>
+                            </p:stCondLst>
+                            <p:childTnLst>
+                              <p:par>
+                                <p:cTn id="10" presetID="17" presetClass="entr" presetSubtype="1" fill="hold" grpId="0" nodeType="afterEffect">
+                                  <p:stCondLst>
+                                    <p:cond delay="0"/>
+                                  </p:stCondLst>
+                                  <p:iterate type="lt">
+                                    <p:tmPct val="40000"/>
+                                  </p:iterate>
+                                  <p:childTnLst>
+                                    <p:set>
+                                      <p:cBhvr>
+                                        <p:cTn id="11" dur="1" fill="hold">
+                                          <p:stCondLst>
+                                            <p:cond delay="0"/>
+                                          </p:stCondLst>
+                                        </p:cTn>
+                                        <p:tgtEl>
+                                          <p:spTgt spid="37"/>
+                                        </p:tgtEl>
+                                        <p:attrNameLst>
+                                          <p:attrName>style.visibility</p:attrName>
+                                        </p:attrNameLst>
+                                      </p:cBhvr>
+                                      <p:to>
+                                        <p:strVal val="visible"/>
+                                      </p:to>
+                                    </p:set>
+                                    <p:anim calcmode="lin" valueType="num">
+                                      <p:cBhvr>
+                                        <p:cTn id="12" dur="250" fill="hold"/>
+                                        <p:tgtEl>
+                                          <p:spTgt spid="37"/>
+                                        </p:tgtEl>
+                                        <p:attrNameLst>
+                                          <p:attrName>ppt_x</p:attrName>
+                                        </p:attrNameLst>
+                                      </p:cBhvr>
+                                      <p:tavLst>
+                                        <p:tav tm="0">
+                                          <p:val>
+                                            <p:strVal val="#ppt_x"/>
+                                          </p:val>
+                                        </p:tav>
+                                        <p:tav tm="100000">
+                                          <p:val>
+                                            <p:strVal val="#ppt_x"/>
+                                          </p:val>
+                                        </p:tav>
+                                      </p:tavLst>
+                                    </p:anim>
+                                    <p:anim calcmode="lin" valueType="num">
+                                      <p:cBhvr>
+                                        <p:cTn id="13" dur="250" fill="hold"/>
+                                        <p:tgtEl>
+                                          <p:spTgt spid="37"/>
+                                        </p:tgtEl>
+                                        <p:attrNameLst>
+                                          <p:attrName>ppt_y</p:attrName>
+                                        </p:attrNameLst>
+                                      </p:cBhvr>
+                                      <p:tavLst>
+                                        <p:tav tm="0">
+                                          <p:val>
+                                            <p:strVal val="#ppt_y-#ppt_h/2"/>
+                                          </p:val>
+                                        </p:tav>
+                                        <p:tav tm="100000">
+                                          <p:val>
+                                            <p:strVal val="#ppt_y"/>
+                                          </p:val>
+                                        </p:tav>
+                                      </p:tavLst>
+                                    </p:anim>
+                                    <p:anim calcmode="lin" valueType="num">
+                                      <p:cBhvr>
+                                        <p:cTn id="14" dur="250" fill="hold"/>
+                                        <p:tgtEl>
+                                          <p:spTgt spid="37"/>
+                                        </p:tgtEl>
+                                        <p:attrNameLst>
+                                          <p:attrName>ppt_w</p:attrName>
+                                        </p:attrNameLst>
+                                      </p:cBhvr>
+                                      <p:tavLst>
+                                        <p:tav tm="0">
+                                          <p:val>
+                                            <p:strVal val="#ppt_w"/>
+                                          </p:val>
+                                        </p:tav>
+                                        <p:tav tm="100000">
+                                          <p:val>
+                                            <p:strVal val="#ppt_w"/>
+                                          </p:val>
+                                        </p:tav>
+                                      </p:tavLst>
+                                    </p:anim>
+                                    <p:anim calcmode="lin" valueType="num">
+                                      <p:cBhvr>
+                                        <p:cTn id="15" dur="250" fill="hold"/>
+                                        <p:tgtEl>
+                                          <p:spTgt spid="37"/>
+                                        </p:tgtEl>
+                                        <p:attrNameLst>
+                                          <p:attrName>ppt_h</p:attrName>
+                                        </p:attrNameLst>
+                                      </p:cBhvr>
+                                      <p:tavLst>
+                                        <p:tav tm="0">
+                                          <p:val>
+                                            <p:fltVal val="0"/>
+                                          </p:val>
+                                        </p:tav>
+                                        <p:tav tm="100000">
+                                          <p:val>
+                                            <p:strVal val="#ppt_h"/>
+                                          </p:val>
+                                        </p:tav>
+                                      </p:tavLst>
+                                    </p:anim>
+                                  </p:childTnLst>
+                                </p:cTn>
+                              </p:par>
+                            </p:childTnLst>
+                          </p:cTn>
+                        </p:par>
+                      </p:childTnLst>
+                    </p:cTn>
+                  </p:par>
+                </p:childTnLst>
+              </p:cTn>
+              <p:prevCondLst>
+                <p:cond evt="onPrev" delay="0">
+                  <p:tgtEl>
+                    <p:sldTgt/>
+                  </p:tgtEl>
+                </p:cond>
+              </p:prevCondLst>
+              <p:nextCondLst>
+                <p:cond evt="onNext" delay="0">
+                  <p:tgtEl>
+                    <p:sldTgt/>
+                  </p:tgtEl>
+                </p:cond>
+              </p:nextCondLst>
+            </p:seq>
+          </p:childTnLst>
+        </p:cTn>
+      </p:par>
+    </p:tnLst>
+    <p:bldLst>
+      <p:bldP spid="36" grpId="0" bldLvl="0" animBg="1"/>
+      <p:bldP spid="37" grpId="0"/>
+    </p:bldLst>
+  </p:timing>
+</p:sld>
+</file>
+
+<file path=ppt/slides/slide22.xml><?xml version="1.0" encoding="utf-8"?>
 <p:sld xmlns:a="http://schemas.openxmlformats.org/drawingml/2006/main" xmlns:r="http://schemas.openxmlformats.org/officeDocument/2006/relationships" xmlns:p="http://schemas.openxmlformats.org/presentationml/2006/main">
   <p:cSld>
     <p:spTree>
@@ -24944,7 +25378,7 @@
         </p:blipFill>
         <p:spPr bwMode="auto">
           <a:xfrm>
-            <a:off x="2551810" y="5085978"/>
+            <a:off x="2551810" y="4825735"/>
             <a:ext cx="6942776" cy="1191415"/>
           </a:xfrm>
           <a:prstGeom prst="rect">
@@ -28261,7 +28695,7 @@
   <a:extraClrSchemeLst/>
   <a:extLst>
     <a:ext uri="{05A4C25C-085E-4340-85A3-A5531E510DB2}">
-      <thm15:themeFamily xmlns:thm15="http://schemas.microsoft.com/office/thememl/2012/main" xmlns="" name="Office Theme" id="{62F939B6-93AF-4DB8-9C6B-D6C7DFDC589F}" vid="{4A3C46E8-61CC-4603-A589-7422A47A8E4A}"/>
+      <thm15:themeFamily xmlns="" xmlns:thm15="http://schemas.microsoft.com/office/thememl/2012/main" name="Office Theme" id="{62F939B6-93AF-4DB8-9C6B-D6C7DFDC589F}" vid="{4A3C46E8-61CC-4603-A589-7422A47A8E4A}"/>
     </a:ext>
   </a:extLst>
 </a:theme>
@@ -28551,7 +28985,7 @@
   <a:extraClrSchemeLst/>
   <a:extLst>
     <a:ext uri="{05A4C25C-085E-4340-85A3-A5531E510DB2}">
-      <thm15:themeFamily xmlns:thm15="http://schemas.microsoft.com/office/thememl/2012/main" xmlns="" name="Office Theme" id="{62F939B6-93AF-4DB8-9C6B-D6C7DFDC589F}" vid="{4A3C46E8-61CC-4603-A589-7422A47A8E4A}"/>
+      <thm15:themeFamily xmlns="" xmlns:thm15="http://schemas.microsoft.com/office/thememl/2012/main" name="Office Theme" id="{62F939B6-93AF-4DB8-9C6B-D6C7DFDC589F}" vid="{4A3C46E8-61CC-4603-A589-7422A47A8E4A}"/>
     </a:ext>
   </a:extLst>
 </a:theme>
@@ -28841,7 +29275,7 @@
   <a:extraClrSchemeLst/>
   <a:extLst>
     <a:ext uri="{05A4C25C-085E-4340-85A3-A5531E510DB2}">
-      <thm15:themeFamily xmlns:thm15="http://schemas.microsoft.com/office/thememl/2012/main" xmlns="" name="Office Theme" id="{62F939B6-93AF-4DB8-9C6B-D6C7DFDC589F}" vid="{4A3C46E8-61CC-4603-A589-7422A47A8E4A}"/>
+      <thm15:themeFamily xmlns="" xmlns:thm15="http://schemas.microsoft.com/office/thememl/2012/main" name="Office Theme" id="{62F939B6-93AF-4DB8-9C6B-D6C7DFDC589F}" vid="{4A3C46E8-61CC-4603-A589-7422A47A8E4A}"/>
     </a:ext>
   </a:extLst>
 </a:theme>
